--- a/lecture-materials/Managment&Governance/15-CloudWatch-CloudTrail-eventBridge/cloudtrail.pptx
+++ b/lecture-materials/Managment&Governance/15-CloudWatch-CloudTrail-eventBridge/cloudtrail.pptx
@@ -1,39 +1,52 @@
 
 <file path=ppt/presentation.xml><?xml version="1.0" encoding="utf-8"?>
-<p:presentation xmlns:a="http://schemas.openxmlformats.org/drawingml/2006/main" xmlns:r="http://schemas.openxmlformats.org/officeDocument/2006/relationships" xmlns:mc="http://schemas.openxmlformats.org/markup-compatibility/2006" xmlns:mv="urn:schemas-microsoft-com:mac:vml" xmlns:p="http://schemas.openxmlformats.org/presentationml/2006/main" xmlns:c="http://schemas.openxmlformats.org/drawingml/2006/chart" xmlns:dgm="http://schemas.openxmlformats.org/drawingml/2006/diagram" xmlns:o="urn:schemas-microsoft-com:office:office" xmlns:v="urn:schemas-microsoft-com:vml" xmlns:pvml="urn:schemas-microsoft-com:office:powerpoint" xmlns:com="http://schemas.openxmlformats.org/drawingml/2006/compatibility" xmlns:p14="http://schemas.microsoft.com/office/powerpoint/2010/main" xmlns:p15="http://schemas.microsoft.com/office/powerpoint/2012/main" xmlns:ahyp="http://schemas.microsoft.com/office/drawing/2018/hyperlinkcolor" autoCompressPictures="0" embedTrueTypeFonts="1" strictFirstAndLastChars="0" saveSubsetFonts="1">
+<p:presentation xmlns:a="http://schemas.openxmlformats.org/drawingml/2006/main" xmlns:r="http://schemas.openxmlformats.org/officeDocument/2006/relationships" xmlns:p="http://schemas.openxmlformats.org/presentationml/2006/main" strictFirstAndLastChars="0" embedTrueTypeFonts="1" saveSubsetFonts="1" autoCompressPictures="0">
   <p:sldMasterIdLst>
-    <p:sldMasterId id="2147483660" r:id="rId4"/>
+    <p:sldMasterId id="2147483660" r:id="rId1"/>
   </p:sldMasterIdLst>
   <p:notesMasterIdLst>
-    <p:notesMasterId r:id="rId5"/>
+    <p:notesMasterId r:id="rId13"/>
   </p:notesMasterIdLst>
   <p:sldIdLst>
-    <p:sldId id="256" r:id="rId6"/>
-    <p:sldId id="257" r:id="rId7"/>
-    <p:sldId id="258" r:id="rId8"/>
-    <p:sldId id="259" r:id="rId9"/>
-    <p:sldId id="260" r:id="rId10"/>
-    <p:sldId id="261" r:id="rId11"/>
-    <p:sldId id="262" r:id="rId12"/>
-    <p:sldId id="263" r:id="rId13"/>
-    <p:sldId id="264" r:id="rId14"/>
-    <p:sldId id="265" r:id="rId15"/>
-    <p:sldId id="266" r:id="rId16"/>
-    <p:sldId id="267" r:id="rId17"/>
+    <p:sldId id="257" r:id="rId2"/>
+    <p:sldId id="258" r:id="rId3"/>
+    <p:sldId id="259" r:id="rId4"/>
+    <p:sldId id="260" r:id="rId5"/>
+    <p:sldId id="261" r:id="rId6"/>
+    <p:sldId id="262" r:id="rId7"/>
+    <p:sldId id="263" r:id="rId8"/>
+    <p:sldId id="264" r:id="rId9"/>
+    <p:sldId id="265" r:id="rId10"/>
+    <p:sldId id="266" r:id="rId11"/>
+    <p:sldId id="267" r:id="rId12"/>
   </p:sldIdLst>
-  <p:sldSz cy="5143500" cx="9144000"/>
+  <p:sldSz cx="9144000" cy="5143500" type="screen16x9"/>
   <p:notesSz cx="6858000" cy="9144000"/>
   <p:embeddedFontLst>
     <p:embeddedFont>
-      <p:font typeface="Economica"/>
+      <p:font typeface="Calibri" panose="020F0502020204030204" pitchFamily="34" charset="0"/>
+      <p:regular r:id="rId14"/>
+      <p:bold r:id="rId15"/>
+      <p:italic r:id="rId16"/>
+      <p:boldItalic r:id="rId17"/>
+    </p:embeddedFont>
+    <p:embeddedFont>
+      <p:font typeface="Economica" panose="02000506040000020004" pitchFamily="2" charset="77"/>
       <p:regular r:id="rId18"/>
       <p:bold r:id="rId19"/>
       <p:italic r:id="rId20"/>
       <p:boldItalic r:id="rId21"/>
     </p:embeddedFont>
+    <p:embeddedFont>
+      <p:font typeface="Open Sans" panose="020B0606030504020204" pitchFamily="34" charset="0"/>
+      <p:regular r:id="rId22"/>
+      <p:bold r:id="rId23"/>
+      <p:italic r:id="rId24"/>
+      <p:boldItalic r:id="rId25"/>
+    </p:embeddedFont>
   </p:embeddedFontLst>
   <p:defaultTextStyle>
-    <a:defPPr lvl="0" marR="0" rtl="0" algn="l">
+    <a:defPPr marR="0" lvl="0" algn="l" rtl="0">
       <a:lnSpc>
         <a:spcPct val="100000"/>
       </a:lnSpc>
@@ -44,7 +57,7 @@
         <a:spcPts val="0"/>
       </a:spcAft>
     </a:defPPr>
-    <a:lvl1pPr lvl="0" marR="0" rtl="0" algn="l">
+    <a:lvl1pPr marR="0" lvl="0" algn="l" rtl="0">
       <a:lnSpc>
         <a:spcPct val="100000"/>
       </a:lnSpc>
@@ -58,7 +71,7 @@
         <a:srgbClr val="000000"/>
       </a:buClr>
       <a:buFont typeface="Arial"/>
-      <a:defRPr b="0" i="0" sz="1400" u="none" cap="none" strike="noStrike">
+      <a:defRPr sz="1400" b="0" i="0" u="none" strike="noStrike" cap="none">
         <a:solidFill>
           <a:srgbClr val="000000"/>
         </a:solidFill>
@@ -68,7 +81,7 @@
         <a:sym typeface="Arial"/>
       </a:defRPr>
     </a:lvl1pPr>
-    <a:lvl2pPr lvl="1" marR="0" rtl="0" algn="l">
+    <a:lvl2pPr marR="0" lvl="1" algn="l" rtl="0">
       <a:lnSpc>
         <a:spcPct val="100000"/>
       </a:lnSpc>
@@ -82,7 +95,7 @@
         <a:srgbClr val="000000"/>
       </a:buClr>
       <a:buFont typeface="Arial"/>
-      <a:defRPr b="0" i="0" sz="1400" u="none" cap="none" strike="noStrike">
+      <a:defRPr sz="1400" b="0" i="0" u="none" strike="noStrike" cap="none">
         <a:solidFill>
           <a:srgbClr val="000000"/>
         </a:solidFill>
@@ -92,7 +105,7 @@
         <a:sym typeface="Arial"/>
       </a:defRPr>
     </a:lvl2pPr>
-    <a:lvl3pPr lvl="2" marR="0" rtl="0" algn="l">
+    <a:lvl3pPr marR="0" lvl="2" algn="l" rtl="0">
       <a:lnSpc>
         <a:spcPct val="100000"/>
       </a:lnSpc>
@@ -106,7 +119,7 @@
         <a:srgbClr val="000000"/>
       </a:buClr>
       <a:buFont typeface="Arial"/>
-      <a:defRPr b="0" i="0" sz="1400" u="none" cap="none" strike="noStrike">
+      <a:defRPr sz="1400" b="0" i="0" u="none" strike="noStrike" cap="none">
         <a:solidFill>
           <a:srgbClr val="000000"/>
         </a:solidFill>
@@ -116,7 +129,7 @@
         <a:sym typeface="Arial"/>
       </a:defRPr>
     </a:lvl3pPr>
-    <a:lvl4pPr lvl="3" marR="0" rtl="0" algn="l">
+    <a:lvl4pPr marR="0" lvl="3" algn="l" rtl="0">
       <a:lnSpc>
         <a:spcPct val="100000"/>
       </a:lnSpc>
@@ -130,7 +143,7 @@
         <a:srgbClr val="000000"/>
       </a:buClr>
       <a:buFont typeface="Arial"/>
-      <a:defRPr b="0" i="0" sz="1400" u="none" cap="none" strike="noStrike">
+      <a:defRPr sz="1400" b="0" i="0" u="none" strike="noStrike" cap="none">
         <a:solidFill>
           <a:srgbClr val="000000"/>
         </a:solidFill>
@@ -140,7 +153,7 @@
         <a:sym typeface="Arial"/>
       </a:defRPr>
     </a:lvl4pPr>
-    <a:lvl5pPr lvl="4" marR="0" rtl="0" algn="l">
+    <a:lvl5pPr marR="0" lvl="4" algn="l" rtl="0">
       <a:lnSpc>
         <a:spcPct val="100000"/>
       </a:lnSpc>
@@ -154,7 +167,7 @@
         <a:srgbClr val="000000"/>
       </a:buClr>
       <a:buFont typeface="Arial"/>
-      <a:defRPr b="0" i="0" sz="1400" u="none" cap="none" strike="noStrike">
+      <a:defRPr sz="1400" b="0" i="0" u="none" strike="noStrike" cap="none">
         <a:solidFill>
           <a:srgbClr val="000000"/>
         </a:solidFill>
@@ -164,7 +177,7 @@
         <a:sym typeface="Arial"/>
       </a:defRPr>
     </a:lvl5pPr>
-    <a:lvl6pPr lvl="5" marR="0" rtl="0" algn="l">
+    <a:lvl6pPr marR="0" lvl="5" algn="l" rtl="0">
       <a:lnSpc>
         <a:spcPct val="100000"/>
       </a:lnSpc>
@@ -178,7 +191,7 @@
         <a:srgbClr val="000000"/>
       </a:buClr>
       <a:buFont typeface="Arial"/>
-      <a:defRPr b="0" i="0" sz="1400" u="none" cap="none" strike="noStrike">
+      <a:defRPr sz="1400" b="0" i="0" u="none" strike="noStrike" cap="none">
         <a:solidFill>
           <a:srgbClr val="000000"/>
         </a:solidFill>
@@ -188,7 +201,7 @@
         <a:sym typeface="Arial"/>
       </a:defRPr>
     </a:lvl6pPr>
-    <a:lvl7pPr lvl="6" marR="0" rtl="0" algn="l">
+    <a:lvl7pPr marR="0" lvl="6" algn="l" rtl="0">
       <a:lnSpc>
         <a:spcPct val="100000"/>
       </a:lnSpc>
@@ -202,7 +215,7 @@
         <a:srgbClr val="000000"/>
       </a:buClr>
       <a:buFont typeface="Arial"/>
-      <a:defRPr b="0" i="0" sz="1400" u="none" cap="none" strike="noStrike">
+      <a:defRPr sz="1400" b="0" i="0" u="none" strike="noStrike" cap="none">
         <a:solidFill>
           <a:srgbClr val="000000"/>
         </a:solidFill>
@@ -212,7 +225,7 @@
         <a:sym typeface="Arial"/>
       </a:defRPr>
     </a:lvl7pPr>
-    <a:lvl8pPr lvl="7" marR="0" rtl="0" algn="l">
+    <a:lvl8pPr marR="0" lvl="7" algn="l" rtl="0">
       <a:lnSpc>
         <a:spcPct val="100000"/>
       </a:lnSpc>
@@ -226,7 +239,7 @@
         <a:srgbClr val="000000"/>
       </a:buClr>
       <a:buFont typeface="Arial"/>
-      <a:defRPr b="0" i="0" sz="1400" u="none" cap="none" strike="noStrike">
+      <a:defRPr sz="1400" b="0" i="0" u="none" strike="noStrike" cap="none">
         <a:solidFill>
           <a:srgbClr val="000000"/>
         </a:solidFill>
@@ -236,7 +249,7 @@
         <a:sym typeface="Arial"/>
       </a:defRPr>
     </a:lvl8pPr>
-    <a:lvl9pPr lvl="8" marR="0" rtl="0" algn="l">
+    <a:lvl9pPr marR="0" lvl="8" algn="l" rtl="0">
       <a:lnSpc>
         <a:spcPct val="100000"/>
       </a:lnSpc>
@@ -250,7 +263,7 @@
         <a:srgbClr val="000000"/>
       </a:buClr>
       <a:buFont typeface="Arial"/>
-      <a:defRPr b="0" i="0" sz="1400" u="none" cap="none" strike="noStrike">
+      <a:defRPr sz="1400" b="0" i="0" u="none" strike="noStrike" cap="none">
         <a:solidFill>
           <a:srgbClr val="000000"/>
         </a:solidFill>
@@ -263,7 +276,7 @@
   </p:defaultTextStyle>
   <p:extLst>
     <p:ext uri="{EFAFB233-063F-42B5-8137-9DF3F51BA10A}">
-      <p15:sldGuideLst>
+      <p15:sldGuideLst xmlns:p15="http://schemas.microsoft.com/office/powerpoint/2012/main">
         <p15:guide id="1" orient="horz" pos="1620">
           <p15:clr>
             <a:srgbClr val="747775"/>
@@ -281,11 +294,16 @@
 </file>
 
 <file path=ppt/notesMasters/notesMaster1.xml><?xml version="1.0" encoding="utf-8"?>
-<p:notesMaster xmlns:a="http://schemas.openxmlformats.org/drawingml/2006/main" xmlns:r="http://schemas.openxmlformats.org/officeDocument/2006/relationships" xmlns:mc="http://schemas.openxmlformats.org/markup-compatibility/2006" xmlns:mv="urn:schemas-microsoft-com:mac:vml" xmlns:p="http://schemas.openxmlformats.org/presentationml/2006/main" xmlns:c="http://schemas.openxmlformats.org/drawingml/2006/chart" xmlns:dgm="http://schemas.openxmlformats.org/drawingml/2006/diagram" xmlns:o="urn:schemas-microsoft-com:office:office" xmlns:v="urn:schemas-microsoft-com:vml" xmlns:pvml="urn:schemas-microsoft-com:office:powerpoint" xmlns:com="http://schemas.openxmlformats.org/drawingml/2006/compatibility" xmlns:p14="http://schemas.microsoft.com/office/powerpoint/2010/main" xmlns:p15="http://schemas.microsoft.com/office/powerpoint/2012/main" xmlns:ahyp="http://schemas.microsoft.com/office/drawing/2018/hyperlinkcolor">
+<p:notesMaster xmlns:a="http://schemas.openxmlformats.org/drawingml/2006/main" xmlns:r="http://schemas.openxmlformats.org/officeDocument/2006/relationships" xmlns:p="http://schemas.openxmlformats.org/presentationml/2006/main">
   <p:cSld>
+    <p:bg>
+      <p:bgRef idx="1001">
+        <a:schemeClr val="bg1"/>
+      </p:bgRef>
+    </p:bg>
     <p:spTree>
       <p:nvGrpSpPr>
-        <p:cNvPr id="2" name="Shape 2"/>
+        <p:cNvPr id="1" name="Shape 2"/>
         <p:cNvGrpSpPr/>
         <p:nvPr/>
       </p:nvGrpSpPr>
@@ -300,9 +318,11 @@
       <p:sp>
         <p:nvSpPr>
           <p:cNvPr id="3" name="Google Shape;3;n"/>
-          <p:cNvSpPr/>
+          <p:cNvSpPr>
+            <a:spLocks noGrp="1" noRot="1" noChangeAspect="1"/>
+          </p:cNvSpPr>
           <p:nvPr>
-            <p:ph idx="2" type="sldImg"/>
+            <p:ph type="sldImg" idx="2"/>
           </p:nvPr>
         </p:nvSpPr>
         <p:spPr>
@@ -311,9 +331,13 @@
             <a:ext cx="6096075" cy="3429000"/>
           </a:xfrm>
           <a:custGeom>
-            <a:rect b="b" l="l" r="r" t="t"/>
+            <a:avLst/>
+            <a:gdLst/>
+            <a:ahLst/>
+            <a:cxnLst/>
+            <a:rect l="l" t="t" r="r" b="b"/>
             <a:pathLst>
-              <a:path extrusionOk="0" h="120000" w="120000">
+              <a:path w="120000" h="120000" extrusionOk="0">
                 <a:moveTo>
                   <a:pt x="0" y="0"/>
                 </a:moveTo>
@@ -331,23 +355,25 @@
             </a:pathLst>
           </a:custGeom>
           <a:noFill/>
-          <a:ln cap="flat" cmpd="sng" w="9525">
+          <a:ln w="9525" cap="flat" cmpd="sng">
             <a:solidFill>
               <a:srgbClr val="000000"/>
             </a:solidFill>
             <a:prstDash val="solid"/>
             <a:round/>
-            <a:headEnd len="sm" w="sm" type="none"/>
-            <a:tailEnd len="sm" w="sm" type="none"/>
+            <a:headEnd type="none" w="sm" len="sm"/>
+            <a:tailEnd type="none" w="sm" len="sm"/>
           </a:ln>
         </p:spPr>
       </p:sp>
       <p:sp>
         <p:nvSpPr>
           <p:cNvPr id="4" name="Google Shape;4;n"/>
-          <p:cNvSpPr txBox="1"/>
+          <p:cNvSpPr txBox="1">
+            <a:spLocks noGrp="1"/>
+          </p:cNvSpPr>
           <p:nvPr>
-            <p:ph idx="1" type="body"/>
+            <p:ph type="body" idx="1"/>
           </p:nvPr>
         </p:nvSpPr>
         <p:spPr>
@@ -364,11 +390,11 @@
           </a:ln>
         </p:spPr>
         <p:txBody>
-          <a:bodyPr anchorCtr="0" anchor="t" bIns="91425" lIns="91425" spcFirstLastPara="1" rIns="91425" wrap="square" tIns="91425">
+          <a:bodyPr spcFirstLastPara="1" wrap="square" lIns="91425" tIns="91425" rIns="91425" bIns="91425" anchor="t" anchorCtr="0">
             <a:noAutofit/>
           </a:bodyPr>
           <a:lstStyle>
-            <a:lvl1pPr indent="-298450" lvl="0" marL="457200">
+            <a:lvl1pPr marL="457200" lvl="0" indent="-298450">
               <a:spcBef>
                 <a:spcPts val="0"/>
               </a:spcBef>
@@ -379,7 +405,7 @@
               <a:buChar char="●"/>
               <a:defRPr sz="1100"/>
             </a:lvl1pPr>
-            <a:lvl2pPr indent="-298450" lvl="1" marL="914400">
+            <a:lvl2pPr marL="914400" lvl="1" indent="-298450">
               <a:spcBef>
                 <a:spcPts val="0"/>
               </a:spcBef>
@@ -390,7 +416,7 @@
               <a:buChar char="○"/>
               <a:defRPr sz="1100"/>
             </a:lvl2pPr>
-            <a:lvl3pPr indent="-298450" lvl="2" marL="1371600">
+            <a:lvl3pPr marL="1371600" lvl="2" indent="-298450">
               <a:spcBef>
                 <a:spcPts val="0"/>
               </a:spcBef>
@@ -401,7 +427,7 @@
               <a:buChar char="■"/>
               <a:defRPr sz="1100"/>
             </a:lvl3pPr>
-            <a:lvl4pPr indent="-298450" lvl="3" marL="1828800">
+            <a:lvl4pPr marL="1828800" lvl="3" indent="-298450">
               <a:spcBef>
                 <a:spcPts val="0"/>
               </a:spcBef>
@@ -412,7 +438,7 @@
               <a:buChar char="●"/>
               <a:defRPr sz="1100"/>
             </a:lvl4pPr>
-            <a:lvl5pPr indent="-298450" lvl="4" marL="2286000">
+            <a:lvl5pPr marL="2286000" lvl="4" indent="-298450">
               <a:spcBef>
                 <a:spcPts val="0"/>
               </a:spcBef>
@@ -423,7 +449,7 @@
               <a:buChar char="○"/>
               <a:defRPr sz="1100"/>
             </a:lvl5pPr>
-            <a:lvl6pPr indent="-298450" lvl="5" marL="2743200">
+            <a:lvl6pPr marL="2743200" lvl="5" indent="-298450">
               <a:spcBef>
                 <a:spcPts val="0"/>
               </a:spcBef>
@@ -434,7 +460,7 @@
               <a:buChar char="■"/>
               <a:defRPr sz="1100"/>
             </a:lvl6pPr>
-            <a:lvl7pPr indent="-298450" lvl="6" marL="3200400">
+            <a:lvl7pPr marL="3200400" lvl="6" indent="-298450">
               <a:spcBef>
                 <a:spcPts val="0"/>
               </a:spcBef>
@@ -445,7 +471,7 @@
               <a:buChar char="●"/>
               <a:defRPr sz="1100"/>
             </a:lvl7pPr>
-            <a:lvl8pPr indent="-298450" lvl="7" marL="3657600">
+            <a:lvl8pPr marL="3657600" lvl="7" indent="-298450">
               <a:spcBef>
                 <a:spcPts val="0"/>
               </a:spcBef>
@@ -456,7 +482,7 @@
               <a:buChar char="○"/>
               <a:defRPr sz="1100"/>
             </a:lvl8pPr>
-            <a:lvl9pPr indent="-298450" lvl="8" marL="4114800">
+            <a:lvl9pPr marL="4114800" lvl="8" indent="-298450">
               <a:spcBef>
                 <a:spcPts val="0"/>
               </a:spcBef>
@@ -468,14 +494,16 @@
               <a:defRPr sz="1100"/>
             </a:lvl9pPr>
           </a:lstStyle>
-          <a:p/>
+          <a:p>
+            <a:endParaRPr/>
+          </a:p>
         </p:txBody>
       </p:sp>
     </p:spTree>
   </p:cSld>
-  <p:clrMap accent1="accent1" accent2="accent2" accent3="accent3" accent4="accent4" accent5="accent5" accent6="accent6" bg1="lt1" bg2="dk2" tx1="dk1" tx2="lt2" folHlink="folHlink" hlink="hlink"/>
+  <p:clrMap bg1="lt1" tx1="dk1" bg2="dk2" tx2="lt2" accent1="accent1" accent2="accent2" accent3="accent3" accent4="accent4" accent5="accent5" accent6="accent6" hlink="hlink" folHlink="folHlink"/>
   <p:notesStyle>
-    <a:defPPr lvl="0" marR="0" rtl="0" algn="l">
+    <a:defPPr marR="0" lvl="0" algn="l" rtl="0">
       <a:lnSpc>
         <a:spcPct val="100000"/>
       </a:lnSpc>
@@ -486,7 +514,7 @@
         <a:spcPts val="0"/>
       </a:spcAft>
     </a:defPPr>
-    <a:lvl1pPr lvl="0" marR="0" rtl="0" algn="l">
+    <a:lvl1pPr marR="0" lvl="0" algn="l" rtl="0">
       <a:lnSpc>
         <a:spcPct val="100000"/>
       </a:lnSpc>
@@ -500,7 +528,7 @@
         <a:srgbClr val="000000"/>
       </a:buClr>
       <a:buFont typeface="Arial"/>
-      <a:defRPr b="0" i="0" sz="1400" u="none" cap="none" strike="noStrike">
+      <a:defRPr sz="1400" b="0" i="0" u="none" strike="noStrike" cap="none">
         <a:solidFill>
           <a:srgbClr val="000000"/>
         </a:solidFill>
@@ -510,7 +538,7 @@
         <a:sym typeface="Arial"/>
       </a:defRPr>
     </a:lvl1pPr>
-    <a:lvl2pPr lvl="1" marR="0" rtl="0" algn="l">
+    <a:lvl2pPr marR="0" lvl="1" algn="l" rtl="0">
       <a:lnSpc>
         <a:spcPct val="100000"/>
       </a:lnSpc>
@@ -524,7 +552,7 @@
         <a:srgbClr val="000000"/>
       </a:buClr>
       <a:buFont typeface="Arial"/>
-      <a:defRPr b="0" i="0" sz="1400" u="none" cap="none" strike="noStrike">
+      <a:defRPr sz="1400" b="0" i="0" u="none" strike="noStrike" cap="none">
         <a:solidFill>
           <a:srgbClr val="000000"/>
         </a:solidFill>
@@ -534,7 +562,7 @@
         <a:sym typeface="Arial"/>
       </a:defRPr>
     </a:lvl2pPr>
-    <a:lvl3pPr lvl="2" marR="0" rtl="0" algn="l">
+    <a:lvl3pPr marR="0" lvl="2" algn="l" rtl="0">
       <a:lnSpc>
         <a:spcPct val="100000"/>
       </a:lnSpc>
@@ -548,7 +576,7 @@
         <a:srgbClr val="000000"/>
       </a:buClr>
       <a:buFont typeface="Arial"/>
-      <a:defRPr b="0" i="0" sz="1400" u="none" cap="none" strike="noStrike">
+      <a:defRPr sz="1400" b="0" i="0" u="none" strike="noStrike" cap="none">
         <a:solidFill>
           <a:srgbClr val="000000"/>
         </a:solidFill>
@@ -558,7 +586,7 @@
         <a:sym typeface="Arial"/>
       </a:defRPr>
     </a:lvl3pPr>
-    <a:lvl4pPr lvl="3" marR="0" rtl="0" algn="l">
+    <a:lvl4pPr marR="0" lvl="3" algn="l" rtl="0">
       <a:lnSpc>
         <a:spcPct val="100000"/>
       </a:lnSpc>
@@ -572,7 +600,7 @@
         <a:srgbClr val="000000"/>
       </a:buClr>
       <a:buFont typeface="Arial"/>
-      <a:defRPr b="0" i="0" sz="1400" u="none" cap="none" strike="noStrike">
+      <a:defRPr sz="1400" b="0" i="0" u="none" strike="noStrike" cap="none">
         <a:solidFill>
           <a:srgbClr val="000000"/>
         </a:solidFill>
@@ -582,7 +610,7 @@
         <a:sym typeface="Arial"/>
       </a:defRPr>
     </a:lvl4pPr>
-    <a:lvl5pPr lvl="4" marR="0" rtl="0" algn="l">
+    <a:lvl5pPr marR="0" lvl="4" algn="l" rtl="0">
       <a:lnSpc>
         <a:spcPct val="100000"/>
       </a:lnSpc>
@@ -596,7 +624,7 @@
         <a:srgbClr val="000000"/>
       </a:buClr>
       <a:buFont typeface="Arial"/>
-      <a:defRPr b="0" i="0" sz="1400" u="none" cap="none" strike="noStrike">
+      <a:defRPr sz="1400" b="0" i="0" u="none" strike="noStrike" cap="none">
         <a:solidFill>
           <a:srgbClr val="000000"/>
         </a:solidFill>
@@ -606,7 +634,7 @@
         <a:sym typeface="Arial"/>
       </a:defRPr>
     </a:lvl5pPr>
-    <a:lvl6pPr lvl="5" marR="0" rtl="0" algn="l">
+    <a:lvl6pPr marR="0" lvl="5" algn="l" rtl="0">
       <a:lnSpc>
         <a:spcPct val="100000"/>
       </a:lnSpc>
@@ -620,7 +648,7 @@
         <a:srgbClr val="000000"/>
       </a:buClr>
       <a:buFont typeface="Arial"/>
-      <a:defRPr b="0" i="0" sz="1400" u="none" cap="none" strike="noStrike">
+      <a:defRPr sz="1400" b="0" i="0" u="none" strike="noStrike" cap="none">
         <a:solidFill>
           <a:srgbClr val="000000"/>
         </a:solidFill>
@@ -630,7 +658,7 @@
         <a:sym typeface="Arial"/>
       </a:defRPr>
     </a:lvl6pPr>
-    <a:lvl7pPr lvl="6" marR="0" rtl="0" algn="l">
+    <a:lvl7pPr marR="0" lvl="6" algn="l" rtl="0">
       <a:lnSpc>
         <a:spcPct val="100000"/>
       </a:lnSpc>
@@ -644,7 +672,7 @@
         <a:srgbClr val="000000"/>
       </a:buClr>
       <a:buFont typeface="Arial"/>
-      <a:defRPr b="0" i="0" sz="1400" u="none" cap="none" strike="noStrike">
+      <a:defRPr sz="1400" b="0" i="0" u="none" strike="noStrike" cap="none">
         <a:solidFill>
           <a:srgbClr val="000000"/>
         </a:solidFill>
@@ -654,7 +682,7 @@
         <a:sym typeface="Arial"/>
       </a:defRPr>
     </a:lvl7pPr>
-    <a:lvl8pPr lvl="7" marR="0" rtl="0" algn="l">
+    <a:lvl8pPr marR="0" lvl="7" algn="l" rtl="0">
       <a:lnSpc>
         <a:spcPct val="100000"/>
       </a:lnSpc>
@@ -668,7 +696,7 @@
         <a:srgbClr val="000000"/>
       </a:buClr>
       <a:buFont typeface="Arial"/>
-      <a:defRPr b="0" i="0" sz="1400" u="none" cap="none" strike="noStrike">
+      <a:defRPr sz="1400" b="0" i="0" u="none" strike="noStrike" cap="none">
         <a:solidFill>
           <a:srgbClr val="000000"/>
         </a:solidFill>
@@ -678,7 +706,7 @@
         <a:sym typeface="Arial"/>
       </a:defRPr>
     </a:lvl8pPr>
-    <a:lvl9pPr lvl="8" marR="0" rtl="0" algn="l">
+    <a:lvl9pPr marR="0" lvl="8" algn="l" rtl="0">
       <a:lnSpc>
         <a:spcPct val="100000"/>
       </a:lnSpc>
@@ -692,7 +720,7 @@
         <a:srgbClr val="000000"/>
       </a:buClr>
       <a:buFont typeface="Arial"/>
-      <a:defRPr b="0" i="0" sz="1400" u="none" cap="none" strike="noStrike">
+      <a:defRPr sz="1400" b="0" i="0" u="none" strike="noStrike" cap="none">
         <a:solidFill>
           <a:srgbClr val="000000"/>
         </a:solidFill>
@@ -707,11 +735,11 @@
 </file>
 
 <file path=ppt/notesSlides/notesSlide1.xml><?xml version="1.0" encoding="utf-8"?>
-<p:notes xmlns:a="http://schemas.openxmlformats.org/drawingml/2006/main" xmlns:r="http://schemas.openxmlformats.org/officeDocument/2006/relationships" xmlns:mc="http://schemas.openxmlformats.org/markup-compatibility/2006" xmlns:mv="urn:schemas-microsoft-com:mac:vml" xmlns:p="http://schemas.openxmlformats.org/presentationml/2006/main" xmlns:c="http://schemas.openxmlformats.org/drawingml/2006/chart" xmlns:dgm="http://schemas.openxmlformats.org/drawingml/2006/diagram" xmlns:o="urn:schemas-microsoft-com:office:office" xmlns:v="urn:schemas-microsoft-com:vml" xmlns:pvml="urn:schemas-microsoft-com:office:powerpoint" xmlns:com="http://schemas.openxmlformats.org/drawingml/2006/compatibility" xmlns:p14="http://schemas.microsoft.com/office/powerpoint/2010/main" xmlns:p15="http://schemas.microsoft.com/office/powerpoint/2012/main" xmlns:ahyp="http://schemas.microsoft.com/office/drawing/2018/hyperlinkcolor" showMasterPhAnim="0" showMasterSp="0">
+<p:notes xmlns:a="http://schemas.openxmlformats.org/drawingml/2006/main" xmlns:r="http://schemas.openxmlformats.org/officeDocument/2006/relationships" xmlns:p="http://schemas.openxmlformats.org/presentationml/2006/main" showMasterSp="0" showMasterPhAnim="0">
   <p:cSld>
     <p:spTree>
       <p:nvGrpSpPr>
-        <p:cNvPr id="57" name="Shape 57"/>
+        <p:cNvPr id="1" name="Shape 63"/>
         <p:cNvGrpSpPr/>
         <p:nvPr/>
       </p:nvGrpSpPr>
@@ -725,21 +753,27 @@
       </p:grpSpPr>
       <p:sp>
         <p:nvSpPr>
-          <p:cNvPr id="58" name="Google Shape;58;p:notes"/>
-          <p:cNvSpPr/>
+          <p:cNvPr id="64" name="Google Shape;64;g25f367d6716_0_0:notes"/>
+          <p:cNvSpPr>
+            <a:spLocks noGrp="1" noRot="1" noChangeAspect="1"/>
+          </p:cNvSpPr>
           <p:nvPr>
-            <p:ph idx="2" type="sldImg"/>
+            <p:ph type="sldImg" idx="2"/>
           </p:nvPr>
         </p:nvSpPr>
         <p:spPr>
           <a:xfrm>
-            <a:off x="381300" y="685800"/>
-            <a:ext cx="6096075" cy="3429000"/>
+            <a:off x="381000" y="685800"/>
+            <a:ext cx="6096000" cy="3429000"/>
           </a:xfrm>
           <a:custGeom>
-            <a:rect b="b" l="l" r="r" t="t"/>
+            <a:avLst/>
+            <a:gdLst/>
+            <a:ahLst/>
+            <a:cxnLst/>
+            <a:rect l="l" t="t" r="r" b="b"/>
             <a:pathLst>
-              <a:path extrusionOk="0" h="120000" w="120000">
+              <a:path w="120000" h="120000" extrusionOk="0">
                 <a:moveTo>
                   <a:pt x="0" y="0"/>
                 </a:moveTo>
@@ -760,10 +794,12 @@
       </p:sp>
       <p:sp>
         <p:nvSpPr>
-          <p:cNvPr id="59" name="Google Shape;59;p:notes"/>
-          <p:cNvSpPr txBox="1"/>
+          <p:cNvPr id="65" name="Google Shape;65;g25f367d6716_0_0:notes"/>
+          <p:cNvSpPr txBox="1">
+            <a:spLocks noGrp="1"/>
+          </p:cNvSpPr>
           <p:nvPr>
-            <p:ph idx="1" type="body"/>
+            <p:ph type="body" idx="1"/>
           </p:nvPr>
         </p:nvSpPr>
         <p:spPr>
@@ -776,12 +812,12 @@
           </a:prstGeom>
         </p:spPr>
         <p:txBody>
-          <a:bodyPr anchorCtr="0" anchor="t" bIns="91425" lIns="91425" spcFirstLastPara="1" rIns="91425" wrap="square" tIns="91425">
+          <a:bodyPr spcFirstLastPara="1" wrap="square" lIns="91425" tIns="91425" rIns="91425" bIns="91425" anchor="t" anchorCtr="0">
             <a:noAutofit/>
           </a:bodyPr>
           <a:lstStyle/>
           <a:p>
-            <a:pPr indent="0" lvl="0" marL="0" rtl="0" algn="l">
+            <a:pPr marL="0" lvl="0" indent="0" algn="l" rtl="0">
               <a:spcBef>
                 <a:spcPts val="0"/>
               </a:spcBef>
@@ -790,9 +826,6 @@
               </a:spcAft>
               <a:buNone/>
             </a:pPr>
-            <a:r>
-              <a:t/>
-            </a:r>
             <a:endParaRPr/>
           </a:p>
         </p:txBody>
@@ -806,11 +839,11 @@
 </file>
 
 <file path=ppt/notesSlides/notesSlide10.xml><?xml version="1.0" encoding="utf-8"?>
-<p:notes xmlns:a="http://schemas.openxmlformats.org/drawingml/2006/main" xmlns:r="http://schemas.openxmlformats.org/officeDocument/2006/relationships" xmlns:mc="http://schemas.openxmlformats.org/markup-compatibility/2006" xmlns:mv="urn:schemas-microsoft-com:mac:vml" xmlns:p="http://schemas.openxmlformats.org/presentationml/2006/main" xmlns:c="http://schemas.openxmlformats.org/drawingml/2006/chart" xmlns:dgm="http://schemas.openxmlformats.org/drawingml/2006/diagram" xmlns:o="urn:schemas-microsoft-com:office:office" xmlns:v="urn:schemas-microsoft-com:vml" xmlns:pvml="urn:schemas-microsoft-com:office:powerpoint" xmlns:com="http://schemas.openxmlformats.org/drawingml/2006/compatibility" xmlns:p14="http://schemas.microsoft.com/office/powerpoint/2010/main" xmlns:p15="http://schemas.microsoft.com/office/powerpoint/2012/main" xmlns:ahyp="http://schemas.microsoft.com/office/drawing/2018/hyperlinkcolor" showMasterPhAnim="0" showMasterSp="0">
+<p:notes xmlns:a="http://schemas.openxmlformats.org/drawingml/2006/main" xmlns:r="http://schemas.openxmlformats.org/officeDocument/2006/relationships" xmlns:p="http://schemas.openxmlformats.org/presentationml/2006/main" showMasterSp="0" showMasterPhAnim="0">
   <p:cSld>
     <p:spTree>
       <p:nvGrpSpPr>
-        <p:cNvPr id="120" name="Shape 120"/>
+        <p:cNvPr id="1" name="Shape 127"/>
         <p:cNvGrpSpPr/>
         <p:nvPr/>
       </p:nvGrpSpPr>
@@ -824,10 +857,12 @@
       </p:grpSpPr>
       <p:sp>
         <p:nvSpPr>
-          <p:cNvPr id="121" name="Google Shape;121;g25f367d6716_0_49:notes"/>
-          <p:cNvSpPr txBox="1"/>
+          <p:cNvPr id="128" name="Google Shape;128;g25f367d6716_0_55:notes"/>
+          <p:cNvSpPr txBox="1">
+            <a:spLocks noGrp="1"/>
+          </p:cNvSpPr>
           <p:nvPr>
-            <p:ph idx="1" type="body"/>
+            <p:ph type="body" idx="1"/>
           </p:nvPr>
         </p:nvSpPr>
         <p:spPr>
@@ -840,12 +875,12 @@
           </a:prstGeom>
         </p:spPr>
         <p:txBody>
-          <a:bodyPr anchorCtr="0" anchor="t" bIns="91425" lIns="91425" spcFirstLastPara="1" rIns="91425" wrap="square" tIns="91425">
+          <a:bodyPr spcFirstLastPara="1" wrap="square" lIns="91425" tIns="91425" rIns="91425" bIns="91425" anchor="t" anchorCtr="0">
             <a:noAutofit/>
           </a:bodyPr>
           <a:lstStyle/>
           <a:p>
-            <a:pPr indent="0" lvl="0" marL="0" rtl="0" algn="l">
+            <a:pPr marL="0" lvl="0" indent="0" algn="l" rtl="0">
               <a:spcBef>
                 <a:spcPts val="0"/>
               </a:spcBef>
@@ -854,30 +889,33 @@
               </a:spcAft>
               <a:buNone/>
             </a:pPr>
-            <a:r>
-              <a:t/>
-            </a:r>
             <a:endParaRPr/>
           </a:p>
         </p:txBody>
       </p:sp>
       <p:sp>
         <p:nvSpPr>
-          <p:cNvPr id="122" name="Google Shape;122;g25f367d6716_0_49:notes"/>
-          <p:cNvSpPr/>
+          <p:cNvPr id="129" name="Google Shape;129;g25f367d6716_0_55:notes"/>
+          <p:cNvSpPr>
+            <a:spLocks noGrp="1" noRot="1" noChangeAspect="1"/>
+          </p:cNvSpPr>
           <p:nvPr>
-            <p:ph idx="2" type="sldImg"/>
+            <p:ph type="sldImg" idx="2"/>
           </p:nvPr>
         </p:nvSpPr>
         <p:spPr>
           <a:xfrm>
-            <a:off x="1143225" y="685800"/>
-            <a:ext cx="4572300" cy="3429000"/>
+            <a:off x="381000" y="685800"/>
+            <a:ext cx="6096000" cy="3429000"/>
           </a:xfrm>
           <a:custGeom>
-            <a:rect b="b" l="l" r="r" t="t"/>
+            <a:avLst/>
+            <a:gdLst/>
+            <a:ahLst/>
+            <a:cxnLst/>
+            <a:rect l="l" t="t" r="r" b="b"/>
             <a:pathLst>
-              <a:path extrusionOk="0" h="120000" w="120000">
+              <a:path w="120000" h="120000" extrusionOk="0">
                 <a:moveTo>
                   <a:pt x="0" y="0"/>
                 </a:moveTo>
@@ -905,110 +943,11 @@
 </file>
 
 <file path=ppt/notesSlides/notesSlide11.xml><?xml version="1.0" encoding="utf-8"?>
-<p:notes xmlns:a="http://schemas.openxmlformats.org/drawingml/2006/main" xmlns:r="http://schemas.openxmlformats.org/officeDocument/2006/relationships" xmlns:mc="http://schemas.openxmlformats.org/markup-compatibility/2006" xmlns:mv="urn:schemas-microsoft-com:mac:vml" xmlns:p="http://schemas.openxmlformats.org/presentationml/2006/main" xmlns:c="http://schemas.openxmlformats.org/drawingml/2006/chart" xmlns:dgm="http://schemas.openxmlformats.org/drawingml/2006/diagram" xmlns:o="urn:schemas-microsoft-com:office:office" xmlns:v="urn:schemas-microsoft-com:vml" xmlns:pvml="urn:schemas-microsoft-com:office:powerpoint" xmlns:com="http://schemas.openxmlformats.org/drawingml/2006/compatibility" xmlns:p14="http://schemas.microsoft.com/office/powerpoint/2010/main" xmlns:p15="http://schemas.microsoft.com/office/powerpoint/2012/main" xmlns:ahyp="http://schemas.microsoft.com/office/drawing/2018/hyperlinkcolor" showMasterPhAnim="0" showMasterSp="0">
+<p:notes xmlns:a="http://schemas.openxmlformats.org/drawingml/2006/main" xmlns:r="http://schemas.openxmlformats.org/officeDocument/2006/relationships" xmlns:p="http://schemas.openxmlformats.org/presentationml/2006/main" showMasterSp="0" showMasterPhAnim="0">
   <p:cSld>
     <p:spTree>
       <p:nvGrpSpPr>
-        <p:cNvPr id="127" name="Shape 127"/>
-        <p:cNvGrpSpPr/>
-        <p:nvPr/>
-      </p:nvGrpSpPr>
-      <p:grpSpPr>
-        <a:xfrm>
-          <a:off x="0" y="0"/>
-          <a:ext cx="0" cy="0"/>
-          <a:chOff x="0" y="0"/>
-          <a:chExt cx="0" cy="0"/>
-        </a:xfrm>
-      </p:grpSpPr>
-      <p:sp>
-        <p:nvSpPr>
-          <p:cNvPr id="128" name="Google Shape;128;g25f367d6716_0_55:notes"/>
-          <p:cNvSpPr txBox="1"/>
-          <p:nvPr>
-            <p:ph idx="1" type="body"/>
-          </p:nvPr>
-        </p:nvSpPr>
-        <p:spPr>
-          <a:xfrm>
-            <a:off x="685800" y="4343400"/>
-            <a:ext cx="5486400" cy="4114800"/>
-          </a:xfrm>
-          <a:prstGeom prst="rect">
-            <a:avLst/>
-          </a:prstGeom>
-        </p:spPr>
-        <p:txBody>
-          <a:bodyPr anchorCtr="0" anchor="t" bIns="91425" lIns="91425" spcFirstLastPara="1" rIns="91425" wrap="square" tIns="91425">
-            <a:noAutofit/>
-          </a:bodyPr>
-          <a:lstStyle/>
-          <a:p>
-            <a:pPr indent="0" lvl="0" marL="0" rtl="0" algn="l">
-              <a:spcBef>
-                <a:spcPts val="0"/>
-              </a:spcBef>
-              <a:spcAft>
-                <a:spcPts val="0"/>
-              </a:spcAft>
-              <a:buNone/>
-            </a:pPr>
-            <a:r>
-              <a:t/>
-            </a:r>
-            <a:endParaRPr/>
-          </a:p>
-        </p:txBody>
-      </p:sp>
-      <p:sp>
-        <p:nvSpPr>
-          <p:cNvPr id="129" name="Google Shape;129;g25f367d6716_0_55:notes"/>
-          <p:cNvSpPr/>
-          <p:nvPr>
-            <p:ph idx="2" type="sldImg"/>
-          </p:nvPr>
-        </p:nvSpPr>
-        <p:spPr>
-          <a:xfrm>
-            <a:off x="1143225" y="685800"/>
-            <a:ext cx="4572300" cy="3429000"/>
-          </a:xfrm>
-          <a:custGeom>
-            <a:rect b="b" l="l" r="r" t="t"/>
-            <a:pathLst>
-              <a:path extrusionOk="0" h="120000" w="120000">
-                <a:moveTo>
-                  <a:pt x="0" y="0"/>
-                </a:moveTo>
-                <a:lnTo>
-                  <a:pt x="120000" y="0"/>
-                </a:lnTo>
-                <a:lnTo>
-                  <a:pt x="120000" y="120000"/>
-                </a:lnTo>
-                <a:lnTo>
-                  <a:pt x="0" y="120000"/>
-                </a:lnTo>
-                <a:close/>
-              </a:path>
-            </a:pathLst>
-          </a:custGeom>
-        </p:spPr>
-      </p:sp>
-    </p:spTree>
-  </p:cSld>
-  <p:clrMapOvr>
-    <a:masterClrMapping/>
-  </p:clrMapOvr>
-</p:notes>
-</file>
-
-<file path=ppt/notesSlides/notesSlide12.xml><?xml version="1.0" encoding="utf-8"?>
-<p:notes xmlns:a="http://schemas.openxmlformats.org/drawingml/2006/main" xmlns:r="http://schemas.openxmlformats.org/officeDocument/2006/relationships" xmlns:mc="http://schemas.openxmlformats.org/markup-compatibility/2006" xmlns:mv="urn:schemas-microsoft-com:mac:vml" xmlns:p="http://schemas.openxmlformats.org/presentationml/2006/main" xmlns:c="http://schemas.openxmlformats.org/drawingml/2006/chart" xmlns:dgm="http://schemas.openxmlformats.org/drawingml/2006/diagram" xmlns:o="urn:schemas-microsoft-com:office:office" xmlns:v="urn:schemas-microsoft-com:vml" xmlns:pvml="urn:schemas-microsoft-com:office:powerpoint" xmlns:com="http://schemas.openxmlformats.org/drawingml/2006/compatibility" xmlns:p14="http://schemas.microsoft.com/office/powerpoint/2010/main" xmlns:p15="http://schemas.microsoft.com/office/powerpoint/2012/main" xmlns:ahyp="http://schemas.microsoft.com/office/drawing/2018/hyperlinkcolor" showMasterPhAnim="0" showMasterSp="0">
-  <p:cSld>
-    <p:spTree>
-      <p:nvGrpSpPr>
-        <p:cNvPr id="134" name="Shape 134"/>
+        <p:cNvPr id="1" name="Shape 134"/>
         <p:cNvGrpSpPr/>
         <p:nvPr/>
       </p:nvGrpSpPr>
@@ -1023,9 +962,11 @@
       <p:sp>
         <p:nvSpPr>
           <p:cNvPr id="135" name="Google Shape;135;g25f367d6716_0_61:notes"/>
-          <p:cNvSpPr txBox="1"/>
+          <p:cNvSpPr txBox="1">
+            <a:spLocks noGrp="1"/>
+          </p:cNvSpPr>
           <p:nvPr>
-            <p:ph idx="1" type="body"/>
+            <p:ph type="body" idx="1"/>
           </p:nvPr>
         </p:nvSpPr>
         <p:spPr>
@@ -1038,12 +979,12 @@
           </a:prstGeom>
         </p:spPr>
         <p:txBody>
-          <a:bodyPr anchorCtr="0" anchor="t" bIns="91425" lIns="91425" spcFirstLastPara="1" rIns="91425" wrap="square" tIns="91425">
+          <a:bodyPr spcFirstLastPara="1" wrap="square" lIns="91425" tIns="91425" rIns="91425" bIns="91425" anchor="t" anchorCtr="0">
             <a:noAutofit/>
           </a:bodyPr>
           <a:lstStyle/>
           <a:p>
-            <a:pPr indent="0" lvl="0" marL="0" rtl="0" algn="l">
+            <a:pPr marL="0" lvl="0" indent="0" algn="l" rtl="0">
               <a:spcBef>
                 <a:spcPts val="0"/>
               </a:spcBef>
@@ -1052,9 +993,6 @@
               </a:spcAft>
               <a:buNone/>
             </a:pPr>
-            <a:r>
-              <a:t/>
-            </a:r>
             <a:endParaRPr/>
           </a:p>
         </p:txBody>
@@ -1062,20 +1000,26 @@
       <p:sp>
         <p:nvSpPr>
           <p:cNvPr id="136" name="Google Shape;136;g25f367d6716_0_61:notes"/>
-          <p:cNvSpPr/>
+          <p:cNvSpPr>
+            <a:spLocks noGrp="1" noRot="1" noChangeAspect="1"/>
+          </p:cNvSpPr>
           <p:nvPr>
-            <p:ph idx="2" type="sldImg"/>
+            <p:ph type="sldImg" idx="2"/>
           </p:nvPr>
         </p:nvSpPr>
         <p:spPr>
           <a:xfrm>
-            <a:off x="1143225" y="685800"/>
-            <a:ext cx="4572300" cy="3429000"/>
+            <a:off x="381000" y="685800"/>
+            <a:ext cx="6096000" cy="3429000"/>
           </a:xfrm>
           <a:custGeom>
-            <a:rect b="b" l="l" r="r" t="t"/>
+            <a:avLst/>
+            <a:gdLst/>
+            <a:ahLst/>
+            <a:cxnLst/>
+            <a:rect l="l" t="t" r="r" b="b"/>
             <a:pathLst>
-              <a:path extrusionOk="0" h="120000" w="120000">
+              <a:path w="120000" h="120000" extrusionOk="0">
                 <a:moveTo>
                   <a:pt x="0" y="0"/>
                 </a:moveTo>
@@ -1103,11 +1047,11 @@
 </file>
 
 <file path=ppt/notesSlides/notesSlide2.xml><?xml version="1.0" encoding="utf-8"?>
-<p:notes xmlns:a="http://schemas.openxmlformats.org/drawingml/2006/main" xmlns:r="http://schemas.openxmlformats.org/officeDocument/2006/relationships" xmlns:mc="http://schemas.openxmlformats.org/markup-compatibility/2006" xmlns:mv="urn:schemas-microsoft-com:mac:vml" xmlns:p="http://schemas.openxmlformats.org/presentationml/2006/main" xmlns:c="http://schemas.openxmlformats.org/drawingml/2006/chart" xmlns:dgm="http://schemas.openxmlformats.org/drawingml/2006/diagram" xmlns:o="urn:schemas-microsoft-com:office:office" xmlns:v="urn:schemas-microsoft-com:vml" xmlns:pvml="urn:schemas-microsoft-com:office:powerpoint" xmlns:com="http://schemas.openxmlformats.org/drawingml/2006/compatibility" xmlns:p14="http://schemas.microsoft.com/office/powerpoint/2010/main" xmlns:p15="http://schemas.microsoft.com/office/powerpoint/2012/main" xmlns:ahyp="http://schemas.microsoft.com/office/drawing/2018/hyperlinkcolor" showMasterPhAnim="0" showMasterSp="0">
+<p:notes xmlns:a="http://schemas.openxmlformats.org/drawingml/2006/main" xmlns:r="http://schemas.openxmlformats.org/officeDocument/2006/relationships" xmlns:p="http://schemas.openxmlformats.org/presentationml/2006/main" showMasterSp="0" showMasterPhAnim="0">
   <p:cSld>
     <p:spTree>
       <p:nvGrpSpPr>
-        <p:cNvPr id="63" name="Shape 63"/>
+        <p:cNvPr id="1" name="Shape 69"/>
         <p:cNvGrpSpPr/>
         <p:nvPr/>
       </p:nvGrpSpPr>
@@ -1121,21 +1065,65 @@
       </p:grpSpPr>
       <p:sp>
         <p:nvSpPr>
-          <p:cNvPr id="64" name="Google Shape;64;g25f367d6716_0_0:notes"/>
-          <p:cNvSpPr/>
+          <p:cNvPr id="70" name="Google Shape;70;g25f367d6716_0_5:notes"/>
+          <p:cNvSpPr txBox="1">
+            <a:spLocks noGrp="1"/>
+          </p:cNvSpPr>
           <p:nvPr>
-            <p:ph idx="2" type="sldImg"/>
+            <p:ph type="body" idx="1"/>
           </p:nvPr>
         </p:nvSpPr>
         <p:spPr>
           <a:xfrm>
-            <a:off x="381300" y="685800"/>
+            <a:off x="685800" y="4343400"/>
+            <a:ext cx="5486400" cy="4114800"/>
+          </a:xfrm>
+          <a:prstGeom prst="rect">
+            <a:avLst/>
+          </a:prstGeom>
+        </p:spPr>
+        <p:txBody>
+          <a:bodyPr spcFirstLastPara="1" wrap="square" lIns="91425" tIns="91425" rIns="91425" bIns="91425" anchor="t" anchorCtr="0">
+            <a:noAutofit/>
+          </a:bodyPr>
+          <a:lstStyle/>
+          <a:p>
+            <a:pPr marL="0" lvl="0" indent="0" algn="l" rtl="0">
+              <a:spcBef>
+                <a:spcPts val="0"/>
+              </a:spcBef>
+              <a:spcAft>
+                <a:spcPts val="0"/>
+              </a:spcAft>
+              <a:buNone/>
+            </a:pPr>
+            <a:endParaRPr/>
+          </a:p>
+        </p:txBody>
+      </p:sp>
+      <p:sp>
+        <p:nvSpPr>
+          <p:cNvPr id="71" name="Google Shape;71;g25f367d6716_0_5:notes"/>
+          <p:cNvSpPr>
+            <a:spLocks noGrp="1" noRot="1" noChangeAspect="1"/>
+          </p:cNvSpPr>
+          <p:nvPr>
+            <p:ph type="sldImg" idx="2"/>
+          </p:nvPr>
+        </p:nvSpPr>
+        <p:spPr>
+          <a:xfrm>
+            <a:off x="381000" y="685800"/>
             <a:ext cx="6096000" cy="3429000"/>
           </a:xfrm>
           <a:custGeom>
-            <a:rect b="b" l="l" r="r" t="t"/>
+            <a:avLst/>
+            <a:gdLst/>
+            <a:ahLst/>
+            <a:cxnLst/>
+            <a:rect l="l" t="t" r="r" b="b"/>
             <a:pathLst>
-              <a:path extrusionOk="0" h="120000" w="120000">
+              <a:path w="120000" h="120000" extrusionOk="0">
                 <a:moveTo>
                   <a:pt x="0" y="0"/>
                 </a:moveTo>
@@ -1154,45 +1142,6 @@
           </a:custGeom>
         </p:spPr>
       </p:sp>
-      <p:sp>
-        <p:nvSpPr>
-          <p:cNvPr id="65" name="Google Shape;65;g25f367d6716_0_0:notes"/>
-          <p:cNvSpPr txBox="1"/>
-          <p:nvPr>
-            <p:ph idx="1" type="body"/>
-          </p:nvPr>
-        </p:nvSpPr>
-        <p:spPr>
-          <a:xfrm>
-            <a:off x="685800" y="4343400"/>
-            <a:ext cx="5486400" cy="4114800"/>
-          </a:xfrm>
-          <a:prstGeom prst="rect">
-            <a:avLst/>
-          </a:prstGeom>
-        </p:spPr>
-        <p:txBody>
-          <a:bodyPr anchorCtr="0" anchor="t" bIns="91425" lIns="91425" spcFirstLastPara="1" rIns="91425" wrap="square" tIns="91425">
-            <a:noAutofit/>
-          </a:bodyPr>
-          <a:lstStyle/>
-          <a:p>
-            <a:pPr indent="0" lvl="0" marL="0" rtl="0" algn="l">
-              <a:spcBef>
-                <a:spcPts val="0"/>
-              </a:spcBef>
-              <a:spcAft>
-                <a:spcPts val="0"/>
-              </a:spcAft>
-              <a:buNone/>
-            </a:pPr>
-            <a:r>
-              <a:t/>
-            </a:r>
-            <a:endParaRPr/>
-          </a:p>
-        </p:txBody>
-      </p:sp>
     </p:spTree>
   </p:cSld>
   <p:clrMapOvr>
@@ -1202,11 +1151,11 @@
 </file>
 
 <file path=ppt/notesSlides/notesSlide3.xml><?xml version="1.0" encoding="utf-8"?>
-<p:notes xmlns:a="http://schemas.openxmlformats.org/drawingml/2006/main" xmlns:r="http://schemas.openxmlformats.org/officeDocument/2006/relationships" xmlns:mc="http://schemas.openxmlformats.org/markup-compatibility/2006" xmlns:mv="urn:schemas-microsoft-com:mac:vml" xmlns:p="http://schemas.openxmlformats.org/presentationml/2006/main" xmlns:c="http://schemas.openxmlformats.org/drawingml/2006/chart" xmlns:dgm="http://schemas.openxmlformats.org/drawingml/2006/diagram" xmlns:o="urn:schemas-microsoft-com:office:office" xmlns:v="urn:schemas-microsoft-com:vml" xmlns:pvml="urn:schemas-microsoft-com:office:powerpoint" xmlns:com="http://schemas.openxmlformats.org/drawingml/2006/compatibility" xmlns:p14="http://schemas.microsoft.com/office/powerpoint/2010/main" xmlns:p15="http://schemas.microsoft.com/office/powerpoint/2012/main" xmlns:ahyp="http://schemas.microsoft.com/office/drawing/2018/hyperlinkcolor" showMasterPhAnim="0" showMasterSp="0">
+<p:notes xmlns:a="http://schemas.openxmlformats.org/drawingml/2006/main" xmlns:r="http://schemas.openxmlformats.org/officeDocument/2006/relationships" xmlns:p="http://schemas.openxmlformats.org/presentationml/2006/main" showMasterSp="0" showMasterPhAnim="0">
   <p:cSld>
     <p:spTree>
       <p:nvGrpSpPr>
-        <p:cNvPr id="69" name="Shape 69"/>
+        <p:cNvPr id="1" name="Shape 76"/>
         <p:cNvGrpSpPr/>
         <p:nvPr/>
       </p:nvGrpSpPr>
@@ -1220,10 +1169,12 @@
       </p:grpSpPr>
       <p:sp>
         <p:nvSpPr>
-          <p:cNvPr id="70" name="Google Shape;70;g25f367d6716_0_5:notes"/>
-          <p:cNvSpPr txBox="1"/>
+          <p:cNvPr id="77" name="Google Shape;77;g25f367d6716_0_11:notes"/>
+          <p:cNvSpPr txBox="1">
+            <a:spLocks noGrp="1"/>
+          </p:cNvSpPr>
           <p:nvPr>
-            <p:ph idx="1" type="body"/>
+            <p:ph type="body" idx="1"/>
           </p:nvPr>
         </p:nvSpPr>
         <p:spPr>
@@ -1236,12 +1187,12 @@
           </a:prstGeom>
         </p:spPr>
         <p:txBody>
-          <a:bodyPr anchorCtr="0" anchor="t" bIns="91425" lIns="91425" spcFirstLastPara="1" rIns="91425" wrap="square" tIns="91425">
+          <a:bodyPr spcFirstLastPara="1" wrap="square" lIns="91425" tIns="91425" rIns="91425" bIns="91425" anchor="t" anchorCtr="0">
             <a:noAutofit/>
           </a:bodyPr>
           <a:lstStyle/>
           <a:p>
-            <a:pPr indent="0" lvl="0" marL="0" rtl="0" algn="l">
+            <a:pPr marL="0" lvl="0" indent="0" algn="l" rtl="0">
               <a:spcBef>
                 <a:spcPts val="0"/>
               </a:spcBef>
@@ -1250,30 +1201,33 @@
               </a:spcAft>
               <a:buNone/>
             </a:pPr>
-            <a:r>
-              <a:t/>
-            </a:r>
             <a:endParaRPr/>
           </a:p>
         </p:txBody>
       </p:sp>
       <p:sp>
         <p:nvSpPr>
-          <p:cNvPr id="71" name="Google Shape;71;g25f367d6716_0_5:notes"/>
-          <p:cNvSpPr/>
+          <p:cNvPr id="78" name="Google Shape;78;g25f367d6716_0_11:notes"/>
+          <p:cNvSpPr>
+            <a:spLocks noGrp="1" noRot="1" noChangeAspect="1"/>
+          </p:cNvSpPr>
           <p:nvPr>
-            <p:ph idx="2" type="sldImg"/>
+            <p:ph type="sldImg" idx="2"/>
           </p:nvPr>
         </p:nvSpPr>
         <p:spPr>
           <a:xfrm>
-            <a:off x="1143225" y="685800"/>
-            <a:ext cx="4572300" cy="3429000"/>
+            <a:off x="381000" y="685800"/>
+            <a:ext cx="6096000" cy="3429000"/>
           </a:xfrm>
           <a:custGeom>
-            <a:rect b="b" l="l" r="r" t="t"/>
+            <a:avLst/>
+            <a:gdLst/>
+            <a:ahLst/>
+            <a:cxnLst/>
+            <a:rect l="l" t="t" r="r" b="b"/>
             <a:pathLst>
-              <a:path extrusionOk="0" h="120000" w="120000">
+              <a:path w="120000" h="120000" extrusionOk="0">
                 <a:moveTo>
                   <a:pt x="0" y="0"/>
                 </a:moveTo>
@@ -1301,11 +1255,11 @@
 </file>
 
 <file path=ppt/notesSlides/notesSlide4.xml><?xml version="1.0" encoding="utf-8"?>
-<p:notes xmlns:a="http://schemas.openxmlformats.org/drawingml/2006/main" xmlns:r="http://schemas.openxmlformats.org/officeDocument/2006/relationships" xmlns:mc="http://schemas.openxmlformats.org/markup-compatibility/2006" xmlns:mv="urn:schemas-microsoft-com:mac:vml" xmlns:p="http://schemas.openxmlformats.org/presentationml/2006/main" xmlns:c="http://schemas.openxmlformats.org/drawingml/2006/chart" xmlns:dgm="http://schemas.openxmlformats.org/drawingml/2006/diagram" xmlns:o="urn:schemas-microsoft-com:office:office" xmlns:v="urn:schemas-microsoft-com:vml" xmlns:pvml="urn:schemas-microsoft-com:office:powerpoint" xmlns:com="http://schemas.openxmlformats.org/drawingml/2006/compatibility" xmlns:p14="http://schemas.microsoft.com/office/powerpoint/2010/main" xmlns:p15="http://schemas.microsoft.com/office/powerpoint/2012/main" xmlns:ahyp="http://schemas.microsoft.com/office/drawing/2018/hyperlinkcolor" showMasterPhAnim="0" showMasterSp="0">
+<p:notes xmlns:a="http://schemas.openxmlformats.org/drawingml/2006/main" xmlns:r="http://schemas.openxmlformats.org/officeDocument/2006/relationships" xmlns:p="http://schemas.openxmlformats.org/presentationml/2006/main" showMasterSp="0" showMasterPhAnim="0">
   <p:cSld>
     <p:spTree>
       <p:nvGrpSpPr>
-        <p:cNvPr id="76" name="Shape 76"/>
+        <p:cNvPr id="1" name="Shape 83"/>
         <p:cNvGrpSpPr/>
         <p:nvPr/>
       </p:nvGrpSpPr>
@@ -1319,10 +1273,12 @@
       </p:grpSpPr>
       <p:sp>
         <p:nvSpPr>
-          <p:cNvPr id="77" name="Google Shape;77;g25f367d6716_0_11:notes"/>
-          <p:cNvSpPr txBox="1"/>
+          <p:cNvPr id="84" name="Google Shape;84;g25f367d6716_0_17:notes"/>
+          <p:cNvSpPr txBox="1">
+            <a:spLocks noGrp="1"/>
+          </p:cNvSpPr>
           <p:nvPr>
-            <p:ph idx="1" type="body"/>
+            <p:ph type="body" idx="1"/>
           </p:nvPr>
         </p:nvSpPr>
         <p:spPr>
@@ -1335,12 +1291,12 @@
           </a:prstGeom>
         </p:spPr>
         <p:txBody>
-          <a:bodyPr anchorCtr="0" anchor="t" bIns="91425" lIns="91425" spcFirstLastPara="1" rIns="91425" wrap="square" tIns="91425">
+          <a:bodyPr spcFirstLastPara="1" wrap="square" lIns="91425" tIns="91425" rIns="91425" bIns="91425" anchor="t" anchorCtr="0">
             <a:noAutofit/>
           </a:bodyPr>
           <a:lstStyle/>
           <a:p>
-            <a:pPr indent="0" lvl="0" marL="0" rtl="0" algn="l">
+            <a:pPr marL="0" lvl="0" indent="0" algn="l" rtl="0">
               <a:spcBef>
                 <a:spcPts val="0"/>
               </a:spcBef>
@@ -1349,30 +1305,33 @@
               </a:spcAft>
               <a:buNone/>
             </a:pPr>
-            <a:r>
-              <a:t/>
-            </a:r>
             <a:endParaRPr/>
           </a:p>
         </p:txBody>
       </p:sp>
       <p:sp>
         <p:nvSpPr>
-          <p:cNvPr id="78" name="Google Shape;78;g25f367d6716_0_11:notes"/>
-          <p:cNvSpPr/>
+          <p:cNvPr id="85" name="Google Shape;85;g25f367d6716_0_17:notes"/>
+          <p:cNvSpPr>
+            <a:spLocks noGrp="1" noRot="1" noChangeAspect="1"/>
+          </p:cNvSpPr>
           <p:nvPr>
-            <p:ph idx="2" type="sldImg"/>
+            <p:ph type="sldImg" idx="2"/>
           </p:nvPr>
         </p:nvSpPr>
         <p:spPr>
           <a:xfrm>
-            <a:off x="1143225" y="685800"/>
-            <a:ext cx="4572300" cy="3429000"/>
+            <a:off x="381000" y="685800"/>
+            <a:ext cx="6096000" cy="3429000"/>
           </a:xfrm>
           <a:custGeom>
-            <a:rect b="b" l="l" r="r" t="t"/>
+            <a:avLst/>
+            <a:gdLst/>
+            <a:ahLst/>
+            <a:cxnLst/>
+            <a:rect l="l" t="t" r="r" b="b"/>
             <a:pathLst>
-              <a:path extrusionOk="0" h="120000" w="120000">
+              <a:path w="120000" h="120000" extrusionOk="0">
                 <a:moveTo>
                   <a:pt x="0" y="0"/>
                 </a:moveTo>
@@ -1400,11 +1359,11 @@
 </file>
 
 <file path=ppt/notesSlides/notesSlide5.xml><?xml version="1.0" encoding="utf-8"?>
-<p:notes xmlns:a="http://schemas.openxmlformats.org/drawingml/2006/main" xmlns:r="http://schemas.openxmlformats.org/officeDocument/2006/relationships" xmlns:mc="http://schemas.openxmlformats.org/markup-compatibility/2006" xmlns:mv="urn:schemas-microsoft-com:mac:vml" xmlns:p="http://schemas.openxmlformats.org/presentationml/2006/main" xmlns:c="http://schemas.openxmlformats.org/drawingml/2006/chart" xmlns:dgm="http://schemas.openxmlformats.org/drawingml/2006/diagram" xmlns:o="urn:schemas-microsoft-com:office:office" xmlns:v="urn:schemas-microsoft-com:vml" xmlns:pvml="urn:schemas-microsoft-com:office:powerpoint" xmlns:com="http://schemas.openxmlformats.org/drawingml/2006/compatibility" xmlns:p14="http://schemas.microsoft.com/office/powerpoint/2010/main" xmlns:p15="http://schemas.microsoft.com/office/powerpoint/2012/main" xmlns:ahyp="http://schemas.microsoft.com/office/drawing/2018/hyperlinkcolor" showMasterPhAnim="0" showMasterSp="0">
+<p:notes xmlns:a="http://schemas.openxmlformats.org/drawingml/2006/main" xmlns:r="http://schemas.openxmlformats.org/officeDocument/2006/relationships" xmlns:p="http://schemas.openxmlformats.org/presentationml/2006/main" showMasterSp="0" showMasterPhAnim="0">
   <p:cSld>
     <p:spTree>
       <p:nvGrpSpPr>
-        <p:cNvPr id="83" name="Shape 83"/>
+        <p:cNvPr id="1" name="Shape 90"/>
         <p:cNvGrpSpPr/>
         <p:nvPr/>
       </p:nvGrpSpPr>
@@ -1418,10 +1377,12 @@
       </p:grpSpPr>
       <p:sp>
         <p:nvSpPr>
-          <p:cNvPr id="84" name="Google Shape;84;g25f367d6716_0_17:notes"/>
-          <p:cNvSpPr txBox="1"/>
+          <p:cNvPr id="91" name="Google Shape;91;g25f367d6716_0_23:notes"/>
+          <p:cNvSpPr txBox="1">
+            <a:spLocks noGrp="1"/>
+          </p:cNvSpPr>
           <p:nvPr>
-            <p:ph idx="1" type="body"/>
+            <p:ph type="body" idx="1"/>
           </p:nvPr>
         </p:nvSpPr>
         <p:spPr>
@@ -1434,12 +1395,12 @@
           </a:prstGeom>
         </p:spPr>
         <p:txBody>
-          <a:bodyPr anchorCtr="0" anchor="t" bIns="91425" lIns="91425" spcFirstLastPara="1" rIns="91425" wrap="square" tIns="91425">
+          <a:bodyPr spcFirstLastPara="1" wrap="square" lIns="91425" tIns="91425" rIns="91425" bIns="91425" anchor="t" anchorCtr="0">
             <a:noAutofit/>
           </a:bodyPr>
           <a:lstStyle/>
           <a:p>
-            <a:pPr indent="0" lvl="0" marL="0" rtl="0" algn="l">
+            <a:pPr marL="0" lvl="0" indent="0" algn="l" rtl="0">
               <a:spcBef>
                 <a:spcPts val="0"/>
               </a:spcBef>
@@ -1448,30 +1409,33 @@
               </a:spcAft>
               <a:buNone/>
             </a:pPr>
-            <a:r>
-              <a:t/>
-            </a:r>
             <a:endParaRPr/>
           </a:p>
         </p:txBody>
       </p:sp>
       <p:sp>
         <p:nvSpPr>
-          <p:cNvPr id="85" name="Google Shape;85;g25f367d6716_0_17:notes"/>
-          <p:cNvSpPr/>
+          <p:cNvPr id="92" name="Google Shape;92;g25f367d6716_0_23:notes"/>
+          <p:cNvSpPr>
+            <a:spLocks noGrp="1" noRot="1" noChangeAspect="1"/>
+          </p:cNvSpPr>
           <p:nvPr>
-            <p:ph idx="2" type="sldImg"/>
+            <p:ph type="sldImg" idx="2"/>
           </p:nvPr>
         </p:nvSpPr>
         <p:spPr>
           <a:xfrm>
-            <a:off x="1143225" y="685800"/>
-            <a:ext cx="4572300" cy="3429000"/>
+            <a:off x="381000" y="685800"/>
+            <a:ext cx="6096000" cy="3429000"/>
           </a:xfrm>
           <a:custGeom>
-            <a:rect b="b" l="l" r="r" t="t"/>
+            <a:avLst/>
+            <a:gdLst/>
+            <a:ahLst/>
+            <a:cxnLst/>
+            <a:rect l="l" t="t" r="r" b="b"/>
             <a:pathLst>
-              <a:path extrusionOk="0" h="120000" w="120000">
+              <a:path w="120000" h="120000" extrusionOk="0">
                 <a:moveTo>
                   <a:pt x="0" y="0"/>
                 </a:moveTo>
@@ -1499,11 +1463,11 @@
 </file>
 
 <file path=ppt/notesSlides/notesSlide6.xml><?xml version="1.0" encoding="utf-8"?>
-<p:notes xmlns:a="http://schemas.openxmlformats.org/drawingml/2006/main" xmlns:r="http://schemas.openxmlformats.org/officeDocument/2006/relationships" xmlns:mc="http://schemas.openxmlformats.org/markup-compatibility/2006" xmlns:mv="urn:schemas-microsoft-com:mac:vml" xmlns:p="http://schemas.openxmlformats.org/presentationml/2006/main" xmlns:c="http://schemas.openxmlformats.org/drawingml/2006/chart" xmlns:dgm="http://schemas.openxmlformats.org/drawingml/2006/diagram" xmlns:o="urn:schemas-microsoft-com:office:office" xmlns:v="urn:schemas-microsoft-com:vml" xmlns:pvml="urn:schemas-microsoft-com:office:powerpoint" xmlns:com="http://schemas.openxmlformats.org/drawingml/2006/compatibility" xmlns:p14="http://schemas.microsoft.com/office/powerpoint/2010/main" xmlns:p15="http://schemas.microsoft.com/office/powerpoint/2012/main" xmlns:ahyp="http://schemas.microsoft.com/office/drawing/2018/hyperlinkcolor" showMasterPhAnim="0" showMasterSp="0">
+<p:notes xmlns:a="http://schemas.openxmlformats.org/drawingml/2006/main" xmlns:r="http://schemas.openxmlformats.org/officeDocument/2006/relationships" xmlns:p="http://schemas.openxmlformats.org/presentationml/2006/main" showMasterSp="0" showMasterPhAnim="0">
   <p:cSld>
     <p:spTree>
       <p:nvGrpSpPr>
-        <p:cNvPr id="90" name="Shape 90"/>
+        <p:cNvPr id="1" name="Shape 99"/>
         <p:cNvGrpSpPr/>
         <p:nvPr/>
       </p:nvGrpSpPr>
@@ -1517,10 +1481,12 @@
       </p:grpSpPr>
       <p:sp>
         <p:nvSpPr>
-          <p:cNvPr id="91" name="Google Shape;91;g25f367d6716_0_23:notes"/>
-          <p:cNvSpPr txBox="1"/>
+          <p:cNvPr id="100" name="Google Shape;100;g25f367d6716_0_31:notes"/>
+          <p:cNvSpPr txBox="1">
+            <a:spLocks noGrp="1"/>
+          </p:cNvSpPr>
           <p:nvPr>
-            <p:ph idx="1" type="body"/>
+            <p:ph type="body" idx="1"/>
           </p:nvPr>
         </p:nvSpPr>
         <p:spPr>
@@ -1533,12 +1499,12 @@
           </a:prstGeom>
         </p:spPr>
         <p:txBody>
-          <a:bodyPr anchorCtr="0" anchor="t" bIns="91425" lIns="91425" spcFirstLastPara="1" rIns="91425" wrap="square" tIns="91425">
+          <a:bodyPr spcFirstLastPara="1" wrap="square" lIns="91425" tIns="91425" rIns="91425" bIns="91425" anchor="t" anchorCtr="0">
             <a:noAutofit/>
           </a:bodyPr>
           <a:lstStyle/>
           <a:p>
-            <a:pPr indent="0" lvl="0" marL="0" rtl="0" algn="l">
+            <a:pPr marL="0" lvl="0" indent="0" algn="l" rtl="0">
               <a:spcBef>
                 <a:spcPts val="0"/>
               </a:spcBef>
@@ -1547,30 +1513,33 @@
               </a:spcAft>
               <a:buNone/>
             </a:pPr>
-            <a:r>
-              <a:t/>
-            </a:r>
             <a:endParaRPr/>
           </a:p>
         </p:txBody>
       </p:sp>
       <p:sp>
         <p:nvSpPr>
-          <p:cNvPr id="92" name="Google Shape;92;g25f367d6716_0_23:notes"/>
-          <p:cNvSpPr/>
+          <p:cNvPr id="101" name="Google Shape;101;g25f367d6716_0_31:notes"/>
+          <p:cNvSpPr>
+            <a:spLocks noGrp="1" noRot="1" noChangeAspect="1"/>
+          </p:cNvSpPr>
           <p:nvPr>
-            <p:ph idx="2" type="sldImg"/>
+            <p:ph type="sldImg" idx="2"/>
           </p:nvPr>
         </p:nvSpPr>
         <p:spPr>
           <a:xfrm>
-            <a:off x="1143225" y="685800"/>
-            <a:ext cx="4572300" cy="3429000"/>
+            <a:off x="381000" y="685800"/>
+            <a:ext cx="6096000" cy="3429000"/>
           </a:xfrm>
           <a:custGeom>
-            <a:rect b="b" l="l" r="r" t="t"/>
+            <a:avLst/>
+            <a:gdLst/>
+            <a:ahLst/>
+            <a:cxnLst/>
+            <a:rect l="l" t="t" r="r" b="b"/>
             <a:pathLst>
-              <a:path extrusionOk="0" h="120000" w="120000">
+              <a:path w="120000" h="120000" extrusionOk="0">
                 <a:moveTo>
                   <a:pt x="0" y="0"/>
                 </a:moveTo>
@@ -1598,11 +1567,11 @@
 </file>
 
 <file path=ppt/notesSlides/notesSlide7.xml><?xml version="1.0" encoding="utf-8"?>
-<p:notes xmlns:a="http://schemas.openxmlformats.org/drawingml/2006/main" xmlns:r="http://schemas.openxmlformats.org/officeDocument/2006/relationships" xmlns:mc="http://schemas.openxmlformats.org/markup-compatibility/2006" xmlns:mv="urn:schemas-microsoft-com:mac:vml" xmlns:p="http://schemas.openxmlformats.org/presentationml/2006/main" xmlns:c="http://schemas.openxmlformats.org/drawingml/2006/chart" xmlns:dgm="http://schemas.openxmlformats.org/drawingml/2006/diagram" xmlns:o="urn:schemas-microsoft-com:office:office" xmlns:v="urn:schemas-microsoft-com:vml" xmlns:pvml="urn:schemas-microsoft-com:office:powerpoint" xmlns:com="http://schemas.openxmlformats.org/drawingml/2006/compatibility" xmlns:p14="http://schemas.microsoft.com/office/powerpoint/2010/main" xmlns:p15="http://schemas.microsoft.com/office/powerpoint/2012/main" xmlns:ahyp="http://schemas.microsoft.com/office/drawing/2018/hyperlinkcolor" showMasterPhAnim="0" showMasterSp="0">
+<p:notes xmlns:a="http://schemas.openxmlformats.org/drawingml/2006/main" xmlns:r="http://schemas.openxmlformats.org/officeDocument/2006/relationships" xmlns:p="http://schemas.openxmlformats.org/presentationml/2006/main" showMasterSp="0" showMasterPhAnim="0">
   <p:cSld>
     <p:spTree>
       <p:nvGrpSpPr>
-        <p:cNvPr id="99" name="Shape 99"/>
+        <p:cNvPr id="1" name="Shape 106"/>
         <p:cNvGrpSpPr/>
         <p:nvPr/>
       </p:nvGrpSpPr>
@@ -1616,10 +1585,12 @@
       </p:grpSpPr>
       <p:sp>
         <p:nvSpPr>
-          <p:cNvPr id="100" name="Google Shape;100;g25f367d6716_0_31:notes"/>
-          <p:cNvSpPr txBox="1"/>
+          <p:cNvPr id="107" name="Google Shape;107;g25f367d6716_0_37:notes"/>
+          <p:cNvSpPr txBox="1">
+            <a:spLocks noGrp="1"/>
+          </p:cNvSpPr>
           <p:nvPr>
-            <p:ph idx="1" type="body"/>
+            <p:ph type="body" idx="1"/>
           </p:nvPr>
         </p:nvSpPr>
         <p:spPr>
@@ -1632,12 +1603,12 @@
           </a:prstGeom>
         </p:spPr>
         <p:txBody>
-          <a:bodyPr anchorCtr="0" anchor="t" bIns="91425" lIns="91425" spcFirstLastPara="1" rIns="91425" wrap="square" tIns="91425">
+          <a:bodyPr spcFirstLastPara="1" wrap="square" lIns="91425" tIns="91425" rIns="91425" bIns="91425" anchor="t" anchorCtr="0">
             <a:noAutofit/>
           </a:bodyPr>
           <a:lstStyle/>
           <a:p>
-            <a:pPr indent="0" lvl="0" marL="0" rtl="0" algn="l">
+            <a:pPr marL="0" lvl="0" indent="0" algn="l" rtl="0">
               <a:spcBef>
                 <a:spcPts val="0"/>
               </a:spcBef>
@@ -1646,30 +1617,33 @@
               </a:spcAft>
               <a:buNone/>
             </a:pPr>
-            <a:r>
-              <a:t/>
-            </a:r>
             <a:endParaRPr/>
           </a:p>
         </p:txBody>
       </p:sp>
       <p:sp>
         <p:nvSpPr>
-          <p:cNvPr id="101" name="Google Shape;101;g25f367d6716_0_31:notes"/>
-          <p:cNvSpPr/>
+          <p:cNvPr id="108" name="Google Shape;108;g25f367d6716_0_37:notes"/>
+          <p:cNvSpPr>
+            <a:spLocks noGrp="1" noRot="1" noChangeAspect="1"/>
+          </p:cNvSpPr>
           <p:nvPr>
-            <p:ph idx="2" type="sldImg"/>
+            <p:ph type="sldImg" idx="2"/>
           </p:nvPr>
         </p:nvSpPr>
         <p:spPr>
           <a:xfrm>
-            <a:off x="1143225" y="685800"/>
-            <a:ext cx="4572300" cy="3429000"/>
+            <a:off x="381000" y="685800"/>
+            <a:ext cx="6096000" cy="3429000"/>
           </a:xfrm>
           <a:custGeom>
-            <a:rect b="b" l="l" r="r" t="t"/>
+            <a:avLst/>
+            <a:gdLst/>
+            <a:ahLst/>
+            <a:cxnLst/>
+            <a:rect l="l" t="t" r="r" b="b"/>
             <a:pathLst>
-              <a:path extrusionOk="0" h="120000" w="120000">
+              <a:path w="120000" h="120000" extrusionOk="0">
                 <a:moveTo>
                   <a:pt x="0" y="0"/>
                 </a:moveTo>
@@ -1697,11 +1671,11 @@
 </file>
 
 <file path=ppt/notesSlides/notesSlide8.xml><?xml version="1.0" encoding="utf-8"?>
-<p:notes xmlns:a="http://schemas.openxmlformats.org/drawingml/2006/main" xmlns:r="http://schemas.openxmlformats.org/officeDocument/2006/relationships" xmlns:mc="http://schemas.openxmlformats.org/markup-compatibility/2006" xmlns:mv="urn:schemas-microsoft-com:mac:vml" xmlns:p="http://schemas.openxmlformats.org/presentationml/2006/main" xmlns:c="http://schemas.openxmlformats.org/drawingml/2006/chart" xmlns:dgm="http://schemas.openxmlformats.org/drawingml/2006/diagram" xmlns:o="urn:schemas-microsoft-com:office:office" xmlns:v="urn:schemas-microsoft-com:vml" xmlns:pvml="urn:schemas-microsoft-com:office:powerpoint" xmlns:com="http://schemas.openxmlformats.org/drawingml/2006/compatibility" xmlns:p14="http://schemas.microsoft.com/office/powerpoint/2010/main" xmlns:p15="http://schemas.microsoft.com/office/powerpoint/2012/main" xmlns:ahyp="http://schemas.microsoft.com/office/drawing/2018/hyperlinkcolor" showMasterPhAnim="0" showMasterSp="0">
+<p:notes xmlns:a="http://schemas.openxmlformats.org/drawingml/2006/main" xmlns:r="http://schemas.openxmlformats.org/officeDocument/2006/relationships" xmlns:p="http://schemas.openxmlformats.org/presentationml/2006/main" showMasterSp="0" showMasterPhAnim="0">
   <p:cSld>
     <p:spTree>
       <p:nvGrpSpPr>
-        <p:cNvPr id="106" name="Shape 106"/>
+        <p:cNvPr id="1" name="Shape 113"/>
         <p:cNvGrpSpPr/>
         <p:nvPr/>
       </p:nvGrpSpPr>
@@ -1715,10 +1689,12 @@
       </p:grpSpPr>
       <p:sp>
         <p:nvSpPr>
-          <p:cNvPr id="107" name="Google Shape;107;g25f367d6716_0_37:notes"/>
-          <p:cNvSpPr txBox="1"/>
+          <p:cNvPr id="114" name="Google Shape;114;g25f367d6716_0_43:notes"/>
+          <p:cNvSpPr txBox="1">
+            <a:spLocks noGrp="1"/>
+          </p:cNvSpPr>
           <p:nvPr>
-            <p:ph idx="1" type="body"/>
+            <p:ph type="body" idx="1"/>
           </p:nvPr>
         </p:nvSpPr>
         <p:spPr>
@@ -1731,12 +1707,12 @@
           </a:prstGeom>
         </p:spPr>
         <p:txBody>
-          <a:bodyPr anchorCtr="0" anchor="t" bIns="91425" lIns="91425" spcFirstLastPara="1" rIns="91425" wrap="square" tIns="91425">
+          <a:bodyPr spcFirstLastPara="1" wrap="square" lIns="91425" tIns="91425" rIns="91425" bIns="91425" anchor="t" anchorCtr="0">
             <a:noAutofit/>
           </a:bodyPr>
           <a:lstStyle/>
           <a:p>
-            <a:pPr indent="0" lvl="0" marL="0" rtl="0" algn="l">
+            <a:pPr marL="0" lvl="0" indent="0" algn="l" rtl="0">
               <a:spcBef>
                 <a:spcPts val="0"/>
               </a:spcBef>
@@ -1745,30 +1721,33 @@
               </a:spcAft>
               <a:buNone/>
             </a:pPr>
-            <a:r>
-              <a:t/>
-            </a:r>
             <a:endParaRPr/>
           </a:p>
         </p:txBody>
       </p:sp>
       <p:sp>
         <p:nvSpPr>
-          <p:cNvPr id="108" name="Google Shape;108;g25f367d6716_0_37:notes"/>
-          <p:cNvSpPr/>
+          <p:cNvPr id="115" name="Google Shape;115;g25f367d6716_0_43:notes"/>
+          <p:cNvSpPr>
+            <a:spLocks noGrp="1" noRot="1" noChangeAspect="1"/>
+          </p:cNvSpPr>
           <p:nvPr>
-            <p:ph idx="2" type="sldImg"/>
+            <p:ph type="sldImg" idx="2"/>
           </p:nvPr>
         </p:nvSpPr>
         <p:spPr>
           <a:xfrm>
-            <a:off x="1143225" y="685800"/>
-            <a:ext cx="4572300" cy="3429000"/>
+            <a:off x="381000" y="685800"/>
+            <a:ext cx="6096000" cy="3429000"/>
           </a:xfrm>
           <a:custGeom>
-            <a:rect b="b" l="l" r="r" t="t"/>
+            <a:avLst/>
+            <a:gdLst/>
+            <a:ahLst/>
+            <a:cxnLst/>
+            <a:rect l="l" t="t" r="r" b="b"/>
             <a:pathLst>
-              <a:path extrusionOk="0" h="120000" w="120000">
+              <a:path w="120000" h="120000" extrusionOk="0">
                 <a:moveTo>
                   <a:pt x="0" y="0"/>
                 </a:moveTo>
@@ -1796,11 +1775,11 @@
 </file>
 
 <file path=ppt/notesSlides/notesSlide9.xml><?xml version="1.0" encoding="utf-8"?>
-<p:notes xmlns:a="http://schemas.openxmlformats.org/drawingml/2006/main" xmlns:r="http://schemas.openxmlformats.org/officeDocument/2006/relationships" xmlns:mc="http://schemas.openxmlformats.org/markup-compatibility/2006" xmlns:mv="urn:schemas-microsoft-com:mac:vml" xmlns:p="http://schemas.openxmlformats.org/presentationml/2006/main" xmlns:c="http://schemas.openxmlformats.org/drawingml/2006/chart" xmlns:dgm="http://schemas.openxmlformats.org/drawingml/2006/diagram" xmlns:o="urn:schemas-microsoft-com:office:office" xmlns:v="urn:schemas-microsoft-com:vml" xmlns:pvml="urn:schemas-microsoft-com:office:powerpoint" xmlns:com="http://schemas.openxmlformats.org/drawingml/2006/compatibility" xmlns:p14="http://schemas.microsoft.com/office/powerpoint/2010/main" xmlns:p15="http://schemas.microsoft.com/office/powerpoint/2012/main" xmlns:ahyp="http://schemas.microsoft.com/office/drawing/2018/hyperlinkcolor" showMasterPhAnim="0" showMasterSp="0">
+<p:notes xmlns:a="http://schemas.openxmlformats.org/drawingml/2006/main" xmlns:r="http://schemas.openxmlformats.org/officeDocument/2006/relationships" xmlns:p="http://schemas.openxmlformats.org/presentationml/2006/main" showMasterSp="0" showMasterPhAnim="0">
   <p:cSld>
     <p:spTree>
       <p:nvGrpSpPr>
-        <p:cNvPr id="113" name="Shape 113"/>
+        <p:cNvPr id="1" name="Shape 120"/>
         <p:cNvGrpSpPr/>
         <p:nvPr/>
       </p:nvGrpSpPr>
@@ -1814,10 +1793,12 @@
       </p:grpSpPr>
       <p:sp>
         <p:nvSpPr>
-          <p:cNvPr id="114" name="Google Shape;114;g25f367d6716_0_43:notes"/>
-          <p:cNvSpPr txBox="1"/>
+          <p:cNvPr id="121" name="Google Shape;121;g25f367d6716_0_49:notes"/>
+          <p:cNvSpPr txBox="1">
+            <a:spLocks noGrp="1"/>
+          </p:cNvSpPr>
           <p:nvPr>
-            <p:ph idx="1" type="body"/>
+            <p:ph type="body" idx="1"/>
           </p:nvPr>
         </p:nvSpPr>
         <p:spPr>
@@ -1830,12 +1811,12 @@
           </a:prstGeom>
         </p:spPr>
         <p:txBody>
-          <a:bodyPr anchorCtr="0" anchor="t" bIns="91425" lIns="91425" spcFirstLastPara="1" rIns="91425" wrap="square" tIns="91425">
+          <a:bodyPr spcFirstLastPara="1" wrap="square" lIns="91425" tIns="91425" rIns="91425" bIns="91425" anchor="t" anchorCtr="0">
             <a:noAutofit/>
           </a:bodyPr>
           <a:lstStyle/>
           <a:p>
-            <a:pPr indent="0" lvl="0" marL="0" rtl="0" algn="l">
+            <a:pPr marL="0" lvl="0" indent="0" algn="l" rtl="0">
               <a:spcBef>
                 <a:spcPts val="0"/>
               </a:spcBef>
@@ -1844,30 +1825,33 @@
               </a:spcAft>
               <a:buNone/>
             </a:pPr>
-            <a:r>
-              <a:t/>
-            </a:r>
             <a:endParaRPr/>
           </a:p>
         </p:txBody>
       </p:sp>
       <p:sp>
         <p:nvSpPr>
-          <p:cNvPr id="115" name="Google Shape;115;g25f367d6716_0_43:notes"/>
-          <p:cNvSpPr/>
+          <p:cNvPr id="122" name="Google Shape;122;g25f367d6716_0_49:notes"/>
+          <p:cNvSpPr>
+            <a:spLocks noGrp="1" noRot="1" noChangeAspect="1"/>
+          </p:cNvSpPr>
           <p:nvPr>
-            <p:ph idx="2" type="sldImg"/>
+            <p:ph type="sldImg" idx="2"/>
           </p:nvPr>
         </p:nvSpPr>
         <p:spPr>
           <a:xfrm>
-            <a:off x="1143225" y="685800"/>
-            <a:ext cx="4572300" cy="3429000"/>
+            <a:off x="381000" y="685800"/>
+            <a:ext cx="6096000" cy="3429000"/>
           </a:xfrm>
           <a:custGeom>
-            <a:rect b="b" l="l" r="r" t="t"/>
+            <a:avLst/>
+            <a:gdLst/>
+            <a:ahLst/>
+            <a:cxnLst/>
+            <a:rect l="l" t="t" r="r" b="b"/>
             <a:pathLst>
-              <a:path extrusionOk="0" h="120000" w="120000">
+              <a:path w="120000" h="120000" extrusionOk="0">
                 <a:moveTo>
                   <a:pt x="0" y="0"/>
                 </a:moveTo>
@@ -1895,11 +1879,11 @@
 </file>
 
 <file path=ppt/slideLayouts/slideLayout1.xml><?xml version="1.0" encoding="utf-8"?>
-<p:sldLayout xmlns:a="http://schemas.openxmlformats.org/drawingml/2006/main" xmlns:r="http://schemas.openxmlformats.org/officeDocument/2006/relationships" xmlns:mc="http://schemas.openxmlformats.org/markup-compatibility/2006" xmlns:mv="urn:schemas-microsoft-com:mac:vml" xmlns:p="http://schemas.openxmlformats.org/presentationml/2006/main" xmlns:c="http://schemas.openxmlformats.org/drawingml/2006/chart" xmlns:dgm="http://schemas.openxmlformats.org/drawingml/2006/diagram" xmlns:o="urn:schemas-microsoft-com:office:office" xmlns:v="urn:schemas-microsoft-com:vml" xmlns:pvml="urn:schemas-microsoft-com:office:powerpoint" xmlns:com="http://schemas.openxmlformats.org/drawingml/2006/compatibility" xmlns:p14="http://schemas.microsoft.com/office/powerpoint/2010/main" xmlns:p15="http://schemas.microsoft.com/office/powerpoint/2012/main" xmlns:ahyp="http://schemas.microsoft.com/office/drawing/2018/hyperlinkcolor" matchingName="Title slide" type="title">
-  <p:cSld name="TITLE">
+<p:sldLayout xmlns:a="http://schemas.openxmlformats.org/drawingml/2006/main" xmlns:r="http://schemas.openxmlformats.org/officeDocument/2006/relationships" xmlns:p="http://schemas.openxmlformats.org/presentationml/2006/main" matchingName="Section header" type="secHead">
+  <p:cSld name="SECTION_HEADER">
     <p:spTree>
       <p:nvGrpSpPr>
-        <p:cNvPr id="9" name="Shape 9"/>
+        <p:cNvPr id="1" name="Shape 13"/>
         <p:cNvGrpSpPr/>
         <p:nvPr/>
       </p:nvGrpSpPr>
@@ -1913,23 +1897,25 @@
       </p:grpSpPr>
       <p:sp>
         <p:nvSpPr>
-          <p:cNvPr id="10" name="Google Shape;10;p2"/>
-          <p:cNvSpPr txBox="1"/>
+          <p:cNvPr id="14" name="Google Shape;14;p3"/>
+          <p:cNvSpPr txBox="1">
+            <a:spLocks noGrp="1"/>
+          </p:cNvSpPr>
           <p:nvPr>
-            <p:ph type="ctrTitle"/>
+            <p:ph type="title"/>
           </p:nvPr>
         </p:nvSpPr>
         <p:spPr>
           <a:xfrm>
-            <a:off x="311708" y="744575"/>
-            <a:ext cx="8520600" cy="2052600"/>
+            <a:off x="311700" y="2150850"/>
+            <a:ext cx="8520600" cy="841800"/>
           </a:xfrm>
           <a:prstGeom prst="rect">
             <a:avLst/>
           </a:prstGeom>
         </p:spPr>
         <p:txBody>
-          <a:bodyPr anchorCtr="0" anchor="b" bIns="91425" lIns="91425" spcFirstLastPara="1" rIns="91425" wrap="square" tIns="91425">
+          <a:bodyPr spcFirstLastPara="1" wrap="square" lIns="91425" tIns="91425" rIns="91425" bIns="91425" anchor="ctr" anchorCtr="0">
             <a:normAutofit/>
           </a:bodyPr>
           <a:lstStyle>
@@ -1940,9 +1926,9 @@
               <a:spcAft>
                 <a:spcPts val="0"/>
               </a:spcAft>
-              <a:buSzPts val="5200"/>
-              <a:buNone/>
-              <a:defRPr sz="5200"/>
+              <a:buSzPts val="3600"/>
+              <a:buNone/>
+              <a:defRPr sz="3600"/>
             </a:lvl1pPr>
             <a:lvl2pPr lvl="1" algn="ctr">
               <a:spcBef>
@@ -1951,9 +1937,9 @@
               <a:spcAft>
                 <a:spcPts val="0"/>
               </a:spcAft>
-              <a:buSzPts val="5200"/>
-              <a:buNone/>
-              <a:defRPr sz="5200"/>
+              <a:buSzPts val="3600"/>
+              <a:buNone/>
+              <a:defRPr sz="3600"/>
             </a:lvl2pPr>
             <a:lvl3pPr lvl="2" algn="ctr">
               <a:spcBef>
@@ -1962,9 +1948,9 @@
               <a:spcAft>
                 <a:spcPts val="0"/>
               </a:spcAft>
-              <a:buSzPts val="5200"/>
-              <a:buNone/>
-              <a:defRPr sz="5200"/>
+              <a:buSzPts val="3600"/>
+              <a:buNone/>
+              <a:defRPr sz="3600"/>
             </a:lvl3pPr>
             <a:lvl4pPr lvl="3" algn="ctr">
               <a:spcBef>
@@ -1973,9 +1959,9 @@
               <a:spcAft>
                 <a:spcPts val="0"/>
               </a:spcAft>
-              <a:buSzPts val="5200"/>
-              <a:buNone/>
-              <a:defRPr sz="5200"/>
+              <a:buSzPts val="3600"/>
+              <a:buNone/>
+              <a:defRPr sz="3600"/>
             </a:lvl4pPr>
             <a:lvl5pPr lvl="4" algn="ctr">
               <a:spcBef>
@@ -1984,9 +1970,9 @@
               <a:spcAft>
                 <a:spcPts val="0"/>
               </a:spcAft>
-              <a:buSzPts val="5200"/>
-              <a:buNone/>
-              <a:defRPr sz="5200"/>
+              <a:buSzPts val="3600"/>
+              <a:buNone/>
+              <a:defRPr sz="3600"/>
             </a:lvl5pPr>
             <a:lvl6pPr lvl="5" algn="ctr">
               <a:spcBef>
@@ -1995,9 +1981,9 @@
               <a:spcAft>
                 <a:spcPts val="0"/>
               </a:spcAft>
-              <a:buSzPts val="5200"/>
-              <a:buNone/>
-              <a:defRPr sz="5200"/>
+              <a:buSzPts val="3600"/>
+              <a:buNone/>
+              <a:defRPr sz="3600"/>
             </a:lvl6pPr>
             <a:lvl7pPr lvl="6" algn="ctr">
               <a:spcBef>
@@ -2006,9 +1992,9 @@
               <a:spcAft>
                 <a:spcPts val="0"/>
               </a:spcAft>
-              <a:buSzPts val="5200"/>
-              <a:buNone/>
-              <a:defRPr sz="5200"/>
+              <a:buSzPts val="3600"/>
+              <a:buNone/>
+              <a:defRPr sz="3600"/>
             </a:lvl7pPr>
             <a:lvl8pPr lvl="7" algn="ctr">
               <a:spcBef>
@@ -2017,9 +2003,9 @@
               <a:spcAft>
                 <a:spcPts val="0"/>
               </a:spcAft>
-              <a:buSzPts val="5200"/>
-              <a:buNone/>
-              <a:defRPr sz="5200"/>
+              <a:buSzPts val="3600"/>
+              <a:buNone/>
+              <a:defRPr sz="3600"/>
             </a:lvl8pPr>
             <a:lvl9pPr lvl="8" algn="ctr">
               <a:spcBef>
@@ -2028,172 +2014,24 @@
               <a:spcAft>
                 <a:spcPts val="0"/>
               </a:spcAft>
-              <a:buSzPts val="5200"/>
-              <a:buNone/>
-              <a:defRPr sz="5200"/>
+              <a:buSzPts val="3600"/>
+              <a:buNone/>
+              <a:defRPr sz="3600"/>
             </a:lvl9pPr>
           </a:lstStyle>
-          <a:p/>
+          <a:p>
+            <a:endParaRPr/>
+          </a:p>
         </p:txBody>
       </p:sp>
       <p:sp>
         <p:nvSpPr>
-          <p:cNvPr id="11" name="Google Shape;11;p2"/>
-          <p:cNvSpPr txBox="1"/>
+          <p:cNvPr id="15" name="Google Shape;15;p3"/>
+          <p:cNvSpPr txBox="1">
+            <a:spLocks noGrp="1"/>
+          </p:cNvSpPr>
           <p:nvPr>
-            <p:ph idx="1" type="subTitle"/>
-          </p:nvPr>
-        </p:nvSpPr>
-        <p:spPr>
-          <a:xfrm>
-            <a:off x="311700" y="2834125"/>
-            <a:ext cx="8520600" cy="792600"/>
-          </a:xfrm>
-          <a:prstGeom prst="rect">
-            <a:avLst/>
-          </a:prstGeom>
-        </p:spPr>
-        <p:txBody>
-          <a:bodyPr anchorCtr="0" anchor="t" bIns="91425" lIns="91425" spcFirstLastPara="1" rIns="91425" wrap="square" tIns="91425">
-            <a:normAutofit/>
-          </a:bodyPr>
-          <a:lstStyle>
-            <a:lvl1pPr lvl="0" algn="ctr">
-              <a:lnSpc>
-                <a:spcPct val="100000"/>
-              </a:lnSpc>
-              <a:spcBef>
-                <a:spcPts val="0"/>
-              </a:spcBef>
-              <a:spcAft>
-                <a:spcPts val="0"/>
-              </a:spcAft>
-              <a:buSzPts val="2800"/>
-              <a:buNone/>
-              <a:defRPr sz="2800"/>
-            </a:lvl1pPr>
-            <a:lvl2pPr lvl="1" algn="ctr">
-              <a:lnSpc>
-                <a:spcPct val="100000"/>
-              </a:lnSpc>
-              <a:spcBef>
-                <a:spcPts val="0"/>
-              </a:spcBef>
-              <a:spcAft>
-                <a:spcPts val="0"/>
-              </a:spcAft>
-              <a:buSzPts val="2800"/>
-              <a:buNone/>
-              <a:defRPr sz="2800"/>
-            </a:lvl2pPr>
-            <a:lvl3pPr lvl="2" algn="ctr">
-              <a:lnSpc>
-                <a:spcPct val="100000"/>
-              </a:lnSpc>
-              <a:spcBef>
-                <a:spcPts val="0"/>
-              </a:spcBef>
-              <a:spcAft>
-                <a:spcPts val="0"/>
-              </a:spcAft>
-              <a:buSzPts val="2800"/>
-              <a:buNone/>
-              <a:defRPr sz="2800"/>
-            </a:lvl3pPr>
-            <a:lvl4pPr lvl="3" algn="ctr">
-              <a:lnSpc>
-                <a:spcPct val="100000"/>
-              </a:lnSpc>
-              <a:spcBef>
-                <a:spcPts val="0"/>
-              </a:spcBef>
-              <a:spcAft>
-                <a:spcPts val="0"/>
-              </a:spcAft>
-              <a:buSzPts val="2800"/>
-              <a:buNone/>
-              <a:defRPr sz="2800"/>
-            </a:lvl4pPr>
-            <a:lvl5pPr lvl="4" algn="ctr">
-              <a:lnSpc>
-                <a:spcPct val="100000"/>
-              </a:lnSpc>
-              <a:spcBef>
-                <a:spcPts val="0"/>
-              </a:spcBef>
-              <a:spcAft>
-                <a:spcPts val="0"/>
-              </a:spcAft>
-              <a:buSzPts val="2800"/>
-              <a:buNone/>
-              <a:defRPr sz="2800"/>
-            </a:lvl5pPr>
-            <a:lvl6pPr lvl="5" algn="ctr">
-              <a:lnSpc>
-                <a:spcPct val="100000"/>
-              </a:lnSpc>
-              <a:spcBef>
-                <a:spcPts val="0"/>
-              </a:spcBef>
-              <a:spcAft>
-                <a:spcPts val="0"/>
-              </a:spcAft>
-              <a:buSzPts val="2800"/>
-              <a:buNone/>
-              <a:defRPr sz="2800"/>
-            </a:lvl6pPr>
-            <a:lvl7pPr lvl="6" algn="ctr">
-              <a:lnSpc>
-                <a:spcPct val="100000"/>
-              </a:lnSpc>
-              <a:spcBef>
-                <a:spcPts val="0"/>
-              </a:spcBef>
-              <a:spcAft>
-                <a:spcPts val="0"/>
-              </a:spcAft>
-              <a:buSzPts val="2800"/>
-              <a:buNone/>
-              <a:defRPr sz="2800"/>
-            </a:lvl7pPr>
-            <a:lvl8pPr lvl="7" algn="ctr">
-              <a:lnSpc>
-                <a:spcPct val="100000"/>
-              </a:lnSpc>
-              <a:spcBef>
-                <a:spcPts val="0"/>
-              </a:spcBef>
-              <a:spcAft>
-                <a:spcPts val="0"/>
-              </a:spcAft>
-              <a:buSzPts val="2800"/>
-              <a:buNone/>
-              <a:defRPr sz="2800"/>
-            </a:lvl8pPr>
-            <a:lvl9pPr lvl="8" algn="ctr">
-              <a:lnSpc>
-                <a:spcPct val="100000"/>
-              </a:lnSpc>
-              <a:spcBef>
-                <a:spcPts val="0"/>
-              </a:spcBef>
-              <a:spcAft>
-                <a:spcPts val="0"/>
-              </a:spcAft>
-              <a:buSzPts val="2800"/>
-              <a:buNone/>
-              <a:defRPr sz="2800"/>
-            </a:lvl9pPr>
-          </a:lstStyle>
-          <a:p/>
-        </p:txBody>
-      </p:sp>
-      <p:sp>
-        <p:nvSpPr>
-          <p:cNvPr id="12" name="Google Shape;12;p2"/>
-          <p:cNvSpPr txBox="1"/>
-          <p:nvPr>
-            <p:ph idx="12" type="sldNum"/>
+            <p:ph type="sldNum" idx="12"/>
           </p:nvPr>
         </p:nvSpPr>
         <p:spPr>
@@ -2206,7 +2044,7 @@
           </a:prstGeom>
         </p:spPr>
         <p:txBody>
-          <a:bodyPr anchorCtr="0" anchor="ctr" bIns="91425" lIns="91425" spcFirstLastPara="1" rIns="91425" wrap="square" tIns="91425">
+          <a:bodyPr spcFirstLastPara="1" wrap="square" lIns="91425" tIns="91425" rIns="91425" bIns="91425" anchor="ctr" anchorCtr="0">
             <a:normAutofit/>
           </a:bodyPr>
           <a:lstStyle>
@@ -2248,7 +2086,7 @@
             </a:lvl9pPr>
           </a:lstStyle>
           <a:p>
-            <a:pPr indent="0" lvl="0" marL="0" rtl="0" algn="r">
+            <a:pPr marL="0" lvl="0" indent="0" algn="r" rtl="0">
               <a:spcBef>
                 <a:spcPts val="0"/>
               </a:spcBef>
@@ -2274,11 +2112,11 @@
 </file>
 
 <file path=ppt/slideLayouts/slideLayout10.xml><?xml version="1.0" encoding="utf-8"?>
-<p:sldLayout xmlns:a="http://schemas.openxmlformats.org/drawingml/2006/main" xmlns:r="http://schemas.openxmlformats.org/officeDocument/2006/relationships" xmlns:mc="http://schemas.openxmlformats.org/markup-compatibility/2006" xmlns:mv="urn:schemas-microsoft-com:mac:vml" xmlns:p="http://schemas.openxmlformats.org/presentationml/2006/main" xmlns:c="http://schemas.openxmlformats.org/drawingml/2006/chart" xmlns:dgm="http://schemas.openxmlformats.org/drawingml/2006/diagram" xmlns:o="urn:schemas-microsoft-com:office:office" xmlns:v="urn:schemas-microsoft-com:vml" xmlns:pvml="urn:schemas-microsoft-com:office:powerpoint" xmlns:com="http://schemas.openxmlformats.org/drawingml/2006/compatibility" xmlns:p14="http://schemas.microsoft.com/office/powerpoint/2010/main" xmlns:p15="http://schemas.microsoft.com/office/powerpoint/2012/main" xmlns:ahyp="http://schemas.microsoft.com/office/drawing/2018/hyperlinkcolor" matchingName="Big number">
-  <p:cSld name="BIG_NUMBER">
+<p:sldLayout xmlns:a="http://schemas.openxmlformats.org/drawingml/2006/main" xmlns:r="http://schemas.openxmlformats.org/officeDocument/2006/relationships" xmlns:p="http://schemas.openxmlformats.org/presentationml/2006/main" matchingName="Blank" type="blank">
+  <p:cSld name="BLANK">
     <p:spTree>
       <p:nvGrpSpPr>
-        <p:cNvPr id="44" name="Shape 44"/>
+        <p:cNvPr id="1" name="Shape 48"/>
         <p:cNvGrpSpPr/>
         <p:nvPr/>
       </p:nvGrpSpPr>
@@ -2292,264 +2130,12 @@
       </p:grpSpPr>
       <p:sp>
         <p:nvSpPr>
-          <p:cNvPr id="45" name="Google Shape;45;p11"/>
-          <p:cNvSpPr txBox="1"/>
+          <p:cNvPr id="49" name="Google Shape;49;p12"/>
+          <p:cNvSpPr txBox="1">
+            <a:spLocks noGrp="1"/>
+          </p:cNvSpPr>
           <p:nvPr>
-            <p:ph hasCustomPrompt="1" type="title"/>
-          </p:nvPr>
-        </p:nvSpPr>
-        <p:spPr>
-          <a:xfrm>
-            <a:off x="311700" y="1106125"/>
-            <a:ext cx="8520600" cy="1963500"/>
-          </a:xfrm>
-          <a:prstGeom prst="rect">
-            <a:avLst/>
-          </a:prstGeom>
-        </p:spPr>
-        <p:txBody>
-          <a:bodyPr anchorCtr="0" anchor="b" bIns="91425" lIns="91425" spcFirstLastPara="1" rIns="91425" wrap="square" tIns="91425">
-            <a:normAutofit/>
-          </a:bodyPr>
-          <a:lstStyle>
-            <a:lvl1pPr lvl="0" algn="ctr">
-              <a:spcBef>
-                <a:spcPts val="0"/>
-              </a:spcBef>
-              <a:spcAft>
-                <a:spcPts val="0"/>
-              </a:spcAft>
-              <a:buSzPts val="12000"/>
-              <a:buNone/>
-              <a:defRPr sz="12000"/>
-            </a:lvl1pPr>
-            <a:lvl2pPr lvl="1" algn="ctr">
-              <a:spcBef>
-                <a:spcPts val="0"/>
-              </a:spcBef>
-              <a:spcAft>
-                <a:spcPts val="0"/>
-              </a:spcAft>
-              <a:buSzPts val="12000"/>
-              <a:buNone/>
-              <a:defRPr sz="12000"/>
-            </a:lvl2pPr>
-            <a:lvl3pPr lvl="2" algn="ctr">
-              <a:spcBef>
-                <a:spcPts val="0"/>
-              </a:spcBef>
-              <a:spcAft>
-                <a:spcPts val="0"/>
-              </a:spcAft>
-              <a:buSzPts val="12000"/>
-              <a:buNone/>
-              <a:defRPr sz="12000"/>
-            </a:lvl3pPr>
-            <a:lvl4pPr lvl="3" algn="ctr">
-              <a:spcBef>
-                <a:spcPts val="0"/>
-              </a:spcBef>
-              <a:spcAft>
-                <a:spcPts val="0"/>
-              </a:spcAft>
-              <a:buSzPts val="12000"/>
-              <a:buNone/>
-              <a:defRPr sz="12000"/>
-            </a:lvl4pPr>
-            <a:lvl5pPr lvl="4" algn="ctr">
-              <a:spcBef>
-                <a:spcPts val="0"/>
-              </a:spcBef>
-              <a:spcAft>
-                <a:spcPts val="0"/>
-              </a:spcAft>
-              <a:buSzPts val="12000"/>
-              <a:buNone/>
-              <a:defRPr sz="12000"/>
-            </a:lvl5pPr>
-            <a:lvl6pPr lvl="5" algn="ctr">
-              <a:spcBef>
-                <a:spcPts val="0"/>
-              </a:spcBef>
-              <a:spcAft>
-                <a:spcPts val="0"/>
-              </a:spcAft>
-              <a:buSzPts val="12000"/>
-              <a:buNone/>
-              <a:defRPr sz="12000"/>
-            </a:lvl6pPr>
-            <a:lvl7pPr lvl="6" algn="ctr">
-              <a:spcBef>
-                <a:spcPts val="0"/>
-              </a:spcBef>
-              <a:spcAft>
-                <a:spcPts val="0"/>
-              </a:spcAft>
-              <a:buSzPts val="12000"/>
-              <a:buNone/>
-              <a:defRPr sz="12000"/>
-            </a:lvl7pPr>
-            <a:lvl8pPr lvl="7" algn="ctr">
-              <a:spcBef>
-                <a:spcPts val="0"/>
-              </a:spcBef>
-              <a:spcAft>
-                <a:spcPts val="0"/>
-              </a:spcAft>
-              <a:buSzPts val="12000"/>
-              <a:buNone/>
-              <a:defRPr sz="12000"/>
-            </a:lvl8pPr>
-            <a:lvl9pPr lvl="8" algn="ctr">
-              <a:spcBef>
-                <a:spcPts val="0"/>
-              </a:spcBef>
-              <a:spcAft>
-                <a:spcPts val="0"/>
-              </a:spcAft>
-              <a:buSzPts val="12000"/>
-              <a:buNone/>
-              <a:defRPr sz="12000"/>
-            </a:lvl9pPr>
-          </a:lstStyle>
-          <a:p>
-            <a:r>
-              <a:t>xx%</a:t>
-            </a:r>
-          </a:p>
-        </p:txBody>
-      </p:sp>
-      <p:sp>
-        <p:nvSpPr>
-          <p:cNvPr id="46" name="Google Shape;46;p11"/>
-          <p:cNvSpPr txBox="1"/>
-          <p:nvPr>
-            <p:ph idx="1" type="body"/>
-          </p:nvPr>
-        </p:nvSpPr>
-        <p:spPr>
-          <a:xfrm>
-            <a:off x="311700" y="3152225"/>
-            <a:ext cx="8520600" cy="1300800"/>
-          </a:xfrm>
-          <a:prstGeom prst="rect">
-            <a:avLst/>
-          </a:prstGeom>
-        </p:spPr>
-        <p:txBody>
-          <a:bodyPr anchorCtr="0" anchor="t" bIns="91425" lIns="91425" spcFirstLastPara="1" rIns="91425" wrap="square" tIns="91425">
-            <a:normAutofit/>
-          </a:bodyPr>
-          <a:lstStyle>
-            <a:lvl1pPr indent="-342900" lvl="0" marL="457200" algn="ctr">
-              <a:spcBef>
-                <a:spcPts val="0"/>
-              </a:spcBef>
-              <a:spcAft>
-                <a:spcPts val="0"/>
-              </a:spcAft>
-              <a:buSzPts val="1800"/>
-              <a:buChar char="●"/>
-              <a:defRPr/>
-            </a:lvl1pPr>
-            <a:lvl2pPr indent="-317500" lvl="1" marL="914400" algn="ctr">
-              <a:spcBef>
-                <a:spcPts val="0"/>
-              </a:spcBef>
-              <a:spcAft>
-                <a:spcPts val="0"/>
-              </a:spcAft>
-              <a:buSzPts val="1400"/>
-              <a:buChar char="○"/>
-              <a:defRPr/>
-            </a:lvl2pPr>
-            <a:lvl3pPr indent="-317500" lvl="2" marL="1371600" algn="ctr">
-              <a:spcBef>
-                <a:spcPts val="0"/>
-              </a:spcBef>
-              <a:spcAft>
-                <a:spcPts val="0"/>
-              </a:spcAft>
-              <a:buSzPts val="1400"/>
-              <a:buChar char="■"/>
-              <a:defRPr/>
-            </a:lvl3pPr>
-            <a:lvl4pPr indent="-317500" lvl="3" marL="1828800" algn="ctr">
-              <a:spcBef>
-                <a:spcPts val="0"/>
-              </a:spcBef>
-              <a:spcAft>
-                <a:spcPts val="0"/>
-              </a:spcAft>
-              <a:buSzPts val="1400"/>
-              <a:buChar char="●"/>
-              <a:defRPr/>
-            </a:lvl4pPr>
-            <a:lvl5pPr indent="-317500" lvl="4" marL="2286000" algn="ctr">
-              <a:spcBef>
-                <a:spcPts val="0"/>
-              </a:spcBef>
-              <a:spcAft>
-                <a:spcPts val="0"/>
-              </a:spcAft>
-              <a:buSzPts val="1400"/>
-              <a:buChar char="○"/>
-              <a:defRPr/>
-            </a:lvl5pPr>
-            <a:lvl6pPr indent="-317500" lvl="5" marL="2743200" algn="ctr">
-              <a:spcBef>
-                <a:spcPts val="0"/>
-              </a:spcBef>
-              <a:spcAft>
-                <a:spcPts val="0"/>
-              </a:spcAft>
-              <a:buSzPts val="1400"/>
-              <a:buChar char="■"/>
-              <a:defRPr/>
-            </a:lvl6pPr>
-            <a:lvl7pPr indent="-317500" lvl="6" marL="3200400" algn="ctr">
-              <a:spcBef>
-                <a:spcPts val="0"/>
-              </a:spcBef>
-              <a:spcAft>
-                <a:spcPts val="0"/>
-              </a:spcAft>
-              <a:buSzPts val="1400"/>
-              <a:buChar char="●"/>
-              <a:defRPr/>
-            </a:lvl7pPr>
-            <a:lvl8pPr indent="-317500" lvl="7" marL="3657600" algn="ctr">
-              <a:spcBef>
-                <a:spcPts val="0"/>
-              </a:spcBef>
-              <a:spcAft>
-                <a:spcPts val="0"/>
-              </a:spcAft>
-              <a:buSzPts val="1400"/>
-              <a:buChar char="○"/>
-              <a:defRPr/>
-            </a:lvl8pPr>
-            <a:lvl9pPr indent="-317500" lvl="8" marL="4114800" algn="ctr">
-              <a:spcBef>
-                <a:spcPts val="0"/>
-              </a:spcBef>
-              <a:spcAft>
-                <a:spcPts val="0"/>
-              </a:spcAft>
-              <a:buSzPts val="1400"/>
-              <a:buChar char="■"/>
-              <a:defRPr/>
-            </a:lvl9pPr>
-          </a:lstStyle>
-          <a:p/>
-        </p:txBody>
-      </p:sp>
-      <p:sp>
-        <p:nvSpPr>
-          <p:cNvPr id="47" name="Google Shape;47;p11"/>
-          <p:cNvSpPr txBox="1"/>
-          <p:nvPr>
-            <p:ph idx="12" type="sldNum"/>
+            <p:ph type="sldNum" idx="12"/>
           </p:nvPr>
         </p:nvSpPr>
         <p:spPr>
@@ -2562,7 +2148,7 @@
           </a:prstGeom>
         </p:spPr>
         <p:txBody>
-          <a:bodyPr anchorCtr="0" anchor="ctr" bIns="91425" lIns="91425" spcFirstLastPara="1" rIns="91425" wrap="square" tIns="91425">
+          <a:bodyPr spcFirstLastPara="1" wrap="square" lIns="91425" tIns="91425" rIns="91425" bIns="91425" anchor="ctr" anchorCtr="0">
             <a:normAutofit/>
           </a:bodyPr>
           <a:lstStyle>
@@ -2604,7 +2190,7 @@
             </a:lvl9pPr>
           </a:lstStyle>
           <a:p>
-            <a:pPr indent="0" lvl="0" marL="0" rtl="0" algn="r">
+            <a:pPr marL="0" lvl="0" indent="0" algn="r" rtl="0">
               <a:spcBef>
                 <a:spcPts val="0"/>
               </a:spcBef>
@@ -2630,113 +2216,11 @@
 </file>
 
 <file path=ppt/slideLayouts/slideLayout11.xml><?xml version="1.0" encoding="utf-8"?>
-<p:sldLayout xmlns:a="http://schemas.openxmlformats.org/drawingml/2006/main" xmlns:r="http://schemas.openxmlformats.org/officeDocument/2006/relationships" xmlns:mc="http://schemas.openxmlformats.org/markup-compatibility/2006" xmlns:mv="urn:schemas-microsoft-com:mac:vml" xmlns:p="http://schemas.openxmlformats.org/presentationml/2006/main" xmlns:c="http://schemas.openxmlformats.org/drawingml/2006/chart" xmlns:dgm="http://schemas.openxmlformats.org/drawingml/2006/diagram" xmlns:o="urn:schemas-microsoft-com:office:office" xmlns:v="urn:schemas-microsoft-com:vml" xmlns:pvml="urn:schemas-microsoft-com:office:powerpoint" xmlns:com="http://schemas.openxmlformats.org/drawingml/2006/compatibility" xmlns:p14="http://schemas.microsoft.com/office/powerpoint/2010/main" xmlns:p15="http://schemas.microsoft.com/office/powerpoint/2012/main" xmlns:ahyp="http://schemas.microsoft.com/office/drawing/2018/hyperlinkcolor" matchingName="Blank" type="blank">
-  <p:cSld name="BLANK">
-    <p:spTree>
-      <p:nvGrpSpPr>
-        <p:cNvPr id="48" name="Shape 48"/>
-        <p:cNvGrpSpPr/>
-        <p:nvPr/>
-      </p:nvGrpSpPr>
-      <p:grpSpPr>
-        <a:xfrm>
-          <a:off x="0" y="0"/>
-          <a:ext cx="0" cy="0"/>
-          <a:chOff x="0" y="0"/>
-          <a:chExt cx="0" cy="0"/>
-        </a:xfrm>
-      </p:grpSpPr>
-      <p:sp>
-        <p:nvSpPr>
-          <p:cNvPr id="49" name="Google Shape;49;p12"/>
-          <p:cNvSpPr txBox="1"/>
-          <p:nvPr>
-            <p:ph idx="12" type="sldNum"/>
-          </p:nvPr>
-        </p:nvSpPr>
-        <p:spPr>
-          <a:xfrm>
-            <a:off x="8472458" y="4663217"/>
-            <a:ext cx="548700" cy="393600"/>
-          </a:xfrm>
-          <a:prstGeom prst="rect">
-            <a:avLst/>
-          </a:prstGeom>
-        </p:spPr>
-        <p:txBody>
-          <a:bodyPr anchorCtr="0" anchor="ctr" bIns="91425" lIns="91425" spcFirstLastPara="1" rIns="91425" wrap="square" tIns="91425">
-            <a:normAutofit/>
-          </a:bodyPr>
-          <a:lstStyle>
-            <a:lvl1pPr lvl="0">
-              <a:buNone/>
-              <a:defRPr/>
-            </a:lvl1pPr>
-            <a:lvl2pPr lvl="1">
-              <a:buNone/>
-              <a:defRPr/>
-            </a:lvl2pPr>
-            <a:lvl3pPr lvl="2">
-              <a:buNone/>
-              <a:defRPr/>
-            </a:lvl3pPr>
-            <a:lvl4pPr lvl="3">
-              <a:buNone/>
-              <a:defRPr/>
-            </a:lvl4pPr>
-            <a:lvl5pPr lvl="4">
-              <a:buNone/>
-              <a:defRPr/>
-            </a:lvl5pPr>
-            <a:lvl6pPr lvl="5">
-              <a:buNone/>
-              <a:defRPr/>
-            </a:lvl6pPr>
-            <a:lvl7pPr lvl="6">
-              <a:buNone/>
-              <a:defRPr/>
-            </a:lvl7pPr>
-            <a:lvl8pPr lvl="7">
-              <a:buNone/>
-              <a:defRPr/>
-            </a:lvl8pPr>
-            <a:lvl9pPr lvl="8">
-              <a:buNone/>
-              <a:defRPr/>
-            </a:lvl9pPr>
-          </a:lstStyle>
-          <a:p>
-            <a:pPr indent="0" lvl="0" marL="0" rtl="0" algn="r">
-              <a:spcBef>
-                <a:spcPts val="0"/>
-              </a:spcBef>
-              <a:spcAft>
-                <a:spcPts val="0"/>
-              </a:spcAft>
-              <a:buNone/>
-            </a:pPr>
-            <a:fld id="{00000000-1234-1234-1234-123412341234}" type="slidenum">
-              <a:rPr lang="en"/>
-              <a:t>‹#›</a:t>
-            </a:fld>
-            <a:endParaRPr/>
-          </a:p>
-        </p:txBody>
-      </p:sp>
-    </p:spTree>
-  </p:cSld>
-  <p:clrMapOvr>
-    <a:masterClrMapping/>
-  </p:clrMapOvr>
-</p:sldLayout>
-</file>
-
-<file path=ppt/slideLayouts/slideLayout12.xml><?xml version="1.0" encoding="utf-8"?>
-<p:sldLayout xmlns:a="http://schemas.openxmlformats.org/drawingml/2006/main" xmlns:r="http://schemas.openxmlformats.org/officeDocument/2006/relationships" xmlns:mc="http://schemas.openxmlformats.org/markup-compatibility/2006" xmlns:mv="urn:schemas-microsoft-com:mac:vml" xmlns:p="http://schemas.openxmlformats.org/presentationml/2006/main" xmlns:c="http://schemas.openxmlformats.org/drawingml/2006/chart" xmlns:dgm="http://schemas.openxmlformats.org/drawingml/2006/diagram" xmlns:o="urn:schemas-microsoft-com:office:office" xmlns:v="urn:schemas-microsoft-com:vml" xmlns:pvml="urn:schemas-microsoft-com:office:powerpoint" xmlns:com="http://schemas.openxmlformats.org/drawingml/2006/compatibility" xmlns:p14="http://schemas.microsoft.com/office/powerpoint/2010/main" xmlns:p15="http://schemas.microsoft.com/office/powerpoint/2012/main" xmlns:ahyp="http://schemas.microsoft.com/office/drawing/2018/hyperlinkcolor" matchingName="Два объекта" type="twoObj">
+<p:sldLayout xmlns:a="http://schemas.openxmlformats.org/drawingml/2006/main" xmlns:r="http://schemas.openxmlformats.org/officeDocument/2006/relationships" xmlns:p="http://schemas.openxmlformats.org/presentationml/2006/main" matchingName="Два объекта" type="twoObj">
   <p:cSld name="TWO_OBJECTS">
     <p:spTree>
       <p:nvGrpSpPr>
-        <p:cNvPr id="50" name="Shape 50"/>
+        <p:cNvPr id="1" name="Shape 50"/>
         <p:cNvGrpSpPr/>
         <p:nvPr/>
       </p:nvGrpSpPr>
@@ -2751,7 +2235,9 @@
       <p:sp>
         <p:nvSpPr>
           <p:cNvPr id="51" name="Google Shape;51;p13"/>
-          <p:cNvSpPr txBox="1"/>
+          <p:cNvSpPr txBox="1">
+            <a:spLocks noGrp="1"/>
+          </p:cNvSpPr>
           <p:nvPr>
             <p:ph type="title"/>
           </p:nvPr>
@@ -2770,11 +2256,11 @@
           </a:ln>
         </p:spPr>
         <p:txBody>
-          <a:bodyPr anchorCtr="0" anchor="ctr" bIns="34275" lIns="68575" spcFirstLastPara="1" rIns="68575" wrap="square" tIns="34275">
+          <a:bodyPr spcFirstLastPara="1" wrap="square" lIns="68575" tIns="34275" rIns="68575" bIns="34275" anchor="ctr" anchorCtr="0">
             <a:normAutofit/>
           </a:bodyPr>
           <a:lstStyle>
-            <a:lvl1pPr lvl="0" rtl="0" algn="l">
+            <a:lvl1pPr lvl="0" algn="l" rtl="0">
               <a:lnSpc>
                 <a:spcPct val="90000"/>
               </a:lnSpc>
@@ -2880,15 +2366,19 @@
               <a:defRPr/>
             </a:lvl9pPr>
           </a:lstStyle>
-          <a:p/>
+          <a:p>
+            <a:endParaRPr/>
+          </a:p>
         </p:txBody>
       </p:sp>
       <p:sp>
         <p:nvSpPr>
           <p:cNvPr id="52" name="Google Shape;52;p13"/>
-          <p:cNvSpPr txBox="1"/>
+          <p:cNvSpPr txBox="1">
+            <a:spLocks noGrp="1"/>
+          </p:cNvSpPr>
           <p:nvPr>
-            <p:ph idx="1" type="body"/>
+            <p:ph type="body" idx="1"/>
           </p:nvPr>
         </p:nvSpPr>
         <p:spPr>
@@ -2905,11 +2395,11 @@
           </a:ln>
         </p:spPr>
         <p:txBody>
-          <a:bodyPr anchorCtr="0" anchor="t" bIns="34275" lIns="68575" spcFirstLastPara="1" rIns="68575" wrap="square" tIns="34275">
+          <a:bodyPr spcFirstLastPara="1" wrap="square" lIns="68575" tIns="34275" rIns="68575" bIns="34275" anchor="t" anchorCtr="0">
             <a:normAutofit/>
           </a:bodyPr>
           <a:lstStyle>
-            <a:lvl1pPr indent="-317500" lvl="0" marL="457200" rtl="0" algn="l">
+            <a:lvl1pPr marL="457200" lvl="0" indent="-317500" algn="l" rtl="0">
               <a:lnSpc>
                 <a:spcPct val="90000"/>
               </a:lnSpc>
@@ -2926,7 +2416,7 @@
               <a:buChar char="●"/>
               <a:defRPr/>
             </a:lvl1pPr>
-            <a:lvl2pPr indent="-317500" lvl="1" marL="914400" rtl="0" algn="l">
+            <a:lvl2pPr marL="914400" lvl="1" indent="-317500" algn="l" rtl="0">
               <a:lnSpc>
                 <a:spcPct val="90000"/>
               </a:lnSpc>
@@ -2943,7 +2433,7 @@
               <a:buChar char="○"/>
               <a:defRPr/>
             </a:lvl2pPr>
-            <a:lvl3pPr indent="-317500" lvl="2" marL="1371600" rtl="0" algn="l">
+            <a:lvl3pPr marL="1371600" lvl="2" indent="-317500" algn="l" rtl="0">
               <a:lnSpc>
                 <a:spcPct val="90000"/>
               </a:lnSpc>
@@ -2960,7 +2450,7 @@
               <a:buChar char="■"/>
               <a:defRPr/>
             </a:lvl3pPr>
-            <a:lvl4pPr indent="-317500" lvl="3" marL="1828800" rtl="0" algn="l">
+            <a:lvl4pPr marL="1828800" lvl="3" indent="-317500" algn="l" rtl="0">
               <a:lnSpc>
                 <a:spcPct val="90000"/>
               </a:lnSpc>
@@ -2977,7 +2467,7 @@
               <a:buChar char="●"/>
               <a:defRPr/>
             </a:lvl4pPr>
-            <a:lvl5pPr indent="-317500" lvl="4" marL="2286000" rtl="0" algn="l">
+            <a:lvl5pPr marL="2286000" lvl="4" indent="-317500" algn="l" rtl="0">
               <a:lnSpc>
                 <a:spcPct val="90000"/>
               </a:lnSpc>
@@ -2994,7 +2484,7 @@
               <a:buChar char="○"/>
               <a:defRPr/>
             </a:lvl5pPr>
-            <a:lvl6pPr indent="-317500" lvl="5" marL="2743200" rtl="0" algn="l">
+            <a:lvl6pPr marL="2743200" lvl="5" indent="-317500" algn="l" rtl="0">
               <a:lnSpc>
                 <a:spcPct val="90000"/>
               </a:lnSpc>
@@ -3011,7 +2501,7 @@
               <a:buChar char="■"/>
               <a:defRPr/>
             </a:lvl6pPr>
-            <a:lvl7pPr indent="-317500" lvl="6" marL="3200400" rtl="0" algn="l">
+            <a:lvl7pPr marL="3200400" lvl="6" indent="-317500" algn="l" rtl="0">
               <a:lnSpc>
                 <a:spcPct val="90000"/>
               </a:lnSpc>
@@ -3028,7 +2518,7 @@
               <a:buChar char="●"/>
               <a:defRPr/>
             </a:lvl7pPr>
-            <a:lvl8pPr indent="-317500" lvl="7" marL="3657600" rtl="0" algn="l">
+            <a:lvl8pPr marL="3657600" lvl="7" indent="-317500" algn="l" rtl="0">
               <a:lnSpc>
                 <a:spcPct val="90000"/>
               </a:lnSpc>
@@ -3045,7 +2535,7 @@
               <a:buChar char="○"/>
               <a:defRPr/>
             </a:lvl8pPr>
-            <a:lvl9pPr indent="-317500" lvl="8" marL="4114800" rtl="0" algn="l">
+            <a:lvl9pPr marL="4114800" lvl="8" indent="-317500" algn="l" rtl="0">
               <a:lnSpc>
                 <a:spcPct val="90000"/>
               </a:lnSpc>
@@ -3063,15 +2553,19 @@
               <a:defRPr/>
             </a:lvl9pPr>
           </a:lstStyle>
-          <a:p/>
+          <a:p>
+            <a:endParaRPr/>
+          </a:p>
         </p:txBody>
       </p:sp>
       <p:sp>
         <p:nvSpPr>
           <p:cNvPr id="53" name="Google Shape;53;p13"/>
-          <p:cNvSpPr txBox="1"/>
+          <p:cNvSpPr txBox="1">
+            <a:spLocks noGrp="1"/>
+          </p:cNvSpPr>
           <p:nvPr>
-            <p:ph idx="2" type="body"/>
+            <p:ph type="body" idx="2"/>
           </p:nvPr>
         </p:nvSpPr>
         <p:spPr>
@@ -3088,11 +2582,11 @@
           </a:ln>
         </p:spPr>
         <p:txBody>
-          <a:bodyPr anchorCtr="0" anchor="t" bIns="34275" lIns="68575" spcFirstLastPara="1" rIns="68575" wrap="square" tIns="34275">
+          <a:bodyPr spcFirstLastPara="1" wrap="square" lIns="68575" tIns="34275" rIns="68575" bIns="34275" anchor="t" anchorCtr="0">
             <a:normAutofit/>
           </a:bodyPr>
           <a:lstStyle>
-            <a:lvl1pPr indent="-317500" lvl="0" marL="457200" rtl="0" algn="l">
+            <a:lvl1pPr marL="457200" lvl="0" indent="-317500" algn="l" rtl="0">
               <a:lnSpc>
                 <a:spcPct val="90000"/>
               </a:lnSpc>
@@ -3109,7 +2603,7 @@
               <a:buChar char="●"/>
               <a:defRPr/>
             </a:lvl1pPr>
-            <a:lvl2pPr indent="-317500" lvl="1" marL="914400" rtl="0" algn="l">
+            <a:lvl2pPr marL="914400" lvl="1" indent="-317500" algn="l" rtl="0">
               <a:lnSpc>
                 <a:spcPct val="90000"/>
               </a:lnSpc>
@@ -3126,7 +2620,7 @@
               <a:buChar char="○"/>
               <a:defRPr/>
             </a:lvl2pPr>
-            <a:lvl3pPr indent="-317500" lvl="2" marL="1371600" rtl="0" algn="l">
+            <a:lvl3pPr marL="1371600" lvl="2" indent="-317500" algn="l" rtl="0">
               <a:lnSpc>
                 <a:spcPct val="90000"/>
               </a:lnSpc>
@@ -3143,7 +2637,7 @@
               <a:buChar char="■"/>
               <a:defRPr/>
             </a:lvl3pPr>
-            <a:lvl4pPr indent="-317500" lvl="3" marL="1828800" rtl="0" algn="l">
+            <a:lvl4pPr marL="1828800" lvl="3" indent="-317500" algn="l" rtl="0">
               <a:lnSpc>
                 <a:spcPct val="90000"/>
               </a:lnSpc>
@@ -3160,7 +2654,7 @@
               <a:buChar char="●"/>
               <a:defRPr/>
             </a:lvl4pPr>
-            <a:lvl5pPr indent="-317500" lvl="4" marL="2286000" rtl="0" algn="l">
+            <a:lvl5pPr marL="2286000" lvl="4" indent="-317500" algn="l" rtl="0">
               <a:lnSpc>
                 <a:spcPct val="90000"/>
               </a:lnSpc>
@@ -3177,7 +2671,7 @@
               <a:buChar char="○"/>
               <a:defRPr/>
             </a:lvl5pPr>
-            <a:lvl6pPr indent="-317500" lvl="5" marL="2743200" rtl="0" algn="l">
+            <a:lvl6pPr marL="2743200" lvl="5" indent="-317500" algn="l" rtl="0">
               <a:lnSpc>
                 <a:spcPct val="90000"/>
               </a:lnSpc>
@@ -3194,7 +2688,7 @@
               <a:buChar char="■"/>
               <a:defRPr/>
             </a:lvl6pPr>
-            <a:lvl7pPr indent="-317500" lvl="6" marL="3200400" rtl="0" algn="l">
+            <a:lvl7pPr marL="3200400" lvl="6" indent="-317500" algn="l" rtl="0">
               <a:lnSpc>
                 <a:spcPct val="90000"/>
               </a:lnSpc>
@@ -3211,7 +2705,7 @@
               <a:buChar char="●"/>
               <a:defRPr/>
             </a:lvl7pPr>
-            <a:lvl8pPr indent="-317500" lvl="7" marL="3657600" rtl="0" algn="l">
+            <a:lvl8pPr marL="3657600" lvl="7" indent="-317500" algn="l" rtl="0">
               <a:lnSpc>
                 <a:spcPct val="90000"/>
               </a:lnSpc>
@@ -3228,7 +2722,7 @@
               <a:buChar char="○"/>
               <a:defRPr/>
             </a:lvl8pPr>
-            <a:lvl9pPr indent="-317500" lvl="8" marL="4114800" rtl="0" algn="l">
+            <a:lvl9pPr marL="4114800" lvl="8" indent="-317500" algn="l" rtl="0">
               <a:lnSpc>
                 <a:spcPct val="90000"/>
               </a:lnSpc>
@@ -3246,15 +2740,19 @@
               <a:defRPr/>
             </a:lvl9pPr>
           </a:lstStyle>
-          <a:p/>
+          <a:p>
+            <a:endParaRPr/>
+          </a:p>
         </p:txBody>
       </p:sp>
       <p:sp>
         <p:nvSpPr>
           <p:cNvPr id="54" name="Google Shape;54;p13"/>
-          <p:cNvSpPr txBox="1"/>
+          <p:cNvSpPr txBox="1">
+            <a:spLocks noGrp="1"/>
+          </p:cNvSpPr>
           <p:nvPr>
-            <p:ph idx="10" type="dt"/>
+            <p:ph type="dt" idx="10"/>
           </p:nvPr>
         </p:nvSpPr>
         <p:spPr>
@@ -3271,11 +2769,11 @@
           </a:ln>
         </p:spPr>
         <p:txBody>
-          <a:bodyPr anchorCtr="0" anchor="ctr" bIns="34275" lIns="68575" spcFirstLastPara="1" rIns="68575" wrap="square" tIns="34275">
+          <a:bodyPr spcFirstLastPara="1" wrap="square" lIns="68575" tIns="34275" rIns="68575" bIns="34275" anchor="ctr" anchorCtr="0">
             <a:noAutofit/>
           </a:bodyPr>
           <a:lstStyle>
-            <a:lvl1pPr lvl="0" rtl="0" algn="l">
+            <a:lvl1pPr lvl="0" algn="l" rtl="0">
               <a:spcBef>
                 <a:spcPts val="0"/>
               </a:spcBef>
@@ -3286,7 +2784,7 @@
               <a:buNone/>
               <a:defRPr sz="1100"/>
             </a:lvl1pPr>
-            <a:lvl2pPr lvl="1" rtl="0" algn="l">
+            <a:lvl2pPr lvl="1" algn="l" rtl="0">
               <a:spcBef>
                 <a:spcPts val="0"/>
               </a:spcBef>
@@ -3297,7 +2795,7 @@
               <a:buNone/>
               <a:defRPr sz="1100"/>
             </a:lvl2pPr>
-            <a:lvl3pPr lvl="2" rtl="0" algn="l">
+            <a:lvl3pPr lvl="2" algn="l" rtl="0">
               <a:spcBef>
                 <a:spcPts val="0"/>
               </a:spcBef>
@@ -3308,7 +2806,7 @@
               <a:buNone/>
               <a:defRPr sz="1100"/>
             </a:lvl3pPr>
-            <a:lvl4pPr lvl="3" rtl="0" algn="l">
+            <a:lvl4pPr lvl="3" algn="l" rtl="0">
               <a:spcBef>
                 <a:spcPts val="0"/>
               </a:spcBef>
@@ -3319,7 +2817,7 @@
               <a:buNone/>
               <a:defRPr sz="1100"/>
             </a:lvl4pPr>
-            <a:lvl5pPr lvl="4" rtl="0" algn="l">
+            <a:lvl5pPr lvl="4" algn="l" rtl="0">
               <a:spcBef>
                 <a:spcPts val="0"/>
               </a:spcBef>
@@ -3330,7 +2828,7 @@
               <a:buNone/>
               <a:defRPr sz="1100"/>
             </a:lvl5pPr>
-            <a:lvl6pPr lvl="5" rtl="0" algn="l">
+            <a:lvl6pPr lvl="5" algn="l" rtl="0">
               <a:spcBef>
                 <a:spcPts val="0"/>
               </a:spcBef>
@@ -3341,7 +2839,7 @@
               <a:buNone/>
               <a:defRPr sz="1100"/>
             </a:lvl6pPr>
-            <a:lvl7pPr lvl="6" rtl="0" algn="l">
+            <a:lvl7pPr lvl="6" algn="l" rtl="0">
               <a:spcBef>
                 <a:spcPts val="0"/>
               </a:spcBef>
@@ -3352,7 +2850,7 @@
               <a:buNone/>
               <a:defRPr sz="1100"/>
             </a:lvl7pPr>
-            <a:lvl8pPr lvl="7" rtl="0" algn="l">
+            <a:lvl8pPr lvl="7" algn="l" rtl="0">
               <a:spcBef>
                 <a:spcPts val="0"/>
               </a:spcBef>
@@ -3363,7 +2861,7 @@
               <a:buNone/>
               <a:defRPr sz="1100"/>
             </a:lvl8pPr>
-            <a:lvl9pPr lvl="8" rtl="0" algn="l">
+            <a:lvl9pPr lvl="8" algn="l" rtl="0">
               <a:spcBef>
                 <a:spcPts val="0"/>
               </a:spcBef>
@@ -3375,15 +2873,19 @@
               <a:defRPr sz="1100"/>
             </a:lvl9pPr>
           </a:lstStyle>
-          <a:p/>
+          <a:p>
+            <a:endParaRPr/>
+          </a:p>
         </p:txBody>
       </p:sp>
       <p:sp>
         <p:nvSpPr>
           <p:cNvPr id="55" name="Google Shape;55;p13"/>
-          <p:cNvSpPr txBox="1"/>
+          <p:cNvSpPr txBox="1">
+            <a:spLocks noGrp="1"/>
+          </p:cNvSpPr>
           <p:nvPr>
-            <p:ph idx="11" type="ftr"/>
+            <p:ph type="ftr" idx="11"/>
           </p:nvPr>
         </p:nvSpPr>
         <p:spPr>
@@ -3400,11 +2902,11 @@
           </a:ln>
         </p:spPr>
         <p:txBody>
-          <a:bodyPr anchorCtr="0" anchor="ctr" bIns="34275" lIns="68575" spcFirstLastPara="1" rIns="68575" wrap="square" tIns="34275">
+          <a:bodyPr spcFirstLastPara="1" wrap="square" lIns="68575" tIns="34275" rIns="68575" bIns="34275" anchor="ctr" anchorCtr="0">
             <a:noAutofit/>
           </a:bodyPr>
           <a:lstStyle>
-            <a:lvl1pPr lvl="0" rtl="0" algn="ctr">
+            <a:lvl1pPr lvl="0" algn="ctr" rtl="0">
               <a:spcBef>
                 <a:spcPts val="0"/>
               </a:spcBef>
@@ -3415,7 +2917,7 @@
               <a:buNone/>
               <a:defRPr sz="1100"/>
             </a:lvl1pPr>
-            <a:lvl2pPr lvl="1" rtl="0" algn="l">
+            <a:lvl2pPr lvl="1" algn="l" rtl="0">
               <a:spcBef>
                 <a:spcPts val="0"/>
               </a:spcBef>
@@ -3426,7 +2928,7 @@
               <a:buNone/>
               <a:defRPr sz="1100"/>
             </a:lvl2pPr>
-            <a:lvl3pPr lvl="2" rtl="0" algn="l">
+            <a:lvl3pPr lvl="2" algn="l" rtl="0">
               <a:spcBef>
                 <a:spcPts val="0"/>
               </a:spcBef>
@@ -3437,7 +2939,7 @@
               <a:buNone/>
               <a:defRPr sz="1100"/>
             </a:lvl3pPr>
-            <a:lvl4pPr lvl="3" rtl="0" algn="l">
+            <a:lvl4pPr lvl="3" algn="l" rtl="0">
               <a:spcBef>
                 <a:spcPts val="0"/>
               </a:spcBef>
@@ -3448,7 +2950,7 @@
               <a:buNone/>
               <a:defRPr sz="1100"/>
             </a:lvl4pPr>
-            <a:lvl5pPr lvl="4" rtl="0" algn="l">
+            <a:lvl5pPr lvl="4" algn="l" rtl="0">
               <a:spcBef>
                 <a:spcPts val="0"/>
               </a:spcBef>
@@ -3459,7 +2961,7 @@
               <a:buNone/>
               <a:defRPr sz="1100"/>
             </a:lvl5pPr>
-            <a:lvl6pPr lvl="5" rtl="0" algn="l">
+            <a:lvl6pPr lvl="5" algn="l" rtl="0">
               <a:spcBef>
                 <a:spcPts val="0"/>
               </a:spcBef>
@@ -3470,7 +2972,7 @@
               <a:buNone/>
               <a:defRPr sz="1100"/>
             </a:lvl6pPr>
-            <a:lvl7pPr lvl="6" rtl="0" algn="l">
+            <a:lvl7pPr lvl="6" algn="l" rtl="0">
               <a:spcBef>
                 <a:spcPts val="0"/>
               </a:spcBef>
@@ -3481,7 +2983,7 @@
               <a:buNone/>
               <a:defRPr sz="1100"/>
             </a:lvl7pPr>
-            <a:lvl8pPr lvl="7" rtl="0" algn="l">
+            <a:lvl8pPr lvl="7" algn="l" rtl="0">
               <a:spcBef>
                 <a:spcPts val="0"/>
               </a:spcBef>
@@ -3492,7 +2994,7 @@
               <a:buNone/>
               <a:defRPr sz="1100"/>
             </a:lvl8pPr>
-            <a:lvl9pPr lvl="8" rtl="0" algn="l">
+            <a:lvl9pPr lvl="8" algn="l" rtl="0">
               <a:spcBef>
                 <a:spcPts val="0"/>
               </a:spcBef>
@@ -3504,15 +3006,19 @@
               <a:defRPr sz="1100"/>
             </a:lvl9pPr>
           </a:lstStyle>
-          <a:p/>
+          <a:p>
+            <a:endParaRPr/>
+          </a:p>
         </p:txBody>
       </p:sp>
       <p:sp>
         <p:nvSpPr>
           <p:cNvPr id="56" name="Google Shape;56;p13"/>
-          <p:cNvSpPr txBox="1"/>
+          <p:cNvSpPr txBox="1">
+            <a:spLocks noGrp="1"/>
+          </p:cNvSpPr>
           <p:nvPr>
-            <p:ph idx="12" type="sldNum"/>
+            <p:ph type="sldNum" idx="12"/>
           </p:nvPr>
         </p:nvSpPr>
         <p:spPr>
@@ -3529,67 +3035,67 @@
           </a:ln>
         </p:spPr>
         <p:txBody>
-          <a:bodyPr anchorCtr="0" anchor="ctr" bIns="34275" lIns="68575" spcFirstLastPara="1" rIns="68575" wrap="square" tIns="34275">
+          <a:bodyPr spcFirstLastPara="1" wrap="square" lIns="68575" tIns="34275" rIns="68575" bIns="34275" anchor="ctr" anchorCtr="0">
             <a:normAutofit/>
           </a:bodyPr>
           <a:lstStyle>
-            <a:lvl1pPr indent="0" lvl="0" marL="0" rtl="0" algn="r">
+            <a:lvl1pPr marL="0" lvl="0" indent="0" algn="r" rtl="0">
               <a:spcBef>
                 <a:spcPts val="0"/>
               </a:spcBef>
               <a:buNone/>
               <a:defRPr/>
             </a:lvl1pPr>
-            <a:lvl2pPr indent="0" lvl="1" marL="0" rtl="0" algn="r">
+            <a:lvl2pPr marL="0" lvl="1" indent="0" algn="r" rtl="0">
               <a:spcBef>
                 <a:spcPts val="0"/>
               </a:spcBef>
               <a:buNone/>
               <a:defRPr/>
             </a:lvl2pPr>
-            <a:lvl3pPr indent="0" lvl="2" marL="0" rtl="0" algn="r">
+            <a:lvl3pPr marL="0" lvl="2" indent="0" algn="r" rtl="0">
               <a:spcBef>
                 <a:spcPts val="0"/>
               </a:spcBef>
               <a:buNone/>
               <a:defRPr/>
             </a:lvl3pPr>
-            <a:lvl4pPr indent="0" lvl="3" marL="0" rtl="0" algn="r">
+            <a:lvl4pPr marL="0" lvl="3" indent="0" algn="r" rtl="0">
               <a:spcBef>
                 <a:spcPts val="0"/>
               </a:spcBef>
               <a:buNone/>
               <a:defRPr/>
             </a:lvl4pPr>
-            <a:lvl5pPr indent="0" lvl="4" marL="0" rtl="0" algn="r">
+            <a:lvl5pPr marL="0" lvl="4" indent="0" algn="r" rtl="0">
               <a:spcBef>
                 <a:spcPts val="0"/>
               </a:spcBef>
               <a:buNone/>
               <a:defRPr/>
             </a:lvl5pPr>
-            <a:lvl6pPr indent="0" lvl="5" marL="0" rtl="0" algn="r">
+            <a:lvl6pPr marL="0" lvl="5" indent="0" algn="r" rtl="0">
               <a:spcBef>
                 <a:spcPts val="0"/>
               </a:spcBef>
               <a:buNone/>
               <a:defRPr/>
             </a:lvl6pPr>
-            <a:lvl7pPr indent="0" lvl="6" marL="0" rtl="0" algn="r">
+            <a:lvl7pPr marL="0" lvl="6" indent="0" algn="r" rtl="0">
               <a:spcBef>
                 <a:spcPts val="0"/>
               </a:spcBef>
               <a:buNone/>
               <a:defRPr/>
             </a:lvl7pPr>
-            <a:lvl8pPr indent="0" lvl="7" marL="0" rtl="0" algn="r">
+            <a:lvl8pPr marL="0" lvl="7" indent="0" algn="r" rtl="0">
               <a:spcBef>
                 <a:spcPts val="0"/>
               </a:spcBef>
               <a:buNone/>
               <a:defRPr/>
             </a:lvl8pPr>
-            <a:lvl9pPr indent="0" lvl="8" marL="0" rtl="0" algn="r">
+            <a:lvl9pPr marL="0" lvl="8" indent="0" algn="r" rtl="0">
               <a:spcBef>
                 <a:spcPts val="0"/>
               </a:spcBef>
@@ -3598,7 +3104,7 @@
             </a:lvl9pPr>
           </a:lstStyle>
           <a:p>
-            <a:pPr indent="0" lvl="0" marL="0" rtl="0" algn="r">
+            <a:pPr marL="0" lvl="0" indent="0" algn="r" rtl="0">
               <a:spcBef>
                 <a:spcPts val="0"/>
               </a:spcBef>
@@ -3624,11 +3130,11 @@
 </file>
 
 <file path=ppt/slideLayouts/slideLayout2.xml><?xml version="1.0" encoding="utf-8"?>
-<p:sldLayout xmlns:a="http://schemas.openxmlformats.org/drawingml/2006/main" xmlns:r="http://schemas.openxmlformats.org/officeDocument/2006/relationships" xmlns:mc="http://schemas.openxmlformats.org/markup-compatibility/2006" xmlns:mv="urn:schemas-microsoft-com:mac:vml" xmlns:p="http://schemas.openxmlformats.org/presentationml/2006/main" xmlns:c="http://schemas.openxmlformats.org/drawingml/2006/chart" xmlns:dgm="http://schemas.openxmlformats.org/drawingml/2006/diagram" xmlns:o="urn:schemas-microsoft-com:office:office" xmlns:v="urn:schemas-microsoft-com:vml" xmlns:pvml="urn:schemas-microsoft-com:office:powerpoint" xmlns:com="http://schemas.openxmlformats.org/drawingml/2006/compatibility" xmlns:p14="http://schemas.microsoft.com/office/powerpoint/2010/main" xmlns:p15="http://schemas.microsoft.com/office/powerpoint/2012/main" xmlns:ahyp="http://schemas.microsoft.com/office/drawing/2018/hyperlinkcolor" matchingName="Section header" type="secHead">
-  <p:cSld name="SECTION_HEADER">
+<p:sldLayout xmlns:a="http://schemas.openxmlformats.org/drawingml/2006/main" xmlns:r="http://schemas.openxmlformats.org/officeDocument/2006/relationships" xmlns:p="http://schemas.openxmlformats.org/presentationml/2006/main" matchingName="Title and body" type="tx">
+  <p:cSld name="TITLE_AND_BODY">
     <p:spTree>
       <p:nvGrpSpPr>
-        <p:cNvPr id="13" name="Shape 13"/>
+        <p:cNvPr id="1" name="Shape 16"/>
         <p:cNvGrpSpPr/>
         <p:nvPr/>
       </p:nvGrpSpPr>
@@ -3642,135 +3148,270 @@
       </p:grpSpPr>
       <p:sp>
         <p:nvSpPr>
-          <p:cNvPr id="14" name="Google Shape;14;p3"/>
-          <p:cNvSpPr txBox="1"/>
+          <p:cNvPr id="17" name="Google Shape;17;p4"/>
+          <p:cNvSpPr txBox="1">
+            <a:spLocks noGrp="1"/>
+          </p:cNvSpPr>
           <p:nvPr>
             <p:ph type="title"/>
           </p:nvPr>
         </p:nvSpPr>
         <p:spPr>
           <a:xfrm>
-            <a:off x="311700" y="2150850"/>
-            <a:ext cx="8520600" cy="841800"/>
+            <a:off x="311700" y="445025"/>
+            <a:ext cx="8520600" cy="572700"/>
           </a:xfrm>
           <a:prstGeom prst="rect">
             <a:avLst/>
           </a:prstGeom>
         </p:spPr>
         <p:txBody>
-          <a:bodyPr anchorCtr="0" anchor="ctr" bIns="91425" lIns="91425" spcFirstLastPara="1" rIns="91425" wrap="square" tIns="91425">
+          <a:bodyPr spcFirstLastPara="1" wrap="square" lIns="91425" tIns="91425" rIns="91425" bIns="91425" anchor="t" anchorCtr="0">
             <a:normAutofit/>
           </a:bodyPr>
           <a:lstStyle>
-            <a:lvl1pPr lvl="0" algn="ctr">
-              <a:spcBef>
-                <a:spcPts val="0"/>
-              </a:spcBef>
-              <a:spcAft>
-                <a:spcPts val="0"/>
-              </a:spcAft>
-              <a:buSzPts val="3600"/>
-              <a:buNone/>
-              <a:defRPr sz="3600"/>
+            <a:lvl1pPr lvl="0">
+              <a:spcBef>
+                <a:spcPts val="0"/>
+              </a:spcBef>
+              <a:spcAft>
+                <a:spcPts val="0"/>
+              </a:spcAft>
+              <a:buSzPts val="2800"/>
+              <a:buNone/>
+              <a:defRPr/>
             </a:lvl1pPr>
-            <a:lvl2pPr lvl="1" algn="ctr">
-              <a:spcBef>
-                <a:spcPts val="0"/>
-              </a:spcBef>
-              <a:spcAft>
-                <a:spcPts val="0"/>
-              </a:spcAft>
-              <a:buSzPts val="3600"/>
-              <a:buNone/>
-              <a:defRPr sz="3600"/>
+            <a:lvl2pPr lvl="1">
+              <a:spcBef>
+                <a:spcPts val="0"/>
+              </a:spcBef>
+              <a:spcAft>
+                <a:spcPts val="0"/>
+              </a:spcAft>
+              <a:buSzPts val="2800"/>
+              <a:buNone/>
+              <a:defRPr/>
             </a:lvl2pPr>
-            <a:lvl3pPr lvl="2" algn="ctr">
-              <a:spcBef>
-                <a:spcPts val="0"/>
-              </a:spcBef>
-              <a:spcAft>
-                <a:spcPts val="0"/>
-              </a:spcAft>
-              <a:buSzPts val="3600"/>
-              <a:buNone/>
-              <a:defRPr sz="3600"/>
+            <a:lvl3pPr lvl="2">
+              <a:spcBef>
+                <a:spcPts val="0"/>
+              </a:spcBef>
+              <a:spcAft>
+                <a:spcPts val="0"/>
+              </a:spcAft>
+              <a:buSzPts val="2800"/>
+              <a:buNone/>
+              <a:defRPr/>
             </a:lvl3pPr>
-            <a:lvl4pPr lvl="3" algn="ctr">
-              <a:spcBef>
-                <a:spcPts val="0"/>
-              </a:spcBef>
-              <a:spcAft>
-                <a:spcPts val="0"/>
-              </a:spcAft>
-              <a:buSzPts val="3600"/>
-              <a:buNone/>
-              <a:defRPr sz="3600"/>
+            <a:lvl4pPr lvl="3">
+              <a:spcBef>
+                <a:spcPts val="0"/>
+              </a:spcBef>
+              <a:spcAft>
+                <a:spcPts val="0"/>
+              </a:spcAft>
+              <a:buSzPts val="2800"/>
+              <a:buNone/>
+              <a:defRPr/>
             </a:lvl4pPr>
-            <a:lvl5pPr lvl="4" algn="ctr">
-              <a:spcBef>
-                <a:spcPts val="0"/>
-              </a:spcBef>
-              <a:spcAft>
-                <a:spcPts val="0"/>
-              </a:spcAft>
-              <a:buSzPts val="3600"/>
-              <a:buNone/>
-              <a:defRPr sz="3600"/>
+            <a:lvl5pPr lvl="4">
+              <a:spcBef>
+                <a:spcPts val="0"/>
+              </a:spcBef>
+              <a:spcAft>
+                <a:spcPts val="0"/>
+              </a:spcAft>
+              <a:buSzPts val="2800"/>
+              <a:buNone/>
+              <a:defRPr/>
             </a:lvl5pPr>
-            <a:lvl6pPr lvl="5" algn="ctr">
-              <a:spcBef>
-                <a:spcPts val="0"/>
-              </a:spcBef>
-              <a:spcAft>
-                <a:spcPts val="0"/>
-              </a:spcAft>
-              <a:buSzPts val="3600"/>
-              <a:buNone/>
-              <a:defRPr sz="3600"/>
+            <a:lvl6pPr lvl="5">
+              <a:spcBef>
+                <a:spcPts val="0"/>
+              </a:spcBef>
+              <a:spcAft>
+                <a:spcPts val="0"/>
+              </a:spcAft>
+              <a:buSzPts val="2800"/>
+              <a:buNone/>
+              <a:defRPr/>
             </a:lvl6pPr>
-            <a:lvl7pPr lvl="6" algn="ctr">
-              <a:spcBef>
-                <a:spcPts val="0"/>
-              </a:spcBef>
-              <a:spcAft>
-                <a:spcPts val="0"/>
-              </a:spcAft>
-              <a:buSzPts val="3600"/>
-              <a:buNone/>
-              <a:defRPr sz="3600"/>
+            <a:lvl7pPr lvl="6">
+              <a:spcBef>
+                <a:spcPts val="0"/>
+              </a:spcBef>
+              <a:spcAft>
+                <a:spcPts val="0"/>
+              </a:spcAft>
+              <a:buSzPts val="2800"/>
+              <a:buNone/>
+              <a:defRPr/>
             </a:lvl7pPr>
-            <a:lvl8pPr lvl="7" algn="ctr">
-              <a:spcBef>
-                <a:spcPts val="0"/>
-              </a:spcBef>
-              <a:spcAft>
-                <a:spcPts val="0"/>
-              </a:spcAft>
-              <a:buSzPts val="3600"/>
-              <a:buNone/>
-              <a:defRPr sz="3600"/>
+            <a:lvl8pPr lvl="7">
+              <a:spcBef>
+                <a:spcPts val="0"/>
+              </a:spcBef>
+              <a:spcAft>
+                <a:spcPts val="0"/>
+              </a:spcAft>
+              <a:buSzPts val="2800"/>
+              <a:buNone/>
+              <a:defRPr/>
             </a:lvl8pPr>
-            <a:lvl9pPr lvl="8" algn="ctr">
-              <a:spcBef>
-                <a:spcPts val="0"/>
-              </a:spcBef>
-              <a:spcAft>
-                <a:spcPts val="0"/>
-              </a:spcAft>
-              <a:buSzPts val="3600"/>
-              <a:buNone/>
-              <a:defRPr sz="3600"/>
+            <a:lvl9pPr lvl="8">
+              <a:spcBef>
+                <a:spcPts val="0"/>
+              </a:spcBef>
+              <a:spcAft>
+                <a:spcPts val="0"/>
+              </a:spcAft>
+              <a:buSzPts val="2800"/>
+              <a:buNone/>
+              <a:defRPr/>
             </a:lvl9pPr>
           </a:lstStyle>
-          <a:p/>
+          <a:p>
+            <a:endParaRPr/>
+          </a:p>
         </p:txBody>
       </p:sp>
       <p:sp>
         <p:nvSpPr>
-          <p:cNvPr id="15" name="Google Shape;15;p3"/>
-          <p:cNvSpPr txBox="1"/>
+          <p:cNvPr id="18" name="Google Shape;18;p4"/>
+          <p:cNvSpPr txBox="1">
+            <a:spLocks noGrp="1"/>
+          </p:cNvSpPr>
           <p:nvPr>
-            <p:ph idx="12" type="sldNum"/>
+            <p:ph type="body" idx="1"/>
+          </p:nvPr>
+        </p:nvSpPr>
+        <p:spPr>
+          <a:xfrm>
+            <a:off x="311700" y="1152475"/>
+            <a:ext cx="8520600" cy="3416400"/>
+          </a:xfrm>
+          <a:prstGeom prst="rect">
+            <a:avLst/>
+          </a:prstGeom>
+        </p:spPr>
+        <p:txBody>
+          <a:bodyPr spcFirstLastPara="1" wrap="square" lIns="91425" tIns="91425" rIns="91425" bIns="91425" anchor="t" anchorCtr="0">
+            <a:normAutofit/>
+          </a:bodyPr>
+          <a:lstStyle>
+            <a:lvl1pPr marL="457200" lvl="0" indent="-342900">
+              <a:spcBef>
+                <a:spcPts val="0"/>
+              </a:spcBef>
+              <a:spcAft>
+                <a:spcPts val="0"/>
+              </a:spcAft>
+              <a:buSzPts val="1800"/>
+              <a:buChar char="●"/>
+              <a:defRPr/>
+            </a:lvl1pPr>
+            <a:lvl2pPr marL="914400" lvl="1" indent="-317500">
+              <a:spcBef>
+                <a:spcPts val="0"/>
+              </a:spcBef>
+              <a:spcAft>
+                <a:spcPts val="0"/>
+              </a:spcAft>
+              <a:buSzPts val="1400"/>
+              <a:buChar char="○"/>
+              <a:defRPr/>
+            </a:lvl2pPr>
+            <a:lvl3pPr marL="1371600" lvl="2" indent="-317500">
+              <a:spcBef>
+                <a:spcPts val="0"/>
+              </a:spcBef>
+              <a:spcAft>
+                <a:spcPts val="0"/>
+              </a:spcAft>
+              <a:buSzPts val="1400"/>
+              <a:buChar char="■"/>
+              <a:defRPr/>
+            </a:lvl3pPr>
+            <a:lvl4pPr marL="1828800" lvl="3" indent="-317500">
+              <a:spcBef>
+                <a:spcPts val="0"/>
+              </a:spcBef>
+              <a:spcAft>
+                <a:spcPts val="0"/>
+              </a:spcAft>
+              <a:buSzPts val="1400"/>
+              <a:buChar char="●"/>
+              <a:defRPr/>
+            </a:lvl4pPr>
+            <a:lvl5pPr marL="2286000" lvl="4" indent="-317500">
+              <a:spcBef>
+                <a:spcPts val="0"/>
+              </a:spcBef>
+              <a:spcAft>
+                <a:spcPts val="0"/>
+              </a:spcAft>
+              <a:buSzPts val="1400"/>
+              <a:buChar char="○"/>
+              <a:defRPr/>
+            </a:lvl5pPr>
+            <a:lvl6pPr marL="2743200" lvl="5" indent="-317500">
+              <a:spcBef>
+                <a:spcPts val="0"/>
+              </a:spcBef>
+              <a:spcAft>
+                <a:spcPts val="0"/>
+              </a:spcAft>
+              <a:buSzPts val="1400"/>
+              <a:buChar char="■"/>
+              <a:defRPr/>
+            </a:lvl6pPr>
+            <a:lvl7pPr marL="3200400" lvl="6" indent="-317500">
+              <a:spcBef>
+                <a:spcPts val="0"/>
+              </a:spcBef>
+              <a:spcAft>
+                <a:spcPts val="0"/>
+              </a:spcAft>
+              <a:buSzPts val="1400"/>
+              <a:buChar char="●"/>
+              <a:defRPr/>
+            </a:lvl7pPr>
+            <a:lvl8pPr marL="3657600" lvl="7" indent="-317500">
+              <a:spcBef>
+                <a:spcPts val="0"/>
+              </a:spcBef>
+              <a:spcAft>
+                <a:spcPts val="0"/>
+              </a:spcAft>
+              <a:buSzPts val="1400"/>
+              <a:buChar char="○"/>
+              <a:defRPr/>
+            </a:lvl8pPr>
+            <a:lvl9pPr marL="4114800" lvl="8" indent="-317500">
+              <a:spcBef>
+                <a:spcPts val="0"/>
+              </a:spcBef>
+              <a:spcAft>
+                <a:spcPts val="0"/>
+              </a:spcAft>
+              <a:buSzPts val="1400"/>
+              <a:buChar char="■"/>
+              <a:defRPr/>
+            </a:lvl9pPr>
+          </a:lstStyle>
+          <a:p>
+            <a:endParaRPr/>
+          </a:p>
+        </p:txBody>
+      </p:sp>
+      <p:sp>
+        <p:nvSpPr>
+          <p:cNvPr id="19" name="Google Shape;19;p4"/>
+          <p:cNvSpPr txBox="1">
+            <a:spLocks noGrp="1"/>
+          </p:cNvSpPr>
+          <p:nvPr>
+            <p:ph type="sldNum" idx="12"/>
           </p:nvPr>
         </p:nvSpPr>
         <p:spPr>
@@ -3783,7 +3424,7 @@
           </a:prstGeom>
         </p:spPr>
         <p:txBody>
-          <a:bodyPr anchorCtr="0" anchor="ctr" bIns="91425" lIns="91425" spcFirstLastPara="1" rIns="91425" wrap="square" tIns="91425">
+          <a:bodyPr spcFirstLastPara="1" wrap="square" lIns="91425" tIns="91425" rIns="91425" bIns="91425" anchor="ctr" anchorCtr="0">
             <a:normAutofit/>
           </a:bodyPr>
           <a:lstStyle>
@@ -3825,7 +3466,7 @@
             </a:lvl9pPr>
           </a:lstStyle>
           <a:p>
-            <a:pPr indent="0" lvl="0" marL="0" rtl="0" algn="r">
+            <a:pPr marL="0" lvl="0" indent="0" algn="r" rtl="0">
               <a:spcBef>
                 <a:spcPts val="0"/>
               </a:spcBef>
@@ -3851,11 +3492,11 @@
 </file>
 
 <file path=ppt/slideLayouts/slideLayout3.xml><?xml version="1.0" encoding="utf-8"?>
-<p:sldLayout xmlns:a="http://schemas.openxmlformats.org/drawingml/2006/main" xmlns:r="http://schemas.openxmlformats.org/officeDocument/2006/relationships" xmlns:mc="http://schemas.openxmlformats.org/markup-compatibility/2006" xmlns:mv="urn:schemas-microsoft-com:mac:vml" xmlns:p="http://schemas.openxmlformats.org/presentationml/2006/main" xmlns:c="http://schemas.openxmlformats.org/drawingml/2006/chart" xmlns:dgm="http://schemas.openxmlformats.org/drawingml/2006/diagram" xmlns:o="urn:schemas-microsoft-com:office:office" xmlns:v="urn:schemas-microsoft-com:vml" xmlns:pvml="urn:schemas-microsoft-com:office:powerpoint" xmlns:com="http://schemas.openxmlformats.org/drawingml/2006/compatibility" xmlns:p14="http://schemas.microsoft.com/office/powerpoint/2010/main" xmlns:p15="http://schemas.microsoft.com/office/powerpoint/2012/main" xmlns:ahyp="http://schemas.microsoft.com/office/drawing/2018/hyperlinkcolor" matchingName="Title and body" type="tx">
-  <p:cSld name="TITLE_AND_BODY">
+<p:sldLayout xmlns:a="http://schemas.openxmlformats.org/drawingml/2006/main" xmlns:r="http://schemas.openxmlformats.org/officeDocument/2006/relationships" xmlns:p="http://schemas.openxmlformats.org/presentationml/2006/main" matchingName="Title and two columns" type="twoColTx">
+  <p:cSld name="TITLE_AND_TWO_COLUMNS">
     <p:spTree>
       <p:nvGrpSpPr>
-        <p:cNvPr id="16" name="Shape 16"/>
+        <p:cNvPr id="1" name="Shape 20"/>
         <p:cNvGrpSpPr/>
         <p:nvPr/>
       </p:nvGrpSpPr>
@@ -3869,8 +3510,10 @@
       </p:grpSpPr>
       <p:sp>
         <p:nvSpPr>
-          <p:cNvPr id="17" name="Google Shape;17;p4"/>
-          <p:cNvSpPr txBox="1"/>
+          <p:cNvPr id="21" name="Google Shape;21;p5"/>
+          <p:cNvSpPr txBox="1">
+            <a:spLocks noGrp="1"/>
+          </p:cNvSpPr>
           <p:nvPr>
             <p:ph type="title"/>
           </p:nvPr>
@@ -3885,7 +3528,7 @@
           </a:prstGeom>
         </p:spPr>
         <p:txBody>
-          <a:bodyPr anchorCtr="0" anchor="t" bIns="91425" lIns="91425" spcFirstLastPara="1" rIns="91425" wrap="square" tIns="91425">
+          <a:bodyPr spcFirstLastPara="1" wrap="square" lIns="91425" tIns="91425" rIns="91425" bIns="91425" anchor="t" anchorCtr="0">
             <a:normAutofit/>
           </a:bodyPr>
           <a:lstStyle>
@@ -3989,65 +3632,36 @@
               <a:defRPr/>
             </a:lvl9pPr>
           </a:lstStyle>
-          <a:p/>
+          <a:p>
+            <a:endParaRPr/>
+          </a:p>
         </p:txBody>
       </p:sp>
       <p:sp>
         <p:nvSpPr>
-          <p:cNvPr id="18" name="Google Shape;18;p4"/>
-          <p:cNvSpPr txBox="1"/>
+          <p:cNvPr id="22" name="Google Shape;22;p5"/>
+          <p:cNvSpPr txBox="1">
+            <a:spLocks noGrp="1"/>
+          </p:cNvSpPr>
           <p:nvPr>
-            <p:ph idx="1" type="body"/>
+            <p:ph type="body" idx="1"/>
           </p:nvPr>
         </p:nvSpPr>
         <p:spPr>
           <a:xfrm>
             <a:off x="311700" y="1152475"/>
-            <a:ext cx="8520600" cy="3416400"/>
+            <a:ext cx="3999900" cy="3416400"/>
           </a:xfrm>
           <a:prstGeom prst="rect">
             <a:avLst/>
           </a:prstGeom>
         </p:spPr>
         <p:txBody>
-          <a:bodyPr anchorCtr="0" anchor="t" bIns="91425" lIns="91425" spcFirstLastPara="1" rIns="91425" wrap="square" tIns="91425">
+          <a:bodyPr spcFirstLastPara="1" wrap="square" lIns="91425" tIns="91425" rIns="91425" bIns="91425" anchor="t" anchorCtr="0">
             <a:normAutofit/>
           </a:bodyPr>
           <a:lstStyle>
-            <a:lvl1pPr indent="-342900" lvl="0" marL="457200">
-              <a:spcBef>
-                <a:spcPts val="0"/>
-              </a:spcBef>
-              <a:spcAft>
-                <a:spcPts val="0"/>
-              </a:spcAft>
-              <a:buSzPts val="1800"/>
-              <a:buChar char="●"/>
-              <a:defRPr/>
-            </a:lvl1pPr>
-            <a:lvl2pPr indent="-317500" lvl="1" marL="914400">
-              <a:spcBef>
-                <a:spcPts val="0"/>
-              </a:spcBef>
-              <a:spcAft>
-                <a:spcPts val="0"/>
-              </a:spcAft>
-              <a:buSzPts val="1400"/>
-              <a:buChar char="○"/>
-              <a:defRPr/>
-            </a:lvl2pPr>
-            <a:lvl3pPr indent="-317500" lvl="2" marL="1371600">
-              <a:spcBef>
-                <a:spcPts val="0"/>
-              </a:spcBef>
-              <a:spcAft>
-                <a:spcPts val="0"/>
-              </a:spcAft>
-              <a:buSzPts val="1400"/>
-              <a:buChar char="■"/>
-              <a:defRPr/>
-            </a:lvl3pPr>
-            <a:lvl4pPr indent="-317500" lvl="3" marL="1828800">
+            <a:lvl1pPr marL="457200" lvl="0" indent="-317500">
               <a:spcBef>
                 <a:spcPts val="0"/>
               </a:spcBef>
@@ -4056,73 +3670,239 @@
               </a:spcAft>
               <a:buSzPts val="1400"/>
               <a:buChar char="●"/>
-              <a:defRPr/>
+              <a:defRPr sz="1400"/>
+            </a:lvl1pPr>
+            <a:lvl2pPr marL="914400" lvl="1" indent="-304800">
+              <a:spcBef>
+                <a:spcPts val="0"/>
+              </a:spcBef>
+              <a:spcAft>
+                <a:spcPts val="0"/>
+              </a:spcAft>
+              <a:buSzPts val="1200"/>
+              <a:buChar char="○"/>
+              <a:defRPr sz="1200"/>
+            </a:lvl2pPr>
+            <a:lvl3pPr marL="1371600" lvl="2" indent="-304800">
+              <a:spcBef>
+                <a:spcPts val="0"/>
+              </a:spcBef>
+              <a:spcAft>
+                <a:spcPts val="0"/>
+              </a:spcAft>
+              <a:buSzPts val="1200"/>
+              <a:buChar char="■"/>
+              <a:defRPr sz="1200"/>
+            </a:lvl3pPr>
+            <a:lvl4pPr marL="1828800" lvl="3" indent="-304800">
+              <a:spcBef>
+                <a:spcPts val="0"/>
+              </a:spcBef>
+              <a:spcAft>
+                <a:spcPts val="0"/>
+              </a:spcAft>
+              <a:buSzPts val="1200"/>
+              <a:buChar char="●"/>
+              <a:defRPr sz="1200"/>
             </a:lvl4pPr>
-            <a:lvl5pPr indent="-317500" lvl="4" marL="2286000">
-              <a:spcBef>
-                <a:spcPts val="0"/>
-              </a:spcBef>
-              <a:spcAft>
-                <a:spcPts val="0"/>
-              </a:spcAft>
-              <a:buSzPts val="1400"/>
+            <a:lvl5pPr marL="2286000" lvl="4" indent="-304800">
+              <a:spcBef>
+                <a:spcPts val="0"/>
+              </a:spcBef>
+              <a:spcAft>
+                <a:spcPts val="0"/>
+              </a:spcAft>
+              <a:buSzPts val="1200"/>
               <a:buChar char="○"/>
-              <a:defRPr/>
+              <a:defRPr sz="1200"/>
             </a:lvl5pPr>
-            <a:lvl6pPr indent="-317500" lvl="5" marL="2743200">
-              <a:spcBef>
-                <a:spcPts val="0"/>
-              </a:spcBef>
-              <a:spcAft>
-                <a:spcPts val="0"/>
-              </a:spcAft>
-              <a:buSzPts val="1400"/>
+            <a:lvl6pPr marL="2743200" lvl="5" indent="-304800">
+              <a:spcBef>
+                <a:spcPts val="0"/>
+              </a:spcBef>
+              <a:spcAft>
+                <a:spcPts val="0"/>
+              </a:spcAft>
+              <a:buSzPts val="1200"/>
               <a:buChar char="■"/>
-              <a:defRPr/>
+              <a:defRPr sz="1200"/>
             </a:lvl6pPr>
-            <a:lvl7pPr indent="-317500" lvl="6" marL="3200400">
-              <a:spcBef>
-                <a:spcPts val="0"/>
-              </a:spcBef>
-              <a:spcAft>
-                <a:spcPts val="0"/>
-              </a:spcAft>
-              <a:buSzPts val="1400"/>
+            <a:lvl7pPr marL="3200400" lvl="6" indent="-304800">
+              <a:spcBef>
+                <a:spcPts val="0"/>
+              </a:spcBef>
+              <a:spcAft>
+                <a:spcPts val="0"/>
+              </a:spcAft>
+              <a:buSzPts val="1200"/>
               <a:buChar char="●"/>
-              <a:defRPr/>
+              <a:defRPr sz="1200"/>
             </a:lvl7pPr>
-            <a:lvl8pPr indent="-317500" lvl="7" marL="3657600">
-              <a:spcBef>
-                <a:spcPts val="0"/>
-              </a:spcBef>
-              <a:spcAft>
-                <a:spcPts val="0"/>
-              </a:spcAft>
-              <a:buSzPts val="1400"/>
+            <a:lvl8pPr marL="3657600" lvl="7" indent="-304800">
+              <a:spcBef>
+                <a:spcPts val="0"/>
+              </a:spcBef>
+              <a:spcAft>
+                <a:spcPts val="0"/>
+              </a:spcAft>
+              <a:buSzPts val="1200"/>
               <a:buChar char="○"/>
-              <a:defRPr/>
+              <a:defRPr sz="1200"/>
             </a:lvl8pPr>
-            <a:lvl9pPr indent="-317500" lvl="8" marL="4114800">
-              <a:spcBef>
-                <a:spcPts val="0"/>
-              </a:spcBef>
-              <a:spcAft>
-                <a:spcPts val="0"/>
-              </a:spcAft>
-              <a:buSzPts val="1400"/>
+            <a:lvl9pPr marL="4114800" lvl="8" indent="-304800">
+              <a:spcBef>
+                <a:spcPts val="0"/>
+              </a:spcBef>
+              <a:spcAft>
+                <a:spcPts val="0"/>
+              </a:spcAft>
+              <a:buSzPts val="1200"/>
               <a:buChar char="■"/>
-              <a:defRPr/>
+              <a:defRPr sz="1200"/>
             </a:lvl9pPr>
           </a:lstStyle>
-          <a:p/>
+          <a:p>
+            <a:endParaRPr/>
+          </a:p>
         </p:txBody>
       </p:sp>
       <p:sp>
         <p:nvSpPr>
-          <p:cNvPr id="19" name="Google Shape;19;p4"/>
-          <p:cNvSpPr txBox="1"/>
+          <p:cNvPr id="23" name="Google Shape;23;p5"/>
+          <p:cNvSpPr txBox="1">
+            <a:spLocks noGrp="1"/>
+          </p:cNvSpPr>
           <p:nvPr>
-            <p:ph idx="12" type="sldNum"/>
+            <p:ph type="body" idx="2"/>
+          </p:nvPr>
+        </p:nvSpPr>
+        <p:spPr>
+          <a:xfrm>
+            <a:off x="4832400" y="1152475"/>
+            <a:ext cx="3999900" cy="3416400"/>
+          </a:xfrm>
+          <a:prstGeom prst="rect">
+            <a:avLst/>
+          </a:prstGeom>
+        </p:spPr>
+        <p:txBody>
+          <a:bodyPr spcFirstLastPara="1" wrap="square" lIns="91425" tIns="91425" rIns="91425" bIns="91425" anchor="t" anchorCtr="0">
+            <a:normAutofit/>
+          </a:bodyPr>
+          <a:lstStyle>
+            <a:lvl1pPr marL="457200" lvl="0" indent="-317500">
+              <a:spcBef>
+                <a:spcPts val="0"/>
+              </a:spcBef>
+              <a:spcAft>
+                <a:spcPts val="0"/>
+              </a:spcAft>
+              <a:buSzPts val="1400"/>
+              <a:buChar char="●"/>
+              <a:defRPr sz="1400"/>
+            </a:lvl1pPr>
+            <a:lvl2pPr marL="914400" lvl="1" indent="-304800">
+              <a:spcBef>
+                <a:spcPts val="0"/>
+              </a:spcBef>
+              <a:spcAft>
+                <a:spcPts val="0"/>
+              </a:spcAft>
+              <a:buSzPts val="1200"/>
+              <a:buChar char="○"/>
+              <a:defRPr sz="1200"/>
+            </a:lvl2pPr>
+            <a:lvl3pPr marL="1371600" lvl="2" indent="-304800">
+              <a:spcBef>
+                <a:spcPts val="0"/>
+              </a:spcBef>
+              <a:spcAft>
+                <a:spcPts val="0"/>
+              </a:spcAft>
+              <a:buSzPts val="1200"/>
+              <a:buChar char="■"/>
+              <a:defRPr sz="1200"/>
+            </a:lvl3pPr>
+            <a:lvl4pPr marL="1828800" lvl="3" indent="-304800">
+              <a:spcBef>
+                <a:spcPts val="0"/>
+              </a:spcBef>
+              <a:spcAft>
+                <a:spcPts val="0"/>
+              </a:spcAft>
+              <a:buSzPts val="1200"/>
+              <a:buChar char="●"/>
+              <a:defRPr sz="1200"/>
+            </a:lvl4pPr>
+            <a:lvl5pPr marL="2286000" lvl="4" indent="-304800">
+              <a:spcBef>
+                <a:spcPts val="0"/>
+              </a:spcBef>
+              <a:spcAft>
+                <a:spcPts val="0"/>
+              </a:spcAft>
+              <a:buSzPts val="1200"/>
+              <a:buChar char="○"/>
+              <a:defRPr sz="1200"/>
+            </a:lvl5pPr>
+            <a:lvl6pPr marL="2743200" lvl="5" indent="-304800">
+              <a:spcBef>
+                <a:spcPts val="0"/>
+              </a:spcBef>
+              <a:spcAft>
+                <a:spcPts val="0"/>
+              </a:spcAft>
+              <a:buSzPts val="1200"/>
+              <a:buChar char="■"/>
+              <a:defRPr sz="1200"/>
+            </a:lvl6pPr>
+            <a:lvl7pPr marL="3200400" lvl="6" indent="-304800">
+              <a:spcBef>
+                <a:spcPts val="0"/>
+              </a:spcBef>
+              <a:spcAft>
+                <a:spcPts val="0"/>
+              </a:spcAft>
+              <a:buSzPts val="1200"/>
+              <a:buChar char="●"/>
+              <a:defRPr sz="1200"/>
+            </a:lvl7pPr>
+            <a:lvl8pPr marL="3657600" lvl="7" indent="-304800">
+              <a:spcBef>
+                <a:spcPts val="0"/>
+              </a:spcBef>
+              <a:spcAft>
+                <a:spcPts val="0"/>
+              </a:spcAft>
+              <a:buSzPts val="1200"/>
+              <a:buChar char="○"/>
+              <a:defRPr sz="1200"/>
+            </a:lvl8pPr>
+            <a:lvl9pPr marL="4114800" lvl="8" indent="-304800">
+              <a:spcBef>
+                <a:spcPts val="0"/>
+              </a:spcBef>
+              <a:spcAft>
+                <a:spcPts val="0"/>
+              </a:spcAft>
+              <a:buSzPts val="1200"/>
+              <a:buChar char="■"/>
+              <a:defRPr sz="1200"/>
+            </a:lvl9pPr>
+          </a:lstStyle>
+          <a:p>
+            <a:endParaRPr/>
+          </a:p>
+        </p:txBody>
+      </p:sp>
+      <p:sp>
+        <p:nvSpPr>
+          <p:cNvPr id="24" name="Google Shape;24;p5"/>
+          <p:cNvSpPr txBox="1">
+            <a:spLocks noGrp="1"/>
+          </p:cNvSpPr>
+          <p:nvPr>
+            <p:ph type="sldNum" idx="12"/>
           </p:nvPr>
         </p:nvSpPr>
         <p:spPr>
@@ -4135,7 +3915,7 @@
           </a:prstGeom>
         </p:spPr>
         <p:txBody>
-          <a:bodyPr anchorCtr="0" anchor="ctr" bIns="91425" lIns="91425" spcFirstLastPara="1" rIns="91425" wrap="square" tIns="91425">
+          <a:bodyPr spcFirstLastPara="1" wrap="square" lIns="91425" tIns="91425" rIns="91425" bIns="91425" anchor="ctr" anchorCtr="0">
             <a:normAutofit/>
           </a:bodyPr>
           <a:lstStyle>
@@ -4177,7 +3957,7 @@
             </a:lvl9pPr>
           </a:lstStyle>
           <a:p>
-            <a:pPr indent="0" lvl="0" marL="0" rtl="0" algn="r">
+            <a:pPr marL="0" lvl="0" indent="0" algn="r" rtl="0">
               <a:spcBef>
                 <a:spcPts val="0"/>
               </a:spcBef>
@@ -4203,11 +3983,11 @@
 </file>
 
 <file path=ppt/slideLayouts/slideLayout4.xml><?xml version="1.0" encoding="utf-8"?>
-<p:sldLayout xmlns:a="http://schemas.openxmlformats.org/drawingml/2006/main" xmlns:r="http://schemas.openxmlformats.org/officeDocument/2006/relationships" xmlns:mc="http://schemas.openxmlformats.org/markup-compatibility/2006" xmlns:mv="urn:schemas-microsoft-com:mac:vml" xmlns:p="http://schemas.openxmlformats.org/presentationml/2006/main" xmlns:c="http://schemas.openxmlformats.org/drawingml/2006/chart" xmlns:dgm="http://schemas.openxmlformats.org/drawingml/2006/diagram" xmlns:o="urn:schemas-microsoft-com:office:office" xmlns:v="urn:schemas-microsoft-com:vml" xmlns:pvml="urn:schemas-microsoft-com:office:powerpoint" xmlns:com="http://schemas.openxmlformats.org/drawingml/2006/compatibility" xmlns:p14="http://schemas.microsoft.com/office/powerpoint/2010/main" xmlns:p15="http://schemas.microsoft.com/office/powerpoint/2012/main" xmlns:ahyp="http://schemas.microsoft.com/office/drawing/2018/hyperlinkcolor" matchingName="Title and two columns" type="twoColTx">
-  <p:cSld name="TITLE_AND_TWO_COLUMNS">
+<p:sldLayout xmlns:a="http://schemas.openxmlformats.org/drawingml/2006/main" xmlns:r="http://schemas.openxmlformats.org/officeDocument/2006/relationships" xmlns:p="http://schemas.openxmlformats.org/presentationml/2006/main" matchingName="Title only" type="titleOnly">
+  <p:cSld name="TITLE_ONLY">
     <p:spTree>
       <p:nvGrpSpPr>
-        <p:cNvPr id="20" name="Shape 20"/>
+        <p:cNvPr id="1" name="Shape 25"/>
         <p:cNvGrpSpPr/>
         <p:nvPr/>
       </p:nvGrpSpPr>
@@ -4221,8 +4001,10 @@
       </p:grpSpPr>
       <p:sp>
         <p:nvSpPr>
-          <p:cNvPr id="21" name="Google Shape;21;p5"/>
-          <p:cNvSpPr txBox="1"/>
+          <p:cNvPr id="26" name="Google Shape;26;p6"/>
+          <p:cNvSpPr txBox="1">
+            <a:spLocks noGrp="1"/>
+          </p:cNvSpPr>
           <p:nvPr>
             <p:ph type="title"/>
           </p:nvPr>
@@ -4237,7 +4019,7 @@
           </a:prstGeom>
         </p:spPr>
         <p:txBody>
-          <a:bodyPr anchorCtr="0" anchor="t" bIns="91425" lIns="91425" spcFirstLastPara="1" rIns="91425" wrap="square" tIns="91425">
+          <a:bodyPr spcFirstLastPara="1" wrap="square" lIns="91425" tIns="91425" rIns="91425" bIns="91425" anchor="t" anchorCtr="0">
             <a:normAutofit/>
           </a:bodyPr>
           <a:lstStyle>
@@ -4341,265 +4123,19 @@
               <a:defRPr/>
             </a:lvl9pPr>
           </a:lstStyle>
-          <a:p/>
+          <a:p>
+            <a:endParaRPr/>
+          </a:p>
         </p:txBody>
       </p:sp>
       <p:sp>
         <p:nvSpPr>
-          <p:cNvPr id="22" name="Google Shape;22;p5"/>
-          <p:cNvSpPr txBox="1"/>
+          <p:cNvPr id="27" name="Google Shape;27;p6"/>
+          <p:cNvSpPr txBox="1">
+            <a:spLocks noGrp="1"/>
+          </p:cNvSpPr>
           <p:nvPr>
-            <p:ph idx="1" type="body"/>
-          </p:nvPr>
-        </p:nvSpPr>
-        <p:spPr>
-          <a:xfrm>
-            <a:off x="311700" y="1152475"/>
-            <a:ext cx="3999900" cy="3416400"/>
-          </a:xfrm>
-          <a:prstGeom prst="rect">
-            <a:avLst/>
-          </a:prstGeom>
-        </p:spPr>
-        <p:txBody>
-          <a:bodyPr anchorCtr="0" anchor="t" bIns="91425" lIns="91425" spcFirstLastPara="1" rIns="91425" wrap="square" tIns="91425">
-            <a:normAutofit/>
-          </a:bodyPr>
-          <a:lstStyle>
-            <a:lvl1pPr indent="-317500" lvl="0" marL="457200">
-              <a:spcBef>
-                <a:spcPts val="0"/>
-              </a:spcBef>
-              <a:spcAft>
-                <a:spcPts val="0"/>
-              </a:spcAft>
-              <a:buSzPts val="1400"/>
-              <a:buChar char="●"/>
-              <a:defRPr sz="1400"/>
-            </a:lvl1pPr>
-            <a:lvl2pPr indent="-304800" lvl="1" marL="914400">
-              <a:spcBef>
-                <a:spcPts val="0"/>
-              </a:spcBef>
-              <a:spcAft>
-                <a:spcPts val="0"/>
-              </a:spcAft>
-              <a:buSzPts val="1200"/>
-              <a:buChar char="○"/>
-              <a:defRPr sz="1200"/>
-            </a:lvl2pPr>
-            <a:lvl3pPr indent="-304800" lvl="2" marL="1371600">
-              <a:spcBef>
-                <a:spcPts val="0"/>
-              </a:spcBef>
-              <a:spcAft>
-                <a:spcPts val="0"/>
-              </a:spcAft>
-              <a:buSzPts val="1200"/>
-              <a:buChar char="■"/>
-              <a:defRPr sz="1200"/>
-            </a:lvl3pPr>
-            <a:lvl4pPr indent="-304800" lvl="3" marL="1828800">
-              <a:spcBef>
-                <a:spcPts val="0"/>
-              </a:spcBef>
-              <a:spcAft>
-                <a:spcPts val="0"/>
-              </a:spcAft>
-              <a:buSzPts val="1200"/>
-              <a:buChar char="●"/>
-              <a:defRPr sz="1200"/>
-            </a:lvl4pPr>
-            <a:lvl5pPr indent="-304800" lvl="4" marL="2286000">
-              <a:spcBef>
-                <a:spcPts val="0"/>
-              </a:spcBef>
-              <a:spcAft>
-                <a:spcPts val="0"/>
-              </a:spcAft>
-              <a:buSzPts val="1200"/>
-              <a:buChar char="○"/>
-              <a:defRPr sz="1200"/>
-            </a:lvl5pPr>
-            <a:lvl6pPr indent="-304800" lvl="5" marL="2743200">
-              <a:spcBef>
-                <a:spcPts val="0"/>
-              </a:spcBef>
-              <a:spcAft>
-                <a:spcPts val="0"/>
-              </a:spcAft>
-              <a:buSzPts val="1200"/>
-              <a:buChar char="■"/>
-              <a:defRPr sz="1200"/>
-            </a:lvl6pPr>
-            <a:lvl7pPr indent="-304800" lvl="6" marL="3200400">
-              <a:spcBef>
-                <a:spcPts val="0"/>
-              </a:spcBef>
-              <a:spcAft>
-                <a:spcPts val="0"/>
-              </a:spcAft>
-              <a:buSzPts val="1200"/>
-              <a:buChar char="●"/>
-              <a:defRPr sz="1200"/>
-            </a:lvl7pPr>
-            <a:lvl8pPr indent="-304800" lvl="7" marL="3657600">
-              <a:spcBef>
-                <a:spcPts val="0"/>
-              </a:spcBef>
-              <a:spcAft>
-                <a:spcPts val="0"/>
-              </a:spcAft>
-              <a:buSzPts val="1200"/>
-              <a:buChar char="○"/>
-              <a:defRPr sz="1200"/>
-            </a:lvl8pPr>
-            <a:lvl9pPr indent="-304800" lvl="8" marL="4114800">
-              <a:spcBef>
-                <a:spcPts val="0"/>
-              </a:spcBef>
-              <a:spcAft>
-                <a:spcPts val="0"/>
-              </a:spcAft>
-              <a:buSzPts val="1200"/>
-              <a:buChar char="■"/>
-              <a:defRPr sz="1200"/>
-            </a:lvl9pPr>
-          </a:lstStyle>
-          <a:p/>
-        </p:txBody>
-      </p:sp>
-      <p:sp>
-        <p:nvSpPr>
-          <p:cNvPr id="23" name="Google Shape;23;p5"/>
-          <p:cNvSpPr txBox="1"/>
-          <p:nvPr>
-            <p:ph idx="2" type="body"/>
-          </p:nvPr>
-        </p:nvSpPr>
-        <p:spPr>
-          <a:xfrm>
-            <a:off x="4832400" y="1152475"/>
-            <a:ext cx="3999900" cy="3416400"/>
-          </a:xfrm>
-          <a:prstGeom prst="rect">
-            <a:avLst/>
-          </a:prstGeom>
-        </p:spPr>
-        <p:txBody>
-          <a:bodyPr anchorCtr="0" anchor="t" bIns="91425" lIns="91425" spcFirstLastPara="1" rIns="91425" wrap="square" tIns="91425">
-            <a:normAutofit/>
-          </a:bodyPr>
-          <a:lstStyle>
-            <a:lvl1pPr indent="-317500" lvl="0" marL="457200">
-              <a:spcBef>
-                <a:spcPts val="0"/>
-              </a:spcBef>
-              <a:spcAft>
-                <a:spcPts val="0"/>
-              </a:spcAft>
-              <a:buSzPts val="1400"/>
-              <a:buChar char="●"/>
-              <a:defRPr sz="1400"/>
-            </a:lvl1pPr>
-            <a:lvl2pPr indent="-304800" lvl="1" marL="914400">
-              <a:spcBef>
-                <a:spcPts val="0"/>
-              </a:spcBef>
-              <a:spcAft>
-                <a:spcPts val="0"/>
-              </a:spcAft>
-              <a:buSzPts val="1200"/>
-              <a:buChar char="○"/>
-              <a:defRPr sz="1200"/>
-            </a:lvl2pPr>
-            <a:lvl3pPr indent="-304800" lvl="2" marL="1371600">
-              <a:spcBef>
-                <a:spcPts val="0"/>
-              </a:spcBef>
-              <a:spcAft>
-                <a:spcPts val="0"/>
-              </a:spcAft>
-              <a:buSzPts val="1200"/>
-              <a:buChar char="■"/>
-              <a:defRPr sz="1200"/>
-            </a:lvl3pPr>
-            <a:lvl4pPr indent="-304800" lvl="3" marL="1828800">
-              <a:spcBef>
-                <a:spcPts val="0"/>
-              </a:spcBef>
-              <a:spcAft>
-                <a:spcPts val="0"/>
-              </a:spcAft>
-              <a:buSzPts val="1200"/>
-              <a:buChar char="●"/>
-              <a:defRPr sz="1200"/>
-            </a:lvl4pPr>
-            <a:lvl5pPr indent="-304800" lvl="4" marL="2286000">
-              <a:spcBef>
-                <a:spcPts val="0"/>
-              </a:spcBef>
-              <a:spcAft>
-                <a:spcPts val="0"/>
-              </a:spcAft>
-              <a:buSzPts val="1200"/>
-              <a:buChar char="○"/>
-              <a:defRPr sz="1200"/>
-            </a:lvl5pPr>
-            <a:lvl6pPr indent="-304800" lvl="5" marL="2743200">
-              <a:spcBef>
-                <a:spcPts val="0"/>
-              </a:spcBef>
-              <a:spcAft>
-                <a:spcPts val="0"/>
-              </a:spcAft>
-              <a:buSzPts val="1200"/>
-              <a:buChar char="■"/>
-              <a:defRPr sz="1200"/>
-            </a:lvl6pPr>
-            <a:lvl7pPr indent="-304800" lvl="6" marL="3200400">
-              <a:spcBef>
-                <a:spcPts val="0"/>
-              </a:spcBef>
-              <a:spcAft>
-                <a:spcPts val="0"/>
-              </a:spcAft>
-              <a:buSzPts val="1200"/>
-              <a:buChar char="●"/>
-              <a:defRPr sz="1200"/>
-            </a:lvl7pPr>
-            <a:lvl8pPr indent="-304800" lvl="7" marL="3657600">
-              <a:spcBef>
-                <a:spcPts val="0"/>
-              </a:spcBef>
-              <a:spcAft>
-                <a:spcPts val="0"/>
-              </a:spcAft>
-              <a:buSzPts val="1200"/>
-              <a:buChar char="○"/>
-              <a:defRPr sz="1200"/>
-            </a:lvl8pPr>
-            <a:lvl9pPr indent="-304800" lvl="8" marL="4114800">
-              <a:spcBef>
-                <a:spcPts val="0"/>
-              </a:spcBef>
-              <a:spcAft>
-                <a:spcPts val="0"/>
-              </a:spcAft>
-              <a:buSzPts val="1200"/>
-              <a:buChar char="■"/>
-              <a:defRPr sz="1200"/>
-            </a:lvl9pPr>
-          </a:lstStyle>
-          <a:p/>
-        </p:txBody>
-      </p:sp>
-      <p:sp>
-        <p:nvSpPr>
-          <p:cNvPr id="24" name="Google Shape;24;p5"/>
-          <p:cNvSpPr txBox="1"/>
-          <p:nvPr>
-            <p:ph idx="12" type="sldNum"/>
+            <p:ph type="sldNum" idx="12"/>
           </p:nvPr>
         </p:nvSpPr>
         <p:spPr>
@@ -4612,7 +4148,7 @@
           </a:prstGeom>
         </p:spPr>
         <p:txBody>
-          <a:bodyPr anchorCtr="0" anchor="ctr" bIns="91425" lIns="91425" spcFirstLastPara="1" rIns="91425" wrap="square" tIns="91425">
+          <a:bodyPr spcFirstLastPara="1" wrap="square" lIns="91425" tIns="91425" rIns="91425" bIns="91425" anchor="ctr" anchorCtr="0">
             <a:normAutofit/>
           </a:bodyPr>
           <a:lstStyle>
@@ -4654,7 +4190,7 @@
             </a:lvl9pPr>
           </a:lstStyle>
           <a:p>
-            <a:pPr indent="0" lvl="0" marL="0" rtl="0" algn="r">
+            <a:pPr marL="0" lvl="0" indent="0" algn="r" rtl="0">
               <a:spcBef>
                 <a:spcPts val="0"/>
               </a:spcBef>
@@ -4680,11 +4216,11 @@
 </file>
 
 <file path=ppt/slideLayouts/slideLayout5.xml><?xml version="1.0" encoding="utf-8"?>
-<p:sldLayout xmlns:a="http://schemas.openxmlformats.org/drawingml/2006/main" xmlns:r="http://schemas.openxmlformats.org/officeDocument/2006/relationships" xmlns:mc="http://schemas.openxmlformats.org/markup-compatibility/2006" xmlns:mv="urn:schemas-microsoft-com:mac:vml" xmlns:p="http://schemas.openxmlformats.org/presentationml/2006/main" xmlns:c="http://schemas.openxmlformats.org/drawingml/2006/chart" xmlns:dgm="http://schemas.openxmlformats.org/drawingml/2006/diagram" xmlns:o="urn:schemas-microsoft-com:office:office" xmlns:v="urn:schemas-microsoft-com:vml" xmlns:pvml="urn:schemas-microsoft-com:office:powerpoint" xmlns:com="http://schemas.openxmlformats.org/drawingml/2006/compatibility" xmlns:p14="http://schemas.microsoft.com/office/powerpoint/2010/main" xmlns:p15="http://schemas.microsoft.com/office/powerpoint/2012/main" xmlns:ahyp="http://schemas.microsoft.com/office/drawing/2018/hyperlinkcolor" matchingName="Title only" type="titleOnly">
-  <p:cSld name="TITLE_ONLY">
+<p:sldLayout xmlns:a="http://schemas.openxmlformats.org/drawingml/2006/main" xmlns:r="http://schemas.openxmlformats.org/officeDocument/2006/relationships" xmlns:p="http://schemas.openxmlformats.org/presentationml/2006/main" matchingName="One column text">
+  <p:cSld name="ONE_COLUMN_TEXT">
     <p:spTree>
       <p:nvGrpSpPr>
-        <p:cNvPr id="25" name="Shape 25"/>
+        <p:cNvPr id="1" name="Shape 28"/>
         <p:cNvGrpSpPr/>
         <p:nvPr/>
       </p:nvGrpSpPr>
@@ -4698,23 +4234,25 @@
       </p:grpSpPr>
       <p:sp>
         <p:nvSpPr>
-          <p:cNvPr id="26" name="Google Shape;26;p6"/>
-          <p:cNvSpPr txBox="1"/>
+          <p:cNvPr id="29" name="Google Shape;29;p7"/>
+          <p:cNvSpPr txBox="1">
+            <a:spLocks noGrp="1"/>
+          </p:cNvSpPr>
           <p:nvPr>
             <p:ph type="title"/>
           </p:nvPr>
         </p:nvSpPr>
         <p:spPr>
           <a:xfrm>
-            <a:off x="311700" y="445025"/>
-            <a:ext cx="8520600" cy="572700"/>
+            <a:off x="311700" y="555600"/>
+            <a:ext cx="2808000" cy="755700"/>
           </a:xfrm>
           <a:prstGeom prst="rect">
             <a:avLst/>
           </a:prstGeom>
         </p:spPr>
         <p:txBody>
-          <a:bodyPr anchorCtr="0" anchor="t" bIns="91425" lIns="91425" spcFirstLastPara="1" rIns="91425" wrap="square" tIns="91425">
+          <a:bodyPr spcFirstLastPara="1" wrap="square" lIns="91425" tIns="91425" rIns="91425" bIns="91425" anchor="b" anchorCtr="0">
             <a:normAutofit/>
           </a:bodyPr>
           <a:lstStyle>
@@ -4725,9 +4263,9 @@
               <a:spcAft>
                 <a:spcPts val="0"/>
               </a:spcAft>
-              <a:buSzPts val="2800"/>
-              <a:buNone/>
-              <a:defRPr/>
+              <a:buSzPts val="2400"/>
+              <a:buNone/>
+              <a:defRPr sz="2400"/>
             </a:lvl1pPr>
             <a:lvl2pPr lvl="1">
               <a:spcBef>
@@ -4736,9 +4274,9 @@
               <a:spcAft>
                 <a:spcPts val="0"/>
               </a:spcAft>
-              <a:buSzPts val="2800"/>
-              <a:buNone/>
-              <a:defRPr/>
+              <a:buSzPts val="2400"/>
+              <a:buNone/>
+              <a:defRPr sz="2400"/>
             </a:lvl2pPr>
             <a:lvl3pPr lvl="2">
               <a:spcBef>
@@ -4747,9 +4285,9 @@
               <a:spcAft>
                 <a:spcPts val="0"/>
               </a:spcAft>
-              <a:buSzPts val="2800"/>
-              <a:buNone/>
-              <a:defRPr/>
+              <a:buSzPts val="2400"/>
+              <a:buNone/>
+              <a:defRPr sz="2400"/>
             </a:lvl3pPr>
             <a:lvl4pPr lvl="3">
               <a:spcBef>
@@ -4758,9 +4296,9 @@
               <a:spcAft>
                 <a:spcPts val="0"/>
               </a:spcAft>
-              <a:buSzPts val="2800"/>
-              <a:buNone/>
-              <a:defRPr/>
+              <a:buSzPts val="2400"/>
+              <a:buNone/>
+              <a:defRPr sz="2400"/>
             </a:lvl4pPr>
             <a:lvl5pPr lvl="4">
               <a:spcBef>
@@ -4769,9 +4307,9 @@
               <a:spcAft>
                 <a:spcPts val="0"/>
               </a:spcAft>
-              <a:buSzPts val="2800"/>
-              <a:buNone/>
-              <a:defRPr/>
+              <a:buSzPts val="2400"/>
+              <a:buNone/>
+              <a:defRPr sz="2400"/>
             </a:lvl5pPr>
             <a:lvl6pPr lvl="5">
               <a:spcBef>
@@ -4780,9 +4318,9 @@
               <a:spcAft>
                 <a:spcPts val="0"/>
               </a:spcAft>
-              <a:buSzPts val="2800"/>
-              <a:buNone/>
-              <a:defRPr/>
+              <a:buSzPts val="2400"/>
+              <a:buNone/>
+              <a:defRPr sz="2400"/>
             </a:lvl6pPr>
             <a:lvl7pPr lvl="6">
               <a:spcBef>
@@ -4791,9 +4329,9 @@
               <a:spcAft>
                 <a:spcPts val="0"/>
               </a:spcAft>
-              <a:buSzPts val="2800"/>
-              <a:buNone/>
-              <a:defRPr/>
+              <a:buSzPts val="2400"/>
+              <a:buNone/>
+              <a:defRPr sz="2400"/>
             </a:lvl7pPr>
             <a:lvl8pPr lvl="7">
               <a:spcBef>
@@ -4802,9 +4340,9 @@
               <a:spcAft>
                 <a:spcPts val="0"/>
               </a:spcAft>
-              <a:buSzPts val="2800"/>
-              <a:buNone/>
-              <a:defRPr/>
+              <a:buSzPts val="2400"/>
+              <a:buNone/>
+              <a:defRPr sz="2400"/>
             </a:lvl8pPr>
             <a:lvl9pPr lvl="8">
               <a:spcBef>
@@ -4813,20 +4351,153 @@
               <a:spcAft>
                 <a:spcPts val="0"/>
               </a:spcAft>
-              <a:buSzPts val="2800"/>
-              <a:buNone/>
-              <a:defRPr/>
+              <a:buSzPts val="2400"/>
+              <a:buNone/>
+              <a:defRPr sz="2400"/>
             </a:lvl9pPr>
           </a:lstStyle>
-          <a:p/>
+          <a:p>
+            <a:endParaRPr/>
+          </a:p>
         </p:txBody>
       </p:sp>
       <p:sp>
         <p:nvSpPr>
-          <p:cNvPr id="27" name="Google Shape;27;p6"/>
-          <p:cNvSpPr txBox="1"/>
+          <p:cNvPr id="30" name="Google Shape;30;p7"/>
+          <p:cNvSpPr txBox="1">
+            <a:spLocks noGrp="1"/>
+          </p:cNvSpPr>
           <p:nvPr>
-            <p:ph idx="12" type="sldNum"/>
+            <p:ph type="body" idx="1"/>
+          </p:nvPr>
+        </p:nvSpPr>
+        <p:spPr>
+          <a:xfrm>
+            <a:off x="311700" y="1389600"/>
+            <a:ext cx="2808000" cy="3179400"/>
+          </a:xfrm>
+          <a:prstGeom prst="rect">
+            <a:avLst/>
+          </a:prstGeom>
+        </p:spPr>
+        <p:txBody>
+          <a:bodyPr spcFirstLastPara="1" wrap="square" lIns="91425" tIns="91425" rIns="91425" bIns="91425" anchor="t" anchorCtr="0">
+            <a:normAutofit/>
+          </a:bodyPr>
+          <a:lstStyle>
+            <a:lvl1pPr marL="457200" lvl="0" indent="-304800">
+              <a:spcBef>
+                <a:spcPts val="0"/>
+              </a:spcBef>
+              <a:spcAft>
+                <a:spcPts val="0"/>
+              </a:spcAft>
+              <a:buSzPts val="1200"/>
+              <a:buChar char="●"/>
+              <a:defRPr sz="1200"/>
+            </a:lvl1pPr>
+            <a:lvl2pPr marL="914400" lvl="1" indent="-304800">
+              <a:spcBef>
+                <a:spcPts val="0"/>
+              </a:spcBef>
+              <a:spcAft>
+                <a:spcPts val="0"/>
+              </a:spcAft>
+              <a:buSzPts val="1200"/>
+              <a:buChar char="○"/>
+              <a:defRPr sz="1200"/>
+            </a:lvl2pPr>
+            <a:lvl3pPr marL="1371600" lvl="2" indent="-304800">
+              <a:spcBef>
+                <a:spcPts val="0"/>
+              </a:spcBef>
+              <a:spcAft>
+                <a:spcPts val="0"/>
+              </a:spcAft>
+              <a:buSzPts val="1200"/>
+              <a:buChar char="■"/>
+              <a:defRPr sz="1200"/>
+            </a:lvl3pPr>
+            <a:lvl4pPr marL="1828800" lvl="3" indent="-304800">
+              <a:spcBef>
+                <a:spcPts val="0"/>
+              </a:spcBef>
+              <a:spcAft>
+                <a:spcPts val="0"/>
+              </a:spcAft>
+              <a:buSzPts val="1200"/>
+              <a:buChar char="●"/>
+              <a:defRPr sz="1200"/>
+            </a:lvl4pPr>
+            <a:lvl5pPr marL="2286000" lvl="4" indent="-304800">
+              <a:spcBef>
+                <a:spcPts val="0"/>
+              </a:spcBef>
+              <a:spcAft>
+                <a:spcPts val="0"/>
+              </a:spcAft>
+              <a:buSzPts val="1200"/>
+              <a:buChar char="○"/>
+              <a:defRPr sz="1200"/>
+            </a:lvl5pPr>
+            <a:lvl6pPr marL="2743200" lvl="5" indent="-304800">
+              <a:spcBef>
+                <a:spcPts val="0"/>
+              </a:spcBef>
+              <a:spcAft>
+                <a:spcPts val="0"/>
+              </a:spcAft>
+              <a:buSzPts val="1200"/>
+              <a:buChar char="■"/>
+              <a:defRPr sz="1200"/>
+            </a:lvl6pPr>
+            <a:lvl7pPr marL="3200400" lvl="6" indent="-304800">
+              <a:spcBef>
+                <a:spcPts val="0"/>
+              </a:spcBef>
+              <a:spcAft>
+                <a:spcPts val="0"/>
+              </a:spcAft>
+              <a:buSzPts val="1200"/>
+              <a:buChar char="●"/>
+              <a:defRPr sz="1200"/>
+            </a:lvl7pPr>
+            <a:lvl8pPr marL="3657600" lvl="7" indent="-304800">
+              <a:spcBef>
+                <a:spcPts val="0"/>
+              </a:spcBef>
+              <a:spcAft>
+                <a:spcPts val="0"/>
+              </a:spcAft>
+              <a:buSzPts val="1200"/>
+              <a:buChar char="○"/>
+              <a:defRPr sz="1200"/>
+            </a:lvl8pPr>
+            <a:lvl9pPr marL="4114800" lvl="8" indent="-304800">
+              <a:spcBef>
+                <a:spcPts val="0"/>
+              </a:spcBef>
+              <a:spcAft>
+                <a:spcPts val="0"/>
+              </a:spcAft>
+              <a:buSzPts val="1200"/>
+              <a:buChar char="■"/>
+              <a:defRPr sz="1200"/>
+            </a:lvl9pPr>
+          </a:lstStyle>
+          <a:p>
+            <a:endParaRPr/>
+          </a:p>
+        </p:txBody>
+      </p:sp>
+      <p:sp>
+        <p:nvSpPr>
+          <p:cNvPr id="31" name="Google Shape;31;p7"/>
+          <p:cNvSpPr txBox="1">
+            <a:spLocks noGrp="1"/>
+          </p:cNvSpPr>
+          <p:nvPr>
+            <p:ph type="sldNum" idx="12"/>
           </p:nvPr>
         </p:nvSpPr>
         <p:spPr>
@@ -4839,7 +4510,7 @@
           </a:prstGeom>
         </p:spPr>
         <p:txBody>
-          <a:bodyPr anchorCtr="0" anchor="ctr" bIns="91425" lIns="91425" spcFirstLastPara="1" rIns="91425" wrap="square" tIns="91425">
+          <a:bodyPr spcFirstLastPara="1" wrap="square" lIns="91425" tIns="91425" rIns="91425" bIns="91425" anchor="ctr" anchorCtr="0">
             <a:normAutofit/>
           </a:bodyPr>
           <a:lstStyle>
@@ -4881,7 +4552,7 @@
             </a:lvl9pPr>
           </a:lstStyle>
           <a:p>
-            <a:pPr indent="0" lvl="0" marL="0" rtl="0" algn="r">
+            <a:pPr marL="0" lvl="0" indent="0" algn="r" rtl="0">
               <a:spcBef>
                 <a:spcPts val="0"/>
               </a:spcBef>
@@ -4907,11 +4578,11 @@
 </file>
 
 <file path=ppt/slideLayouts/slideLayout6.xml><?xml version="1.0" encoding="utf-8"?>
-<p:sldLayout xmlns:a="http://schemas.openxmlformats.org/drawingml/2006/main" xmlns:r="http://schemas.openxmlformats.org/officeDocument/2006/relationships" xmlns:mc="http://schemas.openxmlformats.org/markup-compatibility/2006" xmlns:mv="urn:schemas-microsoft-com:mac:vml" xmlns:p="http://schemas.openxmlformats.org/presentationml/2006/main" xmlns:c="http://schemas.openxmlformats.org/drawingml/2006/chart" xmlns:dgm="http://schemas.openxmlformats.org/drawingml/2006/diagram" xmlns:o="urn:schemas-microsoft-com:office:office" xmlns:v="urn:schemas-microsoft-com:vml" xmlns:pvml="urn:schemas-microsoft-com:office:powerpoint" xmlns:com="http://schemas.openxmlformats.org/drawingml/2006/compatibility" xmlns:p14="http://schemas.microsoft.com/office/powerpoint/2010/main" xmlns:p15="http://schemas.microsoft.com/office/powerpoint/2012/main" xmlns:ahyp="http://schemas.microsoft.com/office/drawing/2018/hyperlinkcolor" matchingName="One column text">
-  <p:cSld name="ONE_COLUMN_TEXT">
+<p:sldLayout xmlns:a="http://schemas.openxmlformats.org/drawingml/2006/main" xmlns:r="http://schemas.openxmlformats.org/officeDocument/2006/relationships" xmlns:p="http://schemas.openxmlformats.org/presentationml/2006/main" matchingName="Main point">
+  <p:cSld name="MAIN_POINT">
     <p:spTree>
       <p:nvGrpSpPr>
-        <p:cNvPr id="28" name="Shape 28"/>
+        <p:cNvPr id="1" name="Shape 32"/>
         <p:cNvGrpSpPr/>
         <p:nvPr/>
       </p:nvGrpSpPr>
@@ -4925,23 +4596,25 @@
       </p:grpSpPr>
       <p:sp>
         <p:nvSpPr>
-          <p:cNvPr id="29" name="Google Shape;29;p7"/>
-          <p:cNvSpPr txBox="1"/>
+          <p:cNvPr id="33" name="Google Shape;33;p8"/>
+          <p:cNvSpPr txBox="1">
+            <a:spLocks noGrp="1"/>
+          </p:cNvSpPr>
           <p:nvPr>
             <p:ph type="title"/>
           </p:nvPr>
         </p:nvSpPr>
         <p:spPr>
           <a:xfrm>
-            <a:off x="311700" y="555600"/>
-            <a:ext cx="2808000" cy="755700"/>
+            <a:off x="490250" y="450150"/>
+            <a:ext cx="6367800" cy="4090800"/>
           </a:xfrm>
           <a:prstGeom prst="rect">
             <a:avLst/>
           </a:prstGeom>
         </p:spPr>
         <p:txBody>
-          <a:bodyPr anchorCtr="0" anchor="b" bIns="91425" lIns="91425" spcFirstLastPara="1" rIns="91425" wrap="square" tIns="91425">
+          <a:bodyPr spcFirstLastPara="1" wrap="square" lIns="91425" tIns="91425" rIns="91425" bIns="91425" anchor="ctr" anchorCtr="0">
             <a:normAutofit/>
           </a:bodyPr>
           <a:lstStyle>
@@ -4952,9 +4625,9 @@
               <a:spcAft>
                 <a:spcPts val="0"/>
               </a:spcAft>
-              <a:buSzPts val="2400"/>
-              <a:buNone/>
-              <a:defRPr sz="2400"/>
+              <a:buSzPts val="4800"/>
+              <a:buNone/>
+              <a:defRPr sz="4800"/>
             </a:lvl1pPr>
             <a:lvl2pPr lvl="1">
               <a:spcBef>
@@ -4963,9 +4636,9 @@
               <a:spcAft>
                 <a:spcPts val="0"/>
               </a:spcAft>
-              <a:buSzPts val="2400"/>
-              <a:buNone/>
-              <a:defRPr sz="2400"/>
+              <a:buSzPts val="4800"/>
+              <a:buNone/>
+              <a:defRPr sz="4800"/>
             </a:lvl2pPr>
             <a:lvl3pPr lvl="2">
               <a:spcBef>
@@ -4974,9 +4647,9 @@
               <a:spcAft>
                 <a:spcPts val="0"/>
               </a:spcAft>
-              <a:buSzPts val="2400"/>
-              <a:buNone/>
-              <a:defRPr sz="2400"/>
+              <a:buSzPts val="4800"/>
+              <a:buNone/>
+              <a:defRPr sz="4800"/>
             </a:lvl3pPr>
             <a:lvl4pPr lvl="3">
               <a:spcBef>
@@ -4985,9 +4658,9 @@
               <a:spcAft>
                 <a:spcPts val="0"/>
               </a:spcAft>
-              <a:buSzPts val="2400"/>
-              <a:buNone/>
-              <a:defRPr sz="2400"/>
+              <a:buSzPts val="4800"/>
+              <a:buNone/>
+              <a:defRPr sz="4800"/>
             </a:lvl4pPr>
             <a:lvl5pPr lvl="4">
               <a:spcBef>
@@ -4996,9 +4669,9 @@
               <a:spcAft>
                 <a:spcPts val="0"/>
               </a:spcAft>
-              <a:buSzPts val="2400"/>
-              <a:buNone/>
-              <a:defRPr sz="2400"/>
+              <a:buSzPts val="4800"/>
+              <a:buNone/>
+              <a:defRPr sz="4800"/>
             </a:lvl5pPr>
             <a:lvl6pPr lvl="5">
               <a:spcBef>
@@ -5007,9 +4680,9 @@
               <a:spcAft>
                 <a:spcPts val="0"/>
               </a:spcAft>
-              <a:buSzPts val="2400"/>
-              <a:buNone/>
-              <a:defRPr sz="2400"/>
+              <a:buSzPts val="4800"/>
+              <a:buNone/>
+              <a:defRPr sz="4800"/>
             </a:lvl6pPr>
             <a:lvl7pPr lvl="6">
               <a:spcBef>
@@ -5018,9 +4691,9 @@
               <a:spcAft>
                 <a:spcPts val="0"/>
               </a:spcAft>
-              <a:buSzPts val="2400"/>
-              <a:buNone/>
-              <a:defRPr sz="2400"/>
+              <a:buSzPts val="4800"/>
+              <a:buNone/>
+              <a:defRPr sz="4800"/>
             </a:lvl7pPr>
             <a:lvl8pPr lvl="7">
               <a:spcBef>
@@ -5029,9 +4702,9 @@
               <a:spcAft>
                 <a:spcPts val="0"/>
               </a:spcAft>
-              <a:buSzPts val="2400"/>
-              <a:buNone/>
-              <a:defRPr sz="2400"/>
+              <a:buSzPts val="4800"/>
+              <a:buNone/>
+              <a:defRPr sz="4800"/>
             </a:lvl8pPr>
             <a:lvl9pPr lvl="8">
               <a:spcBef>
@@ -5040,145 +4713,24 @@
               <a:spcAft>
                 <a:spcPts val="0"/>
               </a:spcAft>
-              <a:buSzPts val="2400"/>
-              <a:buNone/>
-              <a:defRPr sz="2400"/>
+              <a:buSzPts val="4800"/>
+              <a:buNone/>
+              <a:defRPr sz="4800"/>
             </a:lvl9pPr>
           </a:lstStyle>
-          <a:p/>
+          <a:p>
+            <a:endParaRPr/>
+          </a:p>
         </p:txBody>
       </p:sp>
       <p:sp>
         <p:nvSpPr>
-          <p:cNvPr id="30" name="Google Shape;30;p7"/>
-          <p:cNvSpPr txBox="1"/>
+          <p:cNvPr id="34" name="Google Shape;34;p8"/>
+          <p:cNvSpPr txBox="1">
+            <a:spLocks noGrp="1"/>
+          </p:cNvSpPr>
           <p:nvPr>
-            <p:ph idx="1" type="body"/>
-          </p:nvPr>
-        </p:nvSpPr>
-        <p:spPr>
-          <a:xfrm>
-            <a:off x="311700" y="1389600"/>
-            <a:ext cx="2808000" cy="3179400"/>
-          </a:xfrm>
-          <a:prstGeom prst="rect">
-            <a:avLst/>
-          </a:prstGeom>
-        </p:spPr>
-        <p:txBody>
-          <a:bodyPr anchorCtr="0" anchor="t" bIns="91425" lIns="91425" spcFirstLastPara="1" rIns="91425" wrap="square" tIns="91425">
-            <a:normAutofit/>
-          </a:bodyPr>
-          <a:lstStyle>
-            <a:lvl1pPr indent="-304800" lvl="0" marL="457200">
-              <a:spcBef>
-                <a:spcPts val="0"/>
-              </a:spcBef>
-              <a:spcAft>
-                <a:spcPts val="0"/>
-              </a:spcAft>
-              <a:buSzPts val="1200"/>
-              <a:buChar char="●"/>
-              <a:defRPr sz="1200"/>
-            </a:lvl1pPr>
-            <a:lvl2pPr indent="-304800" lvl="1" marL="914400">
-              <a:spcBef>
-                <a:spcPts val="0"/>
-              </a:spcBef>
-              <a:spcAft>
-                <a:spcPts val="0"/>
-              </a:spcAft>
-              <a:buSzPts val="1200"/>
-              <a:buChar char="○"/>
-              <a:defRPr sz="1200"/>
-            </a:lvl2pPr>
-            <a:lvl3pPr indent="-304800" lvl="2" marL="1371600">
-              <a:spcBef>
-                <a:spcPts val="0"/>
-              </a:spcBef>
-              <a:spcAft>
-                <a:spcPts val="0"/>
-              </a:spcAft>
-              <a:buSzPts val="1200"/>
-              <a:buChar char="■"/>
-              <a:defRPr sz="1200"/>
-            </a:lvl3pPr>
-            <a:lvl4pPr indent="-304800" lvl="3" marL="1828800">
-              <a:spcBef>
-                <a:spcPts val="0"/>
-              </a:spcBef>
-              <a:spcAft>
-                <a:spcPts val="0"/>
-              </a:spcAft>
-              <a:buSzPts val="1200"/>
-              <a:buChar char="●"/>
-              <a:defRPr sz="1200"/>
-            </a:lvl4pPr>
-            <a:lvl5pPr indent="-304800" lvl="4" marL="2286000">
-              <a:spcBef>
-                <a:spcPts val="0"/>
-              </a:spcBef>
-              <a:spcAft>
-                <a:spcPts val="0"/>
-              </a:spcAft>
-              <a:buSzPts val="1200"/>
-              <a:buChar char="○"/>
-              <a:defRPr sz="1200"/>
-            </a:lvl5pPr>
-            <a:lvl6pPr indent="-304800" lvl="5" marL="2743200">
-              <a:spcBef>
-                <a:spcPts val="0"/>
-              </a:spcBef>
-              <a:spcAft>
-                <a:spcPts val="0"/>
-              </a:spcAft>
-              <a:buSzPts val="1200"/>
-              <a:buChar char="■"/>
-              <a:defRPr sz="1200"/>
-            </a:lvl6pPr>
-            <a:lvl7pPr indent="-304800" lvl="6" marL="3200400">
-              <a:spcBef>
-                <a:spcPts val="0"/>
-              </a:spcBef>
-              <a:spcAft>
-                <a:spcPts val="0"/>
-              </a:spcAft>
-              <a:buSzPts val="1200"/>
-              <a:buChar char="●"/>
-              <a:defRPr sz="1200"/>
-            </a:lvl7pPr>
-            <a:lvl8pPr indent="-304800" lvl="7" marL="3657600">
-              <a:spcBef>
-                <a:spcPts val="0"/>
-              </a:spcBef>
-              <a:spcAft>
-                <a:spcPts val="0"/>
-              </a:spcAft>
-              <a:buSzPts val="1200"/>
-              <a:buChar char="○"/>
-              <a:defRPr sz="1200"/>
-            </a:lvl8pPr>
-            <a:lvl9pPr indent="-304800" lvl="8" marL="4114800">
-              <a:spcBef>
-                <a:spcPts val="0"/>
-              </a:spcBef>
-              <a:spcAft>
-                <a:spcPts val="0"/>
-              </a:spcAft>
-              <a:buSzPts val="1200"/>
-              <a:buChar char="■"/>
-              <a:defRPr sz="1200"/>
-            </a:lvl9pPr>
-          </a:lstStyle>
-          <a:p/>
-        </p:txBody>
-      </p:sp>
-      <p:sp>
-        <p:nvSpPr>
-          <p:cNvPr id="31" name="Google Shape;31;p7"/>
-          <p:cNvSpPr txBox="1"/>
-          <p:nvPr>
-            <p:ph idx="12" type="sldNum"/>
+            <p:ph type="sldNum" idx="12"/>
           </p:nvPr>
         </p:nvSpPr>
         <p:spPr>
@@ -5191,7 +4743,7 @@
           </a:prstGeom>
         </p:spPr>
         <p:txBody>
-          <a:bodyPr anchorCtr="0" anchor="ctr" bIns="91425" lIns="91425" spcFirstLastPara="1" rIns="91425" wrap="square" tIns="91425">
+          <a:bodyPr spcFirstLastPara="1" wrap="square" lIns="91425" tIns="91425" rIns="91425" bIns="91425" anchor="ctr" anchorCtr="0">
             <a:normAutofit/>
           </a:bodyPr>
           <a:lstStyle>
@@ -5233,7 +4785,7 @@
             </a:lvl9pPr>
           </a:lstStyle>
           <a:p>
-            <a:pPr indent="0" lvl="0" marL="0" rtl="0" algn="r">
+            <a:pPr marL="0" lvl="0" indent="0" algn="r" rtl="0">
               <a:spcBef>
                 <a:spcPts val="0"/>
               </a:spcBef>
@@ -5259,238 +4811,11 @@
 </file>
 
 <file path=ppt/slideLayouts/slideLayout7.xml><?xml version="1.0" encoding="utf-8"?>
-<p:sldLayout xmlns:a="http://schemas.openxmlformats.org/drawingml/2006/main" xmlns:r="http://schemas.openxmlformats.org/officeDocument/2006/relationships" xmlns:mc="http://schemas.openxmlformats.org/markup-compatibility/2006" xmlns:mv="urn:schemas-microsoft-com:mac:vml" xmlns:p="http://schemas.openxmlformats.org/presentationml/2006/main" xmlns:c="http://schemas.openxmlformats.org/drawingml/2006/chart" xmlns:dgm="http://schemas.openxmlformats.org/drawingml/2006/diagram" xmlns:o="urn:schemas-microsoft-com:office:office" xmlns:v="urn:schemas-microsoft-com:vml" xmlns:pvml="urn:schemas-microsoft-com:office:powerpoint" xmlns:com="http://schemas.openxmlformats.org/drawingml/2006/compatibility" xmlns:p14="http://schemas.microsoft.com/office/powerpoint/2010/main" xmlns:p15="http://schemas.microsoft.com/office/powerpoint/2012/main" xmlns:ahyp="http://schemas.microsoft.com/office/drawing/2018/hyperlinkcolor" matchingName="Main point">
-  <p:cSld name="MAIN_POINT">
-    <p:spTree>
-      <p:nvGrpSpPr>
-        <p:cNvPr id="32" name="Shape 32"/>
-        <p:cNvGrpSpPr/>
-        <p:nvPr/>
-      </p:nvGrpSpPr>
-      <p:grpSpPr>
-        <a:xfrm>
-          <a:off x="0" y="0"/>
-          <a:ext cx="0" cy="0"/>
-          <a:chOff x="0" y="0"/>
-          <a:chExt cx="0" cy="0"/>
-        </a:xfrm>
-      </p:grpSpPr>
-      <p:sp>
-        <p:nvSpPr>
-          <p:cNvPr id="33" name="Google Shape;33;p8"/>
-          <p:cNvSpPr txBox="1"/>
-          <p:nvPr>
-            <p:ph type="title"/>
-          </p:nvPr>
-        </p:nvSpPr>
-        <p:spPr>
-          <a:xfrm>
-            <a:off x="490250" y="450150"/>
-            <a:ext cx="6367800" cy="4090800"/>
-          </a:xfrm>
-          <a:prstGeom prst="rect">
-            <a:avLst/>
-          </a:prstGeom>
-        </p:spPr>
-        <p:txBody>
-          <a:bodyPr anchorCtr="0" anchor="ctr" bIns="91425" lIns="91425" spcFirstLastPara="1" rIns="91425" wrap="square" tIns="91425">
-            <a:normAutofit/>
-          </a:bodyPr>
-          <a:lstStyle>
-            <a:lvl1pPr lvl="0">
-              <a:spcBef>
-                <a:spcPts val="0"/>
-              </a:spcBef>
-              <a:spcAft>
-                <a:spcPts val="0"/>
-              </a:spcAft>
-              <a:buSzPts val="4800"/>
-              <a:buNone/>
-              <a:defRPr sz="4800"/>
-            </a:lvl1pPr>
-            <a:lvl2pPr lvl="1">
-              <a:spcBef>
-                <a:spcPts val="0"/>
-              </a:spcBef>
-              <a:spcAft>
-                <a:spcPts val="0"/>
-              </a:spcAft>
-              <a:buSzPts val="4800"/>
-              <a:buNone/>
-              <a:defRPr sz="4800"/>
-            </a:lvl2pPr>
-            <a:lvl3pPr lvl="2">
-              <a:spcBef>
-                <a:spcPts val="0"/>
-              </a:spcBef>
-              <a:spcAft>
-                <a:spcPts val="0"/>
-              </a:spcAft>
-              <a:buSzPts val="4800"/>
-              <a:buNone/>
-              <a:defRPr sz="4800"/>
-            </a:lvl3pPr>
-            <a:lvl4pPr lvl="3">
-              <a:spcBef>
-                <a:spcPts val="0"/>
-              </a:spcBef>
-              <a:spcAft>
-                <a:spcPts val="0"/>
-              </a:spcAft>
-              <a:buSzPts val="4800"/>
-              <a:buNone/>
-              <a:defRPr sz="4800"/>
-            </a:lvl4pPr>
-            <a:lvl5pPr lvl="4">
-              <a:spcBef>
-                <a:spcPts val="0"/>
-              </a:spcBef>
-              <a:spcAft>
-                <a:spcPts val="0"/>
-              </a:spcAft>
-              <a:buSzPts val="4800"/>
-              <a:buNone/>
-              <a:defRPr sz="4800"/>
-            </a:lvl5pPr>
-            <a:lvl6pPr lvl="5">
-              <a:spcBef>
-                <a:spcPts val="0"/>
-              </a:spcBef>
-              <a:spcAft>
-                <a:spcPts val="0"/>
-              </a:spcAft>
-              <a:buSzPts val="4800"/>
-              <a:buNone/>
-              <a:defRPr sz="4800"/>
-            </a:lvl6pPr>
-            <a:lvl7pPr lvl="6">
-              <a:spcBef>
-                <a:spcPts val="0"/>
-              </a:spcBef>
-              <a:spcAft>
-                <a:spcPts val="0"/>
-              </a:spcAft>
-              <a:buSzPts val="4800"/>
-              <a:buNone/>
-              <a:defRPr sz="4800"/>
-            </a:lvl7pPr>
-            <a:lvl8pPr lvl="7">
-              <a:spcBef>
-                <a:spcPts val="0"/>
-              </a:spcBef>
-              <a:spcAft>
-                <a:spcPts val="0"/>
-              </a:spcAft>
-              <a:buSzPts val="4800"/>
-              <a:buNone/>
-              <a:defRPr sz="4800"/>
-            </a:lvl8pPr>
-            <a:lvl9pPr lvl="8">
-              <a:spcBef>
-                <a:spcPts val="0"/>
-              </a:spcBef>
-              <a:spcAft>
-                <a:spcPts val="0"/>
-              </a:spcAft>
-              <a:buSzPts val="4800"/>
-              <a:buNone/>
-              <a:defRPr sz="4800"/>
-            </a:lvl9pPr>
-          </a:lstStyle>
-          <a:p/>
-        </p:txBody>
-      </p:sp>
-      <p:sp>
-        <p:nvSpPr>
-          <p:cNvPr id="34" name="Google Shape;34;p8"/>
-          <p:cNvSpPr txBox="1"/>
-          <p:nvPr>
-            <p:ph idx="12" type="sldNum"/>
-          </p:nvPr>
-        </p:nvSpPr>
-        <p:spPr>
-          <a:xfrm>
-            <a:off x="8472458" y="4663217"/>
-            <a:ext cx="548700" cy="393600"/>
-          </a:xfrm>
-          <a:prstGeom prst="rect">
-            <a:avLst/>
-          </a:prstGeom>
-        </p:spPr>
-        <p:txBody>
-          <a:bodyPr anchorCtr="0" anchor="ctr" bIns="91425" lIns="91425" spcFirstLastPara="1" rIns="91425" wrap="square" tIns="91425">
-            <a:normAutofit/>
-          </a:bodyPr>
-          <a:lstStyle>
-            <a:lvl1pPr lvl="0">
-              <a:buNone/>
-              <a:defRPr/>
-            </a:lvl1pPr>
-            <a:lvl2pPr lvl="1">
-              <a:buNone/>
-              <a:defRPr/>
-            </a:lvl2pPr>
-            <a:lvl3pPr lvl="2">
-              <a:buNone/>
-              <a:defRPr/>
-            </a:lvl3pPr>
-            <a:lvl4pPr lvl="3">
-              <a:buNone/>
-              <a:defRPr/>
-            </a:lvl4pPr>
-            <a:lvl5pPr lvl="4">
-              <a:buNone/>
-              <a:defRPr/>
-            </a:lvl5pPr>
-            <a:lvl6pPr lvl="5">
-              <a:buNone/>
-              <a:defRPr/>
-            </a:lvl6pPr>
-            <a:lvl7pPr lvl="6">
-              <a:buNone/>
-              <a:defRPr/>
-            </a:lvl7pPr>
-            <a:lvl8pPr lvl="7">
-              <a:buNone/>
-              <a:defRPr/>
-            </a:lvl8pPr>
-            <a:lvl9pPr lvl="8">
-              <a:buNone/>
-              <a:defRPr/>
-            </a:lvl9pPr>
-          </a:lstStyle>
-          <a:p>
-            <a:pPr indent="0" lvl="0" marL="0" rtl="0" algn="r">
-              <a:spcBef>
-                <a:spcPts val="0"/>
-              </a:spcBef>
-              <a:spcAft>
-                <a:spcPts val="0"/>
-              </a:spcAft>
-              <a:buNone/>
-            </a:pPr>
-            <a:fld id="{00000000-1234-1234-1234-123412341234}" type="slidenum">
-              <a:rPr lang="en"/>
-              <a:t>‹#›</a:t>
-            </a:fld>
-            <a:endParaRPr/>
-          </a:p>
-        </p:txBody>
-      </p:sp>
-    </p:spTree>
-  </p:cSld>
-  <p:clrMapOvr>
-    <a:masterClrMapping/>
-  </p:clrMapOvr>
-</p:sldLayout>
-</file>
-
-<file path=ppt/slideLayouts/slideLayout8.xml><?xml version="1.0" encoding="utf-8"?>
-<p:sldLayout xmlns:a="http://schemas.openxmlformats.org/drawingml/2006/main" xmlns:r="http://schemas.openxmlformats.org/officeDocument/2006/relationships" xmlns:mc="http://schemas.openxmlformats.org/markup-compatibility/2006" xmlns:mv="urn:schemas-microsoft-com:mac:vml" xmlns:p="http://schemas.openxmlformats.org/presentationml/2006/main" xmlns:c="http://schemas.openxmlformats.org/drawingml/2006/chart" xmlns:dgm="http://schemas.openxmlformats.org/drawingml/2006/diagram" xmlns:o="urn:schemas-microsoft-com:office:office" xmlns:v="urn:schemas-microsoft-com:vml" xmlns:pvml="urn:schemas-microsoft-com:office:powerpoint" xmlns:com="http://schemas.openxmlformats.org/drawingml/2006/compatibility" xmlns:p14="http://schemas.microsoft.com/office/powerpoint/2010/main" xmlns:p15="http://schemas.microsoft.com/office/powerpoint/2012/main" xmlns:ahyp="http://schemas.microsoft.com/office/drawing/2018/hyperlinkcolor" matchingName="Section title and description">
+<p:sldLayout xmlns:a="http://schemas.openxmlformats.org/drawingml/2006/main" xmlns:r="http://schemas.openxmlformats.org/officeDocument/2006/relationships" xmlns:p="http://schemas.openxmlformats.org/presentationml/2006/main" matchingName="Section title and description">
   <p:cSld name="SECTION_TITLE_AND_DESCRIPTION">
     <p:spTree>
       <p:nvGrpSpPr>
-        <p:cNvPr id="35" name="Shape 35"/>
+        <p:cNvPr id="1" name="Shape 35"/>
         <p:cNvGrpSpPr/>
         <p:nvPr/>
       </p:nvGrpSpPr>
@@ -5524,12 +4849,12 @@
           </a:ln>
         </p:spPr>
         <p:txBody>
-          <a:bodyPr anchorCtr="0" anchor="ctr" bIns="91425" lIns="91425" spcFirstLastPara="1" rIns="91425" wrap="square" tIns="91425">
+          <a:bodyPr spcFirstLastPara="1" wrap="square" lIns="91425" tIns="91425" rIns="91425" bIns="91425" anchor="ctr" anchorCtr="0">
             <a:noAutofit/>
           </a:bodyPr>
           <a:lstStyle/>
           <a:p>
-            <a:pPr indent="0" lvl="0" marL="0" rtl="0" algn="l">
+            <a:pPr marL="0" lvl="0" indent="0" algn="l" rtl="0">
               <a:spcBef>
                 <a:spcPts val="0"/>
               </a:spcBef>
@@ -5538,9 +4863,6 @@
               </a:spcAft>
               <a:buNone/>
             </a:pPr>
-            <a:r>
-              <a:t/>
-            </a:r>
             <a:endParaRPr/>
           </a:p>
         </p:txBody>
@@ -5548,7 +4870,9 @@
       <p:sp>
         <p:nvSpPr>
           <p:cNvPr id="37" name="Google Shape;37;p9"/>
-          <p:cNvSpPr txBox="1"/>
+          <p:cNvSpPr txBox="1">
+            <a:spLocks noGrp="1"/>
+          </p:cNvSpPr>
           <p:nvPr>
             <p:ph type="title"/>
           </p:nvPr>
@@ -5563,7 +4887,7 @@
           </a:prstGeom>
         </p:spPr>
         <p:txBody>
-          <a:bodyPr anchorCtr="0" anchor="b" bIns="91425" lIns="91425" spcFirstLastPara="1" rIns="91425" wrap="square" tIns="91425">
+          <a:bodyPr spcFirstLastPara="1" wrap="square" lIns="91425" tIns="91425" rIns="91425" bIns="91425" anchor="b" anchorCtr="0">
             <a:normAutofit/>
           </a:bodyPr>
           <a:lstStyle>
@@ -5667,15 +4991,19 @@
               <a:defRPr sz="4200"/>
             </a:lvl9pPr>
           </a:lstStyle>
-          <a:p/>
+          <a:p>
+            <a:endParaRPr/>
+          </a:p>
         </p:txBody>
       </p:sp>
       <p:sp>
         <p:nvSpPr>
           <p:cNvPr id="38" name="Google Shape;38;p9"/>
-          <p:cNvSpPr txBox="1"/>
+          <p:cNvSpPr txBox="1">
+            <a:spLocks noGrp="1"/>
+          </p:cNvSpPr>
           <p:nvPr>
-            <p:ph idx="1" type="subTitle"/>
+            <p:ph type="subTitle" idx="1"/>
           </p:nvPr>
         </p:nvSpPr>
         <p:spPr>
@@ -5688,7 +5016,7 @@
           </a:prstGeom>
         </p:spPr>
         <p:txBody>
-          <a:bodyPr anchorCtr="0" anchor="t" bIns="91425" lIns="91425" spcFirstLastPara="1" rIns="91425" wrap="square" tIns="91425">
+          <a:bodyPr spcFirstLastPara="1" wrap="square" lIns="91425" tIns="91425" rIns="91425" bIns="91425" anchor="t" anchorCtr="0">
             <a:normAutofit/>
           </a:bodyPr>
           <a:lstStyle>
@@ -5819,15 +5147,19 @@
               <a:defRPr sz="2100"/>
             </a:lvl9pPr>
           </a:lstStyle>
-          <a:p/>
+          <a:p>
+            <a:endParaRPr/>
+          </a:p>
         </p:txBody>
       </p:sp>
       <p:sp>
         <p:nvSpPr>
           <p:cNvPr id="39" name="Google Shape;39;p9"/>
-          <p:cNvSpPr txBox="1"/>
+          <p:cNvSpPr txBox="1">
+            <a:spLocks noGrp="1"/>
+          </p:cNvSpPr>
           <p:nvPr>
-            <p:ph idx="2" type="body"/>
+            <p:ph type="body" idx="2"/>
           </p:nvPr>
         </p:nvSpPr>
         <p:spPr>
@@ -5840,11 +5172,11 @@
           </a:prstGeom>
         </p:spPr>
         <p:txBody>
-          <a:bodyPr anchorCtr="0" anchor="ctr" bIns="91425" lIns="91425" spcFirstLastPara="1" rIns="91425" wrap="square" tIns="91425">
+          <a:bodyPr spcFirstLastPara="1" wrap="square" lIns="91425" tIns="91425" rIns="91425" bIns="91425" anchor="ctr" anchorCtr="0">
             <a:normAutofit/>
           </a:bodyPr>
           <a:lstStyle>
-            <a:lvl1pPr indent="-342900" lvl="0" marL="457200">
+            <a:lvl1pPr marL="457200" lvl="0" indent="-342900">
               <a:spcBef>
                 <a:spcPts val="0"/>
               </a:spcBef>
@@ -5855,7 +5187,7 @@
               <a:buChar char="●"/>
               <a:defRPr/>
             </a:lvl1pPr>
-            <a:lvl2pPr indent="-317500" lvl="1" marL="914400">
+            <a:lvl2pPr marL="914400" lvl="1" indent="-317500">
               <a:spcBef>
                 <a:spcPts val="0"/>
               </a:spcBef>
@@ -5866,7 +5198,7 @@
               <a:buChar char="○"/>
               <a:defRPr/>
             </a:lvl2pPr>
-            <a:lvl3pPr indent="-317500" lvl="2" marL="1371600">
+            <a:lvl3pPr marL="1371600" lvl="2" indent="-317500">
               <a:spcBef>
                 <a:spcPts val="0"/>
               </a:spcBef>
@@ -5877,7 +5209,7 @@
               <a:buChar char="■"/>
               <a:defRPr/>
             </a:lvl3pPr>
-            <a:lvl4pPr indent="-317500" lvl="3" marL="1828800">
+            <a:lvl4pPr marL="1828800" lvl="3" indent="-317500">
               <a:spcBef>
                 <a:spcPts val="0"/>
               </a:spcBef>
@@ -5888,7 +5220,7 @@
               <a:buChar char="●"/>
               <a:defRPr/>
             </a:lvl4pPr>
-            <a:lvl5pPr indent="-317500" lvl="4" marL="2286000">
+            <a:lvl5pPr marL="2286000" lvl="4" indent="-317500">
               <a:spcBef>
                 <a:spcPts val="0"/>
               </a:spcBef>
@@ -5899,7 +5231,7 @@
               <a:buChar char="○"/>
               <a:defRPr/>
             </a:lvl5pPr>
-            <a:lvl6pPr indent="-317500" lvl="5" marL="2743200">
+            <a:lvl6pPr marL="2743200" lvl="5" indent="-317500">
               <a:spcBef>
                 <a:spcPts val="0"/>
               </a:spcBef>
@@ -5910,7 +5242,7 @@
               <a:buChar char="■"/>
               <a:defRPr/>
             </a:lvl6pPr>
-            <a:lvl7pPr indent="-317500" lvl="6" marL="3200400">
+            <a:lvl7pPr marL="3200400" lvl="6" indent="-317500">
               <a:spcBef>
                 <a:spcPts val="0"/>
               </a:spcBef>
@@ -5921,7 +5253,7 @@
               <a:buChar char="●"/>
               <a:defRPr/>
             </a:lvl7pPr>
-            <a:lvl8pPr indent="-317500" lvl="7" marL="3657600">
+            <a:lvl8pPr marL="3657600" lvl="7" indent="-317500">
               <a:spcBef>
                 <a:spcPts val="0"/>
               </a:spcBef>
@@ -5932,7 +5264,7 @@
               <a:buChar char="○"/>
               <a:defRPr/>
             </a:lvl8pPr>
-            <a:lvl9pPr indent="-317500" lvl="8" marL="4114800">
+            <a:lvl9pPr marL="4114800" lvl="8" indent="-317500">
               <a:spcBef>
                 <a:spcPts val="0"/>
               </a:spcBef>
@@ -5944,15 +5276,19 @@
               <a:defRPr/>
             </a:lvl9pPr>
           </a:lstStyle>
-          <a:p/>
+          <a:p>
+            <a:endParaRPr/>
+          </a:p>
         </p:txBody>
       </p:sp>
       <p:sp>
         <p:nvSpPr>
           <p:cNvPr id="40" name="Google Shape;40;p9"/>
-          <p:cNvSpPr txBox="1"/>
+          <p:cNvSpPr txBox="1">
+            <a:spLocks noGrp="1"/>
+          </p:cNvSpPr>
           <p:nvPr>
-            <p:ph idx="12" type="sldNum"/>
+            <p:ph type="sldNum" idx="12"/>
           </p:nvPr>
         </p:nvSpPr>
         <p:spPr>
@@ -5965,7 +5301,7 @@
           </a:prstGeom>
         </p:spPr>
         <p:txBody>
-          <a:bodyPr anchorCtr="0" anchor="ctr" bIns="91425" lIns="91425" spcFirstLastPara="1" rIns="91425" wrap="square" tIns="91425">
+          <a:bodyPr spcFirstLastPara="1" wrap="square" lIns="91425" tIns="91425" rIns="91425" bIns="91425" anchor="ctr" anchorCtr="0">
             <a:normAutofit/>
           </a:bodyPr>
           <a:lstStyle>
@@ -6007,7 +5343,155 @@
             </a:lvl9pPr>
           </a:lstStyle>
           <a:p>
-            <a:pPr indent="0" lvl="0" marL="0" rtl="0" algn="r">
+            <a:pPr marL="0" lvl="0" indent="0" algn="r" rtl="0">
+              <a:spcBef>
+                <a:spcPts val="0"/>
+              </a:spcBef>
+              <a:spcAft>
+                <a:spcPts val="0"/>
+              </a:spcAft>
+              <a:buNone/>
+            </a:pPr>
+            <a:fld id="{00000000-1234-1234-1234-123412341234}" type="slidenum">
+              <a:rPr lang="en"/>
+              <a:t>‹#›</a:t>
+            </a:fld>
+            <a:endParaRPr/>
+          </a:p>
+        </p:txBody>
+      </p:sp>
+    </p:spTree>
+  </p:cSld>
+  <p:clrMapOvr>
+    <a:masterClrMapping/>
+  </p:clrMapOvr>
+</p:sldLayout>
+</file>
+
+<file path=ppt/slideLayouts/slideLayout8.xml><?xml version="1.0" encoding="utf-8"?>
+<p:sldLayout xmlns:a="http://schemas.openxmlformats.org/drawingml/2006/main" xmlns:r="http://schemas.openxmlformats.org/officeDocument/2006/relationships" xmlns:p="http://schemas.openxmlformats.org/presentationml/2006/main" matchingName="Caption">
+  <p:cSld name="CAPTION_ONLY">
+    <p:spTree>
+      <p:nvGrpSpPr>
+        <p:cNvPr id="1" name="Shape 41"/>
+        <p:cNvGrpSpPr/>
+        <p:nvPr/>
+      </p:nvGrpSpPr>
+      <p:grpSpPr>
+        <a:xfrm>
+          <a:off x="0" y="0"/>
+          <a:ext cx="0" cy="0"/>
+          <a:chOff x="0" y="0"/>
+          <a:chExt cx="0" cy="0"/>
+        </a:xfrm>
+      </p:grpSpPr>
+      <p:sp>
+        <p:nvSpPr>
+          <p:cNvPr id="42" name="Google Shape;42;p10"/>
+          <p:cNvSpPr txBox="1">
+            <a:spLocks noGrp="1"/>
+          </p:cNvSpPr>
+          <p:nvPr>
+            <p:ph type="body" idx="1"/>
+          </p:nvPr>
+        </p:nvSpPr>
+        <p:spPr>
+          <a:xfrm>
+            <a:off x="311700" y="4230575"/>
+            <a:ext cx="5998800" cy="605100"/>
+          </a:xfrm>
+          <a:prstGeom prst="rect">
+            <a:avLst/>
+          </a:prstGeom>
+        </p:spPr>
+        <p:txBody>
+          <a:bodyPr spcFirstLastPara="1" wrap="square" lIns="91425" tIns="91425" rIns="91425" bIns="91425" anchor="ctr" anchorCtr="0">
+            <a:normAutofit/>
+          </a:bodyPr>
+          <a:lstStyle>
+            <a:lvl1pPr marL="457200" lvl="0" indent="-228600">
+              <a:lnSpc>
+                <a:spcPct val="100000"/>
+              </a:lnSpc>
+              <a:spcBef>
+                <a:spcPts val="0"/>
+              </a:spcBef>
+              <a:spcAft>
+                <a:spcPts val="0"/>
+              </a:spcAft>
+              <a:buSzPts val="1800"/>
+              <a:buNone/>
+              <a:defRPr/>
+            </a:lvl1pPr>
+          </a:lstStyle>
+          <a:p>
+            <a:endParaRPr/>
+          </a:p>
+        </p:txBody>
+      </p:sp>
+      <p:sp>
+        <p:nvSpPr>
+          <p:cNvPr id="43" name="Google Shape;43;p10"/>
+          <p:cNvSpPr txBox="1">
+            <a:spLocks noGrp="1"/>
+          </p:cNvSpPr>
+          <p:nvPr>
+            <p:ph type="sldNum" idx="12"/>
+          </p:nvPr>
+        </p:nvSpPr>
+        <p:spPr>
+          <a:xfrm>
+            <a:off x="8472458" y="4663217"/>
+            <a:ext cx="548700" cy="393600"/>
+          </a:xfrm>
+          <a:prstGeom prst="rect">
+            <a:avLst/>
+          </a:prstGeom>
+        </p:spPr>
+        <p:txBody>
+          <a:bodyPr spcFirstLastPara="1" wrap="square" lIns="91425" tIns="91425" rIns="91425" bIns="91425" anchor="ctr" anchorCtr="0">
+            <a:normAutofit/>
+          </a:bodyPr>
+          <a:lstStyle>
+            <a:lvl1pPr lvl="0">
+              <a:buNone/>
+              <a:defRPr/>
+            </a:lvl1pPr>
+            <a:lvl2pPr lvl="1">
+              <a:buNone/>
+              <a:defRPr/>
+            </a:lvl2pPr>
+            <a:lvl3pPr lvl="2">
+              <a:buNone/>
+              <a:defRPr/>
+            </a:lvl3pPr>
+            <a:lvl4pPr lvl="3">
+              <a:buNone/>
+              <a:defRPr/>
+            </a:lvl4pPr>
+            <a:lvl5pPr lvl="4">
+              <a:buNone/>
+              <a:defRPr/>
+            </a:lvl5pPr>
+            <a:lvl6pPr lvl="5">
+              <a:buNone/>
+              <a:defRPr/>
+            </a:lvl6pPr>
+            <a:lvl7pPr lvl="6">
+              <a:buNone/>
+              <a:defRPr/>
+            </a:lvl7pPr>
+            <a:lvl8pPr lvl="7">
+              <a:buNone/>
+              <a:defRPr/>
+            </a:lvl8pPr>
+            <a:lvl9pPr lvl="8">
+              <a:buNone/>
+              <a:defRPr/>
+            </a:lvl9pPr>
+          </a:lstStyle>
+          <a:p>
+            <a:pPr marL="0" lvl="0" indent="0" algn="r" rtl="0">
               <a:spcBef>
                 <a:spcPts val="0"/>
               </a:spcBef>
@@ -6033,11 +5517,11 @@
 </file>
 
 <file path=ppt/slideLayouts/slideLayout9.xml><?xml version="1.0" encoding="utf-8"?>
-<p:sldLayout xmlns:a="http://schemas.openxmlformats.org/drawingml/2006/main" xmlns:r="http://schemas.openxmlformats.org/officeDocument/2006/relationships" xmlns:mc="http://schemas.openxmlformats.org/markup-compatibility/2006" xmlns:mv="urn:schemas-microsoft-com:mac:vml" xmlns:p="http://schemas.openxmlformats.org/presentationml/2006/main" xmlns:c="http://schemas.openxmlformats.org/drawingml/2006/chart" xmlns:dgm="http://schemas.openxmlformats.org/drawingml/2006/diagram" xmlns:o="urn:schemas-microsoft-com:office:office" xmlns:v="urn:schemas-microsoft-com:vml" xmlns:pvml="urn:schemas-microsoft-com:office:powerpoint" xmlns:com="http://schemas.openxmlformats.org/drawingml/2006/compatibility" xmlns:p14="http://schemas.microsoft.com/office/powerpoint/2010/main" xmlns:p15="http://schemas.microsoft.com/office/powerpoint/2012/main" xmlns:ahyp="http://schemas.microsoft.com/office/drawing/2018/hyperlinkcolor" matchingName="Caption">
-  <p:cSld name="CAPTION_ONLY">
+<p:sldLayout xmlns:a="http://schemas.openxmlformats.org/drawingml/2006/main" xmlns:r="http://schemas.openxmlformats.org/officeDocument/2006/relationships" xmlns:p="http://schemas.openxmlformats.org/presentationml/2006/main" matchingName="Big number">
+  <p:cSld name="BIG_NUMBER">
     <p:spTree>
       <p:nvGrpSpPr>
-        <p:cNvPr id="41" name="Shape 41"/>
+        <p:cNvPr id="1" name="Shape 44"/>
         <p:cNvGrpSpPr/>
         <p:nvPr/>
       </p:nvGrpSpPr>
@@ -6051,50 +5535,272 @@
       </p:grpSpPr>
       <p:sp>
         <p:nvSpPr>
-          <p:cNvPr id="42" name="Google Shape;42;p10"/>
-          <p:cNvSpPr txBox="1"/>
+          <p:cNvPr id="45" name="Google Shape;45;p11"/>
+          <p:cNvSpPr txBox="1">
+            <a:spLocks noGrp="1"/>
+          </p:cNvSpPr>
           <p:nvPr>
-            <p:ph idx="1" type="body"/>
+            <p:ph type="title" hasCustomPrompt="1"/>
           </p:nvPr>
         </p:nvSpPr>
         <p:spPr>
           <a:xfrm>
-            <a:off x="311700" y="4230575"/>
-            <a:ext cx="5998800" cy="605100"/>
+            <a:off x="311700" y="1106125"/>
+            <a:ext cx="8520600" cy="1963500"/>
           </a:xfrm>
           <a:prstGeom prst="rect">
             <a:avLst/>
           </a:prstGeom>
         </p:spPr>
         <p:txBody>
-          <a:bodyPr anchorCtr="0" anchor="ctr" bIns="91425" lIns="91425" spcFirstLastPara="1" rIns="91425" wrap="square" tIns="91425">
+          <a:bodyPr spcFirstLastPara="1" wrap="square" lIns="91425" tIns="91425" rIns="91425" bIns="91425" anchor="b" anchorCtr="0">
             <a:normAutofit/>
           </a:bodyPr>
           <a:lstStyle>
-            <a:lvl1pPr indent="-228600" lvl="0" marL="457200">
-              <a:lnSpc>
-                <a:spcPct val="100000"/>
-              </a:lnSpc>
-              <a:spcBef>
-                <a:spcPts val="0"/>
-              </a:spcBef>
-              <a:spcAft>
-                <a:spcPts val="0"/>
-              </a:spcAft>
-              <a:buSzPts val="1800"/>
-              <a:buNone/>
-              <a:defRPr/>
+            <a:lvl1pPr lvl="0" algn="ctr">
+              <a:spcBef>
+                <a:spcPts val="0"/>
+              </a:spcBef>
+              <a:spcAft>
+                <a:spcPts val="0"/>
+              </a:spcAft>
+              <a:buSzPts val="12000"/>
+              <a:buNone/>
+              <a:defRPr sz="12000"/>
             </a:lvl1pPr>
+            <a:lvl2pPr lvl="1" algn="ctr">
+              <a:spcBef>
+                <a:spcPts val="0"/>
+              </a:spcBef>
+              <a:spcAft>
+                <a:spcPts val="0"/>
+              </a:spcAft>
+              <a:buSzPts val="12000"/>
+              <a:buNone/>
+              <a:defRPr sz="12000"/>
+            </a:lvl2pPr>
+            <a:lvl3pPr lvl="2" algn="ctr">
+              <a:spcBef>
+                <a:spcPts val="0"/>
+              </a:spcBef>
+              <a:spcAft>
+                <a:spcPts val="0"/>
+              </a:spcAft>
+              <a:buSzPts val="12000"/>
+              <a:buNone/>
+              <a:defRPr sz="12000"/>
+            </a:lvl3pPr>
+            <a:lvl4pPr lvl="3" algn="ctr">
+              <a:spcBef>
+                <a:spcPts val="0"/>
+              </a:spcBef>
+              <a:spcAft>
+                <a:spcPts val="0"/>
+              </a:spcAft>
+              <a:buSzPts val="12000"/>
+              <a:buNone/>
+              <a:defRPr sz="12000"/>
+            </a:lvl4pPr>
+            <a:lvl5pPr lvl="4" algn="ctr">
+              <a:spcBef>
+                <a:spcPts val="0"/>
+              </a:spcBef>
+              <a:spcAft>
+                <a:spcPts val="0"/>
+              </a:spcAft>
+              <a:buSzPts val="12000"/>
+              <a:buNone/>
+              <a:defRPr sz="12000"/>
+            </a:lvl5pPr>
+            <a:lvl6pPr lvl="5" algn="ctr">
+              <a:spcBef>
+                <a:spcPts val="0"/>
+              </a:spcBef>
+              <a:spcAft>
+                <a:spcPts val="0"/>
+              </a:spcAft>
+              <a:buSzPts val="12000"/>
+              <a:buNone/>
+              <a:defRPr sz="12000"/>
+            </a:lvl6pPr>
+            <a:lvl7pPr lvl="6" algn="ctr">
+              <a:spcBef>
+                <a:spcPts val="0"/>
+              </a:spcBef>
+              <a:spcAft>
+                <a:spcPts val="0"/>
+              </a:spcAft>
+              <a:buSzPts val="12000"/>
+              <a:buNone/>
+              <a:defRPr sz="12000"/>
+            </a:lvl7pPr>
+            <a:lvl8pPr lvl="7" algn="ctr">
+              <a:spcBef>
+                <a:spcPts val="0"/>
+              </a:spcBef>
+              <a:spcAft>
+                <a:spcPts val="0"/>
+              </a:spcAft>
+              <a:buSzPts val="12000"/>
+              <a:buNone/>
+              <a:defRPr sz="12000"/>
+            </a:lvl8pPr>
+            <a:lvl9pPr lvl="8" algn="ctr">
+              <a:spcBef>
+                <a:spcPts val="0"/>
+              </a:spcBef>
+              <a:spcAft>
+                <a:spcPts val="0"/>
+              </a:spcAft>
+              <a:buSzPts val="12000"/>
+              <a:buNone/>
+              <a:defRPr sz="12000"/>
+            </a:lvl9pPr>
           </a:lstStyle>
-          <a:p/>
+          <a:p>
+            <a:r>
+              <a:t>xx%</a:t>
+            </a:r>
+          </a:p>
         </p:txBody>
       </p:sp>
       <p:sp>
         <p:nvSpPr>
-          <p:cNvPr id="43" name="Google Shape;43;p10"/>
-          <p:cNvSpPr txBox="1"/>
+          <p:cNvPr id="46" name="Google Shape;46;p11"/>
+          <p:cNvSpPr txBox="1">
+            <a:spLocks noGrp="1"/>
+          </p:cNvSpPr>
           <p:nvPr>
-            <p:ph idx="12" type="sldNum"/>
+            <p:ph type="body" idx="1"/>
+          </p:nvPr>
+        </p:nvSpPr>
+        <p:spPr>
+          <a:xfrm>
+            <a:off x="311700" y="3152225"/>
+            <a:ext cx="8520600" cy="1300800"/>
+          </a:xfrm>
+          <a:prstGeom prst="rect">
+            <a:avLst/>
+          </a:prstGeom>
+        </p:spPr>
+        <p:txBody>
+          <a:bodyPr spcFirstLastPara="1" wrap="square" lIns="91425" tIns="91425" rIns="91425" bIns="91425" anchor="t" anchorCtr="0">
+            <a:normAutofit/>
+          </a:bodyPr>
+          <a:lstStyle>
+            <a:lvl1pPr marL="457200" lvl="0" indent="-342900" algn="ctr">
+              <a:spcBef>
+                <a:spcPts val="0"/>
+              </a:spcBef>
+              <a:spcAft>
+                <a:spcPts val="0"/>
+              </a:spcAft>
+              <a:buSzPts val="1800"/>
+              <a:buChar char="●"/>
+              <a:defRPr/>
+            </a:lvl1pPr>
+            <a:lvl2pPr marL="914400" lvl="1" indent="-317500" algn="ctr">
+              <a:spcBef>
+                <a:spcPts val="0"/>
+              </a:spcBef>
+              <a:spcAft>
+                <a:spcPts val="0"/>
+              </a:spcAft>
+              <a:buSzPts val="1400"/>
+              <a:buChar char="○"/>
+              <a:defRPr/>
+            </a:lvl2pPr>
+            <a:lvl3pPr marL="1371600" lvl="2" indent="-317500" algn="ctr">
+              <a:spcBef>
+                <a:spcPts val="0"/>
+              </a:spcBef>
+              <a:spcAft>
+                <a:spcPts val="0"/>
+              </a:spcAft>
+              <a:buSzPts val="1400"/>
+              <a:buChar char="■"/>
+              <a:defRPr/>
+            </a:lvl3pPr>
+            <a:lvl4pPr marL="1828800" lvl="3" indent="-317500" algn="ctr">
+              <a:spcBef>
+                <a:spcPts val="0"/>
+              </a:spcBef>
+              <a:spcAft>
+                <a:spcPts val="0"/>
+              </a:spcAft>
+              <a:buSzPts val="1400"/>
+              <a:buChar char="●"/>
+              <a:defRPr/>
+            </a:lvl4pPr>
+            <a:lvl5pPr marL="2286000" lvl="4" indent="-317500" algn="ctr">
+              <a:spcBef>
+                <a:spcPts val="0"/>
+              </a:spcBef>
+              <a:spcAft>
+                <a:spcPts val="0"/>
+              </a:spcAft>
+              <a:buSzPts val="1400"/>
+              <a:buChar char="○"/>
+              <a:defRPr/>
+            </a:lvl5pPr>
+            <a:lvl6pPr marL="2743200" lvl="5" indent="-317500" algn="ctr">
+              <a:spcBef>
+                <a:spcPts val="0"/>
+              </a:spcBef>
+              <a:spcAft>
+                <a:spcPts val="0"/>
+              </a:spcAft>
+              <a:buSzPts val="1400"/>
+              <a:buChar char="■"/>
+              <a:defRPr/>
+            </a:lvl6pPr>
+            <a:lvl7pPr marL="3200400" lvl="6" indent="-317500" algn="ctr">
+              <a:spcBef>
+                <a:spcPts val="0"/>
+              </a:spcBef>
+              <a:spcAft>
+                <a:spcPts val="0"/>
+              </a:spcAft>
+              <a:buSzPts val="1400"/>
+              <a:buChar char="●"/>
+              <a:defRPr/>
+            </a:lvl7pPr>
+            <a:lvl8pPr marL="3657600" lvl="7" indent="-317500" algn="ctr">
+              <a:spcBef>
+                <a:spcPts val="0"/>
+              </a:spcBef>
+              <a:spcAft>
+                <a:spcPts val="0"/>
+              </a:spcAft>
+              <a:buSzPts val="1400"/>
+              <a:buChar char="○"/>
+              <a:defRPr/>
+            </a:lvl8pPr>
+            <a:lvl9pPr marL="4114800" lvl="8" indent="-317500" algn="ctr">
+              <a:spcBef>
+                <a:spcPts val="0"/>
+              </a:spcBef>
+              <a:spcAft>
+                <a:spcPts val="0"/>
+              </a:spcAft>
+              <a:buSzPts val="1400"/>
+              <a:buChar char="■"/>
+              <a:defRPr/>
+            </a:lvl9pPr>
+          </a:lstStyle>
+          <a:p>
+            <a:endParaRPr/>
+          </a:p>
+        </p:txBody>
+      </p:sp>
+      <p:sp>
+        <p:nvSpPr>
+          <p:cNvPr id="47" name="Google Shape;47;p11"/>
+          <p:cNvSpPr txBox="1">
+            <a:spLocks noGrp="1"/>
+          </p:cNvSpPr>
+          <p:nvPr>
+            <p:ph type="sldNum" idx="12"/>
           </p:nvPr>
         </p:nvSpPr>
         <p:spPr>
@@ -6107,7 +5813,7 @@
           </a:prstGeom>
         </p:spPr>
         <p:txBody>
-          <a:bodyPr anchorCtr="0" anchor="ctr" bIns="91425" lIns="91425" spcFirstLastPara="1" rIns="91425" wrap="square" tIns="91425">
+          <a:bodyPr spcFirstLastPara="1" wrap="square" lIns="91425" tIns="91425" rIns="91425" bIns="91425" anchor="ctr" anchorCtr="0">
             <a:normAutofit/>
           </a:bodyPr>
           <a:lstStyle>
@@ -6149,7 +5855,7 @@
             </a:lvl9pPr>
           </a:lstStyle>
           <a:p>
-            <a:pPr indent="0" lvl="0" marL="0" rtl="0" algn="r">
+            <a:pPr marL="0" lvl="0" indent="0" algn="r" rtl="0">
               <a:spcBef>
                 <a:spcPts val="0"/>
               </a:spcBef>
@@ -6175,18 +5881,19 @@
 </file>
 
 <file path=ppt/slideMasters/slideMaster1.xml><?xml version="1.0" encoding="utf-8"?>
-<p:sldMaster xmlns:a="http://schemas.openxmlformats.org/drawingml/2006/main" xmlns:r="http://schemas.openxmlformats.org/officeDocument/2006/relationships" xmlns:mc="http://schemas.openxmlformats.org/markup-compatibility/2006" xmlns:mv="urn:schemas-microsoft-com:mac:vml" xmlns:p="http://schemas.openxmlformats.org/presentationml/2006/main" xmlns:c="http://schemas.openxmlformats.org/drawingml/2006/chart" xmlns:dgm="http://schemas.openxmlformats.org/drawingml/2006/diagram" xmlns:o="urn:schemas-microsoft-com:office:office" xmlns:v="urn:schemas-microsoft-com:vml" xmlns:pvml="urn:schemas-microsoft-com:office:powerpoint" xmlns:com="http://schemas.openxmlformats.org/drawingml/2006/compatibility" xmlns:p14="http://schemas.microsoft.com/office/powerpoint/2010/main" xmlns:p15="http://schemas.microsoft.com/office/powerpoint/2012/main" xmlns:ahyp="http://schemas.microsoft.com/office/drawing/2018/hyperlinkcolor">
+<p:sldMaster xmlns:a="http://schemas.openxmlformats.org/drawingml/2006/main" xmlns:r="http://schemas.openxmlformats.org/officeDocument/2006/relationships" xmlns:p="http://schemas.openxmlformats.org/presentationml/2006/main">
   <p:cSld name="simple-light-2">
     <p:bg>
       <p:bgPr>
         <a:solidFill>
           <a:schemeClr val="lt1"/>
         </a:solidFill>
+        <a:effectLst/>
       </p:bgPr>
     </p:bg>
     <p:spTree>
       <p:nvGrpSpPr>
-        <p:cNvPr id="5" name="Shape 5"/>
+        <p:cNvPr id="1" name="Shape 5"/>
         <p:cNvGrpSpPr/>
         <p:nvPr/>
       </p:nvGrpSpPr>
@@ -6201,7 +5908,9 @@
       <p:sp>
         <p:nvSpPr>
           <p:cNvPr id="6" name="Google Shape;6;p1"/>
-          <p:cNvSpPr txBox="1"/>
+          <p:cNvSpPr txBox="1">
+            <a:spLocks noGrp="1"/>
+          </p:cNvSpPr>
           <p:nvPr>
             <p:ph type="title"/>
           </p:nvPr>
@@ -6220,7 +5929,7 @@
           </a:ln>
         </p:spPr>
         <p:txBody>
-          <a:bodyPr anchorCtr="0" anchor="t" bIns="91425" lIns="91425" spcFirstLastPara="1" rIns="91425" wrap="square" tIns="91425">
+          <a:bodyPr spcFirstLastPara="1" wrap="square" lIns="91425" tIns="91425" rIns="91425" bIns="91425" anchor="t" anchorCtr="0">
             <a:normAutofit/>
           </a:bodyPr>
           <a:lstStyle>
@@ -6387,15 +6096,19 @@
               </a:defRPr>
             </a:lvl9pPr>
           </a:lstStyle>
-          <a:p/>
+          <a:p>
+            <a:endParaRPr/>
+          </a:p>
         </p:txBody>
       </p:sp>
       <p:sp>
         <p:nvSpPr>
           <p:cNvPr id="7" name="Google Shape;7;p1"/>
-          <p:cNvSpPr txBox="1"/>
+          <p:cNvSpPr txBox="1">
+            <a:spLocks noGrp="1"/>
+          </p:cNvSpPr>
           <p:nvPr>
-            <p:ph idx="1" type="body"/>
+            <p:ph type="body" idx="1"/>
           </p:nvPr>
         </p:nvSpPr>
         <p:spPr>
@@ -6412,11 +6125,11 @@
           </a:ln>
         </p:spPr>
         <p:txBody>
-          <a:bodyPr anchorCtr="0" anchor="t" bIns="91425" lIns="91425" spcFirstLastPara="1" rIns="91425" wrap="square" tIns="91425">
+          <a:bodyPr spcFirstLastPara="1" wrap="square" lIns="91425" tIns="91425" rIns="91425" bIns="91425" anchor="t" anchorCtr="0">
             <a:normAutofit/>
           </a:bodyPr>
           <a:lstStyle>
-            <a:lvl1pPr indent="-342900" lvl="0" marL="457200">
+            <a:lvl1pPr marL="457200" lvl="0" indent="-342900">
               <a:lnSpc>
                 <a:spcPct val="115000"/>
               </a:lnSpc>
@@ -6437,7 +6150,7 @@
                 </a:solidFill>
               </a:defRPr>
             </a:lvl1pPr>
-            <a:lvl2pPr indent="-317500" lvl="1" marL="914400">
+            <a:lvl2pPr marL="914400" lvl="1" indent="-317500">
               <a:lnSpc>
                 <a:spcPct val="115000"/>
               </a:lnSpc>
@@ -6458,7 +6171,7 @@
                 </a:solidFill>
               </a:defRPr>
             </a:lvl2pPr>
-            <a:lvl3pPr indent="-317500" lvl="2" marL="1371600">
+            <a:lvl3pPr marL="1371600" lvl="2" indent="-317500">
               <a:lnSpc>
                 <a:spcPct val="115000"/>
               </a:lnSpc>
@@ -6479,7 +6192,7 @@
                 </a:solidFill>
               </a:defRPr>
             </a:lvl3pPr>
-            <a:lvl4pPr indent="-317500" lvl="3" marL="1828800">
+            <a:lvl4pPr marL="1828800" lvl="3" indent="-317500">
               <a:lnSpc>
                 <a:spcPct val="115000"/>
               </a:lnSpc>
@@ -6500,7 +6213,7 @@
                 </a:solidFill>
               </a:defRPr>
             </a:lvl4pPr>
-            <a:lvl5pPr indent="-317500" lvl="4" marL="2286000">
+            <a:lvl5pPr marL="2286000" lvl="4" indent="-317500">
               <a:lnSpc>
                 <a:spcPct val="115000"/>
               </a:lnSpc>
@@ -6521,7 +6234,7 @@
                 </a:solidFill>
               </a:defRPr>
             </a:lvl5pPr>
-            <a:lvl6pPr indent="-317500" lvl="5" marL="2743200">
+            <a:lvl6pPr marL="2743200" lvl="5" indent="-317500">
               <a:lnSpc>
                 <a:spcPct val="115000"/>
               </a:lnSpc>
@@ -6542,7 +6255,7 @@
                 </a:solidFill>
               </a:defRPr>
             </a:lvl6pPr>
-            <a:lvl7pPr indent="-317500" lvl="6" marL="3200400">
+            <a:lvl7pPr marL="3200400" lvl="6" indent="-317500">
               <a:lnSpc>
                 <a:spcPct val="115000"/>
               </a:lnSpc>
@@ -6563,7 +6276,7 @@
                 </a:solidFill>
               </a:defRPr>
             </a:lvl7pPr>
-            <a:lvl8pPr indent="-317500" lvl="7" marL="3657600">
+            <a:lvl8pPr marL="3657600" lvl="7" indent="-317500">
               <a:lnSpc>
                 <a:spcPct val="115000"/>
               </a:lnSpc>
@@ -6584,7 +6297,7 @@
                 </a:solidFill>
               </a:defRPr>
             </a:lvl8pPr>
-            <a:lvl9pPr indent="-317500" lvl="8" marL="4114800">
+            <a:lvl9pPr marL="4114800" lvl="8" indent="-317500">
               <a:lnSpc>
                 <a:spcPct val="115000"/>
               </a:lnSpc>
@@ -6606,15 +6319,19 @@
               </a:defRPr>
             </a:lvl9pPr>
           </a:lstStyle>
-          <a:p/>
+          <a:p>
+            <a:endParaRPr/>
+          </a:p>
         </p:txBody>
       </p:sp>
       <p:sp>
         <p:nvSpPr>
           <p:cNvPr id="8" name="Google Shape;8;p1"/>
-          <p:cNvSpPr txBox="1"/>
+          <p:cNvSpPr txBox="1">
+            <a:spLocks noGrp="1"/>
+          </p:cNvSpPr>
           <p:nvPr>
-            <p:ph idx="12" type="sldNum"/>
+            <p:ph type="sldNum" idx="12"/>
           </p:nvPr>
         </p:nvSpPr>
         <p:spPr>
@@ -6631,7 +6348,7 @@
           </a:ln>
         </p:spPr>
         <p:txBody>
-          <a:bodyPr anchorCtr="0" anchor="ctr" bIns="91425" lIns="91425" spcFirstLastPara="1" rIns="91425" wrap="square" tIns="91425">
+          <a:bodyPr spcFirstLastPara="1" wrap="square" lIns="91425" tIns="91425" rIns="91425" bIns="91425" anchor="ctr" anchorCtr="0">
             <a:normAutofit/>
           </a:bodyPr>
           <a:lstStyle>
@@ -6709,7 +6426,7 @@
             </a:lvl9pPr>
           </a:lstStyle>
           <a:p>
-            <a:pPr indent="0" lvl="0" marL="0" rtl="0" algn="r">
+            <a:pPr marL="0" lvl="0" indent="0" algn="r" rtl="0">
               <a:spcBef>
                 <a:spcPts val="0"/>
               </a:spcBef>
@@ -6728,25 +6445,24 @@
       </p:sp>
     </p:spTree>
   </p:cSld>
-  <p:clrMap accent1="accent1" accent2="accent2" accent3="accent3" accent4="accent4" accent5="accent5" accent6="accent6" bg1="lt1" bg2="dk2" tx1="dk1" tx2="lt2" folHlink="folHlink" hlink="hlink"/>
+  <p:clrMap bg1="lt1" tx1="dk1" bg2="dk2" tx2="lt2" accent1="accent1" accent2="accent2" accent3="accent3" accent4="accent4" accent5="accent5" accent6="accent6" hlink="hlink" folHlink="folHlink"/>
   <p:sldLayoutIdLst>
-    <p:sldLayoutId id="2147483648" r:id="rId1"/>
-    <p:sldLayoutId id="2147483649" r:id="rId2"/>
-    <p:sldLayoutId id="2147483650" r:id="rId3"/>
-    <p:sldLayoutId id="2147483651" r:id="rId4"/>
-    <p:sldLayoutId id="2147483652" r:id="rId5"/>
-    <p:sldLayoutId id="2147483653" r:id="rId6"/>
-    <p:sldLayoutId id="2147483654" r:id="rId7"/>
-    <p:sldLayoutId id="2147483655" r:id="rId8"/>
-    <p:sldLayoutId id="2147483656" r:id="rId9"/>
-    <p:sldLayoutId id="2147483657" r:id="rId10"/>
-    <p:sldLayoutId id="2147483658" r:id="rId11"/>
-    <p:sldLayoutId id="2147483659" r:id="rId12"/>
+    <p:sldLayoutId id="2147483649" r:id="rId1"/>
+    <p:sldLayoutId id="2147483650" r:id="rId2"/>
+    <p:sldLayoutId id="2147483651" r:id="rId3"/>
+    <p:sldLayoutId id="2147483652" r:id="rId4"/>
+    <p:sldLayoutId id="2147483653" r:id="rId5"/>
+    <p:sldLayoutId id="2147483654" r:id="rId6"/>
+    <p:sldLayoutId id="2147483655" r:id="rId7"/>
+    <p:sldLayoutId id="2147483656" r:id="rId8"/>
+    <p:sldLayoutId id="2147483657" r:id="rId9"/>
+    <p:sldLayoutId id="2147483658" r:id="rId10"/>
+    <p:sldLayoutId id="2147483659" r:id="rId11"/>
   </p:sldLayoutIdLst>
-  <p:hf dt="0" ftr="0" hdr="0" sldNum="0"/>
+  <p:hf sldNum="0" hdr="0" ftr="0" dt="0"/>
   <p:txStyles>
     <p:titleStyle>
-      <a:defPPr lvl="0" marR="0" rtl="0" algn="l">
+      <a:defPPr marR="0" lvl="0" algn="l" rtl="0">
         <a:lnSpc>
           <a:spcPct val="100000"/>
         </a:lnSpc>
@@ -6757,7 +6473,7 @@
           <a:spcPts val="0"/>
         </a:spcAft>
       </a:defPPr>
-      <a:lvl1pPr lvl="0" marR="0" rtl="0" algn="l">
+      <a:lvl1pPr marR="0" lvl="0" algn="l" rtl="0">
         <a:lnSpc>
           <a:spcPct val="100000"/>
         </a:lnSpc>
@@ -6771,7 +6487,7 @@
           <a:srgbClr val="000000"/>
         </a:buClr>
         <a:buFont typeface="Arial"/>
-        <a:defRPr b="0" i="0" sz="1400" u="none" cap="none" strike="noStrike">
+        <a:defRPr sz="1400" b="0" i="0" u="none" strike="noStrike" cap="none">
           <a:solidFill>
             <a:srgbClr val="000000"/>
           </a:solidFill>
@@ -6781,7 +6497,7 @@
           <a:sym typeface="Arial"/>
         </a:defRPr>
       </a:lvl1pPr>
-      <a:lvl2pPr lvl="1" marR="0" rtl="0" algn="l">
+      <a:lvl2pPr marR="0" lvl="1" algn="l" rtl="0">
         <a:lnSpc>
           <a:spcPct val="100000"/>
         </a:lnSpc>
@@ -6795,7 +6511,7 @@
           <a:srgbClr val="000000"/>
         </a:buClr>
         <a:buFont typeface="Arial"/>
-        <a:defRPr b="0" i="0" sz="1400" u="none" cap="none" strike="noStrike">
+        <a:defRPr sz="1400" b="0" i="0" u="none" strike="noStrike" cap="none">
           <a:solidFill>
             <a:srgbClr val="000000"/>
           </a:solidFill>
@@ -6805,7 +6521,7 @@
           <a:sym typeface="Arial"/>
         </a:defRPr>
       </a:lvl2pPr>
-      <a:lvl3pPr lvl="2" marR="0" rtl="0" algn="l">
+      <a:lvl3pPr marR="0" lvl="2" algn="l" rtl="0">
         <a:lnSpc>
           <a:spcPct val="100000"/>
         </a:lnSpc>
@@ -6819,7 +6535,7 @@
           <a:srgbClr val="000000"/>
         </a:buClr>
         <a:buFont typeface="Arial"/>
-        <a:defRPr b="0" i="0" sz="1400" u="none" cap="none" strike="noStrike">
+        <a:defRPr sz="1400" b="0" i="0" u="none" strike="noStrike" cap="none">
           <a:solidFill>
             <a:srgbClr val="000000"/>
           </a:solidFill>
@@ -6829,7 +6545,7 @@
           <a:sym typeface="Arial"/>
         </a:defRPr>
       </a:lvl3pPr>
-      <a:lvl4pPr lvl="3" marR="0" rtl="0" algn="l">
+      <a:lvl4pPr marR="0" lvl="3" algn="l" rtl="0">
         <a:lnSpc>
           <a:spcPct val="100000"/>
         </a:lnSpc>
@@ -6843,7 +6559,7 @@
           <a:srgbClr val="000000"/>
         </a:buClr>
         <a:buFont typeface="Arial"/>
-        <a:defRPr b="0" i="0" sz="1400" u="none" cap="none" strike="noStrike">
+        <a:defRPr sz="1400" b="0" i="0" u="none" strike="noStrike" cap="none">
           <a:solidFill>
             <a:srgbClr val="000000"/>
           </a:solidFill>
@@ -6853,7 +6569,7 @@
           <a:sym typeface="Arial"/>
         </a:defRPr>
       </a:lvl4pPr>
-      <a:lvl5pPr lvl="4" marR="0" rtl="0" algn="l">
+      <a:lvl5pPr marR="0" lvl="4" algn="l" rtl="0">
         <a:lnSpc>
           <a:spcPct val="100000"/>
         </a:lnSpc>
@@ -6867,7 +6583,7 @@
           <a:srgbClr val="000000"/>
         </a:buClr>
         <a:buFont typeface="Arial"/>
-        <a:defRPr b="0" i="0" sz="1400" u="none" cap="none" strike="noStrike">
+        <a:defRPr sz="1400" b="0" i="0" u="none" strike="noStrike" cap="none">
           <a:solidFill>
             <a:srgbClr val="000000"/>
           </a:solidFill>
@@ -6877,7 +6593,7 @@
           <a:sym typeface="Arial"/>
         </a:defRPr>
       </a:lvl5pPr>
-      <a:lvl6pPr lvl="5" marR="0" rtl="0" algn="l">
+      <a:lvl6pPr marR="0" lvl="5" algn="l" rtl="0">
         <a:lnSpc>
           <a:spcPct val="100000"/>
         </a:lnSpc>
@@ -6891,7 +6607,7 @@
           <a:srgbClr val="000000"/>
         </a:buClr>
         <a:buFont typeface="Arial"/>
-        <a:defRPr b="0" i="0" sz="1400" u="none" cap="none" strike="noStrike">
+        <a:defRPr sz="1400" b="0" i="0" u="none" strike="noStrike" cap="none">
           <a:solidFill>
             <a:srgbClr val="000000"/>
           </a:solidFill>
@@ -6901,7 +6617,7 @@
           <a:sym typeface="Arial"/>
         </a:defRPr>
       </a:lvl6pPr>
-      <a:lvl7pPr lvl="6" marR="0" rtl="0" algn="l">
+      <a:lvl7pPr marR="0" lvl="6" algn="l" rtl="0">
         <a:lnSpc>
           <a:spcPct val="100000"/>
         </a:lnSpc>
@@ -6915,7 +6631,7 @@
           <a:srgbClr val="000000"/>
         </a:buClr>
         <a:buFont typeface="Arial"/>
-        <a:defRPr b="0" i="0" sz="1400" u="none" cap="none" strike="noStrike">
+        <a:defRPr sz="1400" b="0" i="0" u="none" strike="noStrike" cap="none">
           <a:solidFill>
             <a:srgbClr val="000000"/>
           </a:solidFill>
@@ -6925,7 +6641,7 @@
           <a:sym typeface="Arial"/>
         </a:defRPr>
       </a:lvl7pPr>
-      <a:lvl8pPr lvl="7" marR="0" rtl="0" algn="l">
+      <a:lvl8pPr marR="0" lvl="7" algn="l" rtl="0">
         <a:lnSpc>
           <a:spcPct val="100000"/>
         </a:lnSpc>
@@ -6939,7 +6655,7 @@
           <a:srgbClr val="000000"/>
         </a:buClr>
         <a:buFont typeface="Arial"/>
-        <a:defRPr b="0" i="0" sz="1400" u="none" cap="none" strike="noStrike">
+        <a:defRPr sz="1400" b="0" i="0" u="none" strike="noStrike" cap="none">
           <a:solidFill>
             <a:srgbClr val="000000"/>
           </a:solidFill>
@@ -6949,7 +6665,7 @@
           <a:sym typeface="Arial"/>
         </a:defRPr>
       </a:lvl8pPr>
-      <a:lvl9pPr lvl="8" marR="0" rtl="0" algn="l">
+      <a:lvl9pPr marR="0" lvl="8" algn="l" rtl="0">
         <a:lnSpc>
           <a:spcPct val="100000"/>
         </a:lnSpc>
@@ -6963,7 +6679,7 @@
           <a:srgbClr val="000000"/>
         </a:buClr>
         <a:buFont typeface="Arial"/>
-        <a:defRPr b="0" i="0" sz="1400" u="none" cap="none" strike="noStrike">
+        <a:defRPr sz="1400" b="0" i="0" u="none" strike="noStrike" cap="none">
           <a:solidFill>
             <a:srgbClr val="000000"/>
           </a:solidFill>
@@ -6975,7 +6691,7 @@
       </a:lvl9pPr>
     </p:titleStyle>
     <p:bodyStyle>
-      <a:defPPr lvl="0" marR="0" rtl="0" algn="l">
+      <a:defPPr marR="0" lvl="0" algn="l" rtl="0">
         <a:lnSpc>
           <a:spcPct val="100000"/>
         </a:lnSpc>
@@ -6986,7 +6702,7 @@
           <a:spcPts val="0"/>
         </a:spcAft>
       </a:defPPr>
-      <a:lvl1pPr lvl="0" marR="0" rtl="0" algn="l">
+      <a:lvl1pPr marR="0" lvl="0" algn="l" rtl="0">
         <a:lnSpc>
           <a:spcPct val="100000"/>
         </a:lnSpc>
@@ -7000,7 +6716,7 @@
           <a:srgbClr val="000000"/>
         </a:buClr>
         <a:buFont typeface="Arial"/>
-        <a:defRPr b="0" i="0" sz="1400" u="none" cap="none" strike="noStrike">
+        <a:defRPr sz="1400" b="0" i="0" u="none" strike="noStrike" cap="none">
           <a:solidFill>
             <a:srgbClr val="000000"/>
           </a:solidFill>
@@ -7010,7 +6726,7 @@
           <a:sym typeface="Arial"/>
         </a:defRPr>
       </a:lvl1pPr>
-      <a:lvl2pPr lvl="1" marR="0" rtl="0" algn="l">
+      <a:lvl2pPr marR="0" lvl="1" algn="l" rtl="0">
         <a:lnSpc>
           <a:spcPct val="100000"/>
         </a:lnSpc>
@@ -7024,7 +6740,7 @@
           <a:srgbClr val="000000"/>
         </a:buClr>
         <a:buFont typeface="Arial"/>
-        <a:defRPr b="0" i="0" sz="1400" u="none" cap="none" strike="noStrike">
+        <a:defRPr sz="1400" b="0" i="0" u="none" strike="noStrike" cap="none">
           <a:solidFill>
             <a:srgbClr val="000000"/>
           </a:solidFill>
@@ -7034,7 +6750,7 @@
           <a:sym typeface="Arial"/>
         </a:defRPr>
       </a:lvl2pPr>
-      <a:lvl3pPr lvl="2" marR="0" rtl="0" algn="l">
+      <a:lvl3pPr marR="0" lvl="2" algn="l" rtl="0">
         <a:lnSpc>
           <a:spcPct val="100000"/>
         </a:lnSpc>
@@ -7048,7 +6764,7 @@
           <a:srgbClr val="000000"/>
         </a:buClr>
         <a:buFont typeface="Arial"/>
-        <a:defRPr b="0" i="0" sz="1400" u="none" cap="none" strike="noStrike">
+        <a:defRPr sz="1400" b="0" i="0" u="none" strike="noStrike" cap="none">
           <a:solidFill>
             <a:srgbClr val="000000"/>
           </a:solidFill>
@@ -7058,7 +6774,7 @@
           <a:sym typeface="Arial"/>
         </a:defRPr>
       </a:lvl3pPr>
-      <a:lvl4pPr lvl="3" marR="0" rtl="0" algn="l">
+      <a:lvl4pPr marR="0" lvl="3" algn="l" rtl="0">
         <a:lnSpc>
           <a:spcPct val="100000"/>
         </a:lnSpc>
@@ -7072,7 +6788,7 @@
           <a:srgbClr val="000000"/>
         </a:buClr>
         <a:buFont typeface="Arial"/>
-        <a:defRPr b="0" i="0" sz="1400" u="none" cap="none" strike="noStrike">
+        <a:defRPr sz="1400" b="0" i="0" u="none" strike="noStrike" cap="none">
           <a:solidFill>
             <a:srgbClr val="000000"/>
           </a:solidFill>
@@ -7082,7 +6798,7 @@
           <a:sym typeface="Arial"/>
         </a:defRPr>
       </a:lvl4pPr>
-      <a:lvl5pPr lvl="4" marR="0" rtl="0" algn="l">
+      <a:lvl5pPr marR="0" lvl="4" algn="l" rtl="0">
         <a:lnSpc>
           <a:spcPct val="100000"/>
         </a:lnSpc>
@@ -7096,7 +6812,7 @@
           <a:srgbClr val="000000"/>
         </a:buClr>
         <a:buFont typeface="Arial"/>
-        <a:defRPr b="0" i="0" sz="1400" u="none" cap="none" strike="noStrike">
+        <a:defRPr sz="1400" b="0" i="0" u="none" strike="noStrike" cap="none">
           <a:solidFill>
             <a:srgbClr val="000000"/>
           </a:solidFill>
@@ -7106,7 +6822,7 @@
           <a:sym typeface="Arial"/>
         </a:defRPr>
       </a:lvl5pPr>
-      <a:lvl6pPr lvl="5" marR="0" rtl="0" algn="l">
+      <a:lvl6pPr marR="0" lvl="5" algn="l" rtl="0">
         <a:lnSpc>
           <a:spcPct val="100000"/>
         </a:lnSpc>
@@ -7120,7 +6836,7 @@
           <a:srgbClr val="000000"/>
         </a:buClr>
         <a:buFont typeface="Arial"/>
-        <a:defRPr b="0" i="0" sz="1400" u="none" cap="none" strike="noStrike">
+        <a:defRPr sz="1400" b="0" i="0" u="none" strike="noStrike" cap="none">
           <a:solidFill>
             <a:srgbClr val="000000"/>
           </a:solidFill>
@@ -7130,7 +6846,7 @@
           <a:sym typeface="Arial"/>
         </a:defRPr>
       </a:lvl6pPr>
-      <a:lvl7pPr lvl="6" marR="0" rtl="0" algn="l">
+      <a:lvl7pPr marR="0" lvl="6" algn="l" rtl="0">
         <a:lnSpc>
           <a:spcPct val="100000"/>
         </a:lnSpc>
@@ -7144,7 +6860,7 @@
           <a:srgbClr val="000000"/>
         </a:buClr>
         <a:buFont typeface="Arial"/>
-        <a:defRPr b="0" i="0" sz="1400" u="none" cap="none" strike="noStrike">
+        <a:defRPr sz="1400" b="0" i="0" u="none" strike="noStrike" cap="none">
           <a:solidFill>
             <a:srgbClr val="000000"/>
           </a:solidFill>
@@ -7154,7 +6870,7 @@
           <a:sym typeface="Arial"/>
         </a:defRPr>
       </a:lvl7pPr>
-      <a:lvl8pPr lvl="7" marR="0" rtl="0" algn="l">
+      <a:lvl8pPr marR="0" lvl="7" algn="l" rtl="0">
         <a:lnSpc>
           <a:spcPct val="100000"/>
         </a:lnSpc>
@@ -7168,7 +6884,7 @@
           <a:srgbClr val="000000"/>
         </a:buClr>
         <a:buFont typeface="Arial"/>
-        <a:defRPr b="0" i="0" sz="1400" u="none" cap="none" strike="noStrike">
+        <a:defRPr sz="1400" b="0" i="0" u="none" strike="noStrike" cap="none">
           <a:solidFill>
             <a:srgbClr val="000000"/>
           </a:solidFill>
@@ -7178,7 +6894,7 @@
           <a:sym typeface="Arial"/>
         </a:defRPr>
       </a:lvl8pPr>
-      <a:lvl9pPr lvl="8" marR="0" rtl="0" algn="l">
+      <a:lvl9pPr marR="0" lvl="8" algn="l" rtl="0">
         <a:lnSpc>
           <a:spcPct val="100000"/>
         </a:lnSpc>
@@ -7192,7 +6908,7 @@
           <a:srgbClr val="000000"/>
         </a:buClr>
         <a:buFont typeface="Arial"/>
-        <a:defRPr b="0" i="0" sz="1400" u="none" cap="none" strike="noStrike">
+        <a:defRPr sz="1400" b="0" i="0" u="none" strike="noStrike" cap="none">
           <a:solidFill>
             <a:srgbClr val="000000"/>
           </a:solidFill>
@@ -7204,7 +6920,7 @@
       </a:lvl9pPr>
     </p:bodyStyle>
     <p:otherStyle>
-      <a:defPPr lvl="0" marR="0" rtl="0" algn="l">
+      <a:defPPr marR="0" lvl="0" algn="l" rtl="0">
         <a:lnSpc>
           <a:spcPct val="100000"/>
         </a:lnSpc>
@@ -7215,7 +6931,7 @@
           <a:spcPts val="0"/>
         </a:spcAft>
       </a:defPPr>
-      <a:lvl1pPr lvl="0" marR="0" rtl="0" algn="l">
+      <a:lvl1pPr marR="0" lvl="0" algn="l" rtl="0">
         <a:lnSpc>
           <a:spcPct val="100000"/>
         </a:lnSpc>
@@ -7229,7 +6945,7 @@
           <a:srgbClr val="000000"/>
         </a:buClr>
         <a:buFont typeface="Arial"/>
-        <a:defRPr b="0" i="0" sz="1400" u="none" cap="none" strike="noStrike">
+        <a:defRPr sz="1400" b="0" i="0" u="none" strike="noStrike" cap="none">
           <a:solidFill>
             <a:srgbClr val="000000"/>
           </a:solidFill>
@@ -7239,7 +6955,7 @@
           <a:sym typeface="Arial"/>
         </a:defRPr>
       </a:lvl1pPr>
-      <a:lvl2pPr lvl="1" marR="0" rtl="0" algn="l">
+      <a:lvl2pPr marR="0" lvl="1" algn="l" rtl="0">
         <a:lnSpc>
           <a:spcPct val="100000"/>
         </a:lnSpc>
@@ -7253,7 +6969,7 @@
           <a:srgbClr val="000000"/>
         </a:buClr>
         <a:buFont typeface="Arial"/>
-        <a:defRPr b="0" i="0" sz="1400" u="none" cap="none" strike="noStrike">
+        <a:defRPr sz="1400" b="0" i="0" u="none" strike="noStrike" cap="none">
           <a:solidFill>
             <a:srgbClr val="000000"/>
           </a:solidFill>
@@ -7263,7 +6979,7 @@
           <a:sym typeface="Arial"/>
         </a:defRPr>
       </a:lvl2pPr>
-      <a:lvl3pPr lvl="2" marR="0" rtl="0" algn="l">
+      <a:lvl3pPr marR="0" lvl="2" algn="l" rtl="0">
         <a:lnSpc>
           <a:spcPct val="100000"/>
         </a:lnSpc>
@@ -7277,7 +6993,7 @@
           <a:srgbClr val="000000"/>
         </a:buClr>
         <a:buFont typeface="Arial"/>
-        <a:defRPr b="0" i="0" sz="1400" u="none" cap="none" strike="noStrike">
+        <a:defRPr sz="1400" b="0" i="0" u="none" strike="noStrike" cap="none">
           <a:solidFill>
             <a:srgbClr val="000000"/>
           </a:solidFill>
@@ -7287,7 +7003,7 @@
           <a:sym typeface="Arial"/>
         </a:defRPr>
       </a:lvl3pPr>
-      <a:lvl4pPr lvl="3" marR="0" rtl="0" algn="l">
+      <a:lvl4pPr marR="0" lvl="3" algn="l" rtl="0">
         <a:lnSpc>
           <a:spcPct val="100000"/>
         </a:lnSpc>
@@ -7301,7 +7017,7 @@
           <a:srgbClr val="000000"/>
         </a:buClr>
         <a:buFont typeface="Arial"/>
-        <a:defRPr b="0" i="0" sz="1400" u="none" cap="none" strike="noStrike">
+        <a:defRPr sz="1400" b="0" i="0" u="none" strike="noStrike" cap="none">
           <a:solidFill>
             <a:srgbClr val="000000"/>
           </a:solidFill>
@@ -7311,7 +7027,7 @@
           <a:sym typeface="Arial"/>
         </a:defRPr>
       </a:lvl4pPr>
-      <a:lvl5pPr lvl="4" marR="0" rtl="0" algn="l">
+      <a:lvl5pPr marR="0" lvl="4" algn="l" rtl="0">
         <a:lnSpc>
           <a:spcPct val="100000"/>
         </a:lnSpc>
@@ -7325,7 +7041,7 @@
           <a:srgbClr val="000000"/>
         </a:buClr>
         <a:buFont typeface="Arial"/>
-        <a:defRPr b="0" i="0" sz="1400" u="none" cap="none" strike="noStrike">
+        <a:defRPr sz="1400" b="0" i="0" u="none" strike="noStrike" cap="none">
           <a:solidFill>
             <a:srgbClr val="000000"/>
           </a:solidFill>
@@ -7335,7 +7051,7 @@
           <a:sym typeface="Arial"/>
         </a:defRPr>
       </a:lvl5pPr>
-      <a:lvl6pPr lvl="5" marR="0" rtl="0" algn="l">
+      <a:lvl6pPr marR="0" lvl="5" algn="l" rtl="0">
         <a:lnSpc>
           <a:spcPct val="100000"/>
         </a:lnSpc>
@@ -7349,7 +7065,7 @@
           <a:srgbClr val="000000"/>
         </a:buClr>
         <a:buFont typeface="Arial"/>
-        <a:defRPr b="0" i="0" sz="1400" u="none" cap="none" strike="noStrike">
+        <a:defRPr sz="1400" b="0" i="0" u="none" strike="noStrike" cap="none">
           <a:solidFill>
             <a:srgbClr val="000000"/>
           </a:solidFill>
@@ -7359,7 +7075,7 @@
           <a:sym typeface="Arial"/>
         </a:defRPr>
       </a:lvl6pPr>
-      <a:lvl7pPr lvl="6" marR="0" rtl="0" algn="l">
+      <a:lvl7pPr marR="0" lvl="6" algn="l" rtl="0">
         <a:lnSpc>
           <a:spcPct val="100000"/>
         </a:lnSpc>
@@ -7373,7 +7089,7 @@
           <a:srgbClr val="000000"/>
         </a:buClr>
         <a:buFont typeface="Arial"/>
-        <a:defRPr b="0" i="0" sz="1400" u="none" cap="none" strike="noStrike">
+        <a:defRPr sz="1400" b="0" i="0" u="none" strike="noStrike" cap="none">
           <a:solidFill>
             <a:srgbClr val="000000"/>
           </a:solidFill>
@@ -7383,7 +7099,7 @@
           <a:sym typeface="Arial"/>
         </a:defRPr>
       </a:lvl7pPr>
-      <a:lvl8pPr lvl="7" marR="0" rtl="0" algn="l">
+      <a:lvl8pPr marR="0" lvl="7" algn="l" rtl="0">
         <a:lnSpc>
           <a:spcPct val="100000"/>
         </a:lnSpc>
@@ -7397,7 +7113,7 @@
           <a:srgbClr val="000000"/>
         </a:buClr>
         <a:buFont typeface="Arial"/>
-        <a:defRPr b="0" i="0" sz="1400" u="none" cap="none" strike="noStrike">
+        <a:defRPr sz="1400" b="0" i="0" u="none" strike="noStrike" cap="none">
           <a:solidFill>
             <a:srgbClr val="000000"/>
           </a:solidFill>
@@ -7407,7 +7123,7 @@
           <a:sym typeface="Arial"/>
         </a:defRPr>
       </a:lvl8pPr>
-      <a:lvl9pPr lvl="8" marR="0" rtl="0" algn="l">
+      <a:lvl9pPr marR="0" lvl="8" algn="l" rtl="0">
         <a:lnSpc>
           <a:spcPct val="100000"/>
         </a:lnSpc>
@@ -7421,7 +7137,7 @@
           <a:srgbClr val="000000"/>
         </a:buClr>
         <a:buFont typeface="Arial"/>
-        <a:defRPr b="0" i="0" sz="1400" u="none" cap="none" strike="noStrike">
+        <a:defRPr sz="1400" b="0" i="0" u="none" strike="noStrike" cap="none">
           <a:solidFill>
             <a:srgbClr val="000000"/>
           </a:solidFill>
@@ -7437,11 +7153,11 @@
 </file>
 
 <file path=ppt/slides/slide1.xml><?xml version="1.0" encoding="utf-8"?>
-<p:sld xmlns:a="http://schemas.openxmlformats.org/drawingml/2006/main" xmlns:r="http://schemas.openxmlformats.org/officeDocument/2006/relationships" xmlns:mc="http://schemas.openxmlformats.org/markup-compatibility/2006" xmlns:mv="urn:schemas-microsoft-com:mac:vml" xmlns:p="http://schemas.openxmlformats.org/presentationml/2006/main" xmlns:c="http://schemas.openxmlformats.org/drawingml/2006/chart" xmlns:dgm="http://schemas.openxmlformats.org/drawingml/2006/diagram" xmlns:o="urn:schemas-microsoft-com:office:office" xmlns:v="urn:schemas-microsoft-com:vml" xmlns:pvml="urn:schemas-microsoft-com:office:powerpoint" xmlns:com="http://schemas.openxmlformats.org/drawingml/2006/compatibility" xmlns:p14="http://schemas.microsoft.com/office/powerpoint/2010/main" xmlns:p15="http://schemas.microsoft.com/office/powerpoint/2012/main" xmlns:ahyp="http://schemas.microsoft.com/office/drawing/2018/hyperlinkcolor">
+<p:sld xmlns:a="http://schemas.openxmlformats.org/drawingml/2006/main" xmlns:r="http://schemas.openxmlformats.org/officeDocument/2006/relationships" xmlns:p="http://schemas.openxmlformats.org/presentationml/2006/main">
   <p:cSld>
     <p:spTree>
       <p:nvGrpSpPr>
-        <p:cNvPr id="60" name="Shape 60"/>
+        <p:cNvPr id="1" name="Shape 66"/>
         <p:cNvGrpSpPr/>
         <p:nvPr/>
       </p:nvGrpSpPr>
@@ -7455,28 +7171,30 @@
       </p:grpSpPr>
       <p:sp>
         <p:nvSpPr>
-          <p:cNvPr id="61" name="Google Shape;61;p14"/>
-          <p:cNvSpPr txBox="1"/>
+          <p:cNvPr id="67" name="Google Shape;67;p15"/>
+          <p:cNvSpPr txBox="1">
+            <a:spLocks noGrp="1"/>
+          </p:cNvSpPr>
           <p:nvPr>
-            <p:ph type="ctrTitle"/>
+            <p:ph type="title"/>
           </p:nvPr>
         </p:nvSpPr>
         <p:spPr>
           <a:xfrm>
-            <a:off x="311708" y="744575"/>
-            <a:ext cx="8520600" cy="2052600"/>
+            <a:off x="311700" y="445025"/>
+            <a:ext cx="8520600" cy="572700"/>
           </a:xfrm>
           <a:prstGeom prst="rect">
             <a:avLst/>
           </a:prstGeom>
         </p:spPr>
         <p:txBody>
-          <a:bodyPr anchorCtr="0" anchor="b" bIns="91425" lIns="91425" spcFirstLastPara="1" rIns="91425" wrap="square" tIns="91425">
-            <a:normAutofit/>
+          <a:bodyPr spcFirstLastPara="1" wrap="square" lIns="91425" tIns="91425" rIns="91425" bIns="91425" anchor="t" anchorCtr="0">
+            <a:normAutofit fontScale="90000"/>
           </a:bodyPr>
           <a:lstStyle/>
           <a:p>
-            <a:pPr indent="0" lvl="0" marL="0" rtl="0" algn="ctr">
+            <a:pPr marL="0" lvl="0" indent="0" algn="l" rtl="0">
               <a:spcBef>
                 <a:spcPts val="0"/>
               </a:spcBef>
@@ -7486,7 +7204,8 @@
               <a:buNone/>
             </a:pPr>
             <a:r>
-              <a:t/>
+              <a:rPr lang="en"/>
+              <a:t>CloudTrail</a:t>
             </a:r>
             <a:endParaRPr/>
           </a:p>
@@ -7494,39 +7213,38 @@
       </p:sp>
       <p:sp>
         <p:nvSpPr>
-          <p:cNvPr id="62" name="Google Shape;62;p14"/>
-          <p:cNvSpPr txBox="1"/>
+          <p:cNvPr id="68" name="Google Shape;68;p15"/>
+          <p:cNvSpPr txBox="1">
+            <a:spLocks noGrp="1"/>
+          </p:cNvSpPr>
           <p:nvPr>
-            <p:ph idx="1" type="subTitle"/>
+            <p:ph type="body" idx="1"/>
           </p:nvPr>
         </p:nvSpPr>
         <p:spPr>
           <a:xfrm>
-            <a:off x="311700" y="2834125"/>
-            <a:ext cx="8520600" cy="792600"/>
+            <a:off x="311700" y="1152475"/>
+            <a:ext cx="8520600" cy="3416400"/>
           </a:xfrm>
           <a:prstGeom prst="rect">
             <a:avLst/>
           </a:prstGeom>
         </p:spPr>
         <p:txBody>
-          <a:bodyPr anchorCtr="0" anchor="t" bIns="91425" lIns="91425" spcFirstLastPara="1" rIns="91425" wrap="square" tIns="91425">
+          <a:bodyPr spcFirstLastPara="1" wrap="square" lIns="91425" tIns="91425" rIns="91425" bIns="91425" anchor="t" anchorCtr="0">
             <a:normAutofit/>
           </a:bodyPr>
           <a:lstStyle/>
           <a:p>
-            <a:pPr indent="0" lvl="0" marL="0" rtl="0" algn="ctr">
-              <a:spcBef>
-                <a:spcPts val="0"/>
-              </a:spcBef>
-              <a:spcAft>
-                <a:spcPts val="0"/>
+            <a:pPr marL="0" lvl="0" indent="0" algn="l" rtl="0">
+              <a:spcBef>
+                <a:spcPts val="0"/>
+              </a:spcBef>
+              <a:spcAft>
+                <a:spcPts val="1200"/>
               </a:spcAft>
               <a:buNone/>
             </a:pPr>
-            <a:r>
-              <a:t/>
-            </a:r>
             <a:endParaRPr/>
           </a:p>
         </p:txBody>
@@ -7540,11 +7258,11 @@
 </file>
 
 <file path=ppt/slides/slide10.xml><?xml version="1.0" encoding="utf-8"?>
-<p:sld xmlns:a="http://schemas.openxmlformats.org/drawingml/2006/main" xmlns:r="http://schemas.openxmlformats.org/officeDocument/2006/relationships" xmlns:mc="http://schemas.openxmlformats.org/markup-compatibility/2006" xmlns:mv="urn:schemas-microsoft-com:mac:vml" xmlns:p="http://schemas.openxmlformats.org/presentationml/2006/main" xmlns:c="http://schemas.openxmlformats.org/drawingml/2006/chart" xmlns:dgm="http://schemas.openxmlformats.org/drawingml/2006/diagram" xmlns:o="urn:schemas-microsoft-com:office:office" xmlns:v="urn:schemas-microsoft-com:vml" xmlns:pvml="urn:schemas-microsoft-com:office:powerpoint" xmlns:com="http://schemas.openxmlformats.org/drawingml/2006/compatibility" xmlns:p14="http://schemas.microsoft.com/office/powerpoint/2010/main" xmlns:p15="http://schemas.microsoft.com/office/powerpoint/2012/main" xmlns:ahyp="http://schemas.microsoft.com/office/drawing/2018/hyperlinkcolor">
+<p:sld xmlns:a="http://schemas.openxmlformats.org/drawingml/2006/main" xmlns:r="http://schemas.openxmlformats.org/officeDocument/2006/relationships" xmlns:p="http://schemas.openxmlformats.org/presentationml/2006/main">
   <p:cSld>
     <p:spTree>
       <p:nvGrpSpPr>
-        <p:cNvPr id="123" name="Shape 123"/>
+        <p:cNvPr id="1" name="Shape 130"/>
         <p:cNvGrpSpPr/>
         <p:nvPr/>
       </p:nvGrpSpPr>
@@ -7558,8 +7276,10 @@
       </p:grpSpPr>
       <p:sp>
         <p:nvSpPr>
-          <p:cNvPr id="124" name="Google Shape;124;p23"/>
-          <p:cNvSpPr txBox="1"/>
+          <p:cNvPr id="131" name="Google Shape;131;p24"/>
+          <p:cNvSpPr txBox="1">
+            <a:spLocks noGrp="1"/>
+          </p:cNvSpPr>
           <p:nvPr>
             <p:ph type="title"/>
           </p:nvPr>
@@ -7578,386 +7298,12 @@
           </a:ln>
         </p:spPr>
         <p:txBody>
-          <a:bodyPr anchorCtr="0" anchor="ctr" bIns="34275" lIns="68575" spcFirstLastPara="1" rIns="68575" wrap="square" tIns="34275">
+          <a:bodyPr spcFirstLastPara="1" wrap="square" lIns="68575" tIns="34275" rIns="68575" bIns="34275" anchor="ctr" anchorCtr="0">
             <a:normAutofit/>
           </a:bodyPr>
           <a:lstStyle/>
           <a:p>
-            <a:pPr indent="0" lvl="0" marL="0" rtl="0" algn="l">
-              <a:lnSpc>
-                <a:spcPct val="90000"/>
-              </a:lnSpc>
-              <a:spcBef>
-                <a:spcPts val="0"/>
-              </a:spcBef>
-              <a:spcAft>
-                <a:spcPts val="0"/>
-              </a:spcAft>
-              <a:buClr>
-                <a:schemeClr val="dk1"/>
-              </a:buClr>
-              <a:buSzPts val="3300"/>
-              <a:buFont typeface="Calibri"/>
-              <a:buNone/>
-            </a:pPr>
-            <a:r>
-              <a:rPr lang="en" sz="2400">
-                <a:latin typeface="Economica"/>
-                <a:ea typeface="Economica"/>
-                <a:cs typeface="Economica"/>
-                <a:sym typeface="Economica"/>
-              </a:rPr>
-              <a:t>CloudTrail - Best practices (Trail for all regions)</a:t>
-            </a:r>
-            <a:endParaRPr sz="2400">
-              <a:latin typeface="Economica"/>
-              <a:ea typeface="Economica"/>
-              <a:cs typeface="Economica"/>
-              <a:sym typeface="Economica"/>
-            </a:endParaRPr>
-          </a:p>
-        </p:txBody>
-      </p:sp>
-      <p:sp>
-        <p:nvSpPr>
-          <p:cNvPr id="125" name="Google Shape;125;p23"/>
-          <p:cNvSpPr txBox="1"/>
-          <p:nvPr>
-            <p:ph idx="1" type="body"/>
-          </p:nvPr>
-        </p:nvSpPr>
-        <p:spPr>
-          <a:xfrm>
-            <a:off x="157724" y="1369219"/>
-            <a:ext cx="4178400" cy="3263400"/>
-          </a:xfrm>
-          <a:prstGeom prst="rect">
-            <a:avLst/>
-          </a:prstGeom>
-          <a:noFill/>
-          <a:ln>
-            <a:noFill/>
-          </a:ln>
-        </p:spPr>
-        <p:txBody>
-          <a:bodyPr anchorCtr="0" anchor="t" bIns="34275" lIns="68575" spcFirstLastPara="1" rIns="68575" wrap="square" tIns="34275">
-            <a:normAutofit/>
-          </a:bodyPr>
-          <a:lstStyle/>
-          <a:p>
-            <a:pPr indent="-241300" lvl="0" marL="342900" rtl="0" algn="l">
-              <a:lnSpc>
-                <a:spcPct val="115000"/>
-              </a:lnSpc>
-              <a:spcBef>
-                <a:spcPts val="0"/>
-              </a:spcBef>
-              <a:spcAft>
-                <a:spcPts val="0"/>
-              </a:spcAft>
-              <a:buSzPts val="1200"/>
-              <a:buFont typeface="Arial"/>
-              <a:buChar char="●"/>
-            </a:pPr>
-            <a:r>
-              <a:rPr lang="en" sz="1200">
-                <a:latin typeface="Arial"/>
-                <a:ea typeface="Arial"/>
-                <a:cs typeface="Arial"/>
-                <a:sym typeface="Arial"/>
-              </a:rPr>
-              <a:t>Use CloudTrail provided “</a:t>
-            </a:r>
-            <a:r>
-              <a:rPr b="1" lang="en" sz="1200">
-                <a:latin typeface="Arial"/>
-                <a:ea typeface="Arial"/>
-                <a:cs typeface="Arial"/>
-                <a:sym typeface="Arial"/>
-              </a:rPr>
-              <a:t>Enable trail for all regions</a:t>
-            </a:r>
-            <a:r>
-              <a:rPr lang="en" sz="1200">
-                <a:latin typeface="Arial"/>
-                <a:ea typeface="Arial"/>
-                <a:cs typeface="Arial"/>
-                <a:sym typeface="Arial"/>
-              </a:rPr>
-              <a:t>” in an account</a:t>
-            </a:r>
-            <a:endParaRPr sz="1200">
-              <a:latin typeface="Arial"/>
-              <a:ea typeface="Arial"/>
-              <a:cs typeface="Arial"/>
-              <a:sym typeface="Arial"/>
-            </a:endParaRPr>
-          </a:p>
-          <a:p>
-            <a:pPr indent="-241300" lvl="0" marL="342900" rtl="0" algn="l">
-              <a:lnSpc>
-                <a:spcPct val="115000"/>
-              </a:lnSpc>
-              <a:spcBef>
-                <a:spcPts val="0"/>
-              </a:spcBef>
-              <a:spcAft>
-                <a:spcPts val="0"/>
-              </a:spcAft>
-              <a:buSzPts val="1200"/>
-              <a:buFont typeface="Arial"/>
-              <a:buChar char="●"/>
-            </a:pPr>
-            <a:r>
-              <a:rPr lang="en" sz="1200">
-                <a:latin typeface="Arial"/>
-                <a:ea typeface="Arial"/>
-                <a:cs typeface="Arial"/>
-                <a:sym typeface="Arial"/>
-              </a:rPr>
-              <a:t>Centrally </a:t>
-            </a:r>
-            <a:r>
-              <a:rPr b="1" lang="en" sz="1200">
-                <a:latin typeface="Arial"/>
-                <a:ea typeface="Arial"/>
-                <a:cs typeface="Arial"/>
-                <a:sym typeface="Arial"/>
-              </a:rPr>
-              <a:t>manage configuration</a:t>
-            </a:r>
-            <a:endParaRPr b="1" sz="1200">
-              <a:latin typeface="Arial"/>
-              <a:ea typeface="Arial"/>
-              <a:cs typeface="Arial"/>
-              <a:sym typeface="Arial"/>
-            </a:endParaRPr>
-          </a:p>
-          <a:p>
-            <a:pPr indent="-241300" lvl="0" marL="342900" rtl="0" algn="l">
-              <a:lnSpc>
-                <a:spcPct val="115000"/>
-              </a:lnSpc>
-              <a:spcBef>
-                <a:spcPts val="0"/>
-              </a:spcBef>
-              <a:spcAft>
-                <a:spcPts val="0"/>
-              </a:spcAft>
-              <a:buSzPts val="1200"/>
-              <a:buFont typeface="Arial"/>
-              <a:buChar char="●"/>
-            </a:pPr>
-            <a:r>
-              <a:rPr lang="en" sz="1200">
-                <a:latin typeface="Arial"/>
-                <a:ea typeface="Arial"/>
-                <a:cs typeface="Arial"/>
-                <a:sym typeface="Arial"/>
-              </a:rPr>
-              <a:t>Automatically </a:t>
-            </a:r>
-            <a:r>
-              <a:rPr b="1" lang="en" sz="1200">
-                <a:latin typeface="Arial"/>
-                <a:ea typeface="Arial"/>
-                <a:cs typeface="Arial"/>
-                <a:sym typeface="Arial"/>
-              </a:rPr>
-              <a:t>handle new regions</a:t>
-            </a:r>
-            <a:endParaRPr b="1" sz="1200">
-              <a:latin typeface="Arial"/>
-              <a:ea typeface="Arial"/>
-              <a:cs typeface="Arial"/>
-              <a:sym typeface="Arial"/>
-            </a:endParaRPr>
-          </a:p>
-          <a:p>
-            <a:pPr indent="-241300" lvl="0" marL="342900" rtl="0" algn="l">
-              <a:lnSpc>
-                <a:spcPct val="115000"/>
-              </a:lnSpc>
-              <a:spcBef>
-                <a:spcPts val="0"/>
-              </a:spcBef>
-              <a:spcAft>
-                <a:spcPts val="0"/>
-              </a:spcAft>
-              <a:buSzPts val="1200"/>
-              <a:buFont typeface="Arial"/>
-              <a:buChar char="●"/>
-            </a:pPr>
-            <a:r>
-              <a:rPr lang="en" sz="1200">
-                <a:latin typeface="Arial"/>
-                <a:ea typeface="Arial"/>
-                <a:cs typeface="Arial"/>
-                <a:sym typeface="Arial"/>
-              </a:rPr>
-              <a:t>Consolidate to single </a:t>
-            </a:r>
-            <a:r>
-              <a:rPr b="1" lang="en" sz="1200">
-                <a:latin typeface="Arial"/>
-                <a:ea typeface="Arial"/>
-                <a:cs typeface="Arial"/>
-                <a:sym typeface="Arial"/>
-              </a:rPr>
-              <a:t>S3 bucket, Log Group</a:t>
-            </a:r>
-            <a:endParaRPr b="1" sz="1200">
-              <a:latin typeface="Arial"/>
-              <a:ea typeface="Arial"/>
-              <a:cs typeface="Arial"/>
-              <a:sym typeface="Arial"/>
-            </a:endParaRPr>
-          </a:p>
-          <a:p>
-            <a:pPr indent="-241300" lvl="0" marL="342900" rtl="0" algn="l">
-              <a:lnSpc>
-                <a:spcPct val="115000"/>
-              </a:lnSpc>
-              <a:spcBef>
-                <a:spcPts val="0"/>
-              </a:spcBef>
-              <a:spcAft>
-                <a:spcPts val="0"/>
-              </a:spcAft>
-              <a:buSzPts val="1200"/>
-              <a:buFont typeface="Arial"/>
-              <a:buChar char="●"/>
-            </a:pPr>
-            <a:r>
-              <a:rPr lang="en" sz="1200">
-                <a:latin typeface="Arial"/>
-                <a:ea typeface="Arial"/>
-                <a:cs typeface="Arial"/>
-                <a:sym typeface="Arial"/>
-              </a:rPr>
-              <a:t>Monitor for activity in unused regions</a:t>
-            </a:r>
-            <a:endParaRPr sz="1200">
-              <a:latin typeface="Arial"/>
-              <a:ea typeface="Arial"/>
-              <a:cs typeface="Arial"/>
-              <a:sym typeface="Arial"/>
-            </a:endParaRPr>
-          </a:p>
-          <a:p>
-            <a:pPr indent="-241300" lvl="0" marL="342900" rtl="0" algn="l">
-              <a:lnSpc>
-                <a:spcPct val="115000"/>
-              </a:lnSpc>
-              <a:spcBef>
-                <a:spcPts val="0"/>
-              </a:spcBef>
-              <a:spcAft>
-                <a:spcPts val="0"/>
-              </a:spcAft>
-              <a:buSzPts val="1200"/>
-              <a:buFont typeface="Arial"/>
-              <a:buChar char="●"/>
-            </a:pPr>
-            <a:r>
-              <a:rPr lang="en" sz="1200">
-                <a:latin typeface="Arial"/>
-                <a:ea typeface="Arial"/>
-                <a:cs typeface="Arial"/>
-                <a:sym typeface="Arial"/>
-              </a:rPr>
-              <a:t>CloudTrail log file integrity</a:t>
-            </a:r>
-            <a:endParaRPr sz="1200">
-              <a:latin typeface="Arial"/>
-              <a:ea typeface="Arial"/>
-              <a:cs typeface="Arial"/>
-              <a:sym typeface="Arial"/>
-            </a:endParaRPr>
-          </a:p>
-        </p:txBody>
-      </p:sp>
-      <p:pic>
-        <p:nvPicPr>
-          <p:cNvPr id="126" name="Google Shape;126;p23"/>
-          <p:cNvPicPr preferRelativeResize="0"/>
-          <p:nvPr/>
-        </p:nvPicPr>
-        <p:blipFill>
-          <a:blip r:embed="rId3">
-            <a:alphaModFix/>
-          </a:blip>
-          <a:stretch>
-            <a:fillRect/>
-          </a:stretch>
-        </p:blipFill>
-        <p:spPr>
-          <a:xfrm>
-            <a:off x="4588275" y="1369219"/>
-            <a:ext cx="3927074" cy="2515269"/>
-          </a:xfrm>
-          <a:prstGeom prst="rect">
-            <a:avLst/>
-          </a:prstGeom>
-          <a:noFill/>
-          <a:ln>
-            <a:noFill/>
-          </a:ln>
-        </p:spPr>
-      </p:pic>
-    </p:spTree>
-  </p:cSld>
-  <p:clrMapOvr>
-    <a:masterClrMapping/>
-  </p:clrMapOvr>
-</p:sld>
-</file>
-
-<file path=ppt/slides/slide11.xml><?xml version="1.0" encoding="utf-8"?>
-<p:sld xmlns:a="http://schemas.openxmlformats.org/drawingml/2006/main" xmlns:r="http://schemas.openxmlformats.org/officeDocument/2006/relationships" xmlns:mc="http://schemas.openxmlformats.org/markup-compatibility/2006" xmlns:mv="urn:schemas-microsoft-com:mac:vml" xmlns:p="http://schemas.openxmlformats.org/presentationml/2006/main" xmlns:c="http://schemas.openxmlformats.org/drawingml/2006/chart" xmlns:dgm="http://schemas.openxmlformats.org/drawingml/2006/diagram" xmlns:o="urn:schemas-microsoft-com:office:office" xmlns:v="urn:schemas-microsoft-com:vml" xmlns:pvml="urn:schemas-microsoft-com:office:powerpoint" xmlns:com="http://schemas.openxmlformats.org/drawingml/2006/compatibility" xmlns:p14="http://schemas.microsoft.com/office/powerpoint/2010/main" xmlns:p15="http://schemas.microsoft.com/office/powerpoint/2012/main" xmlns:ahyp="http://schemas.microsoft.com/office/drawing/2018/hyperlinkcolor">
-  <p:cSld>
-    <p:spTree>
-      <p:nvGrpSpPr>
-        <p:cNvPr id="130" name="Shape 130"/>
-        <p:cNvGrpSpPr/>
-        <p:nvPr/>
-      </p:nvGrpSpPr>
-      <p:grpSpPr>
-        <a:xfrm>
-          <a:off x="0" y="0"/>
-          <a:ext cx="0" cy="0"/>
-          <a:chOff x="0" y="0"/>
-          <a:chExt cx="0" cy="0"/>
-        </a:xfrm>
-      </p:grpSpPr>
-      <p:sp>
-        <p:nvSpPr>
-          <p:cNvPr id="131" name="Google Shape;131;p24"/>
-          <p:cNvSpPr txBox="1"/>
-          <p:nvPr>
-            <p:ph type="title"/>
-          </p:nvPr>
-        </p:nvSpPr>
-        <p:spPr>
-          <a:xfrm>
-            <a:off x="471488" y="205383"/>
-            <a:ext cx="5915100" cy="745800"/>
-          </a:xfrm>
-          <a:prstGeom prst="rect">
-            <a:avLst/>
-          </a:prstGeom>
-          <a:noFill/>
-          <a:ln>
-            <a:noFill/>
-          </a:ln>
-        </p:spPr>
-        <p:txBody>
-          <a:bodyPr anchorCtr="0" anchor="ctr" bIns="34275" lIns="68575" spcFirstLastPara="1" rIns="68575" wrap="square" tIns="34275">
-            <a:normAutofit/>
-          </a:bodyPr>
-          <a:lstStyle/>
-          <a:p>
-            <a:pPr indent="0" lvl="0" marL="0" rtl="0" algn="l">
+            <a:pPr marL="0" lvl="0" indent="0" algn="l" rtl="0">
               <a:lnSpc>
                 <a:spcPct val="90000"/>
               </a:lnSpc>
@@ -7995,9 +7341,11 @@
       <p:sp>
         <p:nvSpPr>
           <p:cNvPr id="132" name="Google Shape;132;p24"/>
-          <p:cNvSpPr txBox="1"/>
+          <p:cNvSpPr txBox="1">
+            <a:spLocks noGrp="1"/>
+          </p:cNvSpPr>
           <p:nvPr>
-            <p:ph idx="1" type="body"/>
+            <p:ph type="body" idx="1"/>
           </p:nvPr>
         </p:nvSpPr>
         <p:spPr>
@@ -8014,12 +7362,12 @@
           </a:ln>
         </p:spPr>
         <p:txBody>
-          <a:bodyPr anchorCtr="0" anchor="t" bIns="34275" lIns="68575" spcFirstLastPara="1" rIns="68575" wrap="square" tIns="34275">
+          <a:bodyPr spcFirstLastPara="1" wrap="square" lIns="68575" tIns="34275" rIns="68575" bIns="34275" anchor="t" anchorCtr="0">
             <a:normAutofit/>
           </a:bodyPr>
           <a:lstStyle/>
           <a:p>
-            <a:pPr indent="-241300" lvl="0" marL="342900" rtl="0" algn="l">
+            <a:pPr marL="342900" lvl="0" indent="-241300" algn="l" rtl="0">
               <a:lnSpc>
                 <a:spcPct val="115000"/>
               </a:lnSpc>
@@ -8050,7 +7398,7 @@
             </a:endParaRPr>
           </a:p>
           <a:p>
-            <a:pPr indent="-241300" lvl="0" marL="342900" rtl="0" algn="l">
+            <a:pPr marL="342900" lvl="0" indent="-241300" algn="l" rtl="0">
               <a:lnSpc>
                 <a:spcPct val="115000"/>
               </a:lnSpc>
@@ -8081,7 +7429,7 @@
             </a:endParaRPr>
           </a:p>
           <a:p>
-            <a:pPr indent="-241300" lvl="0" marL="342900" rtl="0" algn="l">
+            <a:pPr marL="342900" lvl="0" indent="-241300" algn="l" rtl="0">
               <a:lnSpc>
                 <a:spcPct val="115000"/>
               </a:lnSpc>
@@ -8112,7 +7460,7 @@
             </a:endParaRPr>
           </a:p>
           <a:p>
-            <a:pPr indent="-241300" lvl="0" marL="342900" rtl="0" algn="l">
+            <a:pPr marL="342900" lvl="0" indent="-241300" algn="l" rtl="0">
               <a:lnSpc>
                 <a:spcPct val="115000"/>
               </a:lnSpc>
@@ -8143,7 +7491,7 @@
             </a:endParaRPr>
           </a:p>
           <a:p>
-            <a:pPr indent="-241300" lvl="0" marL="342900" rtl="0" algn="l">
+            <a:pPr marL="342900" lvl="0" indent="-241300" algn="l" rtl="0">
               <a:lnSpc>
                 <a:spcPct val="115000"/>
               </a:lnSpc>
@@ -8174,7 +7522,7 @@
             </a:endParaRPr>
           </a:p>
           <a:p>
-            <a:pPr indent="-241300" lvl="0" marL="342900" rtl="0" algn="l">
+            <a:pPr marL="342900" lvl="0" indent="-241300" algn="l" rtl="0">
               <a:lnSpc>
                 <a:spcPct val="115000"/>
               </a:lnSpc>
@@ -8242,12 +7590,12 @@
 </p:sld>
 </file>
 
-<file path=ppt/slides/slide12.xml><?xml version="1.0" encoding="utf-8"?>
-<p:sld xmlns:a="http://schemas.openxmlformats.org/drawingml/2006/main" xmlns:r="http://schemas.openxmlformats.org/officeDocument/2006/relationships" xmlns:mc="http://schemas.openxmlformats.org/markup-compatibility/2006" xmlns:mv="urn:schemas-microsoft-com:mac:vml" xmlns:p="http://schemas.openxmlformats.org/presentationml/2006/main" xmlns:c="http://schemas.openxmlformats.org/drawingml/2006/chart" xmlns:dgm="http://schemas.openxmlformats.org/drawingml/2006/diagram" xmlns:o="urn:schemas-microsoft-com:office:office" xmlns:v="urn:schemas-microsoft-com:vml" xmlns:pvml="urn:schemas-microsoft-com:office:powerpoint" xmlns:com="http://schemas.openxmlformats.org/drawingml/2006/compatibility" xmlns:p14="http://schemas.microsoft.com/office/powerpoint/2010/main" xmlns:p15="http://schemas.microsoft.com/office/powerpoint/2012/main" xmlns:ahyp="http://schemas.microsoft.com/office/drawing/2018/hyperlinkcolor">
+<file path=ppt/slides/slide11.xml><?xml version="1.0" encoding="utf-8"?>
+<p:sld xmlns:a="http://schemas.openxmlformats.org/drawingml/2006/main" xmlns:r="http://schemas.openxmlformats.org/officeDocument/2006/relationships" xmlns:p="http://schemas.openxmlformats.org/presentationml/2006/main">
   <p:cSld>
     <p:spTree>
       <p:nvGrpSpPr>
-        <p:cNvPr id="137" name="Shape 137"/>
+        <p:cNvPr id="1" name="Shape 137"/>
         <p:cNvGrpSpPr/>
         <p:nvPr/>
       </p:nvGrpSpPr>
@@ -8262,7 +7610,9 @@
       <p:sp>
         <p:nvSpPr>
           <p:cNvPr id="138" name="Google Shape;138;p25"/>
-          <p:cNvSpPr txBox="1"/>
+          <p:cNvSpPr txBox="1">
+            <a:spLocks noGrp="1"/>
+          </p:cNvSpPr>
           <p:nvPr>
             <p:ph type="title"/>
           </p:nvPr>
@@ -8281,12 +7631,12 @@
           </a:ln>
         </p:spPr>
         <p:txBody>
-          <a:bodyPr anchorCtr="0" anchor="ctr" bIns="34275" lIns="68575" spcFirstLastPara="1" rIns="68575" wrap="square" tIns="34275">
+          <a:bodyPr spcFirstLastPara="1" wrap="square" lIns="68575" tIns="34275" rIns="68575" bIns="34275" anchor="ctr" anchorCtr="0">
             <a:normAutofit/>
           </a:bodyPr>
           <a:lstStyle/>
           <a:p>
-            <a:pPr indent="0" lvl="0" marL="0" rtl="0" algn="l">
+            <a:pPr marL="0" lvl="0" indent="0" algn="l" rtl="0">
               <a:lnSpc>
                 <a:spcPct val="90000"/>
               </a:lnSpc>
@@ -8324,9 +7674,11 @@
       <p:sp>
         <p:nvSpPr>
           <p:cNvPr id="139" name="Google Shape;139;p25"/>
-          <p:cNvSpPr txBox="1"/>
+          <p:cNvSpPr txBox="1">
+            <a:spLocks noGrp="1"/>
+          </p:cNvSpPr>
           <p:nvPr>
-            <p:ph idx="1" type="body"/>
+            <p:ph type="body" idx="1"/>
           </p:nvPr>
         </p:nvSpPr>
         <p:spPr>
@@ -8343,12 +7695,12 @@
           </a:ln>
         </p:spPr>
         <p:txBody>
-          <a:bodyPr anchorCtr="0" anchor="t" bIns="34275" lIns="68575" spcFirstLastPara="1" rIns="68575" wrap="square" tIns="34275">
+          <a:bodyPr spcFirstLastPara="1" wrap="square" lIns="68575" tIns="34275" rIns="68575" bIns="34275" anchor="t" anchorCtr="0">
             <a:normAutofit/>
           </a:bodyPr>
           <a:lstStyle/>
           <a:p>
-            <a:pPr indent="-241300" lvl="0" marL="342900" rtl="0" algn="l">
+            <a:pPr marL="342900" lvl="0" indent="-241300" algn="l" rtl="0">
               <a:lnSpc>
                 <a:spcPct val="100000"/>
               </a:lnSpc>
@@ -8379,7 +7731,7 @@
             </a:endParaRPr>
           </a:p>
           <a:p>
-            <a:pPr indent="-241300" lvl="0" marL="342900" rtl="0" algn="l">
+            <a:pPr marL="342900" lvl="0" indent="-241300" algn="l" rtl="0">
               <a:lnSpc>
                 <a:spcPct val="100000"/>
               </a:lnSpc>
@@ -8410,7 +7762,7 @@
             </a:endParaRPr>
           </a:p>
           <a:p>
-            <a:pPr indent="-241300" lvl="0" marL="342900" rtl="0" algn="l">
+            <a:pPr marL="342900" lvl="0" indent="-241300" algn="l" rtl="0">
               <a:lnSpc>
                 <a:spcPct val="100000"/>
               </a:lnSpc>
@@ -8479,115 +7831,11 @@
 </file>
 
 <file path=ppt/slides/slide2.xml><?xml version="1.0" encoding="utf-8"?>
-<p:sld xmlns:a="http://schemas.openxmlformats.org/drawingml/2006/main" xmlns:r="http://schemas.openxmlformats.org/officeDocument/2006/relationships" xmlns:mc="http://schemas.openxmlformats.org/markup-compatibility/2006" xmlns:mv="urn:schemas-microsoft-com:mac:vml" xmlns:p="http://schemas.openxmlformats.org/presentationml/2006/main" xmlns:c="http://schemas.openxmlformats.org/drawingml/2006/chart" xmlns:dgm="http://schemas.openxmlformats.org/drawingml/2006/diagram" xmlns:o="urn:schemas-microsoft-com:office:office" xmlns:v="urn:schemas-microsoft-com:vml" xmlns:pvml="urn:schemas-microsoft-com:office:powerpoint" xmlns:com="http://schemas.openxmlformats.org/drawingml/2006/compatibility" xmlns:p14="http://schemas.microsoft.com/office/powerpoint/2010/main" xmlns:p15="http://schemas.microsoft.com/office/powerpoint/2012/main" xmlns:ahyp="http://schemas.microsoft.com/office/drawing/2018/hyperlinkcolor">
+<p:sld xmlns:a="http://schemas.openxmlformats.org/drawingml/2006/main" xmlns:r="http://schemas.openxmlformats.org/officeDocument/2006/relationships" xmlns:p="http://schemas.openxmlformats.org/presentationml/2006/main">
   <p:cSld>
     <p:spTree>
       <p:nvGrpSpPr>
-        <p:cNvPr id="66" name="Shape 66"/>
-        <p:cNvGrpSpPr/>
-        <p:nvPr/>
-      </p:nvGrpSpPr>
-      <p:grpSpPr>
-        <a:xfrm>
-          <a:off x="0" y="0"/>
-          <a:ext cx="0" cy="0"/>
-          <a:chOff x="0" y="0"/>
-          <a:chExt cx="0" cy="0"/>
-        </a:xfrm>
-      </p:grpSpPr>
-      <p:sp>
-        <p:nvSpPr>
-          <p:cNvPr id="67" name="Google Shape;67;p15"/>
-          <p:cNvSpPr txBox="1"/>
-          <p:nvPr>
-            <p:ph type="title"/>
-          </p:nvPr>
-        </p:nvSpPr>
-        <p:spPr>
-          <a:xfrm>
-            <a:off x="311700" y="445025"/>
-            <a:ext cx="8520600" cy="572700"/>
-          </a:xfrm>
-          <a:prstGeom prst="rect">
-            <a:avLst/>
-          </a:prstGeom>
-        </p:spPr>
-        <p:txBody>
-          <a:bodyPr anchorCtr="0" anchor="t" bIns="91425" lIns="91425" spcFirstLastPara="1" rIns="91425" wrap="square" tIns="91425">
-            <a:normAutofit fontScale="90000"/>
-          </a:bodyPr>
-          <a:lstStyle/>
-          <a:p>
-            <a:pPr indent="0" lvl="0" marL="0" rtl="0" algn="l">
-              <a:spcBef>
-                <a:spcPts val="0"/>
-              </a:spcBef>
-              <a:spcAft>
-                <a:spcPts val="0"/>
-              </a:spcAft>
-              <a:buNone/>
-            </a:pPr>
-            <a:r>
-              <a:rPr lang="en"/>
-              <a:t>CloudTrail</a:t>
-            </a:r>
-            <a:endParaRPr/>
-          </a:p>
-        </p:txBody>
-      </p:sp>
-      <p:sp>
-        <p:nvSpPr>
-          <p:cNvPr id="68" name="Google Shape;68;p15"/>
-          <p:cNvSpPr txBox="1"/>
-          <p:nvPr>
-            <p:ph idx="1" type="body"/>
-          </p:nvPr>
-        </p:nvSpPr>
-        <p:spPr>
-          <a:xfrm>
-            <a:off x="311700" y="1152475"/>
-            <a:ext cx="8520600" cy="3416400"/>
-          </a:xfrm>
-          <a:prstGeom prst="rect">
-            <a:avLst/>
-          </a:prstGeom>
-        </p:spPr>
-        <p:txBody>
-          <a:bodyPr anchorCtr="0" anchor="t" bIns="91425" lIns="91425" spcFirstLastPara="1" rIns="91425" wrap="square" tIns="91425">
-            <a:normAutofit/>
-          </a:bodyPr>
-          <a:lstStyle/>
-          <a:p>
-            <a:pPr indent="0" lvl="0" marL="0" rtl="0" algn="l">
-              <a:spcBef>
-                <a:spcPts val="0"/>
-              </a:spcBef>
-              <a:spcAft>
-                <a:spcPts val="1200"/>
-              </a:spcAft>
-              <a:buNone/>
-            </a:pPr>
-            <a:r>
-              <a:t/>
-            </a:r>
-            <a:endParaRPr/>
-          </a:p>
-        </p:txBody>
-      </p:sp>
-    </p:spTree>
-  </p:cSld>
-  <p:clrMapOvr>
-    <a:masterClrMapping/>
-  </p:clrMapOvr>
-</p:sld>
-</file>
-
-<file path=ppt/slides/slide3.xml><?xml version="1.0" encoding="utf-8"?>
-<p:sld xmlns:a="http://schemas.openxmlformats.org/drawingml/2006/main" xmlns:r="http://schemas.openxmlformats.org/officeDocument/2006/relationships" xmlns:mc="http://schemas.openxmlformats.org/markup-compatibility/2006" xmlns:mv="urn:schemas-microsoft-com:mac:vml" xmlns:p="http://schemas.openxmlformats.org/presentationml/2006/main" xmlns:c="http://schemas.openxmlformats.org/drawingml/2006/chart" xmlns:dgm="http://schemas.openxmlformats.org/drawingml/2006/diagram" xmlns:o="urn:schemas-microsoft-com:office:office" xmlns:v="urn:schemas-microsoft-com:vml" xmlns:pvml="urn:schemas-microsoft-com:office:powerpoint" xmlns:com="http://schemas.openxmlformats.org/drawingml/2006/compatibility" xmlns:p14="http://schemas.microsoft.com/office/powerpoint/2010/main" xmlns:p15="http://schemas.microsoft.com/office/powerpoint/2012/main" xmlns:ahyp="http://schemas.microsoft.com/office/drawing/2018/hyperlinkcolor">
-  <p:cSld>
-    <p:spTree>
-      <p:nvGrpSpPr>
-        <p:cNvPr id="72" name="Shape 72"/>
+        <p:cNvPr id="1" name="Shape 72"/>
         <p:cNvGrpSpPr/>
         <p:nvPr/>
       </p:nvGrpSpPr>
@@ -8602,7 +7850,9 @@
       <p:sp>
         <p:nvSpPr>
           <p:cNvPr id="73" name="Google Shape;73;p16"/>
-          <p:cNvSpPr txBox="1"/>
+          <p:cNvSpPr txBox="1">
+            <a:spLocks noGrp="1"/>
+          </p:cNvSpPr>
           <p:nvPr>
             <p:ph type="title"/>
           </p:nvPr>
@@ -8621,12 +7871,12 @@
           </a:ln>
         </p:spPr>
         <p:txBody>
-          <a:bodyPr anchorCtr="0" anchor="ctr" bIns="34275" lIns="68575" spcFirstLastPara="1" rIns="68575" wrap="square" tIns="34275">
+          <a:bodyPr spcFirstLastPara="1" wrap="square" lIns="68575" tIns="34275" rIns="68575" bIns="34275" anchor="ctr" anchorCtr="0">
             <a:normAutofit/>
           </a:bodyPr>
           <a:lstStyle/>
           <a:p>
-            <a:pPr indent="0" lvl="0" marL="0" rtl="0" algn="l">
+            <a:pPr marL="0" lvl="0" indent="0" algn="l" rtl="0">
               <a:lnSpc>
                 <a:spcPct val="90000"/>
               </a:lnSpc>
@@ -8664,9 +7914,11 @@
       <p:sp>
         <p:nvSpPr>
           <p:cNvPr id="74" name="Google Shape;74;p16"/>
-          <p:cNvSpPr txBox="1"/>
+          <p:cNvSpPr txBox="1">
+            <a:spLocks noGrp="1"/>
+          </p:cNvSpPr>
           <p:nvPr>
-            <p:ph idx="1" type="body"/>
+            <p:ph type="body" idx="1"/>
           </p:nvPr>
         </p:nvSpPr>
         <p:spPr>
@@ -8683,12 +7935,12 @@
           </a:ln>
         </p:spPr>
         <p:txBody>
-          <a:bodyPr anchorCtr="0" anchor="t" bIns="34275" lIns="68575" spcFirstLastPara="1" rIns="68575" wrap="square" tIns="34275">
+          <a:bodyPr spcFirstLastPara="1" wrap="square" lIns="68575" tIns="34275" rIns="68575" bIns="34275" anchor="t" anchorCtr="0">
             <a:normAutofit/>
           </a:bodyPr>
           <a:lstStyle/>
           <a:p>
-            <a:pPr indent="0" lvl="0" marL="0" rtl="0" algn="l">
+            <a:pPr marL="0" lvl="0" indent="0" algn="l" rtl="0">
               <a:lnSpc>
                 <a:spcPct val="100000"/>
               </a:lnSpc>
@@ -8705,7 +7957,7 @@
               <a:buNone/>
             </a:pPr>
             <a:r>
-              <a:rPr b="1" lang="en" sz="1200">
+              <a:rPr lang="en" sz="1200" b="1">
                 <a:latin typeface="Arial"/>
                 <a:ea typeface="Arial"/>
                 <a:cs typeface="Arial"/>
@@ -8725,7 +7977,7 @@
             <a:endParaRPr sz="1200"/>
           </a:p>
           <a:p>
-            <a:pPr indent="0" lvl="0" marL="0" rtl="0" algn="l">
+            <a:pPr marL="0" lvl="0" indent="0" algn="l" rtl="0">
               <a:lnSpc>
                 <a:spcPct val="100000"/>
               </a:lnSpc>
@@ -8751,7 +8003,7 @@
               <a:t>CloudTrail is about logging and </a:t>
             </a:r>
             <a:r>
-              <a:rPr b="1" lang="en" sz="1200">
+              <a:rPr lang="en" sz="1200" b="1">
                 <a:latin typeface="Arial"/>
                 <a:ea typeface="Arial"/>
                 <a:cs typeface="Arial"/>
@@ -8771,7 +8023,7 @@
             <a:endParaRPr sz="1200"/>
           </a:p>
           <a:p>
-            <a:pPr indent="0" lvl="0" marL="0" rtl="0" algn="l">
+            <a:pPr marL="0" lvl="0" indent="0" algn="l" rtl="0">
               <a:lnSpc>
                 <a:spcPct val="100000"/>
               </a:lnSpc>
@@ -8799,7 +8051,7 @@
             <a:endParaRPr sz="1200"/>
           </a:p>
           <a:p>
-            <a:pPr indent="0" lvl="0" marL="0" rtl="0" algn="l">
+            <a:pPr marL="0" lvl="0" indent="0" algn="l" rtl="0">
               <a:lnSpc>
                 <a:spcPct val="100000"/>
               </a:lnSpc>
@@ -8815,9 +8067,6 @@
               <a:buSzPts val="900"/>
               <a:buNone/>
             </a:pPr>
-            <a:r>
-              <a:t/>
-            </a:r>
             <a:endParaRPr sz="1200">
               <a:latin typeface="Arial"/>
               <a:ea typeface="Arial"/>
@@ -8826,7 +8075,7 @@
             </a:endParaRPr>
           </a:p>
           <a:p>
-            <a:pPr indent="0" lvl="0" marL="0" rtl="0" algn="l">
+            <a:pPr marL="0" lvl="0" indent="0" algn="l" rtl="0">
               <a:lnSpc>
                 <a:spcPct val="100000"/>
               </a:lnSpc>
@@ -8859,7 +8108,7 @@
             </a:endParaRPr>
           </a:p>
           <a:p>
-            <a:pPr indent="0" lvl="0" marL="0" rtl="0" algn="l">
+            <a:pPr marL="0" lvl="0" indent="0" algn="l" rtl="0">
               <a:lnSpc>
                 <a:spcPct val="100000"/>
               </a:lnSpc>
@@ -8896,16 +8145,18 @@
       <p:pic>
         <p:nvPicPr>
           <p:cNvPr id="75" name="Google Shape;75;p16"/>
-          <p:cNvPicPr preferRelativeResize="0"/>
+          <p:cNvPicPr preferRelativeResize="0">
+            <a:picLocks noGrp="1"/>
+          </p:cNvPicPr>
           <p:nvPr>
-            <p:ph idx="2" type="body"/>
+            <p:ph type="body" idx="2"/>
           </p:nvPr>
         </p:nvPicPr>
         <p:blipFill rotWithShape="1">
           <a:blip r:embed="rId3">
             <a:alphaModFix/>
           </a:blip>
-          <a:srcRect b="0" l="0" r="0" t="0"/>
+          <a:srcRect/>
           <a:stretch/>
         </p:blipFill>
         <p:spPr>
@@ -8930,12 +8181,12 @@
 </p:sld>
 </file>
 
-<file path=ppt/slides/slide4.xml><?xml version="1.0" encoding="utf-8"?>
-<p:sld xmlns:a="http://schemas.openxmlformats.org/drawingml/2006/main" xmlns:r="http://schemas.openxmlformats.org/officeDocument/2006/relationships" xmlns:mc="http://schemas.openxmlformats.org/markup-compatibility/2006" xmlns:mv="urn:schemas-microsoft-com:mac:vml" xmlns:p="http://schemas.openxmlformats.org/presentationml/2006/main" xmlns:c="http://schemas.openxmlformats.org/drawingml/2006/chart" xmlns:dgm="http://schemas.openxmlformats.org/drawingml/2006/diagram" xmlns:o="urn:schemas-microsoft-com:office:office" xmlns:v="urn:schemas-microsoft-com:vml" xmlns:pvml="urn:schemas-microsoft-com:office:powerpoint" xmlns:com="http://schemas.openxmlformats.org/drawingml/2006/compatibility" xmlns:p14="http://schemas.microsoft.com/office/powerpoint/2010/main" xmlns:p15="http://schemas.microsoft.com/office/powerpoint/2012/main" xmlns:ahyp="http://schemas.microsoft.com/office/drawing/2018/hyperlinkcolor">
+<file path=ppt/slides/slide3.xml><?xml version="1.0" encoding="utf-8"?>
+<p:sld xmlns:a="http://schemas.openxmlformats.org/drawingml/2006/main" xmlns:r="http://schemas.openxmlformats.org/officeDocument/2006/relationships" xmlns:p="http://schemas.openxmlformats.org/presentationml/2006/main">
   <p:cSld>
     <p:spTree>
       <p:nvGrpSpPr>
-        <p:cNvPr id="79" name="Shape 79"/>
+        <p:cNvPr id="1" name="Shape 79"/>
         <p:cNvGrpSpPr/>
         <p:nvPr/>
       </p:nvGrpSpPr>
@@ -8950,7 +8201,9 @@
       <p:sp>
         <p:nvSpPr>
           <p:cNvPr id="80" name="Google Shape;80;p17"/>
-          <p:cNvSpPr txBox="1"/>
+          <p:cNvSpPr txBox="1">
+            <a:spLocks noGrp="1"/>
+          </p:cNvSpPr>
           <p:nvPr>
             <p:ph type="title"/>
           </p:nvPr>
@@ -8969,12 +8222,12 @@
           </a:ln>
         </p:spPr>
         <p:txBody>
-          <a:bodyPr anchorCtr="0" anchor="ctr" bIns="34275" lIns="68575" spcFirstLastPara="1" rIns="68575" wrap="square" tIns="34275">
+          <a:bodyPr spcFirstLastPara="1" wrap="square" lIns="68575" tIns="34275" rIns="68575" bIns="34275" anchor="ctr" anchorCtr="0">
             <a:normAutofit/>
           </a:bodyPr>
           <a:lstStyle/>
           <a:p>
-            <a:pPr indent="0" lvl="0" marL="0" rtl="0" algn="l">
+            <a:pPr marL="0" lvl="0" indent="0" algn="l" rtl="0">
               <a:lnSpc>
                 <a:spcPct val="90000"/>
               </a:lnSpc>
@@ -9012,9 +8265,11 @@
       <p:sp>
         <p:nvSpPr>
           <p:cNvPr id="81" name="Google Shape;81;p17"/>
-          <p:cNvSpPr txBox="1"/>
+          <p:cNvSpPr txBox="1">
+            <a:spLocks noGrp="1"/>
+          </p:cNvSpPr>
           <p:nvPr>
-            <p:ph idx="1" type="body"/>
+            <p:ph type="body" idx="1"/>
           </p:nvPr>
         </p:nvSpPr>
         <p:spPr>
@@ -9031,12 +8286,12 @@
           </a:ln>
         </p:spPr>
         <p:txBody>
-          <a:bodyPr anchorCtr="0" anchor="t" bIns="34275" lIns="68575" spcFirstLastPara="1" rIns="68575" wrap="square" tIns="34275">
+          <a:bodyPr spcFirstLastPara="1" wrap="square" lIns="68575" tIns="34275" rIns="68575" bIns="34275" anchor="t" anchorCtr="0">
             <a:noAutofit/>
           </a:bodyPr>
           <a:lstStyle/>
           <a:p>
-            <a:pPr indent="0" lvl="0" marL="0" rtl="0" algn="l">
+            <a:pPr marL="0" lvl="0" indent="0" algn="l" rtl="0">
               <a:lnSpc>
                 <a:spcPct val="100000"/>
               </a:lnSpc>
@@ -9090,7 +8345,7 @@
             </a:endParaRPr>
           </a:p>
           <a:p>
-            <a:pPr indent="-190500" lvl="0" marL="177800" rtl="0" algn="l">
+            <a:pPr marL="177800" lvl="0" indent="-190500" algn="l" rtl="0">
               <a:lnSpc>
                 <a:spcPct val="100000"/>
               </a:lnSpc>
@@ -9116,7 +8371,7 @@
               <a:t>A trail that applies </a:t>
             </a:r>
             <a:r>
-              <a:rPr b="1" lang="en" sz="1200">
+              <a:rPr lang="en" sz="1200" b="1">
                 <a:latin typeface="Arial"/>
                 <a:ea typeface="Arial"/>
                 <a:cs typeface="Arial"/>
@@ -9141,7 +8396,7 @@
             </a:endParaRPr>
           </a:p>
           <a:p>
-            <a:pPr indent="-190500" lvl="0" marL="177800" rtl="0" algn="l">
+            <a:pPr marL="177800" lvl="0" indent="-190500" algn="l" rtl="0">
               <a:lnSpc>
                 <a:spcPct val="100000"/>
               </a:lnSpc>
@@ -9167,7 +8422,7 @@
               <a:t>A trail that applies </a:t>
             </a:r>
             <a:r>
-              <a:rPr b="1" lang="en" sz="1200">
+              <a:rPr lang="en" sz="1200" b="1">
                 <a:latin typeface="Arial"/>
                 <a:ea typeface="Arial"/>
                 <a:cs typeface="Arial"/>
@@ -9203,7 +8458,7 @@
           <a:blip r:embed="rId3">
             <a:alphaModFix/>
           </a:blip>
-          <a:srcRect b="0" l="0" r="0" t="0"/>
+          <a:srcRect/>
           <a:stretch/>
         </p:blipFill>
         <p:spPr>
@@ -9228,12 +8483,12 @@
 </p:sld>
 </file>
 
-<file path=ppt/slides/slide5.xml><?xml version="1.0" encoding="utf-8"?>
-<p:sld xmlns:a="http://schemas.openxmlformats.org/drawingml/2006/main" xmlns:r="http://schemas.openxmlformats.org/officeDocument/2006/relationships" xmlns:mc="http://schemas.openxmlformats.org/markup-compatibility/2006" xmlns:mv="urn:schemas-microsoft-com:mac:vml" xmlns:p="http://schemas.openxmlformats.org/presentationml/2006/main" xmlns:c="http://schemas.openxmlformats.org/drawingml/2006/chart" xmlns:dgm="http://schemas.openxmlformats.org/drawingml/2006/diagram" xmlns:o="urn:schemas-microsoft-com:office:office" xmlns:v="urn:schemas-microsoft-com:vml" xmlns:pvml="urn:schemas-microsoft-com:office:powerpoint" xmlns:com="http://schemas.openxmlformats.org/drawingml/2006/compatibility" xmlns:p14="http://schemas.microsoft.com/office/powerpoint/2010/main" xmlns:p15="http://schemas.microsoft.com/office/powerpoint/2012/main" xmlns:ahyp="http://schemas.microsoft.com/office/drawing/2018/hyperlinkcolor">
+<file path=ppt/slides/slide4.xml><?xml version="1.0" encoding="utf-8"?>
+<p:sld xmlns:a="http://schemas.openxmlformats.org/drawingml/2006/main" xmlns:r="http://schemas.openxmlformats.org/officeDocument/2006/relationships" xmlns:p="http://schemas.openxmlformats.org/presentationml/2006/main">
   <p:cSld>
     <p:spTree>
       <p:nvGrpSpPr>
-        <p:cNvPr id="86" name="Shape 86"/>
+        <p:cNvPr id="1" name="Shape 86"/>
         <p:cNvGrpSpPr/>
         <p:nvPr/>
       </p:nvGrpSpPr>
@@ -9248,7 +8503,9 @@
       <p:sp>
         <p:nvSpPr>
           <p:cNvPr id="87" name="Google Shape;87;p18"/>
-          <p:cNvSpPr txBox="1"/>
+          <p:cNvSpPr txBox="1">
+            <a:spLocks noGrp="1"/>
+          </p:cNvSpPr>
           <p:nvPr>
             <p:ph type="title"/>
           </p:nvPr>
@@ -9267,12 +8524,12 @@
           </a:ln>
         </p:spPr>
         <p:txBody>
-          <a:bodyPr anchorCtr="0" anchor="ctr" bIns="34275" lIns="68575" spcFirstLastPara="1" rIns="68575" wrap="square" tIns="34275">
+          <a:bodyPr spcFirstLastPara="1" wrap="square" lIns="68575" tIns="34275" rIns="68575" bIns="34275" anchor="ctr" anchorCtr="0">
             <a:normAutofit/>
           </a:bodyPr>
           <a:lstStyle/>
           <a:p>
-            <a:pPr indent="0" lvl="0" marL="0" rtl="0" algn="l">
+            <a:pPr marL="0" lvl="0" indent="0" algn="l" rtl="0">
               <a:lnSpc>
                 <a:spcPct val="90000"/>
               </a:lnSpc>
@@ -9310,16 +8567,18 @@
       <p:pic>
         <p:nvPicPr>
           <p:cNvPr id="88" name="Google Shape;88;p18"/>
-          <p:cNvPicPr preferRelativeResize="0"/>
+          <p:cNvPicPr preferRelativeResize="0">
+            <a:picLocks noGrp="1"/>
+          </p:cNvPicPr>
           <p:nvPr>
-            <p:ph idx="2" type="body"/>
+            <p:ph type="body" idx="2"/>
           </p:nvPr>
         </p:nvPicPr>
         <p:blipFill rotWithShape="1">
           <a:blip r:embed="rId3">
             <a:alphaModFix/>
           </a:blip>
-          <a:srcRect b="0" l="0" r="0" t="0"/>
+          <a:srcRect/>
           <a:stretch/>
         </p:blipFill>
         <p:spPr>
@@ -9346,7 +8605,7 @@
           <a:blip r:embed="rId4">
             <a:alphaModFix/>
           </a:blip>
-          <a:srcRect b="0" l="0" r="0" t="0"/>
+          <a:srcRect/>
           <a:stretch/>
         </p:blipFill>
         <p:spPr>
@@ -9371,12 +8630,12 @@
 </p:sld>
 </file>
 
-<file path=ppt/slides/slide6.xml><?xml version="1.0" encoding="utf-8"?>
-<p:sld xmlns:a="http://schemas.openxmlformats.org/drawingml/2006/main" xmlns:r="http://schemas.openxmlformats.org/officeDocument/2006/relationships" xmlns:mc="http://schemas.openxmlformats.org/markup-compatibility/2006" xmlns:mv="urn:schemas-microsoft-com:mac:vml" xmlns:p="http://schemas.openxmlformats.org/presentationml/2006/main" xmlns:c="http://schemas.openxmlformats.org/drawingml/2006/chart" xmlns:dgm="http://schemas.openxmlformats.org/drawingml/2006/diagram" xmlns:o="urn:schemas-microsoft-com:office:office" xmlns:v="urn:schemas-microsoft-com:vml" xmlns:pvml="urn:schemas-microsoft-com:office:powerpoint" xmlns:com="http://schemas.openxmlformats.org/drawingml/2006/compatibility" xmlns:p14="http://schemas.microsoft.com/office/powerpoint/2010/main" xmlns:p15="http://schemas.microsoft.com/office/powerpoint/2012/main" xmlns:ahyp="http://schemas.microsoft.com/office/drawing/2018/hyperlinkcolor">
+<file path=ppt/slides/slide5.xml><?xml version="1.0" encoding="utf-8"?>
+<p:sld xmlns:a="http://schemas.openxmlformats.org/drawingml/2006/main" xmlns:r="http://schemas.openxmlformats.org/officeDocument/2006/relationships" xmlns:p="http://schemas.openxmlformats.org/presentationml/2006/main">
   <p:cSld>
     <p:spTree>
       <p:nvGrpSpPr>
-        <p:cNvPr id="93" name="Shape 93"/>
+        <p:cNvPr id="1" name="Shape 93"/>
         <p:cNvGrpSpPr/>
         <p:nvPr/>
       </p:nvGrpSpPr>
@@ -9391,7 +8650,9 @@
       <p:sp>
         <p:nvSpPr>
           <p:cNvPr id="94" name="Google Shape;94;p19"/>
-          <p:cNvSpPr txBox="1"/>
+          <p:cNvSpPr txBox="1">
+            <a:spLocks noGrp="1"/>
+          </p:cNvSpPr>
           <p:nvPr>
             <p:ph type="title"/>
           </p:nvPr>
@@ -9410,12 +8671,12 @@
           </a:ln>
         </p:spPr>
         <p:txBody>
-          <a:bodyPr anchorCtr="0" anchor="ctr" bIns="34275" lIns="68575" spcFirstLastPara="1" rIns="68575" wrap="square" tIns="34275">
+          <a:bodyPr spcFirstLastPara="1" wrap="square" lIns="68575" tIns="34275" rIns="68575" bIns="34275" anchor="ctr" anchorCtr="0">
             <a:normAutofit/>
           </a:bodyPr>
           <a:lstStyle/>
           <a:p>
-            <a:pPr indent="0" lvl="0" marL="0" rtl="0" algn="l">
+            <a:pPr marL="0" lvl="0" indent="0" algn="l" rtl="0">
               <a:lnSpc>
                 <a:spcPct val="90000"/>
               </a:lnSpc>
@@ -9453,9 +8714,11 @@
       <p:sp>
         <p:nvSpPr>
           <p:cNvPr id="95" name="Google Shape;95;p19"/>
-          <p:cNvSpPr txBox="1"/>
+          <p:cNvSpPr txBox="1">
+            <a:spLocks noGrp="1"/>
+          </p:cNvSpPr>
           <p:nvPr>
-            <p:ph idx="1" type="body"/>
+            <p:ph type="body" idx="1"/>
           </p:nvPr>
         </p:nvSpPr>
         <p:spPr>
@@ -9472,12 +8735,12 @@
           </a:ln>
         </p:spPr>
         <p:txBody>
-          <a:bodyPr anchorCtr="0" anchor="t" bIns="34275" lIns="68575" spcFirstLastPara="1" rIns="68575" wrap="square" tIns="34275">
+          <a:bodyPr spcFirstLastPara="1" wrap="square" lIns="68575" tIns="34275" rIns="68575" bIns="34275" anchor="t" anchorCtr="0">
             <a:noAutofit/>
           </a:bodyPr>
           <a:lstStyle/>
           <a:p>
-            <a:pPr indent="0" lvl="0" marL="0" rtl="0" algn="l">
+            <a:pPr marL="0" lvl="0" indent="0" algn="l" rtl="0">
               <a:lnSpc>
                 <a:spcPct val="100000"/>
               </a:lnSpc>
@@ -9573,7 +8836,7 @@
             </a:endParaRPr>
           </a:p>
           <a:p>
-            <a:pPr indent="-177800" lvl="0" marL="177800" rtl="0" algn="l">
+            <a:pPr marL="177800" lvl="0" indent="-177800" algn="l" rtl="0">
               <a:lnSpc>
                 <a:spcPct val="100000"/>
               </a:lnSpc>
@@ -9590,7 +8853,7 @@
               <a:buChar char="●"/>
             </a:pPr>
             <a:r>
-              <a:rPr b="1" lang="en" sz="1000">
+              <a:rPr lang="en" sz="1000" b="1">
                 <a:latin typeface="Arial"/>
                 <a:ea typeface="Arial"/>
                 <a:cs typeface="Arial"/>
@@ -9615,7 +8878,7 @@
             </a:endParaRPr>
           </a:p>
           <a:p>
-            <a:pPr indent="0" lvl="0" marL="177800" rtl="0" algn="l">
+            <a:pPr marL="177800" lvl="0" indent="0" algn="l" rtl="0">
               <a:lnSpc>
                 <a:spcPct val="100000"/>
               </a:lnSpc>
@@ -9628,7 +8891,7 @@
               <a:buNone/>
             </a:pPr>
             <a:r>
-              <a:rPr b="1" lang="en" sz="1000" u="sng">
+              <a:rPr lang="en" sz="1000" b="1" u="sng">
                 <a:latin typeface="Arial"/>
                 <a:ea typeface="Arial"/>
                 <a:cs typeface="Arial"/>
@@ -9653,7 +8916,7 @@
             </a:endParaRPr>
           </a:p>
           <a:p>
-            <a:pPr indent="-152400" lvl="1" marL="520700" rtl="0" algn="l">
+            <a:pPr marL="520700" lvl="1" indent="-152400" algn="l" rtl="0">
               <a:lnSpc>
                 <a:spcPct val="100000"/>
               </a:lnSpc>
@@ -9684,7 +8947,7 @@
             </a:endParaRPr>
           </a:p>
           <a:p>
-            <a:pPr indent="-152400" lvl="1" marL="520700" rtl="0" algn="l">
+            <a:pPr marL="520700" lvl="1" indent="-152400" algn="l" rtl="0">
               <a:lnSpc>
                 <a:spcPct val="100000"/>
               </a:lnSpc>
@@ -9715,7 +8978,7 @@
             </a:endParaRPr>
           </a:p>
           <a:p>
-            <a:pPr indent="-177800" lvl="0" marL="177800" rtl="0" algn="l">
+            <a:pPr marL="177800" lvl="0" indent="-177800" algn="l" rtl="0">
               <a:lnSpc>
                 <a:spcPct val="100000"/>
               </a:lnSpc>
@@ -9732,7 +8995,7 @@
               <a:buChar char="●"/>
             </a:pPr>
             <a:r>
-              <a:rPr b="1" lang="en" sz="1000">
+              <a:rPr lang="en" sz="1000" b="1">
                 <a:latin typeface="Arial"/>
                 <a:ea typeface="Arial"/>
                 <a:cs typeface="Arial"/>
@@ -9768,7 +9031,7 @@
           <a:blip r:embed="rId3">
             <a:alphaModFix/>
           </a:blip>
-          <a:srcRect b="0" l="0" r="0" t="0"/>
+          <a:srcRect/>
           <a:stretch/>
         </p:blipFill>
         <p:spPr>
@@ -9795,7 +9058,7 @@
           <a:blip r:embed="rId4">
             <a:alphaModFix/>
           </a:blip>
-          <a:srcRect b="0" l="0" r="0" t="0"/>
+          <a:srcRect/>
           <a:stretch/>
         </p:blipFill>
         <p:spPr>
@@ -9832,12 +9095,12 @@
           </a:ln>
         </p:spPr>
         <p:txBody>
-          <a:bodyPr anchorCtr="0" anchor="t" bIns="91425" lIns="91425" spcFirstLastPara="1" rIns="91425" wrap="square" tIns="91425">
+          <a:bodyPr spcFirstLastPara="1" wrap="square" lIns="91425" tIns="91425" rIns="91425" bIns="91425" anchor="t" anchorCtr="0">
             <a:spAutoFit/>
           </a:bodyPr>
           <a:lstStyle/>
           <a:p>
-            <a:pPr indent="0" lvl="0" marL="177800" rtl="0" algn="l">
+            <a:pPr marL="177800" lvl="0" indent="0" algn="l" rtl="0">
               <a:spcBef>
                 <a:spcPts val="800"/>
               </a:spcBef>
@@ -9847,7 +9110,7 @@
               <a:buNone/>
             </a:pPr>
             <a:r>
-              <a:rPr b="1" lang="en" sz="1000" u="sng">
+              <a:rPr lang="en" sz="1000" b="1" u="sng">
                 <a:solidFill>
                   <a:schemeClr val="dk1"/>
                 </a:solidFill>
@@ -9869,7 +9132,7 @@
             </a:endParaRPr>
           </a:p>
           <a:p>
-            <a:pPr indent="-152400" lvl="1" marL="520700" rtl="0" algn="l">
+            <a:pPr marL="520700" lvl="1" indent="-152400" algn="l" rtl="0">
               <a:spcBef>
                 <a:spcPts val="1200"/>
               </a:spcBef>
@@ -9898,7 +9161,7 @@
             </a:endParaRPr>
           </a:p>
           <a:p>
-            <a:pPr indent="-152400" lvl="1" marL="520700" rtl="0" algn="l">
+            <a:pPr marL="520700" lvl="1" indent="-152400" algn="l" rtl="0">
               <a:spcBef>
                 <a:spcPts val="0"/>
               </a:spcBef>
@@ -9927,7 +9190,7 @@
             </a:endParaRPr>
           </a:p>
           <a:p>
-            <a:pPr indent="-152400" lvl="1" marL="520700" rtl="0" algn="l">
+            <a:pPr marL="520700" lvl="1" indent="-152400" algn="l" rtl="0">
               <a:spcBef>
                 <a:spcPts val="0"/>
               </a:spcBef>
@@ -9956,7 +9219,7 @@
             </a:endParaRPr>
           </a:p>
           <a:p>
-            <a:pPr indent="-177800" lvl="0" marL="177800" rtl="0" algn="l">
+            <a:pPr marL="177800" lvl="0" indent="-177800" algn="l" rtl="0">
               <a:spcBef>
                 <a:spcPts val="800"/>
               </a:spcBef>
@@ -9971,21 +9234,21 @@
               <a:buChar char="●"/>
             </a:pPr>
             <a:r>
-              <a:rPr b="1" lang="en" sz="1000">
+              <a:rPr lang="en" sz="1000" b="1">
                 <a:solidFill>
                   <a:schemeClr val="dk1"/>
                 </a:solidFill>
               </a:rPr>
               <a:t>Insight events: </a:t>
             </a:r>
-            <a:endParaRPr b="1" sz="1000">
+            <a:endParaRPr sz="1000" b="1">
               <a:solidFill>
                 <a:schemeClr val="dk1"/>
               </a:solidFill>
             </a:endParaRPr>
           </a:p>
           <a:p>
-            <a:pPr indent="0" lvl="0" marL="177800" rtl="0" algn="l">
+            <a:pPr marL="177800" lvl="0" indent="0" algn="l" rtl="0">
               <a:spcBef>
                 <a:spcPts val="800"/>
               </a:spcBef>
@@ -10009,7 +9272,7 @@
             </a:endParaRPr>
           </a:p>
           <a:p>
-            <a:pPr indent="-177800" lvl="0" marL="520700" rtl="0" algn="l">
+            <a:pPr marL="520700" lvl="0" indent="-177800" algn="l" rtl="0">
               <a:spcBef>
                 <a:spcPts val="800"/>
               </a:spcBef>
@@ -10038,7 +9301,7 @@
             </a:endParaRPr>
           </a:p>
           <a:p>
-            <a:pPr indent="-177800" lvl="0" marL="520700" rtl="0" algn="l">
+            <a:pPr marL="520700" lvl="0" indent="-177800" algn="l" rtl="0">
               <a:spcBef>
                 <a:spcPts val="800"/>
               </a:spcBef>
@@ -10067,7 +9330,7 @@
             </a:endParaRPr>
           </a:p>
           <a:p>
-            <a:pPr indent="-177800" lvl="0" marL="520700" rtl="0" algn="l">
+            <a:pPr marL="520700" lvl="0" indent="-177800" algn="l" rtl="0">
               <a:spcBef>
                 <a:spcPts val="800"/>
               </a:spcBef>
@@ -10096,7 +9359,7 @@
             </a:endParaRPr>
           </a:p>
           <a:p>
-            <a:pPr indent="-177800" lvl="0" marL="520700" rtl="0" algn="l">
+            <a:pPr marL="520700" lvl="0" indent="-177800" algn="l" rtl="0">
               <a:spcBef>
                 <a:spcPts val="800"/>
               </a:spcBef>
@@ -10134,12 +9397,12 @@
 </p:sld>
 </file>
 
-<file path=ppt/slides/slide7.xml><?xml version="1.0" encoding="utf-8"?>
-<p:sld xmlns:a="http://schemas.openxmlformats.org/drawingml/2006/main" xmlns:r="http://schemas.openxmlformats.org/officeDocument/2006/relationships" xmlns:mc="http://schemas.openxmlformats.org/markup-compatibility/2006" xmlns:mv="urn:schemas-microsoft-com:mac:vml" xmlns:p="http://schemas.openxmlformats.org/presentationml/2006/main" xmlns:c="http://schemas.openxmlformats.org/drawingml/2006/chart" xmlns:dgm="http://schemas.openxmlformats.org/drawingml/2006/diagram" xmlns:o="urn:schemas-microsoft-com:office:office" xmlns:v="urn:schemas-microsoft-com:vml" xmlns:pvml="urn:schemas-microsoft-com:office:powerpoint" xmlns:com="http://schemas.openxmlformats.org/drawingml/2006/compatibility" xmlns:p14="http://schemas.microsoft.com/office/powerpoint/2010/main" xmlns:p15="http://schemas.microsoft.com/office/powerpoint/2012/main" xmlns:ahyp="http://schemas.microsoft.com/office/drawing/2018/hyperlinkcolor">
+<file path=ppt/slides/slide6.xml><?xml version="1.0" encoding="utf-8"?>
+<p:sld xmlns:a="http://schemas.openxmlformats.org/drawingml/2006/main" xmlns:r="http://schemas.openxmlformats.org/officeDocument/2006/relationships" xmlns:p="http://schemas.openxmlformats.org/presentationml/2006/main">
   <p:cSld>
     <p:spTree>
       <p:nvGrpSpPr>
-        <p:cNvPr id="102" name="Shape 102"/>
+        <p:cNvPr id="1" name="Shape 102"/>
         <p:cNvGrpSpPr/>
         <p:nvPr/>
       </p:nvGrpSpPr>
@@ -10154,7 +9417,9 @@
       <p:sp>
         <p:nvSpPr>
           <p:cNvPr id="103" name="Google Shape;103;p20"/>
-          <p:cNvSpPr txBox="1"/>
+          <p:cNvSpPr txBox="1">
+            <a:spLocks noGrp="1"/>
+          </p:cNvSpPr>
           <p:nvPr>
             <p:ph type="title"/>
           </p:nvPr>
@@ -10173,12 +9438,12 @@
           </a:ln>
         </p:spPr>
         <p:txBody>
-          <a:bodyPr anchorCtr="0" anchor="ctr" bIns="34275" lIns="68575" spcFirstLastPara="1" rIns="68575" wrap="square" tIns="34275">
+          <a:bodyPr spcFirstLastPara="1" wrap="square" lIns="68575" tIns="34275" rIns="68575" bIns="34275" anchor="ctr" anchorCtr="0">
             <a:noAutofit/>
           </a:bodyPr>
           <a:lstStyle/>
           <a:p>
-            <a:pPr indent="0" lvl="0" marL="0" rtl="0" algn="l">
+            <a:pPr marL="0" lvl="0" indent="0" algn="l" rtl="0">
               <a:lnSpc>
                 <a:spcPct val="90000"/>
               </a:lnSpc>
@@ -10232,9 +9497,11 @@
       <p:sp>
         <p:nvSpPr>
           <p:cNvPr id="104" name="Google Shape;104;p20"/>
-          <p:cNvSpPr txBox="1"/>
+          <p:cNvSpPr txBox="1">
+            <a:spLocks noGrp="1"/>
+          </p:cNvSpPr>
           <p:nvPr>
-            <p:ph idx="1" type="body"/>
+            <p:ph type="body" idx="1"/>
           </p:nvPr>
         </p:nvSpPr>
         <p:spPr>
@@ -10251,12 +9518,12 @@
           </a:ln>
         </p:spPr>
         <p:txBody>
-          <a:bodyPr anchorCtr="0" anchor="t" bIns="34275" lIns="68575" spcFirstLastPara="1" rIns="68575" wrap="square" tIns="34275">
+          <a:bodyPr spcFirstLastPara="1" wrap="square" lIns="68575" tIns="34275" rIns="68575" bIns="34275" anchor="t" anchorCtr="0">
             <a:normAutofit lnSpcReduction="10000"/>
           </a:bodyPr>
           <a:lstStyle/>
           <a:p>
-            <a:pPr indent="0" lvl="0" marL="0" rtl="0" algn="l">
+            <a:pPr marL="0" lvl="0" indent="0" algn="l" rtl="0">
               <a:lnSpc>
                 <a:spcPct val="90000"/>
               </a:lnSpc>
@@ -10272,9 +9539,6 @@
               <a:buSzPts val="900"/>
               <a:buNone/>
             </a:pPr>
-            <a:r>
-              <a:t/>
-            </a:r>
             <a:endParaRPr sz="1200">
               <a:latin typeface="Arial"/>
               <a:ea typeface="Arial"/>
@@ -10283,7 +9547,7 @@
             </a:endParaRPr>
           </a:p>
           <a:p>
-            <a:pPr indent="-190500" lvl="0" marL="177800" rtl="0" algn="l">
+            <a:pPr marL="177800" lvl="0" indent="-190500" algn="l" rtl="0">
               <a:lnSpc>
                 <a:spcPct val="90000"/>
               </a:lnSpc>
@@ -10317,7 +9581,7 @@
             </a:endParaRPr>
           </a:p>
           <a:p>
-            <a:pPr indent="-190500" lvl="0" marL="177800" rtl="0" algn="l">
+            <a:pPr marL="177800" lvl="0" indent="-190500" algn="l" rtl="0">
               <a:lnSpc>
                 <a:spcPct val="90000"/>
               </a:lnSpc>
@@ -10351,7 +9615,7 @@
             </a:endParaRPr>
           </a:p>
           <a:p>
-            <a:pPr indent="0" lvl="0" marL="0" rtl="0" algn="l">
+            <a:pPr marL="0" lvl="0" indent="0" algn="l" rtl="0">
               <a:lnSpc>
                 <a:spcPct val="90000"/>
               </a:lnSpc>
@@ -10367,9 +9631,6 @@
               <a:buSzPts val="900"/>
               <a:buNone/>
             </a:pPr>
-            <a:r>
-              <a:t/>
-            </a:r>
             <a:endParaRPr sz="1200">
               <a:latin typeface="Arial"/>
               <a:ea typeface="Arial"/>
@@ -10382,16 +9643,18 @@
       <p:pic>
         <p:nvPicPr>
           <p:cNvPr id="105" name="Google Shape;105;p20"/>
-          <p:cNvPicPr preferRelativeResize="0"/>
+          <p:cNvPicPr preferRelativeResize="0">
+            <a:picLocks noGrp="1"/>
+          </p:cNvPicPr>
           <p:nvPr>
-            <p:ph idx="2" type="body"/>
+            <p:ph type="body" idx="2"/>
           </p:nvPr>
         </p:nvPicPr>
         <p:blipFill rotWithShape="1">
           <a:blip r:embed="rId3">
             <a:alphaModFix/>
           </a:blip>
-          <a:srcRect b="0" l="0" r="0" t="0"/>
+          <a:srcRect/>
           <a:stretch/>
         </p:blipFill>
         <p:spPr>
@@ -10416,12 +9679,12 @@
 </p:sld>
 </file>
 
-<file path=ppt/slides/slide8.xml><?xml version="1.0" encoding="utf-8"?>
-<p:sld xmlns:a="http://schemas.openxmlformats.org/drawingml/2006/main" xmlns:r="http://schemas.openxmlformats.org/officeDocument/2006/relationships" xmlns:mc="http://schemas.openxmlformats.org/markup-compatibility/2006" xmlns:mv="urn:schemas-microsoft-com:mac:vml" xmlns:p="http://schemas.openxmlformats.org/presentationml/2006/main" xmlns:c="http://schemas.openxmlformats.org/drawingml/2006/chart" xmlns:dgm="http://schemas.openxmlformats.org/drawingml/2006/diagram" xmlns:o="urn:schemas-microsoft-com:office:office" xmlns:v="urn:schemas-microsoft-com:vml" xmlns:pvml="urn:schemas-microsoft-com:office:powerpoint" xmlns:com="http://schemas.openxmlformats.org/drawingml/2006/compatibility" xmlns:p14="http://schemas.microsoft.com/office/powerpoint/2010/main" xmlns:p15="http://schemas.microsoft.com/office/powerpoint/2012/main" xmlns:ahyp="http://schemas.microsoft.com/office/drawing/2018/hyperlinkcolor">
+<file path=ppt/slides/slide7.xml><?xml version="1.0" encoding="utf-8"?>
+<p:sld xmlns:a="http://schemas.openxmlformats.org/drawingml/2006/main" xmlns:r="http://schemas.openxmlformats.org/officeDocument/2006/relationships" xmlns:p="http://schemas.openxmlformats.org/presentationml/2006/main">
   <p:cSld>
     <p:spTree>
       <p:nvGrpSpPr>
-        <p:cNvPr id="109" name="Shape 109"/>
+        <p:cNvPr id="1" name="Shape 109"/>
         <p:cNvGrpSpPr/>
         <p:nvPr/>
       </p:nvGrpSpPr>
@@ -10436,7 +9699,9 @@
       <p:sp>
         <p:nvSpPr>
           <p:cNvPr id="110" name="Google Shape;110;p21"/>
-          <p:cNvSpPr txBox="1"/>
+          <p:cNvSpPr txBox="1">
+            <a:spLocks noGrp="1"/>
+          </p:cNvSpPr>
           <p:nvPr>
             <p:ph type="title"/>
           </p:nvPr>
@@ -10455,12 +9720,12 @@
           </a:ln>
         </p:spPr>
         <p:txBody>
-          <a:bodyPr anchorCtr="0" anchor="ctr" bIns="34275" lIns="68575" spcFirstLastPara="1" rIns="68575" wrap="square" tIns="34275">
+          <a:bodyPr spcFirstLastPara="1" wrap="square" lIns="68575" tIns="34275" rIns="68575" bIns="34275" anchor="ctr" anchorCtr="0">
             <a:normAutofit/>
           </a:bodyPr>
           <a:lstStyle/>
           <a:p>
-            <a:pPr indent="0" lvl="0" marL="0" rtl="0" algn="l">
+            <a:pPr marL="0" lvl="0" indent="0" algn="l" rtl="0">
               <a:lnSpc>
                 <a:spcPct val="90000"/>
               </a:lnSpc>
@@ -10498,9 +9763,11 @@
       <p:sp>
         <p:nvSpPr>
           <p:cNvPr id="111" name="Google Shape;111;p21"/>
-          <p:cNvSpPr txBox="1"/>
+          <p:cNvSpPr txBox="1">
+            <a:spLocks noGrp="1"/>
+          </p:cNvSpPr>
           <p:nvPr>
-            <p:ph idx="1" type="body"/>
+            <p:ph type="body" idx="1"/>
           </p:nvPr>
         </p:nvSpPr>
         <p:spPr>
@@ -10517,12 +9784,12 @@
           </a:ln>
         </p:spPr>
         <p:txBody>
-          <a:bodyPr anchorCtr="0" anchor="t" bIns="34275" lIns="68575" spcFirstLastPara="1" rIns="68575" wrap="square" tIns="34275">
+          <a:bodyPr spcFirstLastPara="1" wrap="square" lIns="68575" tIns="34275" rIns="68575" bIns="34275" anchor="t" anchorCtr="0">
             <a:normAutofit/>
           </a:bodyPr>
           <a:lstStyle/>
           <a:p>
-            <a:pPr indent="0" lvl="0" marL="0" rtl="0" algn="l">
+            <a:pPr marL="0" lvl="0" indent="0" algn="l" rtl="0">
               <a:lnSpc>
                 <a:spcPct val="100000"/>
               </a:lnSpc>
@@ -10548,7 +9815,7 @@
               <a:t>You can integrate </a:t>
             </a:r>
             <a:r>
-              <a:rPr b="1" lang="en" sz="1200">
+              <a:rPr lang="en" sz="1200" b="1">
                 <a:latin typeface="Arial"/>
                 <a:ea typeface="Arial"/>
                 <a:cs typeface="Arial"/>
@@ -10566,7 +9833,7 @@
               <a:t> with </a:t>
             </a:r>
             <a:r>
-              <a:rPr b="1" lang="en" sz="1200">
+              <a:rPr lang="en" sz="1200" b="1">
                 <a:latin typeface="Arial"/>
                 <a:ea typeface="Arial"/>
                 <a:cs typeface="Arial"/>
@@ -10591,7 +9858,7 @@
             </a:endParaRPr>
           </a:p>
           <a:p>
-            <a:pPr indent="0" lvl="0" marL="0" rtl="0" algn="l">
+            <a:pPr marL="0" lvl="0" indent="0" algn="l" rtl="0">
               <a:lnSpc>
                 <a:spcPct val="100000"/>
               </a:lnSpc>
@@ -10607,9 +9874,6 @@
               <a:buSzPts val="900"/>
               <a:buNone/>
             </a:pPr>
-            <a:r>
-              <a:t/>
-            </a:r>
             <a:endParaRPr sz="1200">
               <a:latin typeface="Arial"/>
               <a:ea typeface="Arial"/>
@@ -10618,7 +9882,7 @@
             </a:endParaRPr>
           </a:p>
           <a:p>
-            <a:pPr indent="0" lvl="0" marL="0" rtl="0" algn="l">
+            <a:pPr marL="0" lvl="0" indent="0" algn="l" rtl="0">
               <a:lnSpc>
                 <a:spcPct val="100000"/>
               </a:lnSpc>
@@ -10655,16 +9919,18 @@
       <p:pic>
         <p:nvPicPr>
           <p:cNvPr id="112" name="Google Shape;112;p21"/>
-          <p:cNvPicPr preferRelativeResize="0"/>
+          <p:cNvPicPr preferRelativeResize="0">
+            <a:picLocks noGrp="1"/>
+          </p:cNvPicPr>
           <p:nvPr>
-            <p:ph idx="2" type="body"/>
+            <p:ph type="body" idx="2"/>
           </p:nvPr>
         </p:nvPicPr>
         <p:blipFill rotWithShape="1">
           <a:blip r:embed="rId3">
             <a:alphaModFix/>
           </a:blip>
-          <a:srcRect b="0" l="0" r="0" t="0"/>
+          <a:srcRect/>
           <a:stretch/>
         </p:blipFill>
         <p:spPr>
@@ -10689,12 +9955,12 @@
 </p:sld>
 </file>
 
-<file path=ppt/slides/slide9.xml><?xml version="1.0" encoding="utf-8"?>
-<p:sld xmlns:a="http://schemas.openxmlformats.org/drawingml/2006/main" xmlns:r="http://schemas.openxmlformats.org/officeDocument/2006/relationships" xmlns:mc="http://schemas.openxmlformats.org/markup-compatibility/2006" xmlns:mv="urn:schemas-microsoft-com:mac:vml" xmlns:p="http://schemas.openxmlformats.org/presentationml/2006/main" xmlns:c="http://schemas.openxmlformats.org/drawingml/2006/chart" xmlns:dgm="http://schemas.openxmlformats.org/drawingml/2006/diagram" xmlns:o="urn:schemas-microsoft-com:office:office" xmlns:v="urn:schemas-microsoft-com:vml" xmlns:pvml="urn:schemas-microsoft-com:office:powerpoint" xmlns:com="http://schemas.openxmlformats.org/drawingml/2006/compatibility" xmlns:p14="http://schemas.microsoft.com/office/powerpoint/2010/main" xmlns:p15="http://schemas.microsoft.com/office/powerpoint/2012/main" xmlns:ahyp="http://schemas.microsoft.com/office/drawing/2018/hyperlinkcolor">
+<file path=ppt/slides/slide8.xml><?xml version="1.0" encoding="utf-8"?>
+<p:sld xmlns:a="http://schemas.openxmlformats.org/drawingml/2006/main" xmlns:r="http://schemas.openxmlformats.org/officeDocument/2006/relationships" xmlns:p="http://schemas.openxmlformats.org/presentationml/2006/main">
   <p:cSld>
     <p:spTree>
       <p:nvGrpSpPr>
-        <p:cNvPr id="116" name="Shape 116"/>
+        <p:cNvPr id="1" name="Shape 116"/>
         <p:cNvGrpSpPr/>
         <p:nvPr/>
       </p:nvGrpSpPr>
@@ -10709,7 +9975,9 @@
       <p:sp>
         <p:nvSpPr>
           <p:cNvPr id="117" name="Google Shape;117;p22"/>
-          <p:cNvSpPr txBox="1"/>
+          <p:cNvSpPr txBox="1">
+            <a:spLocks noGrp="1"/>
+          </p:cNvSpPr>
           <p:nvPr>
             <p:ph type="title"/>
           </p:nvPr>
@@ -10728,12 +9996,12 @@
           </a:ln>
         </p:spPr>
         <p:txBody>
-          <a:bodyPr anchorCtr="0" anchor="ctr" bIns="34275" lIns="68575" spcFirstLastPara="1" rIns="68575" wrap="square" tIns="34275">
+          <a:bodyPr spcFirstLastPara="1" wrap="square" lIns="68575" tIns="34275" rIns="68575" bIns="34275" anchor="ctr" anchorCtr="0">
             <a:normAutofit/>
           </a:bodyPr>
           <a:lstStyle/>
           <a:p>
-            <a:pPr indent="0" lvl="0" marL="0" rtl="0" algn="l">
+            <a:pPr marL="0" lvl="0" indent="0" algn="l" rtl="0">
               <a:lnSpc>
                 <a:spcPct val="90000"/>
               </a:lnSpc>
@@ -10771,9 +10039,11 @@
       <p:sp>
         <p:nvSpPr>
           <p:cNvPr id="118" name="Google Shape;118;p22"/>
-          <p:cNvSpPr txBox="1"/>
+          <p:cNvSpPr txBox="1">
+            <a:spLocks noGrp="1"/>
+          </p:cNvSpPr>
           <p:nvPr>
-            <p:ph idx="1" type="body"/>
+            <p:ph type="body" idx="1"/>
           </p:nvPr>
         </p:nvSpPr>
         <p:spPr>
@@ -10790,12 +10060,12 @@
           </a:ln>
         </p:spPr>
         <p:txBody>
-          <a:bodyPr anchorCtr="0" anchor="t" bIns="34275" lIns="68575" spcFirstLastPara="1" rIns="68575" wrap="square" tIns="34275">
+          <a:bodyPr spcFirstLastPara="1" wrap="square" lIns="68575" tIns="34275" rIns="68575" bIns="34275" anchor="t" anchorCtr="0">
             <a:normAutofit/>
           </a:bodyPr>
           <a:lstStyle/>
           <a:p>
-            <a:pPr indent="-241300" lvl="0" marL="342900" rtl="0" algn="l">
+            <a:pPr marL="342900" lvl="0" indent="-241300" algn="l" rtl="0">
               <a:lnSpc>
                 <a:spcPct val="100000"/>
               </a:lnSpc>
@@ -10826,7 +10096,7 @@
             </a:endParaRPr>
           </a:p>
           <a:p>
-            <a:pPr indent="-241300" lvl="0" marL="342900" rtl="0" algn="l">
+            <a:pPr marL="342900" lvl="0" indent="-241300" algn="l" rtl="0">
               <a:lnSpc>
                 <a:spcPct val="100000"/>
               </a:lnSpc>
@@ -10850,7 +10120,7 @@
               <a:t>However, </a:t>
             </a:r>
             <a:r>
-              <a:rPr b="1" lang="en" sz="1200">
+              <a:rPr lang="en" sz="1200" b="1">
                 <a:latin typeface="Arial"/>
                 <a:ea typeface="Arial"/>
                 <a:cs typeface="Arial"/>
@@ -10868,7 +10138,7 @@
               <a:t> </a:t>
             </a:r>
             <a:r>
-              <a:rPr b="1" lang="en" sz="1200">
+              <a:rPr lang="en" sz="1200" b="1">
                 <a:latin typeface="Arial"/>
                 <a:ea typeface="Arial"/>
                 <a:cs typeface="Arial"/>
@@ -10886,7 +10156,7 @@
               <a:t> </a:t>
             </a:r>
             <a:r>
-              <a:rPr b="1" lang="en" sz="1200">
+              <a:rPr lang="en" sz="1200" b="1">
                 <a:latin typeface="Arial"/>
                 <a:ea typeface="Arial"/>
                 <a:cs typeface="Arial"/>
@@ -10894,7 +10164,7 @@
               </a:rPr>
               <a:t>not recommended</a:t>
             </a:r>
-            <a:endParaRPr b="1" sz="1200">
+            <a:endParaRPr sz="1200" b="1">
               <a:latin typeface="Arial"/>
               <a:ea typeface="Arial"/>
               <a:cs typeface="Arial"/>
@@ -10902,7 +10172,7 @@
             </a:endParaRPr>
           </a:p>
           <a:p>
-            <a:pPr indent="-241300" lvl="0" marL="342900" rtl="0" algn="l">
+            <a:pPr marL="342900" lvl="0" indent="-241300" algn="l" rtl="0">
               <a:lnSpc>
                 <a:spcPct val="100000"/>
               </a:lnSpc>
@@ -10933,7 +10203,7 @@
             </a:endParaRPr>
           </a:p>
           <a:p>
-            <a:pPr indent="-241300" lvl="0" marL="342900" rtl="0" algn="l">
+            <a:pPr marL="342900" lvl="0" indent="-241300" algn="l" rtl="0">
               <a:lnSpc>
                 <a:spcPct val="100000"/>
               </a:lnSpc>
@@ -11001,8 +10271,386 @@
 </p:sld>
 </file>
 
+<file path=ppt/slides/slide9.xml><?xml version="1.0" encoding="utf-8"?>
+<p:sld xmlns:a="http://schemas.openxmlformats.org/drawingml/2006/main" xmlns:r="http://schemas.openxmlformats.org/officeDocument/2006/relationships" xmlns:p="http://schemas.openxmlformats.org/presentationml/2006/main">
+  <p:cSld>
+    <p:spTree>
+      <p:nvGrpSpPr>
+        <p:cNvPr id="1" name="Shape 123"/>
+        <p:cNvGrpSpPr/>
+        <p:nvPr/>
+      </p:nvGrpSpPr>
+      <p:grpSpPr>
+        <a:xfrm>
+          <a:off x="0" y="0"/>
+          <a:ext cx="0" cy="0"/>
+          <a:chOff x="0" y="0"/>
+          <a:chExt cx="0" cy="0"/>
+        </a:xfrm>
+      </p:grpSpPr>
+      <p:sp>
+        <p:nvSpPr>
+          <p:cNvPr id="124" name="Google Shape;124;p23"/>
+          <p:cNvSpPr txBox="1">
+            <a:spLocks noGrp="1"/>
+          </p:cNvSpPr>
+          <p:nvPr>
+            <p:ph type="title"/>
+          </p:nvPr>
+        </p:nvSpPr>
+        <p:spPr>
+          <a:xfrm>
+            <a:off x="471488" y="205383"/>
+            <a:ext cx="5915100" cy="745800"/>
+          </a:xfrm>
+          <a:prstGeom prst="rect">
+            <a:avLst/>
+          </a:prstGeom>
+          <a:noFill/>
+          <a:ln>
+            <a:noFill/>
+          </a:ln>
+        </p:spPr>
+        <p:txBody>
+          <a:bodyPr spcFirstLastPara="1" wrap="square" lIns="68575" tIns="34275" rIns="68575" bIns="34275" anchor="ctr" anchorCtr="0">
+            <a:normAutofit/>
+          </a:bodyPr>
+          <a:lstStyle/>
+          <a:p>
+            <a:pPr marL="0" lvl="0" indent="0" algn="l" rtl="0">
+              <a:lnSpc>
+                <a:spcPct val="90000"/>
+              </a:lnSpc>
+              <a:spcBef>
+                <a:spcPts val="0"/>
+              </a:spcBef>
+              <a:spcAft>
+                <a:spcPts val="0"/>
+              </a:spcAft>
+              <a:buClr>
+                <a:schemeClr val="dk1"/>
+              </a:buClr>
+              <a:buSzPts val="3300"/>
+              <a:buFont typeface="Calibri"/>
+              <a:buNone/>
+            </a:pPr>
+            <a:r>
+              <a:rPr lang="en" sz="2400">
+                <a:latin typeface="Economica"/>
+                <a:ea typeface="Economica"/>
+                <a:cs typeface="Economica"/>
+                <a:sym typeface="Economica"/>
+              </a:rPr>
+              <a:t>CloudTrail - Best practices (Trail for all regions)</a:t>
+            </a:r>
+            <a:endParaRPr sz="2400">
+              <a:latin typeface="Economica"/>
+              <a:ea typeface="Economica"/>
+              <a:cs typeface="Economica"/>
+              <a:sym typeface="Economica"/>
+            </a:endParaRPr>
+          </a:p>
+        </p:txBody>
+      </p:sp>
+      <p:sp>
+        <p:nvSpPr>
+          <p:cNvPr id="125" name="Google Shape;125;p23"/>
+          <p:cNvSpPr txBox="1">
+            <a:spLocks noGrp="1"/>
+          </p:cNvSpPr>
+          <p:nvPr>
+            <p:ph type="body" idx="1"/>
+          </p:nvPr>
+        </p:nvSpPr>
+        <p:spPr>
+          <a:xfrm>
+            <a:off x="157724" y="1369219"/>
+            <a:ext cx="4178400" cy="3263400"/>
+          </a:xfrm>
+          <a:prstGeom prst="rect">
+            <a:avLst/>
+          </a:prstGeom>
+          <a:noFill/>
+          <a:ln>
+            <a:noFill/>
+          </a:ln>
+        </p:spPr>
+        <p:txBody>
+          <a:bodyPr spcFirstLastPara="1" wrap="square" lIns="68575" tIns="34275" rIns="68575" bIns="34275" anchor="t" anchorCtr="0">
+            <a:normAutofit/>
+          </a:bodyPr>
+          <a:lstStyle/>
+          <a:p>
+            <a:pPr marL="342900" lvl="0" indent="-241300" algn="l" rtl="0">
+              <a:lnSpc>
+                <a:spcPct val="115000"/>
+              </a:lnSpc>
+              <a:spcBef>
+                <a:spcPts val="0"/>
+              </a:spcBef>
+              <a:spcAft>
+                <a:spcPts val="0"/>
+              </a:spcAft>
+              <a:buSzPts val="1200"/>
+              <a:buFont typeface="Arial"/>
+              <a:buChar char="●"/>
+            </a:pPr>
+            <a:r>
+              <a:rPr lang="en" sz="1200">
+                <a:latin typeface="Arial"/>
+                <a:ea typeface="Arial"/>
+                <a:cs typeface="Arial"/>
+                <a:sym typeface="Arial"/>
+              </a:rPr>
+              <a:t>Use CloudTrail provided “</a:t>
+            </a:r>
+            <a:r>
+              <a:rPr lang="en" sz="1200" b="1">
+                <a:latin typeface="Arial"/>
+                <a:ea typeface="Arial"/>
+                <a:cs typeface="Arial"/>
+                <a:sym typeface="Arial"/>
+              </a:rPr>
+              <a:t>Enable trail for all regions</a:t>
+            </a:r>
+            <a:r>
+              <a:rPr lang="en" sz="1200">
+                <a:latin typeface="Arial"/>
+                <a:ea typeface="Arial"/>
+                <a:cs typeface="Arial"/>
+                <a:sym typeface="Arial"/>
+              </a:rPr>
+              <a:t>” in an account</a:t>
+            </a:r>
+            <a:endParaRPr sz="1200">
+              <a:latin typeface="Arial"/>
+              <a:ea typeface="Arial"/>
+              <a:cs typeface="Arial"/>
+              <a:sym typeface="Arial"/>
+            </a:endParaRPr>
+          </a:p>
+          <a:p>
+            <a:pPr marL="342900" lvl="0" indent="-241300" algn="l" rtl="0">
+              <a:lnSpc>
+                <a:spcPct val="115000"/>
+              </a:lnSpc>
+              <a:spcBef>
+                <a:spcPts val="0"/>
+              </a:spcBef>
+              <a:spcAft>
+                <a:spcPts val="0"/>
+              </a:spcAft>
+              <a:buSzPts val="1200"/>
+              <a:buFont typeface="Arial"/>
+              <a:buChar char="●"/>
+            </a:pPr>
+            <a:r>
+              <a:rPr lang="en" sz="1200">
+                <a:latin typeface="Arial"/>
+                <a:ea typeface="Arial"/>
+                <a:cs typeface="Arial"/>
+                <a:sym typeface="Arial"/>
+              </a:rPr>
+              <a:t>Centrally </a:t>
+            </a:r>
+            <a:r>
+              <a:rPr lang="en" sz="1200" b="1">
+                <a:latin typeface="Arial"/>
+                <a:ea typeface="Arial"/>
+                <a:cs typeface="Arial"/>
+                <a:sym typeface="Arial"/>
+              </a:rPr>
+              <a:t>manage configuration</a:t>
+            </a:r>
+            <a:endParaRPr sz="1200" b="1">
+              <a:latin typeface="Arial"/>
+              <a:ea typeface="Arial"/>
+              <a:cs typeface="Arial"/>
+              <a:sym typeface="Arial"/>
+            </a:endParaRPr>
+          </a:p>
+          <a:p>
+            <a:pPr marL="342900" lvl="0" indent="-241300" algn="l" rtl="0">
+              <a:lnSpc>
+                <a:spcPct val="115000"/>
+              </a:lnSpc>
+              <a:spcBef>
+                <a:spcPts val="0"/>
+              </a:spcBef>
+              <a:spcAft>
+                <a:spcPts val="0"/>
+              </a:spcAft>
+              <a:buSzPts val="1200"/>
+              <a:buFont typeface="Arial"/>
+              <a:buChar char="●"/>
+            </a:pPr>
+            <a:r>
+              <a:rPr lang="en" sz="1200">
+                <a:latin typeface="Arial"/>
+                <a:ea typeface="Arial"/>
+                <a:cs typeface="Arial"/>
+                <a:sym typeface="Arial"/>
+              </a:rPr>
+              <a:t>Automatically </a:t>
+            </a:r>
+            <a:r>
+              <a:rPr lang="en" sz="1200" b="1">
+                <a:latin typeface="Arial"/>
+                <a:ea typeface="Arial"/>
+                <a:cs typeface="Arial"/>
+                <a:sym typeface="Arial"/>
+              </a:rPr>
+              <a:t>handle new regions</a:t>
+            </a:r>
+            <a:endParaRPr sz="1200" b="1">
+              <a:latin typeface="Arial"/>
+              <a:ea typeface="Arial"/>
+              <a:cs typeface="Arial"/>
+              <a:sym typeface="Arial"/>
+            </a:endParaRPr>
+          </a:p>
+          <a:p>
+            <a:pPr marL="342900" lvl="0" indent="-241300" algn="l" rtl="0">
+              <a:lnSpc>
+                <a:spcPct val="115000"/>
+              </a:lnSpc>
+              <a:spcBef>
+                <a:spcPts val="0"/>
+              </a:spcBef>
+              <a:spcAft>
+                <a:spcPts val="0"/>
+              </a:spcAft>
+              <a:buSzPts val="1200"/>
+              <a:buFont typeface="Arial"/>
+              <a:buChar char="●"/>
+            </a:pPr>
+            <a:r>
+              <a:rPr lang="en" sz="1200">
+                <a:latin typeface="Arial"/>
+                <a:ea typeface="Arial"/>
+                <a:cs typeface="Arial"/>
+                <a:sym typeface="Arial"/>
+              </a:rPr>
+              <a:t>Consolidate to single </a:t>
+            </a:r>
+            <a:r>
+              <a:rPr lang="en" sz="1200" b="1">
+                <a:latin typeface="Arial"/>
+                <a:ea typeface="Arial"/>
+                <a:cs typeface="Arial"/>
+                <a:sym typeface="Arial"/>
+              </a:rPr>
+              <a:t>S3 bucket, Log Group</a:t>
+            </a:r>
+            <a:endParaRPr sz="1200" b="1">
+              <a:latin typeface="Arial"/>
+              <a:ea typeface="Arial"/>
+              <a:cs typeface="Arial"/>
+              <a:sym typeface="Arial"/>
+            </a:endParaRPr>
+          </a:p>
+          <a:p>
+            <a:pPr marL="342900" lvl="0" indent="-241300" algn="l" rtl="0">
+              <a:lnSpc>
+                <a:spcPct val="115000"/>
+              </a:lnSpc>
+              <a:spcBef>
+                <a:spcPts val="0"/>
+              </a:spcBef>
+              <a:spcAft>
+                <a:spcPts val="0"/>
+              </a:spcAft>
+              <a:buSzPts val="1200"/>
+              <a:buFont typeface="Arial"/>
+              <a:buChar char="●"/>
+            </a:pPr>
+            <a:r>
+              <a:rPr lang="en" sz="1200">
+                <a:latin typeface="Arial"/>
+                <a:ea typeface="Arial"/>
+                <a:cs typeface="Arial"/>
+                <a:sym typeface="Arial"/>
+              </a:rPr>
+              <a:t>Monitor for activity in unused regions</a:t>
+            </a:r>
+            <a:endParaRPr sz="1200">
+              <a:latin typeface="Arial"/>
+              <a:ea typeface="Arial"/>
+              <a:cs typeface="Arial"/>
+              <a:sym typeface="Arial"/>
+            </a:endParaRPr>
+          </a:p>
+          <a:p>
+            <a:pPr marL="342900" lvl="0" indent="-241300" algn="l" rtl="0">
+              <a:lnSpc>
+                <a:spcPct val="115000"/>
+              </a:lnSpc>
+              <a:spcBef>
+                <a:spcPts val="0"/>
+              </a:spcBef>
+              <a:spcAft>
+                <a:spcPts val="0"/>
+              </a:spcAft>
+              <a:buSzPts val="1200"/>
+              <a:buFont typeface="Arial"/>
+              <a:buChar char="●"/>
+            </a:pPr>
+            <a:r>
+              <a:rPr lang="en" sz="1200">
+                <a:latin typeface="Arial"/>
+                <a:ea typeface="Arial"/>
+                <a:cs typeface="Arial"/>
+                <a:sym typeface="Arial"/>
+              </a:rPr>
+              <a:t>CloudTrail log file integrity</a:t>
+            </a:r>
+            <a:endParaRPr sz="1200">
+              <a:latin typeface="Arial"/>
+              <a:ea typeface="Arial"/>
+              <a:cs typeface="Arial"/>
+              <a:sym typeface="Arial"/>
+            </a:endParaRPr>
+          </a:p>
+        </p:txBody>
+      </p:sp>
+      <p:pic>
+        <p:nvPicPr>
+          <p:cNvPr id="126" name="Google Shape;126;p23"/>
+          <p:cNvPicPr preferRelativeResize="0"/>
+          <p:nvPr/>
+        </p:nvPicPr>
+        <p:blipFill>
+          <a:blip r:embed="rId3">
+            <a:alphaModFix/>
+          </a:blip>
+          <a:stretch>
+            <a:fillRect/>
+          </a:stretch>
+        </p:blipFill>
+        <p:spPr>
+          <a:xfrm>
+            <a:off x="4588275" y="1369219"/>
+            <a:ext cx="3927074" cy="2515269"/>
+          </a:xfrm>
+          <a:prstGeom prst="rect">
+            <a:avLst/>
+          </a:prstGeom>
+          <a:noFill/>
+          <a:ln>
+            <a:noFill/>
+          </a:ln>
+        </p:spPr>
+      </p:pic>
+    </p:spTree>
+  </p:cSld>
+  <p:clrMapOvr>
+    <a:masterClrMapping/>
+  </p:clrMapOvr>
+</p:sld>
+</file>
+
 <file path=ppt/theme/theme1.xml><?xml version="1.0" encoding="utf-8"?>
-<a:theme xmlns:a="http://schemas.openxmlformats.org/drawingml/2006/main" xmlns:r="http://schemas.openxmlformats.org/officeDocument/2006/relationships" name="Simple Light">
+<a:theme xmlns:a="http://schemas.openxmlformats.org/drawingml/2006/main" name="Simple Light">
   <a:themeElements>
     <a:clrScheme name="Simple Light">
       <a:dk1>
@@ -11277,11 +10925,13 @@
       </a:bgFillStyleLst>
     </a:fmtScheme>
   </a:themeElements>
+  <a:objectDefaults/>
+  <a:extraClrSchemeLst/>
 </a:theme>
 </file>
 
 <file path=ppt/theme/theme2.xml><?xml version="1.0" encoding="utf-8"?>
-<a:theme xmlns:a="http://schemas.openxmlformats.org/drawingml/2006/main" xmlns:r="http://schemas.openxmlformats.org/officeDocument/2006/relationships">
+<a:theme xmlns:a="http://schemas.openxmlformats.org/drawingml/2006/main">
   <a:themeElements>
     <a:clrScheme name="Default">
       <a:dk1>
@@ -11556,5 +11206,7 @@
       </a:bgFillStyleLst>
     </a:fmtScheme>
   </a:themeElements>
+  <a:objectDefaults/>
+  <a:extraClrSchemeLst/>
 </a:theme>
 </file>